--- a/presentation-source/00-intro.pptx
+++ b/presentation-source/00-intro.pptx
@@ -15,12 +15,12 @@
     <p:sldId id="273" r:id="rId6"/>
     <p:sldId id="274" r:id="rId7"/>
     <p:sldId id="260" r:id="rId8"/>
-    <p:sldId id="261" r:id="rId9"/>
-    <p:sldId id="262" r:id="rId10"/>
-    <p:sldId id="272" r:id="rId11"/>
-    <p:sldId id="271" r:id="rId12"/>
-    <p:sldId id="264" r:id="rId13"/>
-    <p:sldId id="270" r:id="rId14"/>
+    <p:sldId id="275" r:id="rId9"/>
+    <p:sldId id="261" r:id="rId10"/>
+    <p:sldId id="262" r:id="rId11"/>
+    <p:sldId id="264" r:id="rId12"/>
+    <p:sldId id="270" r:id="rId13"/>
+    <p:sldId id="276" r:id="rId14"/>
     <p:sldId id="265" r:id="rId15"/>
     <p:sldId id="269" r:id="rId16"/>
     <p:sldId id="266" r:id="rId17"/>
@@ -213,7 +213,7 @@
             <a:fld id="{7307762F-A706-E543-A832-3C298AA3103F}" type="datetimeFigureOut">
               <a:rPr lang="en-US" smtClean="0"/>
               <a:pPr/>
-              <a:t>23/05/16</a:t>
+              <a:t>24/05/16</a:t>
             </a:fld>
             <a:endParaRPr lang="en-US" dirty="0"/>
           </a:p>
@@ -780,7 +780,7 @@
           <a:p>
             <a:fld id="{875CF0EB-321F-0749-B37A-89BBA859503C}" type="datetimeFigureOut">
               <a:rPr lang="en-US" smtClean="0"/>
-              <a:t>23/05/16</a:t>
+              <a:t>24/05/16</a:t>
             </a:fld>
             <a:endParaRPr lang="en-US"/>
           </a:p>
@@ -984,7 +984,7 @@
           <a:p>
             <a:fld id="{875CF0EB-321F-0749-B37A-89BBA859503C}" type="datetimeFigureOut">
               <a:rPr lang="en-US" smtClean="0"/>
-              <a:t>23/05/16</a:t>
+              <a:t>24/05/16</a:t>
             </a:fld>
             <a:endParaRPr lang="en-US"/>
           </a:p>
@@ -1178,7 +1178,7 @@
           <a:p>
             <a:fld id="{875CF0EB-321F-0749-B37A-89BBA859503C}" type="datetimeFigureOut">
               <a:rPr lang="en-US" smtClean="0"/>
-              <a:t>23/05/16</a:t>
+              <a:t>24/05/16</a:t>
             </a:fld>
             <a:endParaRPr lang="en-US"/>
           </a:p>
@@ -1448,7 +1448,7 @@
           <a:p>
             <a:fld id="{875CF0EB-321F-0749-B37A-89BBA859503C}" type="datetimeFigureOut">
               <a:rPr lang="en-US" smtClean="0"/>
-              <a:t>23/05/16</a:t>
+              <a:t>24/05/16</a:t>
             </a:fld>
             <a:endParaRPr lang="en-US"/>
           </a:p>
@@ -1760,7 +1760,7 @@
           <a:p>
             <a:fld id="{875CF0EB-321F-0749-B37A-89BBA859503C}" type="datetimeFigureOut">
               <a:rPr lang="en-US" smtClean="0"/>
-              <a:t>23/05/16</a:t>
+              <a:t>24/05/16</a:t>
             </a:fld>
             <a:endParaRPr lang="en-US"/>
           </a:p>
@@ -2206,7 +2206,7 @@
           <a:p>
             <a:fld id="{875CF0EB-321F-0749-B37A-89BBA859503C}" type="datetimeFigureOut">
               <a:rPr lang="en-US" smtClean="0"/>
-              <a:t>23/05/16</a:t>
+              <a:t>24/05/16</a:t>
             </a:fld>
             <a:endParaRPr lang="en-US"/>
           </a:p>
@@ -2348,7 +2348,7 @@
           <a:p>
             <a:fld id="{875CF0EB-321F-0749-B37A-89BBA859503C}" type="datetimeFigureOut">
               <a:rPr lang="en-US" smtClean="0"/>
-              <a:t>23/05/16</a:t>
+              <a:t>24/05/16</a:t>
             </a:fld>
             <a:endParaRPr lang="en-US"/>
           </a:p>
@@ -2467,7 +2467,7 @@
           <a:p>
             <a:fld id="{875CF0EB-321F-0749-B37A-89BBA859503C}" type="datetimeFigureOut">
               <a:rPr lang="en-US" smtClean="0"/>
-              <a:t>23/05/16</a:t>
+              <a:t>24/05/16</a:t>
             </a:fld>
             <a:endParaRPr lang="en-US"/>
           </a:p>
@@ -2768,7 +2768,7 @@
           <a:p>
             <a:fld id="{875CF0EB-321F-0749-B37A-89BBA859503C}" type="datetimeFigureOut">
               <a:rPr lang="en-US" smtClean="0"/>
-              <a:t>23/05/16</a:t>
+              <a:t>24/05/16</a:t>
             </a:fld>
             <a:endParaRPr lang="en-US"/>
           </a:p>
@@ -3045,7 +3045,7 @@
           <a:p>
             <a:fld id="{875CF0EB-321F-0749-B37A-89BBA859503C}" type="datetimeFigureOut">
               <a:rPr lang="en-US" smtClean="0"/>
-              <a:t>23/05/16</a:t>
+              <a:t>24/05/16</a:t>
             </a:fld>
             <a:endParaRPr lang="en-US"/>
           </a:p>
@@ -3965,14 +3965,7 @@
                 <a:ea typeface="ヒラギノ角ゴ ProN W3" charset="0"/>
                 <a:cs typeface="ヒラギノ角ゴ ProN W3" charset="0"/>
               </a:rPr>
-              <a:t>Nov </a:t>
-            </a:r>
-            <a:r>
-              <a:rPr lang="en-US" dirty="0" smtClean="0">
-                <a:ea typeface="ヒラギノ角ゴ ProN W3" charset="0"/>
-                <a:cs typeface="ヒラギノ角ゴ ProN W3" charset="0"/>
-              </a:rPr>
-              <a:t>2016</a:t>
+              <a:t>Nov 2016</a:t>
             </a:r>
             <a:endParaRPr lang="en-US" dirty="0">
               <a:ea typeface="ヒラギノ角ゴ ProN W3" charset="0"/>
@@ -4028,7 +4021,7 @@
       </p:grpSpPr>
       <p:sp>
         <p:nvSpPr>
-          <p:cNvPr id="2" name="Title 1"/>
+          <p:cNvPr id="9217" name="Title 1"/>
           <p:cNvSpPr>
             <a:spLocks noGrp="1"/>
           </p:cNvSpPr>
@@ -4036,130 +4029,194 @@
             <p:ph type="title"/>
           </p:nvPr>
         </p:nvSpPr>
-        <p:spPr/>
-        <p:txBody>
-          <a:bodyPr/>
+        <p:spPr bwMode="auto">
+          <a:noFill/>
+          <a:extLst>
+            <a:ext uri="{909E8E84-426E-40dd-AFC4-6F175D3DCCD1}">
+              <a14:hiddenFill xmlns:a14="http://schemas.microsoft.com/office/drawing/2010/main">
+                <a:solidFill>
+                  <a:srgbClr val="FFFFFF"/>
+                </a:solidFill>
+              </a14:hiddenFill>
+            </a:ext>
+            <a:ext uri="{91240B29-F687-4f45-9708-019B960494DF}">
+              <a14:hiddenLine xmlns:a14="http://schemas.microsoft.com/office/drawing/2010/main" w="9525">
+                <a:solidFill>
+                  <a:srgbClr val="000000"/>
+                </a:solidFill>
+                <a:miter lim="800000"/>
+                <a:headEnd/>
+                <a:tailEnd/>
+              </a14:hiddenLine>
+            </a:ext>
+          </a:extLst>
+        </p:spPr>
+        <p:txBody>
+          <a:bodyPr wrap="square" lIns="64291" tIns="32146" rIns="64291" bIns="32146" numCol="1" anchor="t" anchorCtr="0" compatLnSpc="1">
+            <a:prstTxWarp prst="textNoShape">
+              <a:avLst/>
+            </a:prstTxWarp>
+          </a:bodyPr>
           <a:lstStyle/>
           <a:p>
-            <a:r>
-              <a:rPr lang="en-US" dirty="0" smtClean="0"/>
-              <a:t>Improve your CV?</a:t>
-            </a:r>
-            <a:endParaRPr lang="en-US" dirty="0"/>
-          </a:p>
-        </p:txBody>
-      </p:sp>
-      <p:pic>
-        <p:nvPicPr>
-          <p:cNvPr id="4" name="Picture 3"/>
-          <p:cNvPicPr>
-            <a:picLocks noChangeAspect="1"/>
-          </p:cNvPicPr>
-          <p:nvPr/>
-        </p:nvPicPr>
-        <p:blipFill rotWithShape="1">
-          <a:blip r:embed="rId2"/>
-          <a:srcRect t="12185"/>
-          <a:stretch/>
-        </p:blipFill>
-        <p:spPr>
-          <a:xfrm>
-            <a:off x="1955800" y="1301750"/>
-            <a:ext cx="5232400" cy="5308600"/>
-          </a:xfrm>
-          <a:prstGeom prst="rect">
-            <a:avLst/>
-          </a:prstGeom>
-        </p:spPr>
-      </p:pic>
+            <a:pPr eaLnBrk="1" hangingPunct="1"/>
+            <a:r>
+              <a:rPr lang="en-US" dirty="0" smtClean="0">
+                <a:ea typeface="ヒラギノ角ゴ ProN W3" charset="0"/>
+                <a:cs typeface="ヒラギノ角ゴ ProN W3" charset="0"/>
+              </a:rPr>
+              <a:t>Specific Objectives</a:t>
+            </a:r>
+            <a:endParaRPr lang="en-US" dirty="0">
+              <a:ea typeface="ヒラギノ角ゴ ProN W3" charset="0"/>
+              <a:cs typeface="ヒラギノ角ゴ ProN W3" charset="0"/>
+            </a:endParaRPr>
+          </a:p>
+        </p:txBody>
+      </p:sp>
+      <p:sp>
+        <p:nvSpPr>
+          <p:cNvPr id="9218" name="Content Placeholder 2"/>
+          <p:cNvSpPr>
+            <a:spLocks noGrp="1"/>
+          </p:cNvSpPr>
+          <p:nvPr>
+            <p:ph idx="1"/>
+          </p:nvPr>
+        </p:nvSpPr>
+        <p:spPr bwMode="auto">
+          <a:noFill/>
+          <a:extLst>
+            <a:ext uri="{909E8E84-426E-40dd-AFC4-6F175D3DCCD1}">
+              <a14:hiddenFill xmlns:a14="http://schemas.microsoft.com/office/drawing/2010/main">
+                <a:solidFill>
+                  <a:srgbClr val="FFFFFF"/>
+                </a:solidFill>
+              </a14:hiddenFill>
+            </a:ext>
+            <a:ext uri="{91240B29-F687-4f45-9708-019B960494DF}">
+              <a14:hiddenLine xmlns:a14="http://schemas.microsoft.com/office/drawing/2010/main" w="9525">
+                <a:solidFill>
+                  <a:srgbClr val="000000"/>
+                </a:solidFill>
+                <a:miter lim="800000"/>
+                <a:headEnd/>
+                <a:tailEnd/>
+              </a14:hiddenLine>
+            </a:ext>
+          </a:extLst>
+        </p:spPr>
+        <p:txBody>
+          <a:bodyPr wrap="square" lIns="64291" tIns="32146" rIns="64291" bIns="32146" numCol="1" anchor="t" anchorCtr="0" compatLnSpc="1">
+            <a:prstTxWarp prst="textNoShape">
+              <a:avLst/>
+            </a:prstTxWarp>
+            <a:noAutofit/>
+          </a:bodyPr>
+          <a:lstStyle/>
+          <a:p>
+            <a:r>
+              <a:rPr lang="en-US" sz="2400" dirty="0" smtClean="0">
+                <a:ea typeface="ヒラギノ角ゴ ProN W3" charset="0"/>
+                <a:cs typeface="ヒラギノ角ゴ ProN W3" charset="0"/>
+              </a:rPr>
+              <a:t>Clear understanding of the aims and properties of SOA systems</a:t>
+            </a:r>
+          </a:p>
+          <a:p>
+            <a:r>
+              <a:rPr lang="en-US" sz="2400" dirty="0" smtClean="0">
+                <a:ea typeface="ヒラギノ角ゴ ProN W3" charset="0"/>
+                <a:cs typeface="ヒラギノ角ゴ ProN W3" charset="0"/>
+              </a:rPr>
+              <a:t>Tools and approaches for building, testing and integrating services</a:t>
+            </a:r>
+          </a:p>
+          <a:p>
+            <a:r>
+              <a:rPr lang="en-US" sz="2400" dirty="0" smtClean="0">
+                <a:ea typeface="ヒラギノ角ゴ ProN W3" charset="0"/>
+                <a:cs typeface="ヒラギノ角ゴ ProN W3" charset="0"/>
+              </a:rPr>
+              <a:t>Understanding of REST principles and approaches</a:t>
+            </a:r>
+          </a:p>
+          <a:p>
+            <a:r>
+              <a:rPr lang="en-US" sz="2400" dirty="0" smtClean="0">
+                <a:ea typeface="ヒラギノ角ゴ ProN W3" charset="0"/>
+                <a:cs typeface="ヒラギノ角ゴ ProN W3" charset="0"/>
+              </a:rPr>
+              <a:t>Ability to architect and design SOA solutions</a:t>
+            </a:r>
+          </a:p>
+          <a:p>
+            <a:r>
+              <a:rPr lang="en-US" sz="2400" dirty="0" err="1" smtClean="0">
+                <a:ea typeface="ヒラギノ角ゴ ProN W3" charset="0"/>
+                <a:cs typeface="ヒラギノ角ゴ ProN W3" charset="0"/>
+              </a:rPr>
+              <a:t>Microservice</a:t>
+            </a:r>
+            <a:r>
+              <a:rPr lang="en-US" sz="2400" dirty="0" err="1" smtClean="0">
+                <a:ea typeface="ヒラギノ角ゴ ProN W3" charset="0"/>
+                <a:cs typeface="ヒラギノ角ゴ ProN W3" charset="0"/>
+              </a:rPr>
+              <a:t>s</a:t>
+            </a:r>
+            <a:r>
+              <a:rPr lang="en-US" sz="2400" dirty="0" smtClean="0">
+                <a:ea typeface="ヒラギノ角ゴ ProN W3" charset="0"/>
+                <a:cs typeface="ヒラギノ角ゴ ProN W3" charset="0"/>
+              </a:rPr>
+              <a:t> architecture and comparison with traditional SOA</a:t>
+            </a:r>
+          </a:p>
+          <a:p>
+            <a:r>
+              <a:rPr lang="en-US" sz="2400" dirty="0" smtClean="0">
+                <a:ea typeface="ヒラギノ角ゴ ProN W3" charset="0"/>
+                <a:cs typeface="ヒラギノ角ゴ ProN W3" charset="0"/>
+              </a:rPr>
+              <a:t>Ability to define security, management and governance approaches for SOA </a:t>
+            </a:r>
+            <a:endParaRPr lang="en-US" sz="2000" dirty="0">
+              <a:ea typeface="ヒラギノ角ゴ ProN W3" charset="0"/>
+              <a:cs typeface="ヒラギノ角ゴ ProN W3" charset="0"/>
+            </a:endParaRPr>
+          </a:p>
+        </p:txBody>
+      </p:sp>
     </p:spTree>
     <p:extLst>
       <p:ext uri="{BB962C8B-B14F-4D97-AF65-F5344CB8AC3E}">
-        <p14:creationId xmlns:p14="http://schemas.microsoft.com/office/powerpoint/2010/main" val="2802100120"/>
+        <p14:creationId xmlns:p14="http://schemas.microsoft.com/office/powerpoint/2010/main" val="1239434471"/>
       </p:ext>
     </p:extLst>
   </p:cSld>
   <p:clrMapOvr>
     <a:masterClrMapping/>
   </p:clrMapOvr>
+  <mc:AlternateContent xmlns:mc="http://schemas.openxmlformats.org/markup-compatibility/2006" xmlns:p14="http://schemas.microsoft.com/office/powerpoint/2010/main">
+    <mc:Choice Requires="p14">
+      <p:transition spd="slow" p14:dur="2000"/>
+    </mc:Choice>
+    <mc:Fallback xmlns="">
+      <p:transition xmlns:p14="http://schemas.microsoft.com/office/powerpoint/2010/main" spd="slow"/>
+    </mc:Fallback>
+  </mc:AlternateContent>
+  <p:timing>
+    <p:tnLst>
+      <p:par>
+        <p:cTn xmlns:p14="http://schemas.microsoft.com/office/powerpoint/2010/main" id="1" dur="indefinite" restart="never" nodeType="tmRoot"/>
+      </p:par>
+    </p:tnLst>
+  </p:timing>
 </p:sld>
 </file>
 
 <file path=ppt/slides/slide11.xml><?xml version="1.0" encoding="utf-8"?>
-<p:sld xmlns:a="http://schemas.openxmlformats.org/drawingml/2006/main" xmlns:r="http://schemas.openxmlformats.org/officeDocument/2006/relationships" xmlns:p="http://schemas.openxmlformats.org/presentationml/2006/main">
-  <p:cSld>
-    <p:spTree>
-      <p:nvGrpSpPr>
-        <p:cNvPr id="1" name=""/>
-        <p:cNvGrpSpPr/>
-        <p:nvPr/>
-      </p:nvGrpSpPr>
-      <p:grpSpPr>
-        <a:xfrm>
-          <a:off x="0" y="0"/>
-          <a:ext cx="0" cy="0"/>
-          <a:chOff x="0" y="0"/>
-          <a:chExt cx="0" cy="0"/>
-        </a:xfrm>
-      </p:grpSpPr>
-      <p:sp>
-        <p:nvSpPr>
-          <p:cNvPr id="2" name="Title 1"/>
-          <p:cNvSpPr>
-            <a:spLocks noGrp="1"/>
-          </p:cNvSpPr>
-          <p:nvPr>
-            <p:ph type="title"/>
-          </p:nvPr>
-        </p:nvSpPr>
-        <p:spPr/>
-        <p:txBody>
-          <a:bodyPr>
-            <a:normAutofit fontScale="90000"/>
-          </a:bodyPr>
-          <a:lstStyle/>
-          <a:p>
-            <a:r>
-              <a:rPr lang="en-US" dirty="0" smtClean="0"/>
-              <a:t>Beyond the scope of this course</a:t>
-            </a:r>
-            <a:endParaRPr lang="en-US" dirty="0"/>
-          </a:p>
-        </p:txBody>
-      </p:sp>
-      <p:sp>
-        <p:nvSpPr>
-          <p:cNvPr id="3" name="Content Placeholder 2"/>
-          <p:cNvSpPr>
-            <a:spLocks noGrp="1"/>
-          </p:cNvSpPr>
-          <p:nvPr>
-            <p:ph idx="1"/>
-          </p:nvPr>
-        </p:nvSpPr>
-        <p:spPr/>
-        <p:txBody>
-          <a:bodyPr/>
-          <a:lstStyle/>
-          <a:p>
-            <a:endParaRPr lang="en-US" dirty="0"/>
-          </a:p>
-        </p:txBody>
-      </p:sp>
-    </p:spTree>
-    <p:extLst>
-      <p:ext uri="{BB962C8B-B14F-4D97-AF65-F5344CB8AC3E}">
-        <p14:creationId xmlns:p14="http://schemas.microsoft.com/office/powerpoint/2010/main" val="843566124"/>
-      </p:ext>
-    </p:extLst>
-  </p:cSld>
-  <p:clrMapOvr>
-    <a:masterClrMapping/>
-  </p:clrMapOvr>
-</p:sld>
-</file>
-
-<file path=ppt/slides/slide12.xml><?xml version="1.0" encoding="utf-8"?>
 <p:sld xmlns:a="http://schemas.openxmlformats.org/drawingml/2006/main" xmlns:r="http://schemas.openxmlformats.org/officeDocument/2006/relationships" xmlns:p="http://schemas.openxmlformats.org/presentationml/2006/main">
   <p:cSld>
     <p:spTree>
@@ -4348,6 +4405,151 @@
 </p:sld>
 </file>
 
+<file path=ppt/slides/slide12.xml><?xml version="1.0" encoding="utf-8"?>
+<p:sld xmlns:a="http://schemas.openxmlformats.org/drawingml/2006/main" xmlns:r="http://schemas.openxmlformats.org/officeDocument/2006/relationships" xmlns:p="http://schemas.openxmlformats.org/presentationml/2006/main">
+  <p:cSld>
+    <p:spTree>
+      <p:nvGrpSpPr>
+        <p:cNvPr id="1" name=""/>
+        <p:cNvGrpSpPr/>
+        <p:nvPr/>
+      </p:nvGrpSpPr>
+      <p:grpSpPr>
+        <a:xfrm>
+          <a:off x="0" y="0"/>
+          <a:ext cx="0" cy="0"/>
+          <a:chOff x="0" y="0"/>
+          <a:chExt cx="0" cy="0"/>
+        </a:xfrm>
+      </p:grpSpPr>
+      <p:sp>
+        <p:nvSpPr>
+          <p:cNvPr id="2" name="Title 1"/>
+          <p:cNvSpPr>
+            <a:spLocks noGrp="1"/>
+          </p:cNvSpPr>
+          <p:nvPr>
+            <p:ph type="title"/>
+          </p:nvPr>
+        </p:nvSpPr>
+        <p:spPr/>
+        <p:txBody>
+          <a:bodyPr>
+            <a:normAutofit fontScale="90000"/>
+          </a:bodyPr>
+          <a:lstStyle/>
+          <a:p>
+            <a:r>
+              <a:rPr lang="en-US" dirty="0" smtClean="0"/>
+              <a:t>First Run since a major update!</a:t>
+            </a:r>
+            <a:endParaRPr lang="en-US" dirty="0"/>
+          </a:p>
+        </p:txBody>
+      </p:sp>
+      <p:sp>
+        <p:nvSpPr>
+          <p:cNvPr id="3" name="Content Placeholder 2"/>
+          <p:cNvSpPr>
+            <a:spLocks noGrp="1"/>
+          </p:cNvSpPr>
+          <p:nvPr>
+            <p:ph idx="1"/>
+          </p:nvPr>
+        </p:nvSpPr>
+        <p:spPr/>
+        <p:txBody>
+          <a:bodyPr>
+            <a:normAutofit lnSpcReduction="10000"/>
+          </a:bodyPr>
+          <a:lstStyle/>
+          <a:p>
+            <a:r>
+              <a:rPr lang="en-US" dirty="0" smtClean="0"/>
+              <a:t>This is the first running of this course since it was re-written</a:t>
+            </a:r>
+          </a:p>
+          <a:p>
+            <a:r>
+              <a:rPr lang="en-US" dirty="0" smtClean="0"/>
+              <a:t>Please take that into consideration:</a:t>
+            </a:r>
+          </a:p>
+          <a:p>
+            <a:pPr lvl="1"/>
+            <a:r>
+              <a:rPr lang="en-US" dirty="0" smtClean="0"/>
+              <a:t>There will be bugs!</a:t>
+            </a:r>
+          </a:p>
+          <a:p>
+            <a:r>
+              <a:rPr lang="en-US" dirty="0" smtClean="0"/>
+              <a:t>Please help out:</a:t>
+            </a:r>
+          </a:p>
+          <a:p>
+            <a:pPr lvl="1"/>
+            <a:r>
+              <a:rPr lang="en-US" dirty="0" smtClean="0"/>
+              <a:t>Please create new issues on the </a:t>
+            </a:r>
+            <a:r>
+              <a:rPr lang="en-US" dirty="0" err="1" smtClean="0"/>
+              <a:t>Github</a:t>
+            </a:r>
+            <a:r>
+              <a:rPr lang="en-US" dirty="0" smtClean="0"/>
+              <a:t> repository</a:t>
+            </a:r>
+          </a:p>
+          <a:p>
+            <a:pPr lvl="1"/>
+            <a:r>
+              <a:rPr lang="en-US" dirty="0">
+                <a:hlinkClick r:id="rId2"/>
+              </a:rPr>
+              <a:t>https://github.com/pzfreo/ox</a:t>
+            </a:r>
+            <a:r>
+              <a:rPr lang="en-US" dirty="0" smtClean="0">
+                <a:hlinkClick r:id="rId2"/>
+              </a:rPr>
+              <a:t>-soa2/</a:t>
+            </a:r>
+            <a:r>
+              <a:rPr lang="en-US" dirty="0">
+                <a:hlinkClick r:id="rId2"/>
+              </a:rPr>
+              <a:t>issues/</a:t>
+            </a:r>
+            <a:r>
+              <a:rPr lang="en-US" dirty="0" smtClean="0">
+                <a:hlinkClick r:id="rId2"/>
+              </a:rPr>
+              <a:t>new</a:t>
+            </a:r>
+            <a:r>
+              <a:rPr lang="en-US" dirty="0" smtClean="0"/>
+              <a:t> </a:t>
+            </a:r>
+            <a:endParaRPr lang="en-US" dirty="0"/>
+          </a:p>
+        </p:txBody>
+      </p:sp>
+    </p:spTree>
+    <p:extLst>
+      <p:ext uri="{BB962C8B-B14F-4D97-AF65-F5344CB8AC3E}">
+        <p14:creationId xmlns:p14="http://schemas.microsoft.com/office/powerpoint/2010/main" val="1762767997"/>
+      </p:ext>
+    </p:extLst>
+  </p:cSld>
+  <p:clrMapOvr>
+    <a:masterClrMapping/>
+  </p:clrMapOvr>
+</p:sld>
+</file>
+
 <file path=ppt/slides/slide13.xml><?xml version="1.0" encoding="utf-8"?>
 <p:sld xmlns:a="http://schemas.openxmlformats.org/drawingml/2006/main" xmlns:r="http://schemas.openxmlformats.org/officeDocument/2006/relationships" xmlns:p="http://schemas.openxmlformats.org/presentationml/2006/main">
   <p:cSld>
@@ -4365,146 +4567,34 @@
           <a:chExt cx="0" cy="0"/>
         </a:xfrm>
       </p:grpSpPr>
-      <p:sp>
-        <p:nvSpPr>
-          <p:cNvPr id="2" name="Title 1"/>
-          <p:cNvSpPr>
-            <a:spLocks noGrp="1"/>
-          </p:cNvSpPr>
-          <p:nvPr>
-            <p:ph type="title"/>
-          </p:nvPr>
-        </p:nvSpPr>
-        <p:spPr/>
-        <p:txBody>
-          <a:bodyPr>
-            <a:normAutofit fontScale="90000"/>
-          </a:bodyPr>
-          <a:lstStyle/>
-          <a:p>
-            <a:r>
-              <a:rPr lang="en-US" dirty="0" smtClean="0"/>
-              <a:t>First </a:t>
-            </a:r>
-            <a:r>
-              <a:rPr lang="en-US" dirty="0" smtClean="0"/>
-              <a:t>Run since a major update!</a:t>
-            </a:r>
-            <a:endParaRPr lang="en-US" dirty="0"/>
-          </a:p>
-        </p:txBody>
-      </p:sp>
-      <p:sp>
-        <p:nvSpPr>
-          <p:cNvPr id="3" name="Content Placeholder 2"/>
-          <p:cNvSpPr>
-            <a:spLocks noGrp="1"/>
-          </p:cNvSpPr>
-          <p:nvPr>
-            <p:ph idx="1"/>
-          </p:nvPr>
-        </p:nvSpPr>
-        <p:spPr/>
-        <p:txBody>
-          <a:bodyPr>
-            <a:normAutofit lnSpcReduction="10000"/>
-          </a:bodyPr>
-          <a:lstStyle/>
-          <a:p>
-            <a:r>
-              <a:rPr lang="en-US" dirty="0" smtClean="0"/>
-              <a:t>This is the first running of this </a:t>
-            </a:r>
-            <a:r>
-              <a:rPr lang="en-US" dirty="0" smtClean="0"/>
-              <a:t>course since it was re-written</a:t>
-            </a:r>
-            <a:endParaRPr lang="en-US" dirty="0" smtClean="0"/>
-          </a:p>
-          <a:p>
-            <a:r>
-              <a:rPr lang="en-US" dirty="0" smtClean="0"/>
-              <a:t>Please take that into consideration:</a:t>
-            </a:r>
-          </a:p>
-          <a:p>
-            <a:pPr lvl="1"/>
-            <a:r>
-              <a:rPr lang="en-US" dirty="0" smtClean="0"/>
-              <a:t>There will be bugs!</a:t>
-            </a:r>
-          </a:p>
-          <a:p>
-            <a:r>
-              <a:rPr lang="en-US" dirty="0" smtClean="0"/>
-              <a:t>Please help out:</a:t>
-            </a:r>
-          </a:p>
-          <a:p>
-            <a:pPr lvl="1"/>
-            <a:r>
-              <a:rPr lang="en-US" dirty="0" smtClean="0"/>
-              <a:t>Please create new issues on the </a:t>
-            </a:r>
-            <a:r>
-              <a:rPr lang="en-US" dirty="0" err="1" smtClean="0"/>
-              <a:t>Github</a:t>
-            </a:r>
-            <a:r>
-              <a:rPr lang="en-US" dirty="0" smtClean="0"/>
-              <a:t> repository</a:t>
-            </a:r>
-          </a:p>
-          <a:p>
-            <a:pPr lvl="1"/>
-            <a:r>
-              <a:rPr lang="en-US" dirty="0">
-                <a:hlinkClick r:id="rId2"/>
-              </a:rPr>
-              <a:t>https://github.com/pzfreo/ox</a:t>
-            </a:r>
-            <a:r>
-              <a:rPr lang="en-US" dirty="0" smtClean="0">
-                <a:hlinkClick r:id="rId2"/>
-              </a:rPr>
-              <a:t>-</a:t>
-            </a:r>
-            <a:r>
-              <a:rPr lang="en-US" dirty="0" smtClean="0">
-                <a:hlinkClick r:id="rId2"/>
-              </a:rPr>
-              <a:t>soa2</a:t>
-            </a:r>
-            <a:r>
-              <a:rPr lang="en-US" dirty="0" smtClean="0">
-                <a:hlinkClick r:id="rId2"/>
-              </a:rPr>
-              <a:t>/</a:t>
-            </a:r>
-            <a:r>
-              <a:rPr lang="en-US" dirty="0">
-                <a:hlinkClick r:id="rId2"/>
-              </a:rPr>
-              <a:t>issues/</a:t>
-            </a:r>
-            <a:r>
-              <a:rPr lang="en-US" dirty="0" smtClean="0">
-                <a:hlinkClick r:id="rId2"/>
-              </a:rPr>
-              <a:t>new</a:t>
-            </a:r>
-            <a:r>
-              <a:rPr lang="en-US" dirty="0" smtClean="0"/>
-              <a:t> </a:t>
-            </a:r>
-            <a:endParaRPr lang="en-US" dirty="0"/>
-          </a:p>
-        </p:txBody>
-      </p:sp>
+      <p:pic>
+        <p:nvPicPr>
+          <p:cNvPr id="6" name="Picture 5"/>
+          <p:cNvPicPr>
+            <a:picLocks noChangeAspect="1"/>
+          </p:cNvPicPr>
+          <p:nvPr/>
+        </p:nvPicPr>
+        <p:blipFill>
+          <a:blip r:embed="rId2"/>
+          <a:stretch>
+            <a:fillRect/>
+          </a:stretch>
+        </p:blipFill>
+        <p:spPr>
+          <a:xfrm>
+            <a:off x="2146300" y="0"/>
+            <a:ext cx="4840941" cy="6858000"/>
+          </a:xfrm>
+          <a:prstGeom prst="rect">
+            <a:avLst/>
+          </a:prstGeom>
+        </p:spPr>
+      </p:pic>
     </p:spTree>
     <p:extLst>
       <p:ext uri="{BB962C8B-B14F-4D97-AF65-F5344CB8AC3E}">
-        <p14:creationId xmlns:p14="http://schemas.microsoft.com/office/powerpoint/2010/main" val="1762767997"/>
+        <p14:creationId xmlns:p14="http://schemas.microsoft.com/office/powerpoint/2010/main" val="2928917412"/>
       </p:ext>
     </p:extLst>
   </p:cSld>
@@ -4664,7 +4754,24 @@
                 <a:ea typeface="ヒラギノ角ゴ ProN W3" charset="0"/>
                 <a:cs typeface="ヒラギノ角ゴ ProN W3" charset="0"/>
               </a:rPr>
-              <a:t>tudy leave</a:t>
+              <a:t>tudy </a:t>
+            </a:r>
+            <a:r>
+              <a:rPr lang="en-US" sz="1600" dirty="0" smtClean="0">
+                <a:ea typeface="ヒラギノ角ゴ ProN W3" charset="0"/>
+                <a:cs typeface="ヒラギノ角ゴ ProN W3" charset="0"/>
+              </a:rPr>
+              <a:t>leave </a:t>
+            </a:r>
+          </a:p>
+          <a:p>
+            <a:pPr lvl="1"/>
+            <a:r>
+              <a:rPr lang="en-US" sz="1600" dirty="0" smtClean="0">
+                <a:ea typeface="ヒラギノ角ゴ ProN W3" charset="0"/>
+                <a:cs typeface="ヒラギノ角ゴ ProN W3" charset="0"/>
+              </a:rPr>
+              <a:t>PhD research student</a:t>
             </a:r>
             <a:endParaRPr lang="en-US" sz="1600" dirty="0">
               <a:ea typeface="ヒラギノ角ゴ ProN W3" charset="0"/>
@@ -4760,19 +4867,9 @@
                 <a:ea typeface="ヒラギノ角ゴ ProN W3" charset="0"/>
                 <a:cs typeface="ヒラギノ角ゴ ProN W3" charset="0"/>
               </a:rPr>
-              <a:t>Teaches SOA module</a:t>
-            </a:r>
-          </a:p>
-          <a:p>
-            <a:pPr eaLnBrk="1" hangingPunct="1"/>
-            <a:r>
-              <a:rPr lang="en-US" sz="2000" dirty="0" smtClean="0">
-                <a:ea typeface="ヒラギノ角ゴ ProN W3" charset="0"/>
-                <a:cs typeface="ヒラギノ角ゴ ProN W3" charset="0"/>
-              </a:rPr>
-              <a:t>PhD Research Student</a:t>
-            </a:r>
-            <a:endParaRPr lang="en-US" sz="2000" dirty="0">
+              <a:t>Also teaches CLO module</a:t>
+            </a:r>
+            <a:endParaRPr lang="en-US" sz="2000" dirty="0" smtClean="0">
               <a:ea typeface="ヒラギノ角ゴ ProN W3" charset="0"/>
               <a:cs typeface="ヒラギノ角ゴ ProN W3" charset="0"/>
             </a:endParaRPr>
@@ -6211,11 +6308,7 @@
             </a:r>
             <a:r>
               <a:rPr lang="en-US" sz="2400" dirty="0" smtClean="0"/>
-              <a:t> </a:t>
-            </a:r>
-            <a:r>
-              <a:rPr lang="en-US" sz="2400" dirty="0" smtClean="0"/>
-              <a:t>of networking, servers and distributed computing </a:t>
+              <a:t> of networking, servers and distributed computing </a:t>
             </a:r>
             <a:endParaRPr lang="en-US" sz="2400" b="1" dirty="0" smtClean="0"/>
           </a:p>
@@ -6438,15 +6531,7 @@
             <a:pPr lvl="1"/>
             <a:r>
               <a:rPr lang="en-US" dirty="0" smtClean="0"/>
-              <a:t>Pre-installed </a:t>
-            </a:r>
-            <a:r>
-              <a:rPr lang="en-US" dirty="0" smtClean="0"/>
-              <a:t>SOA </a:t>
-            </a:r>
-            <a:r>
-              <a:rPr lang="en-US" dirty="0" smtClean="0"/>
-              <a:t>software	</a:t>
+              <a:t>Pre-installed SOA software	</a:t>
             </a:r>
           </a:p>
           <a:p>
@@ -6544,48 +6629,65 @@
       </p:sp>
       <p:sp>
         <p:nvSpPr>
-          <p:cNvPr id="2" name="Content Placeholder 1"/>
-          <p:cNvSpPr>
-            <a:spLocks noGrp="1"/>
-          </p:cNvSpPr>
-          <p:nvPr>
-            <p:ph sz="half" idx="1"/>
+          <p:cNvPr id="4" name="Content Placeholder 3"/>
+          <p:cNvSpPr>
+            <a:spLocks noGrp="1"/>
+          </p:cNvSpPr>
+          <p:nvPr>
+            <p:ph idx="1"/>
           </p:nvPr>
         </p:nvSpPr>
         <p:spPr/>
         <p:txBody>
           <a:bodyPr>
-            <a:normAutofit/>
+            <a:normAutofit lnSpcReduction="10000"/>
           </a:bodyPr>
           <a:lstStyle/>
           <a:p>
-            <a:pPr marL="0" indent="0">
-              <a:buNone/>
-            </a:pPr>
-            <a:endParaRPr lang="en-US" dirty="0"/>
-          </a:p>
-        </p:txBody>
-      </p:sp>
-      <p:sp>
-        <p:nvSpPr>
-          <p:cNvPr id="3" name="Content Placeholder 2"/>
-          <p:cNvSpPr>
-            <a:spLocks noGrp="1"/>
-          </p:cNvSpPr>
-          <p:nvPr>
-            <p:ph sz="half" idx="2"/>
-          </p:nvPr>
-        </p:nvSpPr>
-        <p:spPr/>
-        <p:txBody>
-          <a:bodyPr>
-            <a:normAutofit/>
-          </a:bodyPr>
-          <a:lstStyle/>
-          <a:p>
-            <a:pPr marL="0" indent="0">
-              <a:buNone/>
-            </a:pPr>
+            <a:r>
+              <a:rPr lang="en-US" dirty="0" smtClean="0"/>
+              <a:t>Introduction and overview of the week</a:t>
+            </a:r>
+          </a:p>
+          <a:p>
+            <a:r>
+              <a:rPr lang="en-US" dirty="0" smtClean="0"/>
+              <a:t>Distributed computing models</a:t>
+            </a:r>
+          </a:p>
+          <a:p>
+            <a:r>
+              <a:rPr lang="en-US" dirty="0" smtClean="0"/>
+              <a:t>SOA Background and evolution</a:t>
+            </a:r>
+          </a:p>
+          <a:p>
+            <a:r>
+              <a:rPr lang="en-US" dirty="0" smtClean="0"/>
+              <a:t>HTTP Basics </a:t>
+            </a:r>
+          </a:p>
+          <a:p>
+            <a:r>
+              <a:rPr lang="en-US" dirty="0" smtClean="0"/>
+              <a:t>SOAP </a:t>
+            </a:r>
+          </a:p>
+          <a:p>
+            <a:r>
+              <a:rPr lang="en-US" dirty="0" smtClean="0"/>
+              <a:t>REST</a:t>
+            </a:r>
+          </a:p>
+          <a:p>
+            <a:r>
+              <a:rPr lang="en-US" dirty="0" err="1" smtClean="0"/>
+              <a:t>RESTful</a:t>
+            </a:r>
+            <a:r>
+              <a:rPr lang="en-US" dirty="0" smtClean="0"/>
+              <a:t> coding models</a:t>
+            </a:r>
             <a:endParaRPr lang="en-US" dirty="0"/>
           </a:p>
         </p:txBody>
@@ -6637,6 +6739,135 @@
       </p:grpSpPr>
       <p:sp>
         <p:nvSpPr>
+          <p:cNvPr id="2" name="Title 1"/>
+          <p:cNvSpPr>
+            <a:spLocks noGrp="1"/>
+          </p:cNvSpPr>
+          <p:nvPr>
+            <p:ph type="title"/>
+          </p:nvPr>
+        </p:nvSpPr>
+        <p:spPr/>
+        <p:txBody>
+          <a:bodyPr/>
+          <a:lstStyle/>
+          <a:p>
+            <a:r>
+              <a:rPr lang="en-US" dirty="0" smtClean="0"/>
+              <a:t>Contents Continued</a:t>
+            </a:r>
+            <a:endParaRPr lang="en-US" dirty="0"/>
+          </a:p>
+        </p:txBody>
+      </p:sp>
+      <p:sp>
+        <p:nvSpPr>
+          <p:cNvPr id="3" name="Content Placeholder 2"/>
+          <p:cNvSpPr>
+            <a:spLocks noGrp="1"/>
+          </p:cNvSpPr>
+          <p:nvPr>
+            <p:ph idx="1"/>
+          </p:nvPr>
+        </p:nvSpPr>
+        <p:spPr/>
+        <p:txBody>
+          <a:bodyPr>
+            <a:normAutofit lnSpcReduction="10000"/>
+          </a:bodyPr>
+          <a:lstStyle/>
+          <a:p>
+            <a:r>
+              <a:rPr lang="en-US" dirty="0" smtClean="0"/>
+              <a:t>SOA Case Studies</a:t>
+            </a:r>
+          </a:p>
+          <a:p>
+            <a:r>
+              <a:rPr lang="en-US" dirty="0" err="1" smtClean="0"/>
+              <a:t>Microservices</a:t>
+            </a:r>
+            <a:endParaRPr lang="en-US" dirty="0" smtClean="0"/>
+          </a:p>
+          <a:p>
+            <a:r>
+              <a:rPr lang="en-US" dirty="0" smtClean="0"/>
+              <a:t>Cloud and SOA</a:t>
+            </a:r>
+          </a:p>
+          <a:p>
+            <a:r>
+              <a:rPr lang="en-US" dirty="0" smtClean="0"/>
+              <a:t>Enterprise Service Bus and Mediation</a:t>
+            </a:r>
+          </a:p>
+          <a:p>
+            <a:r>
+              <a:rPr lang="en-US" dirty="0" smtClean="0"/>
+              <a:t>SOA Security</a:t>
+            </a:r>
+          </a:p>
+          <a:p>
+            <a:r>
+              <a:rPr lang="en-US" dirty="0" smtClean="0"/>
+              <a:t>API Management </a:t>
+            </a:r>
+          </a:p>
+          <a:p>
+            <a:r>
+              <a:rPr lang="en-US" dirty="0" smtClean="0"/>
+              <a:t>Composition and Workflow</a:t>
+            </a:r>
+          </a:p>
+          <a:p>
+            <a:r>
+              <a:rPr lang="en-US" dirty="0" smtClean="0"/>
+              <a:t>Governance</a:t>
+            </a:r>
+          </a:p>
+          <a:p>
+            <a:pPr marL="0" indent="0">
+              <a:buNone/>
+            </a:pPr>
+            <a:endParaRPr lang="en-US" dirty="0" smtClean="0"/>
+          </a:p>
+          <a:p>
+            <a:endParaRPr lang="en-US" dirty="0" smtClean="0"/>
+          </a:p>
+        </p:txBody>
+      </p:sp>
+    </p:spTree>
+    <p:extLst>
+      <p:ext uri="{BB962C8B-B14F-4D97-AF65-F5344CB8AC3E}">
+        <p14:creationId xmlns:p14="http://schemas.microsoft.com/office/powerpoint/2010/main" val="2133636433"/>
+      </p:ext>
+    </p:extLst>
+  </p:cSld>
+  <p:clrMapOvr>
+    <a:masterClrMapping/>
+  </p:clrMapOvr>
+</p:sld>
+</file>
+
+<file path=ppt/slides/slide9.xml><?xml version="1.0" encoding="utf-8"?>
+<p:sld xmlns:a="http://schemas.openxmlformats.org/drawingml/2006/main" xmlns:r="http://schemas.openxmlformats.org/officeDocument/2006/relationships" xmlns:p="http://schemas.openxmlformats.org/presentationml/2006/main">
+  <p:cSld>
+    <p:spTree>
+      <p:nvGrpSpPr>
+        <p:cNvPr id="1" name=""/>
+        <p:cNvGrpSpPr/>
+        <p:nvPr/>
+      </p:nvGrpSpPr>
+      <p:grpSpPr>
+        <a:xfrm>
+          <a:off x="0" y="0"/>
+          <a:ext cx="0" cy="0"/>
+          <a:chOff x="0" y="0"/>
+          <a:chExt cx="0" cy="0"/>
+        </a:xfrm>
+      </p:grpSpPr>
+      <p:sp>
+        <p:nvSpPr>
           <p:cNvPr id="8193" name="Title 1"/>
           <p:cNvSpPr>
             <a:spLocks noGrp="1"/>
@@ -6727,9 +6958,103 @@
             <a:prstTxWarp prst="textNoShape">
               <a:avLst/>
             </a:prstTxWarp>
-            <a:normAutofit/>
+            <a:normAutofit fontScale="92500" lnSpcReduction="10000"/>
           </a:bodyPr>
           <a:lstStyle/>
+          <a:p>
+            <a:pPr eaLnBrk="1" hangingPunct="1"/>
+            <a:r>
+              <a:rPr lang="en-US" dirty="0" smtClean="0">
+                <a:ea typeface="ヒラギノ角ゴ ProN W3" charset="0"/>
+                <a:cs typeface="ヒラギノ角ゴ ProN W3" charset="0"/>
+              </a:rPr>
+              <a:t>Basic HTTP server and client </a:t>
+            </a:r>
+          </a:p>
+          <a:p>
+            <a:pPr eaLnBrk="1" hangingPunct="1"/>
+            <a:r>
+              <a:rPr lang="en-US" dirty="0" smtClean="0">
+                <a:ea typeface="ヒラギノ角ゴ ProN W3" charset="0"/>
+                <a:cs typeface="ヒラギノ角ゴ ProN W3" charset="0"/>
+              </a:rPr>
+              <a:t>SOAP server and client</a:t>
+            </a:r>
+          </a:p>
+          <a:p>
+            <a:pPr eaLnBrk="1" hangingPunct="1"/>
+            <a:r>
+              <a:rPr lang="en-US" dirty="0" err="1" smtClean="0">
+                <a:ea typeface="ヒラギノ角ゴ ProN W3" charset="0"/>
+                <a:cs typeface="ヒラギノ角ゴ ProN W3" charset="0"/>
+              </a:rPr>
+              <a:t>RESTful</a:t>
+            </a:r>
+            <a:r>
+              <a:rPr lang="en-US" dirty="0" smtClean="0">
+                <a:ea typeface="ヒラギノ角ゴ ProN W3" charset="0"/>
+                <a:cs typeface="ヒラギノ角ゴ ProN W3" charset="0"/>
+              </a:rPr>
+              <a:t> service</a:t>
+            </a:r>
+          </a:p>
+          <a:p>
+            <a:pPr eaLnBrk="1" hangingPunct="1"/>
+            <a:r>
+              <a:rPr lang="en-US" dirty="0" smtClean="0">
+                <a:ea typeface="ヒラギノ角ゴ ProN W3" charset="0"/>
+                <a:cs typeface="ヒラギノ角ゴ ProN W3" charset="0"/>
+              </a:rPr>
+              <a:t>Securing HTTP – encryption, authentication, access control</a:t>
+            </a:r>
+          </a:p>
+          <a:p>
+            <a:pPr eaLnBrk="1" hangingPunct="1"/>
+            <a:r>
+              <a:rPr lang="en-US" dirty="0" smtClean="0">
+                <a:ea typeface="ヒラギノ角ゴ ProN W3" charset="0"/>
+                <a:cs typeface="ヒラギノ角ゴ ProN W3" charset="0"/>
+              </a:rPr>
+              <a:t>Integration and mediation</a:t>
+            </a:r>
+          </a:p>
+          <a:p>
+            <a:pPr eaLnBrk="1" hangingPunct="1"/>
+            <a:r>
+              <a:rPr lang="en-US" dirty="0" smtClean="0">
+                <a:ea typeface="ヒラギノ角ゴ ProN W3" charset="0"/>
+                <a:cs typeface="ヒラギノ角ゴ ProN W3" charset="0"/>
+              </a:rPr>
+              <a:t>Workflow</a:t>
+            </a:r>
+          </a:p>
+          <a:p>
+            <a:pPr eaLnBrk="1" hangingPunct="1"/>
+            <a:r>
+              <a:rPr lang="en-US" dirty="0" smtClean="0">
+                <a:ea typeface="ヒラギノ角ゴ ProN W3" charset="0"/>
+                <a:cs typeface="ヒラギノ角ゴ ProN W3" charset="0"/>
+              </a:rPr>
+              <a:t>API Management </a:t>
+            </a:r>
+          </a:p>
+          <a:p>
+            <a:pPr eaLnBrk="1" hangingPunct="1"/>
+            <a:r>
+              <a:rPr lang="en-US" dirty="0" smtClean="0">
+                <a:ea typeface="ヒラギノ角ゴ ProN W3" charset="0"/>
+                <a:cs typeface="ヒラギノ角ゴ ProN W3" charset="0"/>
+              </a:rPr>
+              <a:t>Governance</a:t>
+            </a:r>
+          </a:p>
+          <a:p>
+            <a:pPr eaLnBrk="1" hangingPunct="1"/>
+            <a:endParaRPr lang="en-US" dirty="0" smtClean="0">
+              <a:ea typeface="ヒラギノ角ゴ ProN W3" charset="0"/>
+              <a:cs typeface="ヒラギノ角ゴ ProN W3" charset="0"/>
+            </a:endParaRPr>
+          </a:p>
           <a:p>
             <a:pPr eaLnBrk="1" hangingPunct="1"/>
             <a:endParaRPr lang="en-US" dirty="0">
@@ -6743,154 +7068,6 @@
     <p:extLst>
       <p:ext uri="{BB962C8B-B14F-4D97-AF65-F5344CB8AC3E}">
         <p14:creationId xmlns:p14="http://schemas.microsoft.com/office/powerpoint/2010/main" val="3934740033"/>
-      </p:ext>
-    </p:extLst>
-  </p:cSld>
-  <p:clrMapOvr>
-    <a:masterClrMapping/>
-  </p:clrMapOvr>
-  <mc:AlternateContent xmlns:mc="http://schemas.openxmlformats.org/markup-compatibility/2006" xmlns:p14="http://schemas.microsoft.com/office/powerpoint/2010/main">
-    <mc:Choice Requires="p14">
-      <p:transition spd="slow" p14:dur="2000"/>
-    </mc:Choice>
-    <mc:Fallback xmlns="">
-      <p:transition xmlns:p14="http://schemas.microsoft.com/office/powerpoint/2010/main" spd="slow"/>
-    </mc:Fallback>
-  </mc:AlternateContent>
-  <p:timing>
-    <p:tnLst>
-      <p:par>
-        <p:cTn xmlns:p14="http://schemas.microsoft.com/office/powerpoint/2010/main" id="1" dur="indefinite" restart="never" nodeType="tmRoot"/>
-      </p:par>
-    </p:tnLst>
-  </p:timing>
-</p:sld>
-</file>
-
-<file path=ppt/slides/slide9.xml><?xml version="1.0" encoding="utf-8"?>
-<p:sld xmlns:a="http://schemas.openxmlformats.org/drawingml/2006/main" xmlns:r="http://schemas.openxmlformats.org/officeDocument/2006/relationships" xmlns:p="http://schemas.openxmlformats.org/presentationml/2006/main">
-  <p:cSld>
-    <p:spTree>
-      <p:nvGrpSpPr>
-        <p:cNvPr id="1" name=""/>
-        <p:cNvGrpSpPr/>
-        <p:nvPr/>
-      </p:nvGrpSpPr>
-      <p:grpSpPr>
-        <a:xfrm>
-          <a:off x="0" y="0"/>
-          <a:ext cx="0" cy="0"/>
-          <a:chOff x="0" y="0"/>
-          <a:chExt cx="0" cy="0"/>
-        </a:xfrm>
-      </p:grpSpPr>
-      <p:sp>
-        <p:nvSpPr>
-          <p:cNvPr id="9217" name="Title 1"/>
-          <p:cNvSpPr>
-            <a:spLocks noGrp="1"/>
-          </p:cNvSpPr>
-          <p:nvPr>
-            <p:ph type="title"/>
-          </p:nvPr>
-        </p:nvSpPr>
-        <p:spPr bwMode="auto">
-          <a:noFill/>
-          <a:extLst>
-            <a:ext uri="{909E8E84-426E-40dd-AFC4-6F175D3DCCD1}">
-              <a14:hiddenFill xmlns:a14="http://schemas.microsoft.com/office/drawing/2010/main">
-                <a:solidFill>
-                  <a:srgbClr val="FFFFFF"/>
-                </a:solidFill>
-              </a14:hiddenFill>
-            </a:ext>
-            <a:ext uri="{91240B29-F687-4f45-9708-019B960494DF}">
-              <a14:hiddenLine xmlns:a14="http://schemas.microsoft.com/office/drawing/2010/main" w="9525">
-                <a:solidFill>
-                  <a:srgbClr val="000000"/>
-                </a:solidFill>
-                <a:miter lim="800000"/>
-                <a:headEnd/>
-                <a:tailEnd/>
-              </a14:hiddenLine>
-            </a:ext>
-          </a:extLst>
-        </p:spPr>
-        <p:txBody>
-          <a:bodyPr wrap="square" lIns="64291" tIns="32146" rIns="64291" bIns="32146" numCol="1" anchor="t" anchorCtr="0" compatLnSpc="1">
-            <a:prstTxWarp prst="textNoShape">
-              <a:avLst/>
-            </a:prstTxWarp>
-          </a:bodyPr>
-          <a:lstStyle/>
-          <a:p>
-            <a:pPr eaLnBrk="1" hangingPunct="1"/>
-            <a:r>
-              <a:rPr lang="en-US" dirty="0" smtClean="0">
-                <a:ea typeface="ヒラギノ角ゴ ProN W3" charset="0"/>
-                <a:cs typeface="ヒラギノ角ゴ ProN W3" charset="0"/>
-              </a:rPr>
-              <a:t>Specific Objectives</a:t>
-            </a:r>
-            <a:endParaRPr lang="en-US" dirty="0">
-              <a:ea typeface="ヒラギノ角ゴ ProN W3" charset="0"/>
-              <a:cs typeface="ヒラギノ角ゴ ProN W3" charset="0"/>
-            </a:endParaRPr>
-          </a:p>
-        </p:txBody>
-      </p:sp>
-      <p:sp>
-        <p:nvSpPr>
-          <p:cNvPr id="9218" name="Content Placeholder 2"/>
-          <p:cNvSpPr>
-            <a:spLocks noGrp="1"/>
-          </p:cNvSpPr>
-          <p:nvPr>
-            <p:ph idx="1"/>
-          </p:nvPr>
-        </p:nvSpPr>
-        <p:spPr bwMode="auto">
-          <a:noFill/>
-          <a:extLst>
-            <a:ext uri="{909E8E84-426E-40dd-AFC4-6F175D3DCCD1}">
-              <a14:hiddenFill xmlns:a14="http://schemas.microsoft.com/office/drawing/2010/main">
-                <a:solidFill>
-                  <a:srgbClr val="FFFFFF"/>
-                </a:solidFill>
-              </a14:hiddenFill>
-            </a:ext>
-            <a:ext uri="{91240B29-F687-4f45-9708-019B960494DF}">
-              <a14:hiddenLine xmlns:a14="http://schemas.microsoft.com/office/drawing/2010/main" w="9525">
-                <a:solidFill>
-                  <a:srgbClr val="000000"/>
-                </a:solidFill>
-                <a:miter lim="800000"/>
-                <a:headEnd/>
-                <a:tailEnd/>
-              </a14:hiddenLine>
-            </a:ext>
-          </a:extLst>
-        </p:spPr>
-        <p:txBody>
-          <a:bodyPr wrap="square" lIns="64291" tIns="32146" rIns="64291" bIns="32146" numCol="1" anchor="t" anchorCtr="0" compatLnSpc="1">
-            <a:prstTxWarp prst="textNoShape">
-              <a:avLst/>
-            </a:prstTxWarp>
-            <a:noAutofit/>
-          </a:bodyPr>
-          <a:lstStyle/>
-          <a:p>
-            <a:endParaRPr lang="en-US" sz="2000" dirty="0">
-              <a:ea typeface="ヒラギノ角ゴ ProN W3" charset="0"/>
-              <a:cs typeface="ヒラギノ角ゴ ProN W3" charset="0"/>
-            </a:endParaRPr>
-          </a:p>
-        </p:txBody>
-      </p:sp>
-    </p:spTree>
-    <p:extLst>
-      <p:ext uri="{BB962C8B-B14F-4D97-AF65-F5344CB8AC3E}">
-        <p14:creationId xmlns:p14="http://schemas.microsoft.com/office/powerpoint/2010/main" val="1239434471"/>
       </p:ext>
     </p:extLst>
   </p:cSld>

--- a/presentation-source/00-intro.pptx
+++ b/presentation-source/00-intro.pptx
@@ -5,26 +5,25 @@
     <p:sldMasterId id="2147483648" r:id="rId1"/>
   </p:sldMasterIdLst>
   <p:notesMasterIdLst>
-    <p:notesMasterId r:id="rId19"/>
+    <p:notesMasterId r:id="rId18"/>
   </p:notesMasterIdLst>
   <p:sldIdLst>
     <p:sldId id="256" r:id="rId2"/>
     <p:sldId id="257" r:id="rId3"/>
-    <p:sldId id="258" r:id="rId4"/>
-    <p:sldId id="259" r:id="rId5"/>
-    <p:sldId id="273" r:id="rId6"/>
-    <p:sldId id="274" r:id="rId7"/>
+    <p:sldId id="270" r:id="rId4"/>
+    <p:sldId id="271" r:id="rId5"/>
+    <p:sldId id="258" r:id="rId6"/>
+    <p:sldId id="259" r:id="rId7"/>
     <p:sldId id="260" r:id="rId8"/>
-    <p:sldId id="275" r:id="rId9"/>
-    <p:sldId id="261" r:id="rId10"/>
-    <p:sldId id="262" r:id="rId11"/>
-    <p:sldId id="264" r:id="rId12"/>
-    <p:sldId id="270" r:id="rId13"/>
-    <p:sldId id="276" r:id="rId14"/>
-    <p:sldId id="265" r:id="rId15"/>
-    <p:sldId id="269" r:id="rId16"/>
-    <p:sldId id="266" r:id="rId17"/>
-    <p:sldId id="267" r:id="rId18"/>
+    <p:sldId id="261" r:id="rId9"/>
+    <p:sldId id="272" r:id="rId10"/>
+    <p:sldId id="273" r:id="rId11"/>
+    <p:sldId id="263" r:id="rId12"/>
+    <p:sldId id="264" r:id="rId13"/>
+    <p:sldId id="265" r:id="rId14"/>
+    <p:sldId id="269" r:id="rId15"/>
+    <p:sldId id="266" r:id="rId16"/>
+    <p:sldId id="267" r:id="rId17"/>
   </p:sldIdLst>
   <p:sldSz cx="9144000" cy="6858000" type="screen4x3"/>
   <p:notesSz cx="6858000" cy="9144000"/>
@@ -172,7 +171,7 @@
           <a:lstStyle>
             <a:lvl1pPr algn="l">
               <a:defRPr sz="1200">
-                <a:latin typeface="Montserrat"/>
+                <a:latin typeface="Calisto MT"/>
               </a:defRPr>
             </a:lvl1pPr>
           </a:lstStyle>
@@ -205,7 +204,7 @@
           <a:lstStyle>
             <a:lvl1pPr algn="r">
               <a:defRPr sz="1200">
-                <a:latin typeface="Montserrat"/>
+                <a:latin typeface="Calisto MT"/>
               </a:defRPr>
             </a:lvl1pPr>
           </a:lstStyle>
@@ -213,7 +212,7 @@
             <a:fld id="{7307762F-A706-E543-A832-3C298AA3103F}" type="datetimeFigureOut">
               <a:rPr lang="en-US" smtClean="0"/>
               <a:pPr/>
-              <a:t>24/05/16</a:t>
+              <a:t>10/06/16</a:t>
             </a:fld>
             <a:endParaRPr lang="en-US" dirty="0"/>
           </a:p>
@@ -336,7 +335,7 @@
           <a:lstStyle>
             <a:lvl1pPr algn="l">
               <a:defRPr sz="1200">
-                <a:latin typeface="Montserrat"/>
+                <a:latin typeface="Calisto MT"/>
               </a:defRPr>
             </a:lvl1pPr>
           </a:lstStyle>
@@ -369,7 +368,7 @@
           <a:lstStyle>
             <a:lvl1pPr algn="r">
               <a:defRPr sz="1200">
-                <a:latin typeface="Montserrat"/>
+                <a:latin typeface="Calisto MT"/>
               </a:defRPr>
             </a:lvl1pPr>
           </a:lstStyle>
@@ -397,7 +396,7 @@
         <a:solidFill>
           <a:schemeClr val="tx1"/>
         </a:solidFill>
-        <a:latin typeface="Montserrat"/>
+        <a:latin typeface="Calisto MT"/>
         <a:ea typeface="+mn-ea"/>
         <a:cs typeface="+mn-cs"/>
       </a:defRPr>
@@ -407,7 +406,7 @@
         <a:solidFill>
           <a:schemeClr val="tx1"/>
         </a:solidFill>
-        <a:latin typeface="Montserrat"/>
+        <a:latin typeface="Calisto MT"/>
         <a:ea typeface="+mn-ea"/>
         <a:cs typeface="+mn-cs"/>
       </a:defRPr>
@@ -417,7 +416,7 @@
         <a:solidFill>
           <a:schemeClr val="tx1"/>
         </a:solidFill>
-        <a:latin typeface="Montserrat"/>
+        <a:latin typeface="Calisto MT"/>
         <a:ea typeface="+mn-ea"/>
         <a:cs typeface="+mn-cs"/>
       </a:defRPr>
@@ -427,7 +426,7 @@
         <a:solidFill>
           <a:schemeClr val="tx1"/>
         </a:solidFill>
-        <a:latin typeface="Montserrat"/>
+        <a:latin typeface="Calisto MT"/>
         <a:ea typeface="+mn-ea"/>
         <a:cs typeface="+mn-cs"/>
       </a:defRPr>
@@ -437,7 +436,7 @@
         <a:solidFill>
           <a:schemeClr val="tx1"/>
         </a:solidFill>
-        <a:latin typeface="Montserrat"/>
+        <a:latin typeface="Calisto MT"/>
         <a:ea typeface="+mn-ea"/>
         <a:cs typeface="+mn-cs"/>
       </a:defRPr>
@@ -780,7 +779,7 @@
           <a:p>
             <a:fld id="{875CF0EB-321F-0749-B37A-89BBA859503C}" type="datetimeFigureOut">
               <a:rPr lang="en-US" smtClean="0"/>
-              <a:t>24/05/16</a:t>
+              <a:t>10/06/16</a:t>
             </a:fld>
             <a:endParaRPr lang="en-US"/>
           </a:p>
@@ -984,7 +983,7 @@
           <a:p>
             <a:fld id="{875CF0EB-321F-0749-B37A-89BBA859503C}" type="datetimeFigureOut">
               <a:rPr lang="en-US" smtClean="0"/>
-              <a:t>24/05/16</a:t>
+              <a:t>10/06/16</a:t>
             </a:fld>
             <a:endParaRPr lang="en-US"/>
           </a:p>
@@ -1178,7 +1177,7 @@
           <a:p>
             <a:fld id="{875CF0EB-321F-0749-B37A-89BBA859503C}" type="datetimeFigureOut">
               <a:rPr lang="en-US" smtClean="0"/>
-              <a:t>24/05/16</a:t>
+              <a:t>10/06/16</a:t>
             </a:fld>
             <a:endParaRPr lang="en-US"/>
           </a:p>
@@ -1448,7 +1447,7 @@
           <a:p>
             <a:fld id="{875CF0EB-321F-0749-B37A-89BBA859503C}" type="datetimeFigureOut">
               <a:rPr lang="en-US" smtClean="0"/>
-              <a:t>24/05/16</a:t>
+              <a:t>10/06/16</a:t>
             </a:fld>
             <a:endParaRPr lang="en-US"/>
           </a:p>
@@ -1760,7 +1759,7 @@
           <a:p>
             <a:fld id="{875CF0EB-321F-0749-B37A-89BBA859503C}" type="datetimeFigureOut">
               <a:rPr lang="en-US" smtClean="0"/>
-              <a:t>24/05/16</a:t>
+              <a:t>10/06/16</a:t>
             </a:fld>
             <a:endParaRPr lang="en-US"/>
           </a:p>
@@ -2206,7 +2205,7 @@
           <a:p>
             <a:fld id="{875CF0EB-321F-0749-B37A-89BBA859503C}" type="datetimeFigureOut">
               <a:rPr lang="en-US" smtClean="0"/>
-              <a:t>24/05/16</a:t>
+              <a:t>10/06/16</a:t>
             </a:fld>
             <a:endParaRPr lang="en-US"/>
           </a:p>
@@ -2348,7 +2347,7 @@
           <a:p>
             <a:fld id="{875CF0EB-321F-0749-B37A-89BBA859503C}" type="datetimeFigureOut">
               <a:rPr lang="en-US" smtClean="0"/>
-              <a:t>24/05/16</a:t>
+              <a:t>10/06/16</a:t>
             </a:fld>
             <a:endParaRPr lang="en-US"/>
           </a:p>
@@ -2467,7 +2466,7 @@
           <a:p>
             <a:fld id="{875CF0EB-321F-0749-B37A-89BBA859503C}" type="datetimeFigureOut">
               <a:rPr lang="en-US" smtClean="0"/>
-              <a:t>24/05/16</a:t>
+              <a:t>10/06/16</a:t>
             </a:fld>
             <a:endParaRPr lang="en-US"/>
           </a:p>
@@ -2768,7 +2767,7 @@
           <a:p>
             <a:fld id="{875CF0EB-321F-0749-B37A-89BBA859503C}" type="datetimeFigureOut">
               <a:rPr lang="en-US" smtClean="0"/>
-              <a:t>24/05/16</a:t>
+              <a:t>10/06/16</a:t>
             </a:fld>
             <a:endParaRPr lang="en-US"/>
           </a:p>
@@ -3045,7 +3044,7 @@
           <a:p>
             <a:fld id="{875CF0EB-321F-0749-B37A-89BBA859503C}" type="datetimeFigureOut">
               <a:rPr lang="en-US" smtClean="0"/>
-              <a:t>24/05/16</a:t>
+              <a:t>10/06/16</a:t>
             </a:fld>
             <a:endParaRPr lang="en-US"/>
           </a:p>
@@ -3241,7 +3240,7 @@
       </p:sp>
       <p:sp>
         <p:nvSpPr>
-          <p:cNvPr id="8" name="TextBox 7"/>
+          <p:cNvPr id="21" name="TextBox 20"/>
           <p:cNvSpPr txBox="1">
             <a:spLocks noChangeArrowheads="1"/>
           </p:cNvSpPr>
@@ -3249,8 +3248,8 @@
         </p:nvSpPr>
         <p:spPr bwMode="auto">
           <a:xfrm>
-            <a:off x="1168930" y="6408634"/>
-            <a:ext cx="3429144" cy="415498"/>
+            <a:off x="1046163" y="6092834"/>
+            <a:ext cx="6595551" cy="707886"/>
           </a:xfrm>
           <a:prstGeom prst="rect">
             <a:avLst/>
@@ -3422,10 +3421,10 @@
               <a:defRPr/>
             </a:pPr>
             <a:r>
-              <a:rPr lang="en-US" sz="700" dirty="0" smtClean="0">
-                <a:latin typeface="Montserrat"/>
-              </a:rPr>
-              <a:t>© Paul Fremantle 2015.  This work is licensed under a Creative Commons</a:t>
+              <a:rPr lang="en-US" sz="1000" dirty="0" smtClean="0">
+                <a:latin typeface="Calisto MT"/>
+              </a:rPr>
+              <a:t>© Paul Fremantle 2012.  Portions © Jeremy Gibbons 2010, © WSO2 2005-2012 used with permission of the author(s).</a:t>
             </a:r>
           </a:p>
           <a:p>
@@ -3433,84 +3432,110 @@
               <a:defRPr/>
             </a:pPr>
             <a:r>
-              <a:rPr lang="en-US" sz="700" dirty="0" smtClean="0">
-                <a:latin typeface="Montserrat"/>
-              </a:rPr>
-              <a:t> Attribution-</a:t>
-            </a:r>
-            <a:r>
-              <a:rPr lang="en-US" sz="700" dirty="0" err="1" smtClean="0">
-                <a:latin typeface="Montserrat"/>
-              </a:rPr>
-              <a:t>NonCommercial</a:t>
-            </a:r>
-            <a:r>
-              <a:rPr lang="en-US" sz="700" dirty="0" smtClean="0">
-                <a:latin typeface="Montserrat"/>
-              </a:rPr>
-              <a:t>-</a:t>
-            </a:r>
-            <a:r>
-              <a:rPr lang="en-US" sz="700" dirty="0" err="1" smtClean="0">
-                <a:latin typeface="Montserrat"/>
-              </a:rPr>
-              <a:t>ShareAlike</a:t>
-            </a:r>
-            <a:r>
-              <a:rPr lang="en-US" sz="700" dirty="0" smtClean="0">
-                <a:latin typeface="Montserrat"/>
-              </a:rPr>
-              <a:t> 4.0 International License</a:t>
-            </a:r>
-            <a:br>
-              <a:rPr lang="en-US" sz="700" dirty="0" smtClean="0">
-                <a:latin typeface="Montserrat"/>
-              </a:rPr>
-            </a:br>
-            <a:r>
-              <a:rPr lang="en-US" sz="700" dirty="0" smtClean="0">
-                <a:latin typeface="Montserrat"/>
-              </a:rPr>
-              <a:t>See  </a:t>
-            </a:r>
-            <a:r>
-              <a:rPr lang="en-US" sz="700" dirty="0" smtClean="0">
-                <a:latin typeface="Montserrat"/>
+              <a:rPr lang="en-US" sz="1000" dirty="0" smtClean="0">
+                <a:latin typeface="Calisto MT"/>
+              </a:rPr>
+              <a:t>Licensed under the Creative Commons 3.0 BY-SA (Attribution-</a:t>
+            </a:r>
+            <a:r>
+              <a:rPr lang="en-US" sz="1000" dirty="0" err="1" smtClean="0">
+                <a:latin typeface="Calisto MT"/>
+              </a:rPr>
+              <a:t>Sharealike</a:t>
+            </a:r>
+            <a:r>
+              <a:rPr lang="en-US" sz="1000" dirty="0" smtClean="0">
+                <a:latin typeface="Calisto MT"/>
+              </a:rPr>
+              <a:t>) license.</a:t>
+            </a:r>
+          </a:p>
+          <a:p>
+            <a:pPr algn="l" eaLnBrk="1" hangingPunct="1">
+              <a:defRPr/>
+            </a:pPr>
+            <a:r>
+              <a:rPr lang="en-US" sz="1000" dirty="0" smtClean="0">
+                <a:latin typeface="Calisto MT"/>
+              </a:rPr>
+              <a:t>See </a:t>
+            </a:r>
+            <a:r>
+              <a:rPr lang="en-US" sz="1000" dirty="0" smtClean="0">
+                <a:latin typeface="Calisto MT"/>
                 <a:hlinkClick r:id="rId13"/>
               </a:rPr>
-              <a:t>http://creativecommons.org/licenses/by-nc-sa/4.0/</a:t>
-            </a:r>
-            <a:r>
-              <a:rPr lang="en-US" sz="700" dirty="0" smtClean="0">
-                <a:latin typeface="Montserrat"/>
+              <a:t>http://creativecommons.org/licenses/by-sa/3.0/</a:t>
+            </a:r>
+            <a:r>
+              <a:rPr lang="en-US" sz="1000" dirty="0" smtClean="0">
+                <a:latin typeface="Calisto MT"/>
               </a:rPr>
               <a:t> </a:t>
             </a:r>
+          </a:p>
+          <a:p>
+            <a:pPr algn="l" eaLnBrk="1" hangingPunct="1">
+              <a:defRPr/>
+            </a:pPr>
+            <a:endParaRPr lang="en-US" sz="1000" dirty="0" smtClean="0">
+              <a:latin typeface="Calisto MT"/>
+            </a:endParaRPr>
           </a:p>
         </p:txBody>
       </p:sp>
       <p:pic>
         <p:nvPicPr>
-          <p:cNvPr id="9" name="Picture 8"/>
+          <p:cNvPr id="24" name="Picture 23"/>
           <p:cNvPicPr>
-            <a:picLocks noChangeAspect="1"/>
+            <a:picLocks noChangeAspect="1" noChangeArrowheads="1"/>
           </p:cNvPicPr>
           <p:nvPr userDrawn="1"/>
         </p:nvPicPr>
         <p:blipFill>
-          <a:blip r:embed="rId14"/>
+          <a:blip r:embed="rId14">
+            <a:extLst>
+              <a:ext uri="{28A0092B-C50C-407E-A947-70E740481C1C}">
+                <a14:useLocalDpi xmlns:a14="http://schemas.microsoft.com/office/drawing/2010/main" val="0"/>
+              </a:ext>
+            </a:extLst>
+          </a:blip>
+          <a:srcRect/>
           <a:stretch>
             <a:fillRect/>
           </a:stretch>
         </p:blipFill>
-        <p:spPr>
+        <p:spPr bwMode="auto">
           <a:xfrm>
-            <a:off x="375635" y="6492098"/>
-            <a:ext cx="792765" cy="279269"/>
+            <a:off x="320764" y="6254746"/>
+            <a:ext cx="725399" cy="258097"/>
           </a:xfrm>
           <a:prstGeom prst="rect">
             <a:avLst/>
           </a:prstGeom>
+          <a:noFill/>
+          <a:ln>
+            <a:noFill/>
+          </a:ln>
+          <a:extLst>
+            <a:ext uri="{909E8E84-426E-40dd-AFC4-6F175D3DCCD1}">
+              <a14:hiddenFill xmlns:a14="http://schemas.microsoft.com/office/drawing/2010/main">
+                <a:solidFill>
+                  <a:srgbClr val="FFFFFF"/>
+                </a:solidFill>
+              </a14:hiddenFill>
+            </a:ext>
+            <a:ext uri="{91240B29-F687-4f45-9708-019B960494DF}">
+              <a14:hiddenLine xmlns:a14="http://schemas.microsoft.com/office/drawing/2010/main" w="9525">
+                <a:solidFill>
+                  <a:srgbClr val="000000"/>
+                </a:solidFill>
+                <a:miter lim="800000"/>
+                <a:headEnd/>
+                <a:tailEnd/>
+              </a14:hiddenLine>
+            </a:ext>
+          </a:extLst>
         </p:spPr>
       </p:pic>
     </p:spTree>
@@ -3545,7 +3570,7 @@
           <a:solidFill>
             <a:schemeClr val="tx1"/>
           </a:solidFill>
-          <a:latin typeface="Montserrat"/>
+          <a:latin typeface="Calisto MT"/>
           <a:ea typeface="+mj-ea"/>
           <a:cs typeface="+mj-cs"/>
         </a:defRPr>
@@ -3562,7 +3587,7 @@
           <a:solidFill>
             <a:schemeClr val="tx1"/>
           </a:solidFill>
-          <a:latin typeface="Montserrat"/>
+          <a:latin typeface="Calisto MT"/>
           <a:ea typeface="+mn-ea"/>
           <a:cs typeface="+mn-cs"/>
         </a:defRPr>
@@ -3577,7 +3602,7 @@
           <a:solidFill>
             <a:schemeClr val="tx1"/>
           </a:solidFill>
-          <a:latin typeface="Montserrat"/>
+          <a:latin typeface="Calisto MT"/>
           <a:ea typeface="+mn-ea"/>
           <a:cs typeface="+mn-cs"/>
         </a:defRPr>
@@ -3592,7 +3617,7 @@
           <a:solidFill>
             <a:schemeClr val="tx1"/>
           </a:solidFill>
-          <a:latin typeface="Montserrat"/>
+          <a:latin typeface="Calisto MT"/>
           <a:ea typeface="+mn-ea"/>
           <a:cs typeface="+mn-cs"/>
         </a:defRPr>
@@ -3607,7 +3632,7 @@
           <a:solidFill>
             <a:schemeClr val="tx1"/>
           </a:solidFill>
-          <a:latin typeface="Montserrat"/>
+          <a:latin typeface="Calisto MT"/>
           <a:ea typeface="+mn-ea"/>
           <a:cs typeface="+mn-cs"/>
         </a:defRPr>
@@ -3622,7 +3647,7 @@
           <a:solidFill>
             <a:schemeClr val="tx1"/>
           </a:solidFill>
-          <a:latin typeface="Montserrat"/>
+          <a:latin typeface="Calisto MT"/>
           <a:ea typeface="+mn-ea"/>
           <a:cs typeface="+mn-cs"/>
         </a:defRPr>
@@ -3815,10 +3840,6 @@
           </p:nvPr>
         </p:nvSpPr>
         <p:spPr bwMode="auto">
-          <a:xfrm>
-            <a:off x="685800" y="1091444"/>
-            <a:ext cx="7772400" cy="1470025"/>
-          </a:xfrm>
           <a:noFill/>
           <a:extLst>
             <a:ext uri="{909E8E84-426E-40dd-AFC4-6F175D3DCCD1}">
@@ -3851,24 +3872,11 @@
           <a:p>
             <a:pPr eaLnBrk="1" hangingPunct="1"/>
             <a:r>
-              <a:rPr lang="en-US" dirty="0" smtClean="0">
-                <a:ea typeface="ヒラギノ角ゴ ProN W3" charset="0"/>
-                <a:cs typeface="ヒラギノ角ゴ ProN W3" charset="0"/>
-              </a:rPr>
-              <a:t>Course Introduction</a:t>
-            </a:r>
-            <a:br>
-              <a:rPr lang="en-US" dirty="0" smtClean="0">
-                <a:ea typeface="ヒラギノ角ゴ ProN W3" charset="0"/>
-                <a:cs typeface="ヒラギノ角ゴ ProN W3" charset="0"/>
-              </a:rPr>
-            </a:br>
-            <a:r>
               <a:rPr lang="en-US" dirty="0">
                 <a:ea typeface="ヒラギノ角ゴ ProN W3" charset="0"/>
                 <a:cs typeface="ヒラギノ角ゴ ProN W3" charset="0"/>
               </a:rPr>
-              <a:t/>
+              <a:t>Introduction</a:t>
             </a:r>
             <a:br>
               <a:rPr lang="en-US" dirty="0">
@@ -3881,8 +3889,21 @@
                 <a:ea typeface="ヒラギノ角ゴ ProN W3" charset="0"/>
                 <a:cs typeface="ヒラギノ角ゴ ProN W3" charset="0"/>
               </a:rPr>
-              <a:t>Service Orientated Architecture (SOA)</a:t>
-            </a:r>
+              <a:t>Service </a:t>
+            </a:r>
+            <a:r>
+              <a:rPr lang="en-US" dirty="0">
+                <a:ea typeface="ヒラギノ角ゴ ProN W3" charset="0"/>
+                <a:cs typeface="ヒラギノ角ゴ ProN W3" charset="0"/>
+              </a:rPr>
+              <a:t>Oriented Architecture</a:t>
+            </a:r>
+            <a:br>
+              <a:rPr lang="en-US" dirty="0">
+                <a:ea typeface="ヒラギノ角ゴ ProN W3" charset="0"/>
+                <a:cs typeface="ヒラギノ角ゴ ProN W3" charset="0"/>
+              </a:rPr>
+            </a:br>
             <a:endParaRPr lang="en-US" dirty="0">
               <a:ea typeface="ヒラギノ角ゴ ProN W3" charset="0"/>
               <a:cs typeface="ヒラギノ角ゴ ProN W3" charset="0"/>
@@ -3931,7 +3952,6 @@
             <a:prstTxWarp prst="textNoShape">
               <a:avLst/>
             </a:prstTxWarp>
-            <a:normAutofit fontScale="92500" lnSpcReduction="20000"/>
           </a:bodyPr>
           <a:lstStyle/>
           <a:p>
@@ -3965,7 +3985,14 @@
                 <a:ea typeface="ヒラギノ角ゴ ProN W3" charset="0"/>
                 <a:cs typeface="ヒラギノ角ゴ ProN W3" charset="0"/>
               </a:rPr>
-              <a:t>Nov 2016</a:t>
+              <a:t>Sep </a:t>
+            </a:r>
+            <a:r>
+              <a:rPr lang="en-US" dirty="0" smtClean="0">
+                <a:ea typeface="ヒラギノ角ゴ ProN W3" charset="0"/>
+                <a:cs typeface="ヒラギノ角ゴ ProN W3" charset="0"/>
+              </a:rPr>
+              <a:t>2016</a:t>
             </a:r>
             <a:endParaRPr lang="en-US" dirty="0">
               <a:ea typeface="ヒラギノ角ゴ ProN W3" charset="0"/>
@@ -4021,7 +4048,166 @@
       </p:grpSpPr>
       <p:sp>
         <p:nvSpPr>
-          <p:cNvPr id="9217" name="Title 1"/>
+          <p:cNvPr id="2" name="Title 1"/>
+          <p:cNvSpPr>
+            <a:spLocks noGrp="1"/>
+          </p:cNvSpPr>
+          <p:nvPr>
+            <p:ph type="title"/>
+          </p:nvPr>
+        </p:nvSpPr>
+        <p:spPr/>
+        <p:txBody>
+          <a:bodyPr/>
+          <a:lstStyle/>
+          <a:p>
+            <a:r>
+              <a:rPr lang="en-US" dirty="0" err="1" smtClean="0"/>
+              <a:t>Practicals</a:t>
+            </a:r>
+            <a:endParaRPr lang="en-US" dirty="0"/>
+          </a:p>
+        </p:txBody>
+      </p:sp>
+      <p:sp>
+        <p:nvSpPr>
+          <p:cNvPr id="3" name="Content Placeholder 2"/>
+          <p:cNvSpPr>
+            <a:spLocks noGrp="1"/>
+          </p:cNvSpPr>
+          <p:nvPr>
+            <p:ph idx="1"/>
+          </p:nvPr>
+        </p:nvSpPr>
+        <p:spPr/>
+        <p:txBody>
+          <a:bodyPr>
+            <a:normAutofit fontScale="85000" lnSpcReduction="20000"/>
+          </a:bodyPr>
+          <a:lstStyle/>
+          <a:p>
+            <a:r>
+              <a:rPr lang="en-US" dirty="0" smtClean="0"/>
+              <a:t>Basic HTTP server and client</a:t>
+            </a:r>
+          </a:p>
+          <a:p>
+            <a:r>
+              <a:rPr lang="en-US" dirty="0" smtClean="0"/>
+              <a:t>SOAP server and client</a:t>
+            </a:r>
+          </a:p>
+          <a:p>
+            <a:r>
+              <a:rPr lang="en-US" dirty="0" smtClean="0"/>
+              <a:t>HTTP service in Java</a:t>
+            </a:r>
+          </a:p>
+          <a:p>
+            <a:r>
+              <a:rPr lang="en-US" dirty="0" smtClean="0"/>
+              <a:t>Evolving the Richardson Maturity Model towards a </a:t>
+            </a:r>
+            <a:r>
+              <a:rPr lang="en-US" dirty="0" err="1" smtClean="0"/>
+              <a:t>RESTful</a:t>
+            </a:r>
+            <a:r>
+              <a:rPr lang="en-US" dirty="0" smtClean="0"/>
+              <a:t> service</a:t>
+            </a:r>
+          </a:p>
+          <a:p>
+            <a:r>
+              <a:rPr lang="en-US" dirty="0" err="1" smtClean="0"/>
+              <a:t>Microservice</a:t>
+            </a:r>
+            <a:r>
+              <a:rPr lang="en-US" dirty="0" smtClean="0"/>
+              <a:t> and </a:t>
+            </a:r>
+            <a:r>
+              <a:rPr lang="en-US" dirty="0" err="1" smtClean="0"/>
+              <a:t>Docker</a:t>
+            </a:r>
+            <a:r>
+              <a:rPr lang="en-US" dirty="0" smtClean="0"/>
+              <a:t> deployment</a:t>
+            </a:r>
+          </a:p>
+          <a:p>
+            <a:r>
+              <a:rPr lang="en-US" dirty="0" smtClean="0"/>
+              <a:t>ESB flows</a:t>
+            </a:r>
+          </a:p>
+          <a:p>
+            <a:r>
+              <a:rPr lang="en-US" dirty="0" smtClean="0"/>
+              <a:t>SSL and OAuth2 security </a:t>
+            </a:r>
+          </a:p>
+          <a:p>
+            <a:r>
+              <a:rPr lang="en-US" dirty="0" smtClean="0"/>
+              <a:t>API Management and Analytics</a:t>
+            </a:r>
+          </a:p>
+          <a:p>
+            <a:r>
+              <a:rPr lang="en-US" dirty="0" smtClean="0"/>
+              <a:t>BPMN workflows</a:t>
+            </a:r>
+          </a:p>
+          <a:p>
+            <a:pPr lvl="1"/>
+            <a:r>
+              <a:rPr lang="en-US" dirty="0"/>
+              <a:t>P</a:t>
+            </a:r>
+            <a:r>
+              <a:rPr lang="en-US" dirty="0" smtClean="0"/>
+              <a:t>lus some bonus exercises</a:t>
+            </a:r>
+          </a:p>
+          <a:p>
+            <a:endParaRPr lang="en-US" dirty="0"/>
+          </a:p>
+        </p:txBody>
+      </p:sp>
+    </p:spTree>
+    <p:extLst>
+      <p:ext uri="{BB962C8B-B14F-4D97-AF65-F5344CB8AC3E}">
+        <p14:creationId xmlns:p14="http://schemas.microsoft.com/office/powerpoint/2010/main" val="935609416"/>
+      </p:ext>
+    </p:extLst>
+  </p:cSld>
+  <p:clrMapOvr>
+    <a:masterClrMapping/>
+  </p:clrMapOvr>
+</p:sld>
+</file>
+
+<file path=ppt/slides/slide11.xml><?xml version="1.0" encoding="utf-8"?>
+<p:sld xmlns:a="http://schemas.openxmlformats.org/drawingml/2006/main" xmlns:r="http://schemas.openxmlformats.org/officeDocument/2006/relationships" xmlns:p="http://schemas.openxmlformats.org/presentationml/2006/main">
+  <p:cSld>
+    <p:spTree>
+      <p:nvGrpSpPr>
+        <p:cNvPr id="1" name=""/>
+        <p:cNvGrpSpPr/>
+        <p:nvPr/>
+      </p:nvGrpSpPr>
+      <p:grpSpPr>
+        <a:xfrm>
+          <a:off x="0" y="0"/>
+          <a:ext cx="0" cy="0"/>
+          <a:chOff x="0" y="0"/>
+          <a:chExt cx="0" cy="0"/>
+        </a:xfrm>
+      </p:grpSpPr>
+      <p:sp>
+        <p:nvSpPr>
+          <p:cNvPr id="10241" name="Title 1"/>
           <p:cNvSpPr>
             <a:spLocks noGrp="1"/>
           </p:cNvSpPr>
@@ -4061,22 +4247,18 @@
           <a:p>
             <a:pPr eaLnBrk="1" hangingPunct="1"/>
             <a:r>
-              <a:rPr lang="en-US" dirty="0" smtClean="0">
-                <a:ea typeface="ヒラギノ角ゴ ProN W3" charset="0"/>
-                <a:cs typeface="ヒラギノ角ゴ ProN W3" charset="0"/>
-              </a:rPr>
-              <a:t>Specific Objectives</a:t>
-            </a:r>
-            <a:endParaRPr lang="en-US" dirty="0">
-              <a:ea typeface="ヒラギノ角ゴ ProN W3" charset="0"/>
-              <a:cs typeface="ヒラギノ角ゴ ProN W3" charset="0"/>
-            </a:endParaRPr>
-          </a:p>
-        </p:txBody>
-      </p:sp>
-      <p:sp>
-        <p:nvSpPr>
-          <p:cNvPr id="9218" name="Content Placeholder 2"/>
+              <a:rPr lang="en-US" dirty="0">
+                <a:ea typeface="ヒラギノ角ゴ ProN W3" charset="0"/>
+                <a:cs typeface="ヒラギノ角ゴ ProN W3" charset="0"/>
+              </a:rPr>
+              <a:t>Resources	</a:t>
+            </a:r>
+          </a:p>
+        </p:txBody>
+      </p:sp>
+      <p:sp>
+        <p:nvSpPr>
+          <p:cNvPr id="10242" name="Content Placeholder 2"/>
           <p:cNvSpPr>
             <a:spLocks noGrp="1"/>
           </p:cNvSpPr>
@@ -4085,6 +4267,10 @@
           </p:nvPr>
         </p:nvSpPr>
         <p:spPr bwMode="auto">
+          <a:xfrm>
+            <a:off x="375635" y="1522750"/>
+            <a:ext cx="8229600" cy="4525963"/>
+          </a:xfrm>
           <a:noFill/>
           <a:extLst>
             <a:ext uri="{909E8E84-426E-40dd-AFC4-6F175D3DCCD1}">
@@ -4116,271 +4302,217 @@
           <a:lstStyle/>
           <a:p>
             <a:r>
+              <a:rPr lang="en-US" sz="2400" dirty="0" err="1">
+                <a:ea typeface="ヒラギノ角ゴ ProN W3" charset="0"/>
+                <a:cs typeface="ヒラギノ角ゴ ProN W3" charset="0"/>
+              </a:rPr>
+              <a:t>Weerawarana</a:t>
+            </a:r>
+            <a:r>
+              <a:rPr lang="en-US" sz="2400" dirty="0">
+                <a:ea typeface="ヒラギノ角ゴ ProN W3" charset="0"/>
+                <a:cs typeface="ヒラギノ角ゴ ProN W3" charset="0"/>
+              </a:rPr>
+              <a:t> et al, </a:t>
+            </a:r>
+            <a:r>
+              <a:rPr lang="en-US" sz="2400" i="1" dirty="0">
+                <a:ea typeface="ヒラギノ角ゴ ProN W3" charset="0"/>
+                <a:cs typeface="ヒラギノ角ゴ ProN W3" charset="0"/>
+              </a:rPr>
+              <a:t>Web Services Platform Architecture, </a:t>
+            </a:r>
+            <a:r>
+              <a:rPr lang="en-US" sz="2400" dirty="0">
+                <a:ea typeface="ヒラギノ角ゴ ProN W3" charset="0"/>
+                <a:cs typeface="ヒラギノ角ゴ ProN W3" charset="0"/>
+              </a:rPr>
+              <a:t>(Pearson, 2005</a:t>
+            </a:r>
+            <a:r>
               <a:rPr lang="en-US" sz="2400" dirty="0" smtClean="0">
                 <a:ea typeface="ヒラギノ角ゴ ProN W3" charset="0"/>
                 <a:cs typeface="ヒラギノ角ゴ ProN W3" charset="0"/>
               </a:rPr>
-              <a:t>Clear understanding of the aims and properties of SOA systems</a:t>
-            </a:r>
-          </a:p>
-          <a:p>
-            <a:r>
-              <a:rPr lang="en-US" sz="2400" dirty="0" smtClean="0">
-                <a:ea typeface="ヒラギノ角ゴ ProN W3" charset="0"/>
-                <a:cs typeface="ヒラギノ角ゴ ProN W3" charset="0"/>
-              </a:rPr>
-              <a:t>Tools and approaches for building, testing and integrating services</a:t>
-            </a:r>
-          </a:p>
-          <a:p>
-            <a:r>
-              <a:rPr lang="en-US" sz="2400" dirty="0" smtClean="0">
-                <a:ea typeface="ヒラギノ角ゴ ProN W3" charset="0"/>
-                <a:cs typeface="ヒラギノ角ゴ ProN W3" charset="0"/>
-              </a:rPr>
-              <a:t>Understanding of REST principles and approaches</a:t>
-            </a:r>
-          </a:p>
-          <a:p>
-            <a:r>
-              <a:rPr lang="en-US" sz="2400" dirty="0" smtClean="0">
-                <a:ea typeface="ヒラギノ角ゴ ProN W3" charset="0"/>
-                <a:cs typeface="ヒラギノ角ゴ ProN W3" charset="0"/>
-              </a:rPr>
-              <a:t>Ability to architect and design SOA solutions</a:t>
-            </a:r>
-          </a:p>
-          <a:p>
-            <a:r>
-              <a:rPr lang="en-US" sz="2400" dirty="0" err="1" smtClean="0">
-                <a:ea typeface="ヒラギノ角ゴ ProN W3" charset="0"/>
-                <a:cs typeface="ヒラギノ角ゴ ProN W3" charset="0"/>
-              </a:rPr>
-              <a:t>Microservice</a:t>
-            </a:r>
-            <a:r>
-              <a:rPr lang="en-US" sz="2400" dirty="0" err="1" smtClean="0">
-                <a:ea typeface="ヒラギノ角ゴ ProN W3" charset="0"/>
-                <a:cs typeface="ヒラギノ角ゴ ProN W3" charset="0"/>
-              </a:rPr>
-              <a:t>s</a:t>
-            </a:r>
-            <a:r>
-              <a:rPr lang="en-US" sz="2400" dirty="0" smtClean="0">
-                <a:ea typeface="ヒラギノ角ゴ ProN W3" charset="0"/>
-                <a:cs typeface="ヒラギノ角ゴ ProN W3" charset="0"/>
-              </a:rPr>
-              <a:t> architecture and comparison with traditional SOA</a:t>
-            </a:r>
-          </a:p>
-          <a:p>
-            <a:r>
-              <a:rPr lang="en-US" sz="2400" dirty="0" smtClean="0">
-                <a:ea typeface="ヒラギノ角ゴ ProN W3" charset="0"/>
-                <a:cs typeface="ヒラギノ角ゴ ProN W3" charset="0"/>
-              </a:rPr>
-              <a:t>Ability to define security, management and governance approaches for SOA </a:t>
-            </a:r>
-            <a:endParaRPr lang="en-US" sz="2000" dirty="0">
+              <a:t>)</a:t>
+            </a:r>
+            <a:endParaRPr lang="en-US" sz="2400" dirty="0" smtClean="0">
               <a:ea typeface="ヒラギノ角ゴ ProN W3" charset="0"/>
               <a:cs typeface="ヒラギノ角ゴ ProN W3" charset="0"/>
             </a:endParaRPr>
           </a:p>
+          <a:p>
+            <a:pPr eaLnBrk="1" hangingPunct="1"/>
+            <a:r>
+              <a:rPr lang="en-US" sz="2400" dirty="0" err="1" smtClean="0">
+                <a:ea typeface="ヒラギノ角ゴ ProN W3" charset="0"/>
+                <a:cs typeface="ヒラギノ角ゴ ProN W3" charset="0"/>
+              </a:rPr>
+              <a:t>Erl</a:t>
+            </a:r>
+            <a:r>
+              <a:rPr lang="en-US" sz="2400" dirty="0">
+                <a:ea typeface="ヒラギノ角ゴ ProN W3" charset="0"/>
+                <a:cs typeface="ヒラギノ角ゴ ProN W3" charset="0"/>
+              </a:rPr>
+              <a:t>, </a:t>
+            </a:r>
+            <a:r>
+              <a:rPr lang="en-US" sz="2400" i="1" dirty="0">
+                <a:ea typeface="ヒラギノ角ゴ ProN W3" charset="0"/>
+                <a:cs typeface="ヒラギノ角ゴ ProN W3" charset="0"/>
+              </a:rPr>
+              <a:t>SOA</a:t>
+            </a:r>
+            <a:r>
+              <a:rPr lang="en-US" sz="2400" dirty="0">
+                <a:ea typeface="ヒラギノ角ゴ ProN W3" charset="0"/>
+                <a:cs typeface="ヒラギノ角ゴ ProN W3" charset="0"/>
+              </a:rPr>
+              <a:t> (Prentice-Hall, 2005</a:t>
+            </a:r>
+            <a:r>
+              <a:rPr lang="en-US" sz="2400" dirty="0" smtClean="0">
+                <a:ea typeface="ヒラギノ角ゴ ProN W3" charset="0"/>
+                <a:cs typeface="ヒラギノ角ゴ ProN W3" charset="0"/>
+              </a:rPr>
+              <a:t>)</a:t>
+            </a:r>
+          </a:p>
+          <a:p>
+            <a:pPr eaLnBrk="1" hangingPunct="1"/>
+            <a:r>
+              <a:rPr lang="en-US" sz="2400" dirty="0" smtClean="0">
+                <a:ea typeface="ヒラギノ角ゴ ProN W3" charset="0"/>
+                <a:cs typeface="ヒラギノ角ゴ ProN W3" charset="0"/>
+              </a:rPr>
+              <a:t>Richardson </a:t>
+            </a:r>
+            <a:r>
+              <a:rPr lang="en-US" sz="2400" dirty="0">
+                <a:ea typeface="ヒラギノ角ゴ ProN W3" charset="0"/>
+                <a:cs typeface="ヒラギノ角ゴ ProN W3" charset="0"/>
+              </a:rPr>
+              <a:t>and Ruby, </a:t>
+            </a:r>
+            <a:r>
+              <a:rPr lang="en-US" sz="2400" i="1" dirty="0" err="1">
+                <a:ea typeface="ヒラギノ角ゴ ProN W3" charset="0"/>
+                <a:cs typeface="ヒラギノ角ゴ ProN W3" charset="0"/>
+              </a:rPr>
+              <a:t>RESTful</a:t>
+            </a:r>
+            <a:r>
+              <a:rPr lang="en-US" sz="2400" i="1" dirty="0">
+                <a:ea typeface="ヒラギノ角ゴ ProN W3" charset="0"/>
+                <a:cs typeface="ヒラギノ角ゴ ProN W3" charset="0"/>
+              </a:rPr>
+              <a:t> Web Services </a:t>
+            </a:r>
+            <a:r>
+              <a:rPr lang="en-US" sz="2400" dirty="0">
+                <a:ea typeface="ヒラギノ角ゴ ProN W3" charset="0"/>
+                <a:cs typeface="ヒラギノ角ゴ ProN W3" charset="0"/>
+              </a:rPr>
+              <a:t>(O’Reilly, 2007</a:t>
+            </a:r>
+            <a:r>
+              <a:rPr lang="en-US" sz="2400" dirty="0" smtClean="0">
+                <a:ea typeface="ヒラギノ角ゴ ProN W3" charset="0"/>
+                <a:cs typeface="ヒラギノ角ゴ ProN W3" charset="0"/>
+              </a:rPr>
+              <a:t>)</a:t>
+            </a:r>
+          </a:p>
+          <a:p>
+            <a:pPr eaLnBrk="1" hangingPunct="1"/>
+            <a:r>
+              <a:rPr lang="en-US" sz="2400" dirty="0" smtClean="0">
+                <a:ea typeface="ヒラギノ角ゴ ProN W3" charset="0"/>
+                <a:cs typeface="ヒラギノ角ゴ ProN W3" charset="0"/>
+              </a:rPr>
+              <a:t>Webber et al, </a:t>
+            </a:r>
+            <a:r>
+              <a:rPr lang="en-US" sz="2400" i="1" dirty="0" smtClean="0">
+                <a:ea typeface="ヒラギノ角ゴ ProN W3" charset="0"/>
+                <a:cs typeface="ヒラギノ角ゴ ProN W3" charset="0"/>
+              </a:rPr>
+              <a:t>REST in Practice </a:t>
+            </a:r>
+            <a:r>
+              <a:rPr lang="en-US" sz="2400" dirty="0" smtClean="0">
+                <a:ea typeface="ヒラギノ角ゴ ProN W3" charset="0"/>
+                <a:cs typeface="ヒラギノ角ゴ ProN W3" charset="0"/>
+              </a:rPr>
+              <a:t>(O’Reilly, 2010)</a:t>
+            </a:r>
+            <a:endParaRPr lang="en-US" sz="2400" dirty="0">
+              <a:ea typeface="ヒラギノ角ゴ ProN W3" charset="0"/>
+              <a:cs typeface="ヒラギノ角ゴ ProN W3" charset="0"/>
+            </a:endParaRPr>
+          </a:p>
+          <a:p>
+            <a:pPr eaLnBrk="1" hangingPunct="1"/>
+            <a:r>
+              <a:rPr lang="en-US" sz="2400" dirty="0" smtClean="0">
+                <a:ea typeface="ヒラギノ角ゴ ProN W3" charset="0"/>
+                <a:cs typeface="ヒラギノ角ゴ ProN W3" charset="0"/>
+              </a:rPr>
+              <a:t>Fielding</a:t>
+            </a:r>
+            <a:r>
+              <a:rPr lang="en-US" sz="2400" dirty="0">
+                <a:ea typeface="ヒラギノ角ゴ ProN W3" charset="0"/>
+                <a:cs typeface="ヒラギノ角ゴ ProN W3" charset="0"/>
+              </a:rPr>
+              <a:t>, </a:t>
+            </a:r>
+            <a:r>
+              <a:rPr lang="en-US" sz="2400" i="1" dirty="0">
+                <a:ea typeface="ヒラギノ角ゴ ProN W3" charset="0"/>
+                <a:cs typeface="ヒラギノ角ゴ ProN W3" charset="0"/>
+              </a:rPr>
+              <a:t>Architectural Styles </a:t>
+            </a:r>
+            <a:r>
+              <a:rPr lang="en-US" sz="2400" i="1" dirty="0" smtClean="0">
+                <a:ea typeface="ヒラギノ角ゴ ProN W3" charset="0"/>
+                <a:cs typeface="ヒラギノ角ゴ ProN W3" charset="0"/>
+              </a:rPr>
+              <a:t>and the </a:t>
+            </a:r>
+            <a:r>
+              <a:rPr lang="en-US" sz="2400" i="1" dirty="0">
+                <a:ea typeface="ヒラギノ角ゴ ProN W3" charset="0"/>
+                <a:cs typeface="ヒラギノ角ゴ ProN W3" charset="0"/>
+              </a:rPr>
+              <a:t>Design of Network-based Software Architectures, </a:t>
+            </a:r>
+            <a:r>
+              <a:rPr lang="en-US" sz="2400" dirty="0">
+                <a:ea typeface="ヒラギノ角ゴ ProN W3" charset="0"/>
+                <a:cs typeface="ヒラギノ角ゴ ProN W3" charset="0"/>
+              </a:rPr>
+              <a:t>(University of California, 2000)</a:t>
+            </a:r>
+          </a:p>
+          <a:p>
+            <a:pPr eaLnBrk="1" hangingPunct="1"/>
+            <a:r>
+              <a:rPr lang="en-US" sz="2400" dirty="0">
+                <a:ea typeface="ヒラギノ角ゴ ProN W3" charset="0"/>
+                <a:cs typeface="ヒラギノ角ゴ ProN W3" charset="0"/>
+              </a:rPr>
+              <a:t>Various W3C, OASIS, IETF, OMG standards</a:t>
+            </a:r>
+          </a:p>
         </p:txBody>
       </p:sp>
     </p:spTree>
     <p:extLst>
       <p:ext uri="{BB962C8B-B14F-4D97-AF65-F5344CB8AC3E}">
-        <p14:creationId xmlns:p14="http://schemas.microsoft.com/office/powerpoint/2010/main" val="1239434471"/>
-      </p:ext>
-    </p:extLst>
-  </p:cSld>
-  <p:clrMapOvr>
-    <a:masterClrMapping/>
-  </p:clrMapOvr>
-  <mc:AlternateContent xmlns:mc="http://schemas.openxmlformats.org/markup-compatibility/2006" xmlns:p14="http://schemas.microsoft.com/office/powerpoint/2010/main">
-    <mc:Choice Requires="p14">
-      <p:transition spd="slow" p14:dur="2000"/>
-    </mc:Choice>
-    <mc:Fallback xmlns="">
-      <p:transition xmlns:p14="http://schemas.microsoft.com/office/powerpoint/2010/main" spd="slow"/>
-    </mc:Fallback>
-  </mc:AlternateContent>
-  <p:timing>
-    <p:tnLst>
-      <p:par>
-        <p:cTn xmlns:p14="http://schemas.microsoft.com/office/powerpoint/2010/main" id="1" dur="indefinite" restart="never" nodeType="tmRoot"/>
-      </p:par>
-    </p:tnLst>
-  </p:timing>
-</p:sld>
-</file>
-
-<file path=ppt/slides/slide11.xml><?xml version="1.0" encoding="utf-8"?>
-<p:sld xmlns:a="http://schemas.openxmlformats.org/drawingml/2006/main" xmlns:r="http://schemas.openxmlformats.org/officeDocument/2006/relationships" xmlns:p="http://schemas.openxmlformats.org/presentationml/2006/main">
-  <p:cSld>
-    <p:spTree>
-      <p:nvGrpSpPr>
-        <p:cNvPr id="1" name=""/>
-        <p:cNvGrpSpPr/>
-        <p:nvPr/>
-      </p:nvGrpSpPr>
-      <p:grpSpPr>
-        <a:xfrm>
-          <a:off x="0" y="0"/>
-          <a:ext cx="0" cy="0"/>
-          <a:chOff x="0" y="0"/>
-          <a:chExt cx="0" cy="0"/>
-        </a:xfrm>
-      </p:grpSpPr>
-      <p:sp>
-        <p:nvSpPr>
-          <p:cNvPr id="11265" name="Title 1"/>
-          <p:cNvSpPr>
-            <a:spLocks noGrp="1"/>
-          </p:cNvSpPr>
-          <p:nvPr>
-            <p:ph type="title"/>
-          </p:nvPr>
-        </p:nvSpPr>
-        <p:spPr bwMode="auto">
-          <a:noFill/>
-          <a:extLst>
-            <a:ext uri="{909E8E84-426E-40dd-AFC4-6F175D3DCCD1}">
-              <a14:hiddenFill xmlns:a14="http://schemas.microsoft.com/office/drawing/2010/main">
-                <a:solidFill>
-                  <a:srgbClr val="FFFFFF"/>
-                </a:solidFill>
-              </a14:hiddenFill>
-            </a:ext>
-            <a:ext uri="{91240B29-F687-4f45-9708-019B960494DF}">
-              <a14:hiddenLine xmlns:a14="http://schemas.microsoft.com/office/drawing/2010/main" w="9525">
-                <a:solidFill>
-                  <a:srgbClr val="000000"/>
-                </a:solidFill>
-                <a:miter lim="800000"/>
-                <a:headEnd/>
-                <a:tailEnd/>
-              </a14:hiddenLine>
-            </a:ext>
-          </a:extLst>
-        </p:spPr>
-        <p:txBody>
-          <a:bodyPr wrap="square" lIns="64291" tIns="32146" rIns="64291" bIns="32146" numCol="1" anchor="t" anchorCtr="0" compatLnSpc="1">
-            <a:prstTxWarp prst="textNoShape">
-              <a:avLst/>
-            </a:prstTxWarp>
-          </a:bodyPr>
-          <a:lstStyle/>
-          <a:p>
-            <a:pPr eaLnBrk="1" hangingPunct="1"/>
-            <a:r>
-              <a:rPr lang="en-US" dirty="0">
-                <a:ea typeface="ヒラギノ角ゴ ProN W3" charset="0"/>
-                <a:cs typeface="ヒラギノ角ゴ ProN W3" charset="0"/>
-              </a:rPr>
-              <a:t>Rules of Engagement</a:t>
-            </a:r>
-          </a:p>
-        </p:txBody>
-      </p:sp>
-      <p:sp>
-        <p:nvSpPr>
-          <p:cNvPr id="11266" name="Content Placeholder 2"/>
-          <p:cNvSpPr>
-            <a:spLocks noGrp="1"/>
-          </p:cNvSpPr>
-          <p:nvPr>
-            <p:ph idx="1"/>
-          </p:nvPr>
-        </p:nvSpPr>
-        <p:spPr bwMode="auto">
-          <a:noFill/>
-          <a:extLst>
-            <a:ext uri="{909E8E84-426E-40dd-AFC4-6F175D3DCCD1}">
-              <a14:hiddenFill xmlns:a14="http://schemas.microsoft.com/office/drawing/2010/main">
-                <a:solidFill>
-                  <a:srgbClr val="FFFFFF"/>
-                </a:solidFill>
-              </a14:hiddenFill>
-            </a:ext>
-            <a:ext uri="{91240B29-F687-4f45-9708-019B960494DF}">
-              <a14:hiddenLine xmlns:a14="http://schemas.microsoft.com/office/drawing/2010/main" w="9525">
-                <a:solidFill>
-                  <a:srgbClr val="000000"/>
-                </a:solidFill>
-                <a:miter lim="800000"/>
-                <a:headEnd/>
-                <a:tailEnd/>
-              </a14:hiddenLine>
-            </a:ext>
-          </a:extLst>
-        </p:spPr>
-        <p:txBody>
-          <a:bodyPr wrap="square" lIns="64291" tIns="32146" rIns="64291" bIns="32146" numCol="1" anchor="t" anchorCtr="0" compatLnSpc="1">
-            <a:prstTxWarp prst="textNoShape">
-              <a:avLst/>
-            </a:prstTxWarp>
-            <a:normAutofit/>
-          </a:bodyPr>
-          <a:lstStyle/>
-          <a:p>
-            <a:pPr eaLnBrk="1" hangingPunct="1"/>
-            <a:r>
-              <a:rPr lang="en-US" b="1" i="1" dirty="0">
-                <a:ea typeface="ヒラギノ角ゴ ProN W3" charset="0"/>
-                <a:cs typeface="ヒラギノ角ゴ ProN W3" charset="0"/>
-              </a:rPr>
-              <a:t>Ask questions as we go along</a:t>
-            </a:r>
-          </a:p>
-          <a:p>
-            <a:pPr lvl="1" eaLnBrk="1" hangingPunct="1"/>
-            <a:r>
-              <a:rPr lang="en-US" dirty="0">
-                <a:ea typeface="ヒラギノ角ゴ ProN W3" charset="0"/>
-                <a:cs typeface="ヒラギノ角ゴ ProN W3" charset="0"/>
-              </a:rPr>
-              <a:t>We will “park” any that are better answered later</a:t>
-            </a:r>
-          </a:p>
-          <a:p>
-            <a:pPr lvl="1" eaLnBrk="1" hangingPunct="1"/>
-            <a:r>
-              <a:rPr lang="en-US" dirty="0">
-                <a:ea typeface="ヒラギノ角ゴ ProN W3" charset="0"/>
-                <a:cs typeface="ヒラギノ角ゴ ProN W3" charset="0"/>
-              </a:rPr>
-              <a:t>Don’t wait till the end to ask or raise </a:t>
-            </a:r>
-            <a:r>
-              <a:rPr lang="en-US" dirty="0" smtClean="0">
-                <a:ea typeface="ヒラギノ角ゴ ProN W3" charset="0"/>
-                <a:cs typeface="ヒラギノ角ゴ ProN W3" charset="0"/>
-              </a:rPr>
-              <a:t>concerns</a:t>
-            </a:r>
-          </a:p>
-          <a:p>
-            <a:pPr lvl="1" eaLnBrk="1" hangingPunct="1"/>
-            <a:r>
-              <a:rPr lang="en-US" dirty="0" smtClean="0">
-                <a:ea typeface="ヒラギノ角ゴ ProN W3" charset="0"/>
-                <a:cs typeface="ヒラギノ角ゴ ProN W3" charset="0"/>
-              </a:rPr>
-              <a:t>If you don’t ask we can’t help you</a:t>
-            </a:r>
-            <a:endParaRPr lang="en-US" dirty="0">
-              <a:ea typeface="ヒラギノ角ゴ ProN W3" charset="0"/>
-              <a:cs typeface="ヒラギノ角ゴ ProN W3" charset="0"/>
-            </a:endParaRPr>
-          </a:p>
-        </p:txBody>
-      </p:sp>
-    </p:spTree>
-    <p:extLst>
-      <p:ext uri="{BB962C8B-B14F-4D97-AF65-F5344CB8AC3E}">
-        <p14:creationId xmlns:p14="http://schemas.microsoft.com/office/powerpoint/2010/main" val="688719555"/>
+        <p14:creationId xmlns:p14="http://schemas.microsoft.com/office/powerpoint/2010/main" val="3213640406"/>
       </p:ext>
     </p:extLst>
   </p:cSld>
@@ -4424,7 +4556,7 @@
       </p:grpSpPr>
       <p:sp>
         <p:nvSpPr>
-          <p:cNvPr id="2" name="Title 1"/>
+          <p:cNvPr id="11265" name="Title 1"/>
           <p:cNvSpPr>
             <a:spLocks noGrp="1"/>
           </p:cNvSpPr>
@@ -4432,24 +4564,50 @@
             <p:ph type="title"/>
           </p:nvPr>
         </p:nvSpPr>
-        <p:spPr/>
-        <p:txBody>
-          <a:bodyPr>
-            <a:normAutofit fontScale="90000"/>
+        <p:spPr bwMode="auto">
+          <a:noFill/>
+          <a:extLst>
+            <a:ext uri="{909E8E84-426E-40dd-AFC4-6F175D3DCCD1}">
+              <a14:hiddenFill xmlns:a14="http://schemas.microsoft.com/office/drawing/2010/main">
+                <a:solidFill>
+                  <a:srgbClr val="FFFFFF"/>
+                </a:solidFill>
+              </a14:hiddenFill>
+            </a:ext>
+            <a:ext uri="{91240B29-F687-4f45-9708-019B960494DF}">
+              <a14:hiddenLine xmlns:a14="http://schemas.microsoft.com/office/drawing/2010/main" w="9525">
+                <a:solidFill>
+                  <a:srgbClr val="000000"/>
+                </a:solidFill>
+                <a:miter lim="800000"/>
+                <a:headEnd/>
+                <a:tailEnd/>
+              </a14:hiddenLine>
+            </a:ext>
+          </a:extLst>
+        </p:spPr>
+        <p:txBody>
+          <a:bodyPr wrap="square" lIns="64291" tIns="32146" rIns="64291" bIns="32146" numCol="1" anchor="t" anchorCtr="0" compatLnSpc="1">
+            <a:prstTxWarp prst="textNoShape">
+              <a:avLst/>
+            </a:prstTxWarp>
           </a:bodyPr>
           <a:lstStyle/>
           <a:p>
-            <a:r>
-              <a:rPr lang="en-US" dirty="0" smtClean="0"/>
-              <a:t>First Run since a major update!</a:t>
-            </a:r>
-            <a:endParaRPr lang="en-US" dirty="0"/>
-          </a:p>
-        </p:txBody>
-      </p:sp>
-      <p:sp>
-        <p:nvSpPr>
-          <p:cNvPr id="3" name="Content Placeholder 2"/>
+            <a:pPr eaLnBrk="1" hangingPunct="1"/>
+            <a:r>
+              <a:rPr lang="en-US" dirty="0">
+                <a:ea typeface="ヒラギノ角ゴ ProN W3" charset="0"/>
+                <a:cs typeface="ヒラギノ角ゴ ProN W3" charset="0"/>
+              </a:rPr>
+              <a:t>Rules of Engagement</a:t>
+            </a:r>
+          </a:p>
+        </p:txBody>
+      </p:sp>
+      <p:sp>
+        <p:nvSpPr>
+          <p:cNvPr id="11266" name="Content Placeholder 2"/>
           <p:cNvSpPr>
             <a:spLocks noGrp="1"/>
           </p:cNvSpPr>
@@ -4457,154 +4615,194 @@
             <p:ph idx="1"/>
           </p:nvPr>
         </p:nvSpPr>
-        <p:spPr/>
-        <p:txBody>
-          <a:bodyPr>
-            <a:normAutofit lnSpcReduction="10000"/>
+        <p:spPr bwMode="auto">
+          <a:noFill/>
+          <a:extLst>
+            <a:ext uri="{909E8E84-426E-40dd-AFC4-6F175D3DCCD1}">
+              <a14:hiddenFill xmlns:a14="http://schemas.microsoft.com/office/drawing/2010/main">
+                <a:solidFill>
+                  <a:srgbClr val="FFFFFF"/>
+                </a:solidFill>
+              </a14:hiddenFill>
+            </a:ext>
+            <a:ext uri="{91240B29-F687-4f45-9708-019B960494DF}">
+              <a14:hiddenLine xmlns:a14="http://schemas.microsoft.com/office/drawing/2010/main" w="9525">
+                <a:solidFill>
+                  <a:srgbClr val="000000"/>
+                </a:solidFill>
+                <a:miter lim="800000"/>
+                <a:headEnd/>
+                <a:tailEnd/>
+              </a14:hiddenLine>
+            </a:ext>
+          </a:extLst>
+        </p:spPr>
+        <p:txBody>
+          <a:bodyPr wrap="square" lIns="64291" tIns="32146" rIns="64291" bIns="32146" numCol="1" anchor="t" anchorCtr="0" compatLnSpc="1">
+            <a:prstTxWarp prst="textNoShape">
+              <a:avLst/>
+            </a:prstTxWarp>
+            <a:normAutofit/>
           </a:bodyPr>
           <a:lstStyle/>
           <a:p>
-            <a:r>
-              <a:rPr lang="en-US" dirty="0" smtClean="0"/>
-              <a:t>This is the first running of this course since it was re-written</a:t>
-            </a:r>
-          </a:p>
-          <a:p>
-            <a:r>
-              <a:rPr lang="en-US" dirty="0" smtClean="0"/>
-              <a:t>Please take that into consideration:</a:t>
+            <a:pPr eaLnBrk="1" hangingPunct="1"/>
+            <a:r>
+              <a:rPr lang="en-US" sz="2400" dirty="0">
+                <a:ea typeface="ヒラギノ角ゴ ProN W3" charset="0"/>
+                <a:cs typeface="ヒラギノ角ゴ ProN W3" charset="0"/>
+              </a:rPr>
+              <a:t>Ask questions as we go along</a:t>
+            </a:r>
+          </a:p>
+          <a:p>
+            <a:pPr lvl="1" eaLnBrk="1" hangingPunct="1"/>
+            <a:r>
+              <a:rPr lang="en-US" sz="2000" dirty="0">
+                <a:ea typeface="ヒラギノ角ゴ ProN W3" charset="0"/>
+                <a:cs typeface="ヒラギノ角ゴ ProN W3" charset="0"/>
+              </a:rPr>
+              <a:t>We will “park” any that are better answered later</a:t>
+            </a:r>
+          </a:p>
+          <a:p>
+            <a:pPr lvl="1" eaLnBrk="1" hangingPunct="1"/>
+            <a:r>
+              <a:rPr lang="en-US" sz="2000" b="1" dirty="0">
+                <a:ea typeface="ヒラギノ角ゴ ProN W3" charset="0"/>
+                <a:cs typeface="ヒラギノ角ゴ ProN W3" charset="0"/>
+              </a:rPr>
+              <a:t>Don’t wait till the end to ask or raise concerns</a:t>
+            </a:r>
+          </a:p>
+          <a:p>
+            <a:pPr eaLnBrk="1" hangingPunct="1"/>
+            <a:r>
+              <a:rPr lang="en-US" sz="2400" dirty="0">
+                <a:ea typeface="ヒラギノ角ゴ ProN W3" charset="0"/>
+                <a:cs typeface="ヒラギノ角ゴ ProN W3" charset="0"/>
+              </a:rPr>
+              <a:t>Timings are flexible</a:t>
+            </a:r>
+          </a:p>
+          <a:p>
+            <a:pPr eaLnBrk="1" hangingPunct="1"/>
+            <a:r>
+              <a:rPr lang="en-US" sz="2400" dirty="0">
+                <a:ea typeface="ヒラギノ角ゴ ProN W3" charset="0"/>
+                <a:cs typeface="ヒラギノ角ゴ ProN W3" charset="0"/>
+              </a:rPr>
+              <a:t>Please keep mobile phones silent or better still turned </a:t>
+            </a:r>
+            <a:r>
+              <a:rPr lang="en-US" sz="2400" dirty="0" smtClean="0">
+                <a:ea typeface="ヒラギノ角ゴ ProN W3" charset="0"/>
+                <a:cs typeface="ヒラギノ角ゴ ProN W3" charset="0"/>
+              </a:rPr>
+              <a:t>off</a:t>
+            </a:r>
+          </a:p>
+          <a:p>
+            <a:pPr eaLnBrk="1" hangingPunct="1"/>
+            <a:r>
+              <a:rPr lang="en-US" sz="2400" dirty="0" smtClean="0">
+                <a:ea typeface="ヒラギノ角ゴ ProN W3" charset="0"/>
+                <a:cs typeface="ヒラギノ角ゴ ProN W3" charset="0"/>
+              </a:rPr>
+              <a:t>If you have </a:t>
+            </a:r>
+            <a:r>
+              <a:rPr lang="en-US" sz="2400" dirty="0" smtClean="0">
+                <a:ea typeface="ヒラギノ角ゴ ProN W3" charset="0"/>
+                <a:cs typeface="ヒラギノ角ゴ ProN W3" charset="0"/>
+              </a:rPr>
+              <a:t>improvements or bug reports, </a:t>
+            </a:r>
+            <a:r>
+              <a:rPr lang="en-US" sz="2400" dirty="0" smtClean="0">
+                <a:ea typeface="ヒラギノ角ゴ ProN W3" charset="0"/>
+                <a:cs typeface="ヒラギノ角ゴ ProN W3" charset="0"/>
+              </a:rPr>
+              <a:t>please submit issues or pull requests:</a:t>
             </a:r>
           </a:p>
           <a:p>
             <a:pPr lvl="1"/>
             <a:r>
-              <a:rPr lang="en-US" dirty="0" smtClean="0"/>
-              <a:t>There will be bugs!</a:t>
-            </a:r>
-          </a:p>
-          <a:p>
-            <a:r>
-              <a:rPr lang="en-US" dirty="0" smtClean="0"/>
-              <a:t>Please help out:</a:t>
-            </a:r>
-          </a:p>
-          <a:p>
-            <a:pPr lvl="1"/>
-            <a:r>
-              <a:rPr lang="en-US" dirty="0" smtClean="0"/>
-              <a:t>Please create new issues on the </a:t>
-            </a:r>
-            <a:r>
-              <a:rPr lang="en-US" dirty="0" err="1" smtClean="0"/>
-              <a:t>Github</a:t>
-            </a:r>
-            <a:r>
-              <a:rPr lang="en-US" dirty="0" smtClean="0"/>
-              <a:t> repository</a:t>
-            </a:r>
-          </a:p>
-          <a:p>
-            <a:pPr lvl="1"/>
-            <a:r>
-              <a:rPr lang="en-US" dirty="0">
+              <a:rPr lang="en-US" sz="2400" dirty="0">
+                <a:ea typeface="ヒラギノ角ゴ ProN W3" charset="0"/>
+                <a:cs typeface="ヒラギノ角ゴ ProN W3" charset="0"/>
                 <a:hlinkClick r:id="rId2"/>
               </a:rPr>
-              <a:t>https://github.com/pzfreo/ox</a:t>
-            </a:r>
-            <a:r>
-              <a:rPr lang="en-US" dirty="0" smtClean="0">
+              <a:t>https://github.com/pzfreo/ox-</a:t>
+            </a:r>
+            <a:r>
+              <a:rPr lang="en-US" sz="2400" dirty="0" smtClean="0">
+                <a:ea typeface="ヒラギノ角ゴ ProN W3" charset="0"/>
+                <a:cs typeface="ヒラギノ角ゴ ProN W3" charset="0"/>
                 <a:hlinkClick r:id="rId2"/>
               </a:rPr>
-              <a:t>-soa2/</a:t>
-            </a:r>
-            <a:r>
-              <a:rPr lang="en-US" dirty="0">
+              <a:t>soa2/</a:t>
+            </a:r>
+            <a:r>
+              <a:rPr lang="en-US" sz="2400" dirty="0">
+                <a:ea typeface="ヒラギノ角ゴ ProN W3" charset="0"/>
+                <a:cs typeface="ヒラギノ角ゴ ProN W3" charset="0"/>
                 <a:hlinkClick r:id="rId2"/>
               </a:rPr>
               <a:t>issues/</a:t>
             </a:r>
             <a:r>
-              <a:rPr lang="en-US" dirty="0" smtClean="0">
+              <a:rPr lang="en-US" sz="2400" dirty="0" smtClean="0">
+                <a:ea typeface="ヒラギノ角ゴ ProN W3" charset="0"/>
+                <a:cs typeface="ヒラギノ角ゴ ProN W3" charset="0"/>
                 <a:hlinkClick r:id="rId2"/>
               </a:rPr>
               <a:t>new</a:t>
             </a:r>
             <a:r>
-              <a:rPr lang="en-US" dirty="0" smtClean="0"/>
+              <a:rPr lang="en-US" sz="2400" dirty="0" smtClean="0">
+                <a:ea typeface="ヒラギノ角ゴ ProN W3" charset="0"/>
+                <a:cs typeface="ヒラギノ角ゴ ProN W3" charset="0"/>
+              </a:rPr>
               <a:t> </a:t>
             </a:r>
-            <a:endParaRPr lang="en-US" dirty="0"/>
+            <a:endParaRPr lang="en-US" sz="2400" dirty="0">
+              <a:ea typeface="ヒラギノ角ゴ ProN W3" charset="0"/>
+              <a:cs typeface="ヒラギノ角ゴ ProN W3" charset="0"/>
+            </a:endParaRPr>
           </a:p>
         </p:txBody>
       </p:sp>
     </p:spTree>
     <p:extLst>
       <p:ext uri="{BB962C8B-B14F-4D97-AF65-F5344CB8AC3E}">
-        <p14:creationId xmlns:p14="http://schemas.microsoft.com/office/powerpoint/2010/main" val="1762767997"/>
+        <p14:creationId xmlns:p14="http://schemas.microsoft.com/office/powerpoint/2010/main" val="688719555"/>
       </p:ext>
     </p:extLst>
   </p:cSld>
   <p:clrMapOvr>
     <a:masterClrMapping/>
   </p:clrMapOvr>
+  <mc:AlternateContent xmlns:mc="http://schemas.openxmlformats.org/markup-compatibility/2006" xmlns:p14="http://schemas.microsoft.com/office/powerpoint/2010/main">
+    <mc:Choice Requires="p14">
+      <p:transition spd="slow" p14:dur="2000"/>
+    </mc:Choice>
+    <mc:Fallback xmlns="">
+      <p:transition xmlns:p14="http://schemas.microsoft.com/office/powerpoint/2010/main" spd="slow"/>
+    </mc:Fallback>
+  </mc:AlternateContent>
+  <p:timing>
+    <p:tnLst>
+      <p:par>
+        <p:cTn xmlns:p14="http://schemas.microsoft.com/office/powerpoint/2010/main" id="1" dur="indefinite" restart="never" nodeType="tmRoot"/>
+      </p:par>
+    </p:tnLst>
+  </p:timing>
 </p:sld>
 </file>
 
 <file path=ppt/slides/slide13.xml><?xml version="1.0" encoding="utf-8"?>
-<p:sld xmlns:a="http://schemas.openxmlformats.org/drawingml/2006/main" xmlns:r="http://schemas.openxmlformats.org/officeDocument/2006/relationships" xmlns:p="http://schemas.openxmlformats.org/presentationml/2006/main">
-  <p:cSld>
-    <p:spTree>
-      <p:nvGrpSpPr>
-        <p:cNvPr id="1" name=""/>
-        <p:cNvGrpSpPr/>
-        <p:nvPr/>
-      </p:nvGrpSpPr>
-      <p:grpSpPr>
-        <a:xfrm>
-          <a:off x="0" y="0"/>
-          <a:ext cx="0" cy="0"/>
-          <a:chOff x="0" y="0"/>
-          <a:chExt cx="0" cy="0"/>
-        </a:xfrm>
-      </p:grpSpPr>
-      <p:pic>
-        <p:nvPicPr>
-          <p:cNvPr id="6" name="Picture 5"/>
-          <p:cNvPicPr>
-            <a:picLocks noChangeAspect="1"/>
-          </p:cNvPicPr>
-          <p:nvPr/>
-        </p:nvPicPr>
-        <p:blipFill>
-          <a:blip r:embed="rId2"/>
-          <a:stretch>
-            <a:fillRect/>
-          </a:stretch>
-        </p:blipFill>
-        <p:spPr>
-          <a:xfrm>
-            <a:off x="2146300" y="0"/>
-            <a:ext cx="4840941" cy="6858000"/>
-          </a:xfrm>
-          <a:prstGeom prst="rect">
-            <a:avLst/>
-          </a:prstGeom>
-        </p:spPr>
-      </p:pic>
-    </p:spTree>
-    <p:extLst>
-      <p:ext uri="{BB962C8B-B14F-4D97-AF65-F5344CB8AC3E}">
-        <p14:creationId xmlns:p14="http://schemas.microsoft.com/office/powerpoint/2010/main" val="2928917412"/>
-      </p:ext>
-    </p:extLst>
-  </p:cSld>
-  <p:clrMapOvr>
-    <a:masterClrMapping/>
-  </p:clrMapOvr>
-</p:sld>
-</file>
-
-<file path=ppt/slides/slide14.xml><?xml version="1.0" encoding="utf-8"?>
 <p:sld xmlns:a="http://schemas.openxmlformats.org/drawingml/2006/main" xmlns:r="http://schemas.openxmlformats.org/officeDocument/2006/relationships" xmlns:p="http://schemas.openxmlformats.org/presentationml/2006/main">
   <p:cSld>
     <p:spTree>
@@ -4713,7 +4911,6 @@
             <a:prstTxWarp prst="textNoShape">
               <a:avLst/>
             </a:prstTxWarp>
-            <a:normAutofit/>
           </a:bodyPr>
           <a:lstStyle/>
           <a:p>
@@ -4723,57 +4920,108 @@
                 <a:ea typeface="ヒラギノ角ゴ ProN W3" charset="0"/>
                 <a:cs typeface="ヒラギノ角ゴ ProN W3" charset="0"/>
               </a:rPr>
-              <a:t>CTO and Co-Founder of </a:t>
+              <a:t>CTO and Co-Founder of WSO2</a:t>
+            </a:r>
+          </a:p>
+          <a:p>
+            <a:pPr eaLnBrk="1" hangingPunct="1"/>
+            <a:r>
+              <a:rPr lang="en-US" sz="2000" dirty="0">
+                <a:ea typeface="ヒラギノ角ゴ ProN W3" charset="0"/>
+                <a:cs typeface="ヒラギノ角ゴ ProN W3" charset="0"/>
+              </a:rPr>
+              <a:t>Previously Senior Technical Staff Member, IBM </a:t>
+            </a:r>
+            <a:r>
+              <a:rPr lang="en-US" sz="2000" dirty="0" err="1">
+                <a:ea typeface="ヒラギノ角ゴ ProN W3" charset="0"/>
+                <a:cs typeface="ヒラギノ角ゴ ProN W3" charset="0"/>
+              </a:rPr>
+              <a:t>WebSphere</a:t>
+            </a:r>
+            <a:r>
+              <a:rPr lang="en-US" sz="2000" dirty="0">
+                <a:ea typeface="ヒラギノ角ゴ ProN W3" charset="0"/>
+                <a:cs typeface="ヒラギノ角ゴ ProN W3" charset="0"/>
+              </a:rPr>
+              <a:t> architecture</a:t>
+            </a:r>
+          </a:p>
+          <a:p>
+            <a:pPr eaLnBrk="1" hangingPunct="1"/>
+            <a:r>
+              <a:rPr lang="en-US" sz="2000" dirty="0">
+                <a:ea typeface="ヒラギノ角ゴ ProN W3" charset="0"/>
+                <a:cs typeface="ヒラギノ角ゴ ProN W3" charset="0"/>
+              </a:rPr>
+              <a:t>Co-Chair Web Services Reliable </a:t>
+            </a:r>
+            <a:r>
+              <a:rPr lang="en-US" sz="2000" dirty="0" err="1">
+                <a:ea typeface="ヒラギノ角ゴ ProN W3" charset="0"/>
+                <a:cs typeface="ヒラギノ角ゴ ProN W3" charset="0"/>
+              </a:rPr>
+              <a:t>eXchange</a:t>
+            </a:r>
+            <a:r>
+              <a:rPr lang="en-US" sz="2000" dirty="0">
+                <a:ea typeface="ヒラギノ角ゴ ProN W3" charset="0"/>
+                <a:cs typeface="ヒラギノ角ゴ ProN W3" charset="0"/>
+              </a:rPr>
+              <a:t> at OASIS (WSRM)</a:t>
+            </a:r>
+          </a:p>
+          <a:p>
+            <a:pPr eaLnBrk="1" hangingPunct="1"/>
+            <a:r>
+              <a:rPr lang="en-US" sz="2000" dirty="0">
+                <a:ea typeface="ヒラギノ角ゴ ProN W3" charset="0"/>
+                <a:cs typeface="ヒラギノ角ゴ ProN W3" charset="0"/>
+              </a:rPr>
+              <a:t>VP, Apache Synapse and Member of ASF</a:t>
+            </a:r>
+          </a:p>
+          <a:p>
+            <a:pPr eaLnBrk="1" hangingPunct="1"/>
+            <a:r>
+              <a:rPr lang="en-US" sz="2000" dirty="0">
+                <a:ea typeface="ヒラギノ角ゴ ProN W3" charset="0"/>
+                <a:cs typeface="ヒラギノ角ゴ ProN W3" charset="0"/>
+              </a:rPr>
+              <a:t>MA in </a:t>
+            </a:r>
+            <a:r>
+              <a:rPr lang="en-US" sz="2000" dirty="0" err="1">
+                <a:ea typeface="ヒラギノ角ゴ ProN W3" charset="0"/>
+                <a:cs typeface="ヒラギノ角ゴ ProN W3" charset="0"/>
+              </a:rPr>
+              <a:t>Maths</a:t>
+            </a:r>
+            <a:r>
+              <a:rPr lang="en-US" sz="2000" dirty="0">
+                <a:ea typeface="ヒラギノ角ゴ ProN W3" charset="0"/>
+                <a:cs typeface="ヒラギノ角ゴ ProN W3" charset="0"/>
+              </a:rPr>
+              <a:t> and Philosophy</a:t>
+            </a:r>
+          </a:p>
+          <a:p>
+            <a:pPr eaLnBrk="1" hangingPunct="1"/>
+            <a:r>
+              <a:rPr lang="en-US" sz="2000" dirty="0">
+                <a:ea typeface="ヒラギノ角ゴ ProN W3" charset="0"/>
+                <a:cs typeface="ヒラギノ角ゴ ProN W3" charset="0"/>
+              </a:rPr>
+              <a:t>MSc in </a:t>
             </a:r>
             <a:r>
               <a:rPr lang="en-US" sz="2000" dirty="0" smtClean="0">
                 <a:ea typeface="ヒラギノ角ゴ ProN W3" charset="0"/>
                 <a:cs typeface="ヒラギノ角ゴ ProN W3" charset="0"/>
               </a:rPr>
-              <a:t>WSO2</a:t>
-            </a:r>
-          </a:p>
-          <a:p>
-            <a:pPr lvl="1"/>
-            <a:r>
-              <a:rPr lang="en-US" sz="1600" dirty="0" smtClean="0">
-                <a:ea typeface="ヒラギノ角ゴ ProN W3" charset="0"/>
-                <a:cs typeface="ヒラギノ角ゴ ProN W3" charset="0"/>
-              </a:rPr>
-              <a:t>Currently on </a:t>
-            </a:r>
-            <a:r>
-              <a:rPr lang="en-US" sz="1600" dirty="0">
-                <a:ea typeface="ヒラギノ角ゴ ProN W3" charset="0"/>
-                <a:cs typeface="ヒラギノ角ゴ ProN W3" charset="0"/>
-              </a:rPr>
-              <a:t>s</a:t>
-            </a:r>
-            <a:r>
-              <a:rPr lang="en-US" sz="1600" dirty="0" smtClean="0">
-                <a:ea typeface="ヒラギノ角ゴ ProN W3" charset="0"/>
-                <a:cs typeface="ヒラギノ角ゴ ProN W3" charset="0"/>
-              </a:rPr>
-              <a:t>tudy </a:t>
-            </a:r>
-            <a:r>
-              <a:rPr lang="en-US" sz="1600" dirty="0" smtClean="0">
-                <a:ea typeface="ヒラギノ角ゴ ProN W3" charset="0"/>
-                <a:cs typeface="ヒラギノ角ゴ ProN W3" charset="0"/>
-              </a:rPr>
-              <a:t>leave </a:t>
-            </a:r>
-          </a:p>
-          <a:p>
-            <a:pPr lvl="1"/>
-            <a:r>
-              <a:rPr lang="en-US" sz="1600" dirty="0" smtClean="0">
-                <a:ea typeface="ヒラギノ角ゴ ProN W3" charset="0"/>
-                <a:cs typeface="ヒラギノ角ゴ ProN W3" charset="0"/>
-              </a:rPr>
-              <a:t>PhD research student</a:t>
-            </a:r>
-            <a:endParaRPr lang="en-US" sz="1600" dirty="0">
+              <a:t>Computation</a:t>
+            </a:r>
+            <a:endParaRPr lang="en-US" sz="2000" dirty="0" smtClean="0">
               <a:ea typeface="ヒラギノ角ゴ ProN W3" charset="0"/>
               <a:cs typeface="ヒラギノ角ゴ ProN W3" charset="0"/>
             </a:endParaRPr>
@@ -4781,95 +5029,37 @@
           <a:p>
             <a:pPr eaLnBrk="1" hangingPunct="1"/>
             <a:r>
-              <a:rPr lang="en-US" sz="2000" dirty="0">
-                <a:ea typeface="ヒラギノ角ゴ ProN W3" charset="0"/>
-                <a:cs typeface="ヒラギノ角ゴ ProN W3" charset="0"/>
-              </a:rPr>
-              <a:t>Previously Senior Technical Staff Member, IBM </a:t>
-            </a:r>
-            <a:r>
-              <a:rPr lang="en-US" sz="2000" dirty="0" err="1">
-                <a:ea typeface="ヒラギノ角ゴ ProN W3" charset="0"/>
-                <a:cs typeface="ヒラギノ角ゴ ProN W3" charset="0"/>
-              </a:rPr>
-              <a:t>WebSphere</a:t>
-            </a:r>
-            <a:r>
-              <a:rPr lang="en-US" sz="2000" dirty="0">
-                <a:ea typeface="ヒラギノ角ゴ ProN W3" charset="0"/>
-                <a:cs typeface="ヒラギノ角ゴ ProN W3" charset="0"/>
-              </a:rPr>
-              <a:t> architecture</a:t>
-            </a:r>
-          </a:p>
-          <a:p>
-            <a:pPr eaLnBrk="1" hangingPunct="1"/>
-            <a:r>
               <a:rPr lang="en-US" sz="2000" dirty="0" smtClean="0">
                 <a:ea typeface="ヒラギノ角ゴ ProN W3" charset="0"/>
                 <a:cs typeface="ヒラギノ角ゴ ProN W3" charset="0"/>
               </a:rPr>
-              <a:t>VP</a:t>
-            </a:r>
-            <a:r>
-              <a:rPr lang="en-US" sz="2000" dirty="0">
-                <a:ea typeface="ヒラギノ角ゴ ProN W3" charset="0"/>
-                <a:cs typeface="ヒラギノ角ゴ ProN W3" charset="0"/>
-              </a:rPr>
-              <a:t>, Apache Synapse and Member of ASF</a:t>
-            </a:r>
-          </a:p>
-          <a:p>
-            <a:pPr eaLnBrk="1" hangingPunct="1"/>
-            <a:r>
-              <a:rPr lang="en-US" sz="2000" dirty="0">
-                <a:ea typeface="ヒラギノ角ゴ ProN W3" charset="0"/>
-                <a:cs typeface="ヒラギノ角ゴ ProN W3" charset="0"/>
-              </a:rPr>
-              <a:t>MA in </a:t>
-            </a:r>
-            <a:r>
-              <a:rPr lang="en-US" sz="2000" dirty="0" err="1">
-                <a:ea typeface="ヒラギノ角ゴ ProN W3" charset="0"/>
-                <a:cs typeface="ヒラギノ角ゴ ProN W3" charset="0"/>
-              </a:rPr>
-              <a:t>Maths</a:t>
-            </a:r>
-            <a:r>
-              <a:rPr lang="en-US" sz="2000" dirty="0">
-                <a:ea typeface="ヒラギノ角ゴ ProN W3" charset="0"/>
-                <a:cs typeface="ヒラギノ角ゴ ProN W3" charset="0"/>
-              </a:rPr>
-              <a:t> and Philosophy</a:t>
-            </a:r>
-          </a:p>
-          <a:p>
-            <a:pPr eaLnBrk="1" hangingPunct="1"/>
-            <a:r>
-              <a:rPr lang="en-US" sz="2000" dirty="0">
-                <a:ea typeface="ヒラギノ角ゴ ProN W3" charset="0"/>
-                <a:cs typeface="ヒラギノ角ゴ ProN W3" charset="0"/>
-              </a:rPr>
-              <a:t>MSc in Computation (1995</a:t>
-            </a:r>
-            <a:r>
-              <a:rPr lang="en-US" sz="2000" dirty="0" smtClean="0">
-                <a:ea typeface="ヒラギノ角ゴ ProN W3" charset="0"/>
-                <a:cs typeface="ヒラギノ角ゴ ProN W3" charset="0"/>
-              </a:rPr>
-              <a:t>)</a:t>
-            </a:r>
-          </a:p>
-          <a:p>
-            <a:pPr eaLnBrk="1" hangingPunct="1"/>
-            <a:r>
-              <a:rPr lang="en-US" sz="2000" dirty="0" smtClean="0">
-                <a:ea typeface="ヒラギノ角ゴ ProN W3" charset="0"/>
-                <a:cs typeface="ヒラギノ角ゴ ProN W3" charset="0"/>
-              </a:rPr>
-              <a:t>Also teaches CLO module</a:t>
-            </a:r>
-            <a:endParaRPr lang="en-US" sz="2000" dirty="0" smtClean="0">
+              <a:t>Studying for a PhD:</a:t>
+            </a:r>
+          </a:p>
+          <a:p>
+            <a:pPr lvl="1"/>
+            <a:r>
+              <a:rPr lang="en-US" sz="1600" dirty="0" smtClean="0">
+                <a:ea typeface="ヒラギノ角ゴ ProN W3" charset="0"/>
+                <a:cs typeface="ヒラギノ角ゴ ProN W3" charset="0"/>
+              </a:rPr>
+              <a:t>Security and privacy in </a:t>
+            </a:r>
+            <a:r>
+              <a:rPr lang="en-US" sz="1600" dirty="0" err="1" smtClean="0">
+                <a:ea typeface="ヒラギノ角ゴ ProN W3" charset="0"/>
+                <a:cs typeface="ヒラギノ角ゴ ProN W3" charset="0"/>
+              </a:rPr>
+              <a:t>IoT</a:t>
+            </a:r>
+            <a:r>
+              <a:rPr lang="en-US" sz="1600" dirty="0" smtClean="0">
+                <a:ea typeface="ヒラギノ角ゴ ProN W3" charset="0"/>
+                <a:cs typeface="ヒラギノ角ゴ ProN W3" charset="0"/>
+              </a:rPr>
+              <a:t> middleware</a:t>
+            </a:r>
+            <a:endParaRPr lang="en-US" sz="1600" dirty="0">
               <a:ea typeface="ヒラギノ角ゴ ProN W3" charset="0"/>
               <a:cs typeface="ヒラギノ角ゴ ProN W3" charset="0"/>
             </a:endParaRPr>
@@ -4958,7 +5148,7 @@
 </p:sld>
 </file>
 
-<file path=ppt/slides/slide15.xml><?xml version="1.0" encoding="utf-8"?>
+<file path=ppt/slides/slide14.xml><?xml version="1.0" encoding="utf-8"?>
 <p:sld xmlns:a="http://schemas.openxmlformats.org/drawingml/2006/main" xmlns:r="http://schemas.openxmlformats.org/officeDocument/2006/relationships" xmlns:p="http://schemas.openxmlformats.org/presentationml/2006/main">
   <p:cSld>
     <p:spTree>
@@ -5018,7 +5208,7 @@
 </p:sld>
 </file>
 
-<file path=ppt/slides/slide16.xml><?xml version="1.0" encoding="utf-8"?>
+<file path=ppt/slides/slide15.xml><?xml version="1.0" encoding="utf-8"?>
 <p:sld xmlns:a="http://schemas.openxmlformats.org/drawingml/2006/main" xmlns:r="http://schemas.openxmlformats.org/officeDocument/2006/relationships" xmlns:p="http://schemas.openxmlformats.org/presentationml/2006/main">
   <p:cSld>
     <p:spTree>
@@ -5096,14 +5286,14 @@
             <p:ph idx="1"/>
             <p:extLst>
               <p:ext uri="{D42A27DB-BD31-4B8C-83A1-F6EECF244321}">
-                <p14:modId xmlns:p14="http://schemas.microsoft.com/office/powerpoint/2010/main" val="1629388527"/>
+                <p14:modId xmlns:p14="http://schemas.microsoft.com/office/powerpoint/2010/main" val="1204975455"/>
               </p:ext>
             </p:extLst>
           </p:nvPr>
         </p:nvGraphicFramePr>
         <p:xfrm>
           <a:off x="457646" y="1172857"/>
-          <a:ext cx="8063510" cy="4839072"/>
+          <a:ext cx="8063510" cy="4202337"/>
         </p:xfrm>
         <a:graphic>
           <a:graphicData uri="http://schemas.openxmlformats.org/drawingml/2006/table">
@@ -5195,42 +5385,7 @@
                   <a:tcPr marL="64294" marR="64294" marT="32147" marB="32147"/>
                 </a:tc>
               </a:tr>
-              <a:tr h="835825">
-                <a:tc>
-                  <a:txBody>
-                    <a:bodyPr/>
-                    <a:lstStyle/>
-                    <a:p>
-                      <a:r>
-                        <a:rPr lang="en-US" sz="1700" i="0" dirty="0" smtClean="0"/>
-                        <a:t>Overall</a:t>
-                      </a:r>
-                      <a:r>
-                        <a:rPr lang="en-US" sz="1700" i="0" baseline="0" dirty="0" smtClean="0"/>
-                        <a:t> </a:t>
-                      </a:r>
-                      <a:r>
-                        <a:rPr lang="en-US" sz="1700" i="0" dirty="0" smtClean="0"/>
-                        <a:t>Introductions</a:t>
-                      </a:r>
-                    </a:p>
-                    <a:p>
-                      <a:endParaRPr lang="en-US" sz="1700" i="0" dirty="0" smtClean="0"/>
-                    </a:p>
-                    <a:p>
-                      <a:r>
-                        <a:rPr lang="en-US" sz="1700" i="0" dirty="0" smtClean="0"/>
-                        <a:t>First</a:t>
-                      </a:r>
-                      <a:r>
-                        <a:rPr lang="en-US" sz="1700" i="0" baseline="0" dirty="0" smtClean="0"/>
-                        <a:t> Cloud lab exercise</a:t>
-                      </a:r>
-                      <a:endParaRPr lang="en-US" sz="1700" i="0" dirty="0"/>
-                    </a:p>
-                  </a:txBody>
-                  <a:tcPr marL="64294" marR="64294" marT="32147" marB="32147"/>
-                </a:tc>
+              <a:tr h="365451">
                 <a:tc>
                   <a:txBody>
                     <a:bodyPr/>
@@ -5239,23 +5394,6 @@
                       <a:r>
                         <a:rPr lang="en-US" sz="1700" dirty="0" smtClean="0"/>
                         <a:t>Introduction</a:t>
-                      </a:r>
-                      <a:r>
-                        <a:rPr lang="en-US" sz="1700" baseline="0" dirty="0" smtClean="0"/>
-                        <a:t> to Big Data and case studies</a:t>
-                      </a:r>
-                    </a:p>
-                    <a:p>
-                      <a:endParaRPr lang="en-US" sz="1700" baseline="0" dirty="0" smtClean="0"/>
-                    </a:p>
-                    <a:p>
-                      <a:r>
-                        <a:rPr lang="en-US" sz="1700" baseline="0" dirty="0" err="1" smtClean="0"/>
-                        <a:t>Hadoop</a:t>
-                      </a:r>
-                      <a:r>
-                        <a:rPr lang="en-US" sz="1700" baseline="0" dirty="0" smtClean="0"/>
-                        <a:t> Lab 1</a:t>
                       </a:r>
                       <a:endParaRPr lang="en-US" sz="1700" dirty="0"/>
                     </a:p>
@@ -5269,24 +5407,7 @@
                     <a:p>
                       <a:r>
                         <a:rPr lang="en-US" sz="1700" dirty="0" smtClean="0"/>
-                        <a:t>Spark</a:t>
-                      </a:r>
-                      <a:r>
-                        <a:rPr lang="en-US" sz="1700" baseline="0" dirty="0" smtClean="0"/>
-                        <a:t> and SQL</a:t>
-                      </a:r>
-                    </a:p>
-                    <a:p>
-                      <a:endParaRPr lang="en-US" sz="1700" baseline="0" dirty="0" smtClean="0"/>
-                    </a:p>
-                    <a:p>
-                      <a:r>
-                        <a:rPr lang="en-US" sz="1700" baseline="0" dirty="0" err="1" smtClean="0"/>
-                        <a:t>SparkSQL</a:t>
-                      </a:r>
-                      <a:r>
-                        <a:rPr lang="en-US" sz="1700" baseline="0" dirty="0" smtClean="0"/>
-                        <a:t> Lab</a:t>
+                        <a:t>REST introduction</a:t>
                       </a:r>
                       <a:endParaRPr lang="en-US" sz="1700" dirty="0"/>
                     </a:p>
@@ -5299,24 +5420,10 @@
                     <a:lstStyle/>
                     <a:p>
                       <a:r>
-                        <a:rPr lang="en-US" dirty="0" err="1" smtClean="0"/>
-                        <a:t>Visualisation</a:t>
+                        <a:rPr lang="en-US" sz="1700" dirty="0" err="1" smtClean="0"/>
+                        <a:t>Microservices</a:t>
                       </a:r>
-                      <a:endParaRPr lang="en-US" dirty="0" smtClean="0"/>
-                    </a:p>
-                    <a:p>
-                      <a:endParaRPr lang="en-US" dirty="0" smtClean="0"/>
-                    </a:p>
-                    <a:p>
-                      <a:r>
-                        <a:rPr lang="en-US" dirty="0" err="1" smtClean="0"/>
-                        <a:t>Visualisation</a:t>
-                      </a:r>
-                      <a:r>
-                        <a:rPr lang="en-US" baseline="0" dirty="0" smtClean="0"/>
-                        <a:t> Lab</a:t>
-                      </a:r>
-                      <a:endParaRPr lang="en-US" dirty="0"/>
+                      <a:endParaRPr lang="en-US" sz="1700" dirty="0"/>
                     </a:p>
                   </a:txBody>
                   <a:tcPr marL="64294" marR="64294" marT="32147" marB="32147"/>
@@ -5327,23 +5434,118 @@
                     <a:lstStyle/>
                     <a:p>
                       <a:r>
-                        <a:rPr lang="en-US" dirty="0" smtClean="0"/>
-                        <a:t>Overview</a:t>
+                        <a:rPr lang="en-US" sz="1700" dirty="0" smtClean="0"/>
+                        <a:t>Security</a:t>
+                      </a:r>
+                      <a:endParaRPr lang="en-US" sz="1700" dirty="0"/>
+                    </a:p>
+                  </a:txBody>
+                  <a:tcPr marL="64294" marR="64294" marT="32147" marB="32147"/>
+                </a:tc>
+                <a:tc>
+                  <a:txBody>
+                    <a:bodyPr/>
+                    <a:lstStyle/>
+                    <a:p>
+                      <a:r>
+                        <a:rPr lang="en-US" sz="1700" dirty="0" smtClean="0"/>
+                        <a:t>Design Exercise</a:t>
+                      </a:r>
+                      <a:endParaRPr lang="en-US" sz="1700" dirty="0"/>
+                    </a:p>
+                  </a:txBody>
+                  <a:tcPr marL="64294" marR="64294" marT="32147" marB="32147"/>
+                </a:tc>
+              </a:tr>
+              <a:tr h="835825">
+                <a:tc>
+                  <a:txBody>
+                    <a:bodyPr/>
+                    <a:lstStyle/>
+                    <a:p>
+                      <a:r>
+                        <a:rPr lang="en-US" sz="1700" dirty="0" smtClean="0"/>
+                        <a:t>Case</a:t>
                       </a:r>
                       <a:r>
-                        <a:rPr lang="en-US" baseline="0" dirty="0" smtClean="0"/>
-                        <a:t> and Recap Presentation</a:t>
+                        <a:rPr lang="en-US" sz="1700" baseline="0" dirty="0" smtClean="0"/>
+                        <a:t> Studies and motivation</a:t>
                       </a:r>
+                      <a:endParaRPr lang="en-US" sz="1700" dirty="0"/>
+                    </a:p>
+                  </a:txBody>
+                  <a:tcPr marL="64294" marR="64294" marT="32147" marB="32147"/>
+                </a:tc>
+                <a:tc>
+                  <a:txBody>
+                    <a:bodyPr/>
+                    <a:lstStyle/>
+                    <a:p>
+                      <a:r>
+                        <a:rPr lang="en-US" sz="1700" dirty="0" smtClean="0"/>
+                        <a:t>REST example</a:t>
+                      </a:r>
+                      <a:r>
+                        <a:rPr lang="en-US" sz="1700" baseline="0" dirty="0" smtClean="0"/>
+                        <a:t> flow</a:t>
+                      </a:r>
+                      <a:endParaRPr lang="en-US" sz="1700" dirty="0"/>
+                    </a:p>
+                  </a:txBody>
+                  <a:tcPr marL="64294" marR="64294" marT="32147" marB="32147"/>
+                </a:tc>
+                <a:tc>
+                  <a:txBody>
+                    <a:bodyPr/>
+                    <a:lstStyle/>
+                    <a:p>
+                      <a:r>
+                        <a:rPr lang="en-US" sz="1700" dirty="0" err="1" smtClean="0"/>
+                        <a:t>Docker</a:t>
+                      </a:r>
+                      <a:r>
+                        <a:rPr lang="en-US" sz="1700" dirty="0" smtClean="0"/>
+                        <a:t> Introduction</a:t>
+                      </a:r>
+                      <a:endParaRPr lang="en-US" sz="1700" dirty="0"/>
+                    </a:p>
+                  </a:txBody>
+                  <a:tcPr marL="64294" marR="64294" marT="32147" marB="32147"/>
+                </a:tc>
+                <a:tc>
+                  <a:txBody>
+                    <a:bodyPr/>
+                    <a:lstStyle/>
+                    <a:p>
+                      <a:r>
+                        <a:rPr lang="en-US" sz="1700" dirty="0" smtClean="0"/>
+                        <a:t>Governance</a:t>
+                      </a:r>
+                      <a:endParaRPr lang="en-US" sz="1700" dirty="0"/>
+                    </a:p>
+                  </a:txBody>
+                  <a:tcPr marL="64294" marR="64294" marT="32147" marB="32147"/>
+                </a:tc>
+                <a:tc>
+                  <a:txBody>
+                    <a:bodyPr/>
+                    <a:lstStyle/>
+                    <a:p>
+                      <a:r>
+                        <a:rPr lang="en-US" sz="1700" dirty="0" smtClean="0"/>
+                        <a:t>History and futures</a:t>
+                      </a:r>
+                      <a:endParaRPr lang="en-US" sz="1700" dirty="0" smtClean="0"/>
                     </a:p>
                     <a:p>
-                      <a:endParaRPr lang="en-US" baseline="0" dirty="0" smtClean="0"/>
+                      <a:endParaRPr lang="en-US" sz="1700" dirty="0" smtClean="0"/>
                     </a:p>
                     <a:p>
                       <a:r>
-                        <a:rPr lang="en-US" baseline="0" dirty="0" smtClean="0"/>
-                        <a:t>Group Exercise</a:t>
+                        <a:rPr lang="en-US" sz="1700" dirty="0" smtClean="0"/>
+                        <a:t>Conclusions</a:t>
                       </a:r>
-                      <a:endParaRPr lang="en-US" dirty="0"/>
+                      <a:endParaRPr lang="en-US" sz="1700" dirty="0"/>
                     </a:p>
                   </a:txBody>
                   <a:tcPr marL="64294" marR="64294" marT="32147" marB="32147"/>
@@ -5357,26 +5559,31 @@
                     <a:p>
                       <a:r>
                         <a:rPr lang="en-US" sz="1700" dirty="0" smtClean="0"/>
-                        <a:t>Cloud Overview</a:t>
+                        <a:t>SOAP and WSDL</a:t>
+                      </a:r>
+                      <a:endParaRPr lang="en-US" sz="1700" dirty="0"/>
+                    </a:p>
+                  </a:txBody>
+                  <a:tcPr marL="64294" marR="64294" marT="32147" marB="32147"/>
+                </a:tc>
+                <a:tc>
+                  <a:txBody>
+                    <a:bodyPr/>
+                    <a:lstStyle/>
+                    <a:p>
+                      <a:r>
+                        <a:rPr lang="en-US" sz="1700" dirty="0" smtClean="0"/>
+                        <a:t>Evolving</a:t>
+                      </a:r>
+                      <a:r>
+                        <a:rPr lang="en-US" sz="1700" baseline="0" dirty="0" smtClean="0"/>
+                        <a:t> REST</a:t>
                       </a:r>
                     </a:p>
                     <a:p>
                       <a:r>
-                        <a:rPr lang="en-US" sz="1700" dirty="0" smtClean="0"/>
-                        <a:t>and</a:t>
-                      </a:r>
-                      <a:r>
-                        <a:rPr lang="en-US" sz="1700" baseline="0" dirty="0" smtClean="0"/>
-                        <a:t> case studies</a:t>
-                      </a:r>
-                    </a:p>
-                    <a:p>
-                      <a:endParaRPr lang="en-US" sz="1700" baseline="0" dirty="0" smtClean="0"/>
-                    </a:p>
-                    <a:p>
-                      <a:r>
-                        <a:rPr lang="en-US" sz="1700" baseline="0" dirty="0" smtClean="0"/>
-                        <a:t>Elastic Cloud Lab</a:t>
+                        <a:rPr lang="en-US" sz="1700" baseline="0" dirty="0" err="1" smtClean="0"/>
+                        <a:t>practicals</a:t>
                       </a:r>
                       <a:endParaRPr lang="en-US" sz="1700" dirty="0"/>
                     </a:p>
@@ -5390,91 +5597,19 @@
                     <a:p>
                       <a:r>
                         <a:rPr lang="en-US" sz="1700" dirty="0" err="1" smtClean="0"/>
-                        <a:t>Hadoop</a:t>
+                        <a:t>DevOps</a:t>
                       </a:r>
                       <a:r>
                         <a:rPr lang="en-US" sz="1700" dirty="0" smtClean="0"/>
-                        <a:t> details,</a:t>
-                      </a:r>
-                      <a:r>
-                        <a:rPr lang="en-US" sz="1700" baseline="0" dirty="0" smtClean="0"/>
-                        <a:t> Map-Reduce</a:t>
+                        <a:t>, deployment,</a:t>
                       </a:r>
                     </a:p>
                     <a:p>
-                      <a:endParaRPr lang="en-US" sz="1700" baseline="0" dirty="0" smtClean="0"/>
-                    </a:p>
-                    <a:p>
                       <a:r>
-                        <a:rPr lang="en-US" sz="1700" baseline="0" dirty="0" err="1" smtClean="0"/>
-                        <a:t>Hadoop</a:t>
+                        <a:rPr lang="en-US" sz="1700" dirty="0" smtClean="0"/>
+                        <a:t>management</a:t>
                       </a:r>
-                      <a:r>
-                        <a:rPr lang="en-US" sz="1700" baseline="0" dirty="0" smtClean="0"/>
-                        <a:t> Extras</a:t>
-                      </a:r>
-                    </a:p>
-                    <a:p>
-                      <a:endParaRPr lang="en-US" sz="1700" baseline="0" dirty="0" smtClean="0"/>
-                    </a:p>
-                  </a:txBody>
-                  <a:tcPr marL="64294" marR="64294" marT="32147" marB="32147"/>
-                </a:tc>
-                <a:tc>
-                  <a:txBody>
-                    <a:bodyPr/>
-                    <a:lstStyle/>
-                    <a:p>
-                      <a:r>
-                        <a:rPr lang="en-US" dirty="0" smtClean="0"/>
-                        <a:t>Storage</a:t>
-                      </a:r>
-                      <a:r>
-                        <a:rPr lang="en-US" baseline="0" dirty="0" smtClean="0"/>
-                        <a:t> and </a:t>
-                      </a:r>
-                      <a:r>
-                        <a:rPr lang="en-US" baseline="0" dirty="0" err="1" smtClean="0"/>
-                        <a:t>NoSQL</a:t>
-                      </a:r>
-                      <a:endParaRPr lang="en-US" baseline="0" dirty="0" smtClean="0"/>
-                    </a:p>
-                    <a:p>
-                      <a:endParaRPr lang="en-US" baseline="0" dirty="0" smtClean="0"/>
-                    </a:p>
-                    <a:p>
-                      <a:r>
-                        <a:rPr lang="en-US" baseline="0" dirty="0" smtClean="0"/>
-                        <a:t>Cassandra Lab</a:t>
-                      </a:r>
-                      <a:endParaRPr lang="en-US" dirty="0"/>
-                    </a:p>
-                  </a:txBody>
-                  <a:tcPr marL="64294" marR="64294" marT="32147" marB="32147"/>
-                </a:tc>
-                <a:tc>
-                  <a:txBody>
-                    <a:bodyPr/>
-                    <a:lstStyle/>
-                    <a:p>
-                      <a:r>
-                        <a:rPr lang="en-US" dirty="0" smtClean="0"/>
-                        <a:t>Containers</a:t>
-                      </a:r>
-                    </a:p>
-                    <a:p>
-                      <a:endParaRPr lang="en-US" baseline="0" dirty="0" smtClean="0"/>
-                    </a:p>
-                    <a:p>
-                      <a:r>
-                        <a:rPr lang="en-US" baseline="0" dirty="0" err="1" smtClean="0"/>
-                        <a:t>Docker</a:t>
-                      </a:r>
-                      <a:r>
-                        <a:rPr lang="en-US" baseline="0" dirty="0" smtClean="0"/>
-                        <a:t> Lab</a:t>
-                      </a:r>
-                      <a:endParaRPr lang="en-US" dirty="0"/>
+                      <a:endParaRPr lang="en-US" sz="1700" dirty="0"/>
                     </a:p>
                   </a:txBody>
                   <a:tcPr marL="64294" marR="64294" marT="32147" marB="32147"/>
@@ -5486,13 +5621,19 @@
                     <a:p>
                       <a:r>
                         <a:rPr lang="en-US" sz="1700" dirty="0" smtClean="0"/>
-                        <a:t>Final Thoughts </a:t>
-                      </a:r>
-                      <a:r>
-                        <a:rPr lang="en-US" sz="1700" smtClean="0"/>
-                        <a:t>and Assignment</a:t>
+                        <a:t>API Management</a:t>
                       </a:r>
                       <a:endParaRPr lang="en-US" sz="1700" dirty="0"/>
+                    </a:p>
+                  </a:txBody>
+                  <a:tcPr marL="64294" marR="64294" marT="32147" marB="32147"/>
+                </a:tc>
+                <a:tc>
+                  <a:txBody>
+                    <a:bodyPr/>
+                    <a:lstStyle/>
+                    <a:p>
+                      <a:endParaRPr lang="en-US" sz="1700"/>
                     </a:p>
                   </a:txBody>
                   <a:tcPr marL="64294" marR="64294" marT="32147" marB="32147"/>
@@ -5506,31 +5647,7 @@
                     <a:p>
                       <a:r>
                         <a:rPr lang="en-US" sz="1700" dirty="0" smtClean="0"/>
-                        <a:t>Cloud Theory</a:t>
-                      </a:r>
-                      <a:br>
-                        <a:rPr lang="en-US" sz="1700" dirty="0" smtClean="0"/>
-                      </a:br>
-                      <a:r>
-                        <a:rPr lang="en-US" sz="1700" dirty="0" smtClean="0"/>
-                        <a:t>Platform-as-a-Service,</a:t>
-                      </a:r>
-                      <a:r>
-                        <a:rPr lang="en-US" sz="1700" baseline="0" dirty="0" smtClean="0"/>
-                        <a:t> scaling</a:t>
-                      </a:r>
-                    </a:p>
-                    <a:p>
-                      <a:r>
-                        <a:rPr lang="en-US" sz="1700" baseline="0" dirty="0" smtClean="0"/>
-                        <a:t/>
-                      </a:r>
-                      <a:br>
-                        <a:rPr lang="en-US" sz="1700" baseline="0" dirty="0" smtClean="0"/>
-                      </a:br>
-                      <a:r>
-                        <a:rPr lang="en-US" sz="1700" baseline="0" dirty="0" smtClean="0"/>
-                        <a:t>Further Cloud Lab</a:t>
+                        <a:t>SOAP Implementation </a:t>
                       </a:r>
                       <a:endParaRPr lang="en-US" sz="1700" dirty="0"/>
                     </a:p>
@@ -5544,12 +5661,9 @@
                     <a:p>
                       <a:r>
                         <a:rPr lang="en-US" sz="1700" dirty="0" smtClean="0"/>
-                        <a:t>Intro to Spark</a:t>
+                        <a:t>Advanced REST</a:t>
                       </a:r>
-                      <a:endParaRPr lang="en-US" sz="1700" baseline="0" dirty="0" smtClean="0"/>
-                    </a:p>
-                    <a:p>
-                      <a:endParaRPr lang="en-US" sz="1700" baseline="0" dirty="0" smtClean="0"/>
+                      <a:endParaRPr lang="en-US" sz="1700" dirty="0"/>
                     </a:p>
                   </a:txBody>
                   <a:tcPr marL="64294" marR="64294" marT="32147" marB="32147"/>
@@ -5560,27 +5674,14 @@
                     <a:lstStyle/>
                     <a:p>
                       <a:r>
-                        <a:rPr lang="en-US" dirty="0" smtClean="0"/>
-                        <a:t>Cassandra details</a:t>
+                        <a:rPr lang="en-US" sz="1700" dirty="0" smtClean="0"/>
+                        <a:t>Integration</a:t>
                       </a:r>
-                    </a:p>
-                    <a:p>
-                      <a:endParaRPr lang="en-US" dirty="0" smtClean="0"/>
-                    </a:p>
-                    <a:p>
                       <a:r>
-                        <a:rPr lang="en-US" dirty="0" smtClean="0"/>
-                        <a:t>Cassandra </a:t>
+                        <a:rPr lang="en-US" sz="1700" baseline="0" dirty="0" smtClean="0"/>
+                        <a:t> and ESBs</a:t>
                       </a:r>
-                    </a:p>
-                    <a:p>
-                      <a:r>
-                        <a:rPr lang="en-US" dirty="0" smtClean="0"/>
-                        <a:t>Lab2</a:t>
-                      </a:r>
-                    </a:p>
-                    <a:p>
-                      <a:endParaRPr lang="en-US" dirty="0"/>
+                      <a:endParaRPr lang="en-US" sz="1700" dirty="0"/>
                     </a:p>
                   </a:txBody>
                   <a:tcPr marL="64294" marR="64294" marT="32147" marB="32147"/>
@@ -5591,27 +5692,10 @@
                     <a:lstStyle/>
                     <a:p>
                       <a:r>
-                        <a:rPr lang="en-US" dirty="0" err="1" smtClean="0"/>
-                        <a:t>Realtime</a:t>
+                        <a:rPr lang="en-US" sz="1700" dirty="0" smtClean="0"/>
+                        <a:t>Composition</a:t>
                       </a:r>
-                      <a:r>
-                        <a:rPr lang="en-US" dirty="0" smtClean="0"/>
-                        <a:t> Big Data</a:t>
-                      </a:r>
-                    </a:p>
-                    <a:p>
-                      <a:endParaRPr lang="en-US" dirty="0" smtClean="0"/>
-                    </a:p>
-                    <a:p>
-                      <a:r>
-                        <a:rPr lang="en-US" dirty="0" err="1" smtClean="0"/>
-                        <a:t>Realtime</a:t>
-                      </a:r>
-                      <a:r>
-                        <a:rPr lang="en-US" baseline="0" dirty="0" smtClean="0"/>
-                        <a:t> Lab</a:t>
-                      </a:r>
-                      <a:endParaRPr lang="en-US" dirty="0"/>
+                      <a:endParaRPr lang="en-US" sz="1700" dirty="0"/>
                     </a:p>
                   </a:txBody>
                   <a:tcPr marL="64294" marR="64294" marT="32147" marB="32147"/>
@@ -5659,7 +5743,7 @@
 </p:sld>
 </file>
 
-<file path=ppt/slides/slide17.xml><?xml version="1.0" encoding="utf-8"?>
+<file path=ppt/slides/slide16.xml><?xml version="1.0" encoding="utf-8"?>
 <p:sld xmlns:a="http://schemas.openxmlformats.org/drawingml/2006/main" xmlns:r="http://schemas.openxmlformats.org/officeDocument/2006/relationships" xmlns:p="http://schemas.openxmlformats.org/presentationml/2006/main">
   <p:cSld>
     <p:spTree>
@@ -5948,16 +6032,12 @@
           <a:p>
             <a:pPr eaLnBrk="1" hangingPunct="1"/>
             <a:r>
-              <a:rPr lang="en-US" dirty="0" smtClean="0">
-                <a:ea typeface="ヒラギノ角ゴ ProN W3" charset="0"/>
-                <a:cs typeface="ヒラギノ角ゴ ProN W3" charset="0"/>
-              </a:rPr>
-              <a:t>Objectives</a:t>
-            </a:r>
-            <a:endParaRPr lang="en-US" dirty="0">
-              <a:ea typeface="ヒラギノ角ゴ ProN W3" charset="0"/>
-              <a:cs typeface="ヒラギノ角ゴ ProN W3" charset="0"/>
-            </a:endParaRPr>
+              <a:rPr lang="en-US" dirty="0">
+                <a:ea typeface="ヒラギノ角ゴ ProN W3" charset="0"/>
+                <a:cs typeface="ヒラギノ角ゴ ProN W3" charset="0"/>
+              </a:rPr>
+              <a:t>Connections</a:t>
+            </a:r>
           </a:p>
           <a:p>
             <a:pPr eaLnBrk="1" hangingPunct="1"/>
@@ -6036,6 +6116,167 @@
           <a:chExt cx="0" cy="0"/>
         </a:xfrm>
       </p:grpSpPr>
+      <p:pic>
+        <p:nvPicPr>
+          <p:cNvPr id="4" name="Picture 3"/>
+          <p:cNvPicPr>
+            <a:picLocks noChangeAspect="1"/>
+          </p:cNvPicPr>
+          <p:nvPr/>
+        </p:nvPicPr>
+        <p:blipFill>
+          <a:blip r:embed="rId2"/>
+          <a:stretch>
+            <a:fillRect/>
+          </a:stretch>
+        </p:blipFill>
+        <p:spPr>
+          <a:xfrm>
+            <a:off x="331919" y="1193801"/>
+            <a:ext cx="8409917" cy="4102120"/>
+          </a:xfrm>
+          <a:prstGeom prst="rect">
+            <a:avLst/>
+          </a:prstGeom>
+        </p:spPr>
+      </p:pic>
+    </p:spTree>
+    <p:extLst>
+      <p:ext uri="{BB962C8B-B14F-4D97-AF65-F5344CB8AC3E}">
+        <p14:creationId xmlns:p14="http://schemas.microsoft.com/office/powerpoint/2010/main" val="129675297"/>
+      </p:ext>
+    </p:extLst>
+  </p:cSld>
+  <p:clrMapOvr>
+    <a:masterClrMapping/>
+  </p:clrMapOvr>
+</p:sld>
+</file>
+
+<file path=ppt/slides/slide4.xml><?xml version="1.0" encoding="utf-8"?>
+<p:sld xmlns:a="http://schemas.openxmlformats.org/drawingml/2006/main" xmlns:r="http://schemas.openxmlformats.org/officeDocument/2006/relationships" xmlns:p="http://schemas.openxmlformats.org/presentationml/2006/main">
+  <p:cSld>
+    <p:spTree>
+      <p:nvGrpSpPr>
+        <p:cNvPr id="1" name=""/>
+        <p:cNvGrpSpPr/>
+        <p:nvPr/>
+      </p:nvGrpSpPr>
+      <p:grpSpPr>
+        <a:xfrm>
+          <a:off x="0" y="0"/>
+          <a:ext cx="0" cy="0"/>
+          <a:chOff x="0" y="0"/>
+          <a:chExt cx="0" cy="0"/>
+        </a:xfrm>
+      </p:grpSpPr>
+      <p:sp>
+        <p:nvSpPr>
+          <p:cNvPr id="2" name="Title 1"/>
+          <p:cNvSpPr>
+            <a:spLocks noGrp="1"/>
+          </p:cNvSpPr>
+          <p:nvPr>
+            <p:ph type="title"/>
+          </p:nvPr>
+        </p:nvSpPr>
+        <p:spPr/>
+        <p:txBody>
+          <a:bodyPr/>
+          <a:lstStyle/>
+          <a:p>
+            <a:r>
+              <a:rPr lang="en-US" dirty="0" smtClean="0"/>
+              <a:t>Apologies for the Jargon</a:t>
+            </a:r>
+            <a:endParaRPr lang="en-US" dirty="0"/>
+          </a:p>
+        </p:txBody>
+      </p:sp>
+      <p:sp>
+        <p:nvSpPr>
+          <p:cNvPr id="3" name="Content Placeholder 2"/>
+          <p:cNvSpPr>
+            <a:spLocks noGrp="1"/>
+          </p:cNvSpPr>
+          <p:nvPr>
+            <p:ph idx="1"/>
+          </p:nvPr>
+        </p:nvSpPr>
+        <p:spPr/>
+        <p:txBody>
+          <a:bodyPr/>
+          <a:lstStyle/>
+          <a:p>
+            <a:r>
+              <a:rPr lang="en-US" dirty="0" smtClean="0"/>
+              <a:t>There is a lot!</a:t>
+            </a:r>
+          </a:p>
+          <a:p>
+            <a:pPr lvl="1"/>
+            <a:r>
+              <a:rPr lang="en-US" dirty="0" err="1" smtClean="0"/>
+              <a:t>Microservices</a:t>
+            </a:r>
+            <a:r>
+              <a:rPr lang="en-US" dirty="0" smtClean="0"/>
+              <a:t>, SOA, </a:t>
+            </a:r>
+            <a:r>
+              <a:rPr lang="en-US" dirty="0" err="1" smtClean="0"/>
+              <a:t>DevOps</a:t>
+            </a:r>
+            <a:r>
+              <a:rPr lang="en-US" dirty="0" smtClean="0"/>
+              <a:t>, REST, SOAP, WSDL, Swagger, JSON, XML, OAuth2, TLS, </a:t>
+            </a:r>
+            <a:r>
+              <a:rPr lang="en-US" dirty="0" err="1" smtClean="0"/>
+              <a:t>etc</a:t>
+            </a:r>
+            <a:endParaRPr lang="en-US" dirty="0" smtClean="0"/>
+          </a:p>
+          <a:p>
+            <a:pPr lvl="1"/>
+            <a:r>
+              <a:rPr lang="en-US" dirty="0" smtClean="0"/>
+              <a:t>Please ask if I fail to explain an acronym</a:t>
+            </a:r>
+            <a:endParaRPr lang="en-US" dirty="0"/>
+          </a:p>
+        </p:txBody>
+      </p:sp>
+    </p:spTree>
+    <p:extLst>
+      <p:ext uri="{BB962C8B-B14F-4D97-AF65-F5344CB8AC3E}">
+        <p14:creationId xmlns:p14="http://schemas.microsoft.com/office/powerpoint/2010/main" val="1170522971"/>
+      </p:ext>
+    </p:extLst>
+  </p:cSld>
+  <p:clrMapOvr>
+    <a:masterClrMapping/>
+  </p:clrMapOvr>
+</p:sld>
+</file>
+
+<file path=ppt/slides/slide5.xml><?xml version="1.0" encoding="utf-8"?>
+<p:sld xmlns:a="http://schemas.openxmlformats.org/drawingml/2006/main" xmlns:r="http://schemas.openxmlformats.org/officeDocument/2006/relationships" xmlns:p="http://schemas.openxmlformats.org/presentationml/2006/main">
+  <p:cSld>
+    <p:spTree>
+      <p:nvGrpSpPr>
+        <p:cNvPr id="1" name=""/>
+        <p:cNvGrpSpPr/>
+        <p:nvPr/>
+      </p:nvGrpSpPr>
+      <p:grpSpPr>
+        <a:xfrm>
+          <a:off x="0" y="0"/>
+          <a:ext cx="0" cy="0"/>
+          <a:chOff x="0" y="0"/>
+          <a:chExt cx="0" cy="0"/>
+        </a:xfrm>
+      </p:grpSpPr>
       <p:sp>
         <p:nvSpPr>
           <p:cNvPr id="5121" name="Title 1"/>
@@ -6047,6 +6288,10 @@
           </p:nvPr>
         </p:nvSpPr>
         <p:spPr bwMode="auto">
+          <a:xfrm>
+            <a:off x="457200" y="0"/>
+            <a:ext cx="8229600" cy="1143000"/>
+          </a:xfrm>
           <a:noFill/>
           <a:extLst>
             <a:ext uri="{909E8E84-426E-40dd-AFC4-6F175D3DCCD1}">
@@ -6098,6 +6343,10 @@
           </p:nvPr>
         </p:nvSpPr>
         <p:spPr bwMode="auto">
+          <a:xfrm>
+            <a:off x="375635" y="1143000"/>
+            <a:ext cx="8229600" cy="4525963"/>
+          </a:xfrm>
           <a:noFill/>
           <a:extLst>
             <a:ext uri="{909E8E84-426E-40dd-AFC4-6F175D3DCCD1}">
@@ -6124,11 +6373,139 @@
             <a:prstTxWarp prst="textNoShape">
               <a:avLst/>
             </a:prstTxWarp>
+            <a:noAutofit/>
           </a:bodyPr>
           <a:lstStyle/>
           <a:p>
             <a:pPr eaLnBrk="1" hangingPunct="1"/>
-            <a:endParaRPr lang="en-US" dirty="0">
+            <a:r>
+              <a:rPr lang="en-US" sz="2400" dirty="0" smtClean="0">
+                <a:ea typeface="ヒラギノ角ゴ ProN W3" charset="0"/>
+                <a:cs typeface="ヒラギノ角ゴ ProN W3" charset="0"/>
+              </a:rPr>
+              <a:t>To understand:</a:t>
+            </a:r>
+          </a:p>
+          <a:p>
+            <a:pPr lvl="1"/>
+            <a:r>
+              <a:rPr lang="en-US" sz="2400" dirty="0" smtClean="0">
+                <a:ea typeface="ヒラギノ角ゴ ProN W3" charset="0"/>
+                <a:cs typeface="ヒラギノ角ゴ ProN W3" charset="0"/>
+              </a:rPr>
+              <a:t>Benefits and challenges of SOA </a:t>
+            </a:r>
+          </a:p>
+          <a:p>
+            <a:pPr lvl="1"/>
+            <a:r>
+              <a:rPr lang="en-US" sz="2400" dirty="0" smtClean="0">
+                <a:ea typeface="ヒラギノ角ゴ ProN W3" charset="0"/>
+                <a:cs typeface="ヒラギノ角ゴ ProN W3" charset="0"/>
+              </a:rPr>
+              <a:t>Services, </a:t>
+            </a:r>
+            <a:r>
+              <a:rPr lang="en-US" sz="2400" dirty="0" err="1" smtClean="0">
+                <a:ea typeface="ヒラギノ角ゴ ProN W3" charset="0"/>
+                <a:cs typeface="ヒラギノ角ゴ ProN W3" charset="0"/>
+              </a:rPr>
+              <a:t>Microservices</a:t>
+            </a:r>
+            <a:r>
+              <a:rPr lang="en-US" sz="2400" dirty="0" smtClean="0">
+                <a:ea typeface="ヒラギノ角ゴ ProN W3" charset="0"/>
+                <a:cs typeface="ヒラギノ角ゴ ProN W3" charset="0"/>
+              </a:rPr>
+              <a:t> and APIs</a:t>
+            </a:r>
+          </a:p>
+          <a:p>
+            <a:pPr lvl="1"/>
+            <a:r>
+              <a:rPr lang="en-US" sz="2400" dirty="0" smtClean="0">
+                <a:ea typeface="ヒラギノ角ゴ ProN W3" charset="0"/>
+                <a:cs typeface="ヒラギノ角ゴ ProN W3" charset="0"/>
+              </a:rPr>
+              <a:t>Security models </a:t>
+            </a:r>
+          </a:p>
+          <a:p>
+            <a:pPr lvl="1"/>
+            <a:r>
+              <a:rPr lang="en-US" sz="2400" dirty="0" smtClean="0">
+                <a:ea typeface="ヒラギノ角ゴ ProN W3" charset="0"/>
+                <a:cs typeface="ヒラギノ角ゴ ProN W3" charset="0"/>
+              </a:rPr>
+              <a:t>Mediation, Composition, Governance</a:t>
+            </a:r>
+          </a:p>
+          <a:p>
+            <a:r>
+              <a:rPr lang="en-US" sz="2400" dirty="0" smtClean="0">
+                <a:ea typeface="ヒラギノ角ゴ ProN W3" charset="0"/>
+                <a:cs typeface="ヒラギノ角ゴ ProN W3" charset="0"/>
+              </a:rPr>
+              <a:t>Implementation of </a:t>
+            </a:r>
+          </a:p>
+          <a:p>
+            <a:pPr lvl="1"/>
+            <a:r>
+              <a:rPr lang="en-US" sz="2400" dirty="0" smtClean="0">
+                <a:ea typeface="ヒラギノ角ゴ ProN W3" charset="0"/>
+                <a:cs typeface="ヒラギノ角ゴ ProN W3" charset="0"/>
+              </a:rPr>
+              <a:t>SOAP and REST based services</a:t>
+            </a:r>
+          </a:p>
+          <a:p>
+            <a:pPr lvl="1"/>
+            <a:r>
+              <a:rPr lang="en-US" sz="2400" dirty="0" err="1" smtClean="0">
+                <a:ea typeface="ヒラギノ角ゴ ProN W3" charset="0"/>
+                <a:cs typeface="ヒラギノ角ゴ ProN W3" charset="0"/>
+              </a:rPr>
+              <a:t>Microservices</a:t>
+            </a:r>
+            <a:endParaRPr lang="en-US" sz="2400" dirty="0" smtClean="0">
+              <a:ea typeface="ヒラギノ角ゴ ProN W3" charset="0"/>
+              <a:cs typeface="ヒラギノ角ゴ ProN W3" charset="0"/>
+            </a:endParaRPr>
+          </a:p>
+          <a:p>
+            <a:pPr lvl="1"/>
+            <a:r>
+              <a:rPr lang="en-US" sz="2400" dirty="0" smtClean="0">
+                <a:ea typeface="ヒラギノ角ゴ ProN W3" charset="0"/>
+                <a:cs typeface="ヒラギノ角ゴ ProN W3" charset="0"/>
+              </a:rPr>
+              <a:t>ESB and BPMN flows</a:t>
+            </a:r>
+          </a:p>
+          <a:p>
+            <a:pPr lvl="1"/>
+            <a:r>
+              <a:rPr lang="en-US" sz="2400" dirty="0" smtClean="0">
+                <a:ea typeface="ヒラギノ角ゴ ProN W3" charset="0"/>
+                <a:cs typeface="ヒラギノ角ゴ ProN W3" charset="0"/>
+              </a:rPr>
+              <a:t>OAuth2 and SSL secured services</a:t>
+            </a:r>
+          </a:p>
+          <a:p>
+            <a:pPr lvl="1"/>
+            <a:r>
+              <a:rPr lang="en-US" sz="2400" dirty="0" smtClean="0">
+                <a:ea typeface="ヒラギノ角ゴ ProN W3" charset="0"/>
+                <a:cs typeface="ヒラギノ角ゴ ProN W3" charset="0"/>
+              </a:rPr>
+              <a:t>API Gateways and clients</a:t>
+            </a:r>
+          </a:p>
+          <a:p>
+            <a:pPr lvl="1"/>
+            <a:endParaRPr lang="en-US" sz="2400" dirty="0">
               <a:ea typeface="ヒラギノ角ゴ ProN W3" charset="0"/>
               <a:cs typeface="ヒラギノ角ゴ ProN W3" charset="0"/>
             </a:endParaRPr>
@@ -6163,7 +6540,7 @@
 </p:sld>
 </file>
 
-<file path=ppt/slides/slide4.xml><?xml version="1.0" encoding="utf-8"?>
+<file path=ppt/slides/slide6.xml><?xml version="1.0" encoding="utf-8"?>
 <p:sld xmlns:a="http://schemas.openxmlformats.org/drawingml/2006/main" xmlns:r="http://schemas.openxmlformats.org/officeDocument/2006/relationships" xmlns:p="http://schemas.openxmlformats.org/presentationml/2006/main">
   <p:cSld>
     <p:spTree>
@@ -6190,50 +6567,31 @@
             <p:ph type="title"/>
           </p:nvPr>
         </p:nvSpPr>
-        <p:spPr bwMode="auto">
-          <a:noFill/>
-          <a:extLst>
-            <a:ext uri="{909E8E84-426E-40dd-AFC4-6F175D3DCCD1}">
-              <a14:hiddenFill xmlns:a14="http://schemas.microsoft.com/office/drawing/2010/main">
-                <a:solidFill>
-                  <a:srgbClr val="FFFFFF"/>
-                </a:solidFill>
-              </a14:hiddenFill>
-            </a:ext>
-            <a:ext uri="{91240B29-F687-4f45-9708-019B960494DF}">
-              <a14:hiddenLine xmlns:a14="http://schemas.microsoft.com/office/drawing/2010/main" w="9525">
-                <a:solidFill>
-                  <a:srgbClr val="000000"/>
-                </a:solidFill>
-                <a:miter lim="800000"/>
-                <a:headEnd/>
-                <a:tailEnd/>
-              </a14:hiddenLine>
-            </a:ext>
-          </a:extLst>
-        </p:spPr>
-        <p:txBody>
-          <a:bodyPr wrap="square" lIns="64291" tIns="32146" rIns="64291" bIns="32146" numCol="1" anchor="t" anchorCtr="0" compatLnSpc="1">
-            <a:prstTxWarp prst="textNoShape">
-              <a:avLst/>
-            </a:prstTxWarp>
+        <p:spPr/>
+        <p:txBody>
+          <a:bodyPr>
+            <a:normAutofit fontScale="90000"/>
           </a:bodyPr>
           <a:lstStyle/>
           <a:p>
-            <a:pPr eaLnBrk="1" hangingPunct="1"/>
-            <a:r>
-              <a:rPr lang="en-US" dirty="0">
-                <a:ea typeface="ヒラギノ角ゴ ProN W3" charset="0"/>
-                <a:cs typeface="ヒラギノ角ゴ ProN W3" charset="0"/>
-              </a:rPr>
+            <a:r>
+              <a:rPr lang="en-US" dirty="0" smtClean="0"/>
               <a:t>Pre-requisites</a:t>
             </a:r>
-          </a:p>
-        </p:txBody>
-      </p:sp>
-      <p:sp>
-        <p:nvSpPr>
-          <p:cNvPr id="3" name="Content Placeholder 2"/>
+            <a:br>
+              <a:rPr lang="en-US" dirty="0" smtClean="0"/>
+            </a:br>
+            <a:r>
+              <a:rPr lang="en-US" sz="3100" dirty="0" smtClean="0"/>
+              <a:t>(Some familiarity required)</a:t>
+            </a:r>
+            <a:endParaRPr lang="en-US" dirty="0"/>
+          </a:p>
+        </p:txBody>
+      </p:sp>
+      <p:sp>
+        <p:nvSpPr>
+          <p:cNvPr id="4" name="Content Placeholder 3"/>
           <p:cNvSpPr>
             <a:spLocks noGrp="1"/>
           </p:cNvSpPr>
@@ -6243,88 +6601,28 @@
         </p:nvSpPr>
         <p:spPr/>
         <p:txBody>
-          <a:bodyPr>
-            <a:normAutofit/>
-          </a:bodyPr>
+          <a:bodyPr/>
           <a:lstStyle/>
           <a:p>
-            <a:pPr marL="0" indent="0" eaLnBrk="1" hangingPunct="1">
-              <a:buNone/>
-              <a:defRPr/>
-            </a:pPr>
-            <a:r>
-              <a:rPr lang="en-US" sz="2400" b="1" dirty="0" smtClean="0"/>
-              <a:t>Covered by the Pre-Study Guide</a:t>
-            </a:r>
-          </a:p>
-          <a:p>
-            <a:pPr eaLnBrk="1" hangingPunct="1">
-              <a:defRPr/>
-            </a:pPr>
-            <a:endParaRPr lang="en-US" sz="2400" b="1" dirty="0"/>
-          </a:p>
-          <a:p>
-            <a:pPr eaLnBrk="1" hangingPunct="1">
-              <a:defRPr/>
-            </a:pPr>
-            <a:r>
-              <a:rPr lang="en-US" sz="2400" b="1" dirty="0" smtClean="0"/>
-              <a:t>Command line </a:t>
-            </a:r>
-            <a:r>
-              <a:rPr lang="en-US" sz="2400" dirty="0" smtClean="0"/>
-              <a:t>tooling and Unix commands</a:t>
-            </a:r>
-          </a:p>
-          <a:p>
-            <a:pPr eaLnBrk="1" hangingPunct="1">
-              <a:defRPr/>
-            </a:pPr>
-            <a:r>
-              <a:rPr lang="en-US" sz="2400" dirty="0" smtClean="0"/>
-              <a:t>Some </a:t>
-            </a:r>
-            <a:r>
-              <a:rPr lang="en-US" sz="2400" b="1" dirty="0" smtClean="0"/>
-              <a:t>Python programming </a:t>
-            </a:r>
-            <a:r>
-              <a:rPr lang="en-US" sz="2400" dirty="0" smtClean="0"/>
-              <a:t>and </a:t>
-            </a:r>
-            <a:r>
-              <a:rPr lang="en-US" sz="2400" b="1" dirty="0" smtClean="0"/>
-              <a:t>text editors</a:t>
-            </a:r>
-            <a:endParaRPr lang="en-US" sz="2400" dirty="0" smtClean="0"/>
-          </a:p>
-          <a:p>
-            <a:pPr eaLnBrk="1" hangingPunct="1">
-              <a:defRPr/>
-            </a:pPr>
-            <a:r>
-              <a:rPr lang="en-US" sz="2400" b="1" dirty="0" smtClean="0"/>
-              <a:t>Basic Understanding</a:t>
-            </a:r>
-            <a:r>
-              <a:rPr lang="en-US" sz="2400" dirty="0" smtClean="0"/>
-              <a:t> of networking, servers and distributed computing </a:t>
-            </a:r>
-            <a:endParaRPr lang="en-US" sz="2400" b="1" dirty="0" smtClean="0"/>
-          </a:p>
-          <a:p>
-            <a:pPr marL="178587" indent="0">
-              <a:buNone/>
-              <a:defRPr/>
-            </a:pPr>
-            <a:endParaRPr lang="en-US" sz="2400" dirty="0"/>
-          </a:p>
-          <a:p>
-            <a:pPr marL="178587" indent="0">
-              <a:buNone/>
-              <a:defRPr/>
-            </a:pPr>
-            <a:endParaRPr lang="en-US" sz="2400" dirty="0"/>
+            <a:r>
+              <a:rPr lang="en-US" dirty="0" smtClean="0"/>
+              <a:t>Languages: Java, Node, Python</a:t>
+            </a:r>
+          </a:p>
+          <a:p>
+            <a:r>
+              <a:rPr lang="en-US" dirty="0" smtClean="0"/>
+              <a:t>Data formats: JSON and XML</a:t>
+            </a:r>
+          </a:p>
+          <a:p>
+            <a:r>
+              <a:rPr lang="en-US" dirty="0" smtClean="0"/>
+              <a:t>Tools: Unix shell, Eclipse, Text editors</a:t>
+            </a:r>
+          </a:p>
+          <a:p>
+            <a:endParaRPr lang="en-US" dirty="0"/>
           </a:p>
         </p:txBody>
       </p:sp>
@@ -6356,209 +6654,6 @@
 </p:sld>
 </file>
 
-<file path=ppt/slides/slide5.xml><?xml version="1.0" encoding="utf-8"?>
-<p:sld xmlns:a="http://schemas.openxmlformats.org/drawingml/2006/main" xmlns:r="http://schemas.openxmlformats.org/officeDocument/2006/relationships" xmlns:p="http://schemas.openxmlformats.org/presentationml/2006/main">
-  <p:cSld>
-    <p:spTree>
-      <p:nvGrpSpPr>
-        <p:cNvPr id="1" name=""/>
-        <p:cNvGrpSpPr/>
-        <p:nvPr/>
-      </p:nvGrpSpPr>
-      <p:grpSpPr>
-        <a:xfrm>
-          <a:off x="0" y="0"/>
-          <a:ext cx="0" cy="0"/>
-          <a:chOff x="0" y="0"/>
-          <a:chExt cx="0" cy="0"/>
-        </a:xfrm>
-      </p:grpSpPr>
-      <p:sp>
-        <p:nvSpPr>
-          <p:cNvPr id="2" name="Title 1"/>
-          <p:cNvSpPr>
-            <a:spLocks noGrp="1"/>
-          </p:cNvSpPr>
-          <p:nvPr>
-            <p:ph type="title"/>
-          </p:nvPr>
-        </p:nvSpPr>
-        <p:spPr/>
-        <p:txBody>
-          <a:bodyPr/>
-          <a:lstStyle/>
-          <a:p>
-            <a:r>
-              <a:rPr lang="en-US" dirty="0" smtClean="0"/>
-              <a:t>Format</a:t>
-            </a:r>
-            <a:endParaRPr lang="en-US" dirty="0"/>
-          </a:p>
-        </p:txBody>
-      </p:sp>
-      <p:sp>
-        <p:nvSpPr>
-          <p:cNvPr id="3" name="Content Placeholder 2"/>
-          <p:cNvSpPr>
-            <a:spLocks noGrp="1"/>
-          </p:cNvSpPr>
-          <p:nvPr>
-            <p:ph idx="1"/>
-          </p:nvPr>
-        </p:nvSpPr>
-        <p:spPr/>
-        <p:txBody>
-          <a:bodyPr>
-            <a:normAutofit/>
-          </a:bodyPr>
-          <a:lstStyle/>
-          <a:p>
-            <a:r>
-              <a:rPr lang="en-US" dirty="0" smtClean="0"/>
-              <a:t>A mixture of lectures and practical labs</a:t>
-            </a:r>
-          </a:p>
-          <a:p>
-            <a:r>
-              <a:rPr lang="en-US" dirty="0" smtClean="0"/>
-              <a:t>Lectures aim to provide the wider context and background</a:t>
-            </a:r>
-          </a:p>
-          <a:p>
-            <a:pPr lvl="1"/>
-            <a:r>
-              <a:rPr lang="en-US" dirty="0" smtClean="0"/>
-              <a:t>Independent of specific technologies</a:t>
-            </a:r>
-          </a:p>
-          <a:p>
-            <a:r>
-              <a:rPr lang="en-US" dirty="0" smtClean="0"/>
-              <a:t>Labs are based on specific technologies </a:t>
-            </a:r>
-          </a:p>
-          <a:p>
-            <a:pPr lvl="1"/>
-            <a:r>
-              <a:rPr lang="en-US" dirty="0" smtClean="0"/>
-              <a:t>Designed to demonstrate the principles</a:t>
-            </a:r>
-            <a:endParaRPr lang="en-US" dirty="0"/>
-          </a:p>
-        </p:txBody>
-      </p:sp>
-    </p:spTree>
-    <p:extLst>
-      <p:ext uri="{BB962C8B-B14F-4D97-AF65-F5344CB8AC3E}">
-        <p14:creationId xmlns:p14="http://schemas.microsoft.com/office/powerpoint/2010/main" val="3540329346"/>
-      </p:ext>
-    </p:extLst>
-  </p:cSld>
-  <p:clrMapOvr>
-    <a:masterClrMapping/>
-  </p:clrMapOvr>
-</p:sld>
-</file>
-
-<file path=ppt/slides/slide6.xml><?xml version="1.0" encoding="utf-8"?>
-<p:sld xmlns:a="http://schemas.openxmlformats.org/drawingml/2006/main" xmlns:r="http://schemas.openxmlformats.org/officeDocument/2006/relationships" xmlns:p="http://schemas.openxmlformats.org/presentationml/2006/main">
-  <p:cSld>
-    <p:spTree>
-      <p:nvGrpSpPr>
-        <p:cNvPr id="1" name=""/>
-        <p:cNvGrpSpPr/>
-        <p:nvPr/>
-      </p:nvGrpSpPr>
-      <p:grpSpPr>
-        <a:xfrm>
-          <a:off x="0" y="0"/>
-          <a:ext cx="0" cy="0"/>
-          <a:chOff x="0" y="0"/>
-          <a:chExt cx="0" cy="0"/>
-        </a:xfrm>
-      </p:grpSpPr>
-      <p:sp>
-        <p:nvSpPr>
-          <p:cNvPr id="2" name="Title 1"/>
-          <p:cNvSpPr>
-            <a:spLocks noGrp="1"/>
-          </p:cNvSpPr>
-          <p:nvPr>
-            <p:ph type="title"/>
-          </p:nvPr>
-        </p:nvSpPr>
-        <p:spPr/>
-        <p:txBody>
-          <a:bodyPr/>
-          <a:lstStyle/>
-          <a:p>
-            <a:r>
-              <a:rPr lang="en-US" dirty="0" smtClean="0"/>
-              <a:t>Lab model	</a:t>
-            </a:r>
-            <a:endParaRPr lang="en-US" dirty="0"/>
-          </a:p>
-        </p:txBody>
-      </p:sp>
-      <p:sp>
-        <p:nvSpPr>
-          <p:cNvPr id="3" name="Content Placeholder 2"/>
-          <p:cNvSpPr>
-            <a:spLocks noGrp="1"/>
-          </p:cNvSpPr>
-          <p:nvPr>
-            <p:ph idx="1"/>
-          </p:nvPr>
-        </p:nvSpPr>
-        <p:spPr/>
-        <p:txBody>
-          <a:bodyPr/>
-          <a:lstStyle/>
-          <a:p>
-            <a:r>
-              <a:rPr lang="en-US" dirty="0" smtClean="0"/>
-              <a:t>Local Virtual Machine</a:t>
-            </a:r>
-          </a:p>
-          <a:p>
-            <a:pPr lvl="1"/>
-            <a:r>
-              <a:rPr lang="en-US" dirty="0" smtClean="0"/>
-              <a:t>Ubuntu </a:t>
-            </a:r>
-          </a:p>
-          <a:p>
-            <a:pPr lvl="1"/>
-            <a:r>
-              <a:rPr lang="en-US" dirty="0" smtClean="0"/>
-              <a:t>Pre-installed SOA software	</a:t>
-            </a:r>
-          </a:p>
-          <a:p>
-            <a:pPr marL="457200" lvl="1" indent="0">
-              <a:buNone/>
-            </a:pPr>
-            <a:endParaRPr lang="en-US" dirty="0" smtClean="0"/>
-          </a:p>
-          <a:p>
-            <a:pPr lvl="1"/>
-            <a:endParaRPr lang="en-US" dirty="0"/>
-          </a:p>
-        </p:txBody>
-      </p:sp>
-    </p:spTree>
-    <p:extLst>
-      <p:ext uri="{BB962C8B-B14F-4D97-AF65-F5344CB8AC3E}">
-        <p14:creationId xmlns:p14="http://schemas.microsoft.com/office/powerpoint/2010/main" val="3810880434"/>
-      </p:ext>
-    </p:extLst>
-  </p:cSld>
-  <p:clrMapOvr>
-    <a:masterClrMapping/>
-  </p:clrMapOvr>
-</p:sld>
-</file>
-
 <file path=ppt/slides/slide7.xml><?xml version="1.0" encoding="utf-8"?>
 <p:sld xmlns:a="http://schemas.openxmlformats.org/drawingml/2006/main" xmlns:r="http://schemas.openxmlformats.org/officeDocument/2006/relationships" xmlns:p="http://schemas.openxmlformats.org/presentationml/2006/main">
   <p:cSld>
@@ -6629,64 +6724,201 @@
       </p:sp>
       <p:sp>
         <p:nvSpPr>
-          <p:cNvPr id="4" name="Content Placeholder 3"/>
-          <p:cNvSpPr>
-            <a:spLocks noGrp="1"/>
-          </p:cNvSpPr>
-          <p:nvPr>
-            <p:ph idx="1"/>
-          </p:nvPr>
-        </p:nvSpPr>
-        <p:spPr/>
-        <p:txBody>
-          <a:bodyPr>
-            <a:normAutofit lnSpcReduction="10000"/>
+          <p:cNvPr id="7170" name="Content Placeholder 2"/>
+          <p:cNvSpPr>
+            <a:spLocks noGrp="1"/>
+          </p:cNvSpPr>
+          <p:nvPr>
+            <p:ph sz="half" idx="1"/>
+          </p:nvPr>
+        </p:nvSpPr>
+        <p:spPr bwMode="auto">
+          <a:noFill/>
+          <a:extLst>
+            <a:ext uri="{909E8E84-426E-40dd-AFC4-6F175D3DCCD1}">
+              <a14:hiddenFill xmlns:a14="http://schemas.microsoft.com/office/drawing/2010/main">
+                <a:solidFill>
+                  <a:srgbClr val="FFFFFF"/>
+                </a:solidFill>
+              </a14:hiddenFill>
+            </a:ext>
+            <a:ext uri="{91240B29-F687-4f45-9708-019B960494DF}">
+              <a14:hiddenLine xmlns:a14="http://schemas.microsoft.com/office/drawing/2010/main" w="9525">
+                <a:solidFill>
+                  <a:srgbClr val="000000"/>
+                </a:solidFill>
+                <a:miter lim="800000"/>
+                <a:headEnd/>
+                <a:tailEnd/>
+              </a14:hiddenLine>
+            </a:ext>
+          </a:extLst>
+        </p:spPr>
+        <p:txBody>
+          <a:bodyPr wrap="square" lIns="64291" tIns="32146" rIns="64291" bIns="32146" numCol="1" anchor="t" anchorCtr="0" compatLnSpc="1">
+            <a:prstTxWarp prst="textNoShape">
+              <a:avLst/>
+            </a:prstTxWarp>
+            <a:normAutofit fontScale="92500" lnSpcReduction="20000"/>
           </a:bodyPr>
           <a:lstStyle/>
           <a:p>
+            <a:pPr eaLnBrk="1" hangingPunct="1"/>
+            <a:r>
+              <a:rPr lang="en-US" sz="2800" dirty="0" smtClean="0">
+                <a:ea typeface="ヒラギノ角ゴ ProN W3" charset="0"/>
+                <a:cs typeface="ヒラギノ角ゴ ProN W3" charset="0"/>
+              </a:rPr>
+              <a:t>Overview and course outline</a:t>
+            </a:r>
+          </a:p>
+          <a:p>
+            <a:pPr eaLnBrk="1" hangingPunct="1"/>
+            <a:r>
+              <a:rPr lang="en-US" sz="2800" dirty="0" smtClean="0">
+                <a:ea typeface="ヒラギノ角ゴ ProN W3" charset="0"/>
+                <a:cs typeface="ヒラギノ角ゴ ProN W3" charset="0"/>
+              </a:rPr>
+              <a:t>Case studies and motivations</a:t>
+            </a:r>
+          </a:p>
+          <a:p>
+            <a:pPr eaLnBrk="1" hangingPunct="1"/>
+            <a:r>
+              <a:rPr lang="en-US" sz="2800" dirty="0" smtClean="0">
+                <a:ea typeface="ヒラギノ角ゴ ProN W3" charset="0"/>
+                <a:cs typeface="ヒラギノ角ゴ ProN W3" charset="0"/>
+              </a:rPr>
+              <a:t>SOAP and WSDL</a:t>
+            </a:r>
+          </a:p>
+          <a:p>
+            <a:pPr eaLnBrk="1" hangingPunct="1"/>
+            <a:r>
+              <a:rPr lang="en-US" sz="2800" dirty="0" smtClean="0">
+                <a:ea typeface="ヒラギノ角ゴ ProN W3" charset="0"/>
+                <a:cs typeface="ヒラギノ角ゴ ProN W3" charset="0"/>
+              </a:rPr>
+              <a:t>SOAP Implementation technologies</a:t>
+            </a:r>
+          </a:p>
+          <a:p>
+            <a:pPr eaLnBrk="1" hangingPunct="1"/>
+            <a:r>
+              <a:rPr lang="en-US" sz="2800" dirty="0" smtClean="0">
+                <a:ea typeface="ヒラギノ角ゴ ProN W3" charset="0"/>
+                <a:cs typeface="ヒラギノ角ゴ ProN W3" charset="0"/>
+              </a:rPr>
+              <a:t>REST introduction</a:t>
+            </a:r>
+          </a:p>
+          <a:p>
+            <a:pPr eaLnBrk="1" hangingPunct="1"/>
+            <a:r>
+              <a:rPr lang="en-US" sz="2800" dirty="0" smtClean="0">
+                <a:ea typeface="ヒラギノ角ゴ ProN W3" charset="0"/>
+                <a:cs typeface="ヒラギノ角ゴ ProN W3" charset="0"/>
+              </a:rPr>
+              <a:t>REST example flows</a:t>
+            </a:r>
+          </a:p>
+          <a:p>
+            <a:pPr eaLnBrk="1" hangingPunct="1"/>
+            <a:r>
+              <a:rPr lang="en-US" sz="2800" dirty="0" smtClean="0">
+                <a:ea typeface="ヒラギノ角ゴ ProN W3" charset="0"/>
+                <a:cs typeface="ヒラギノ角ゴ ProN W3" charset="0"/>
+              </a:rPr>
+              <a:t>Advanced REST</a:t>
+            </a:r>
+          </a:p>
+          <a:p>
+            <a:pPr eaLnBrk="1" hangingPunct="1"/>
+            <a:r>
+              <a:rPr lang="en-US" sz="2800" dirty="0" err="1" smtClean="0">
+                <a:ea typeface="ヒラギノ角ゴ ProN W3" charset="0"/>
+                <a:cs typeface="ヒラギノ角ゴ ProN W3" charset="0"/>
+              </a:rPr>
+              <a:t>Microservices</a:t>
+            </a:r>
+            <a:r>
+              <a:rPr lang="en-US" sz="2800" dirty="0" smtClean="0">
+                <a:ea typeface="ヒラギノ角ゴ ProN W3" charset="0"/>
+                <a:cs typeface="ヒラギノ角ゴ ProN W3" charset="0"/>
+              </a:rPr>
+              <a:t> architecture</a:t>
+            </a:r>
+            <a:endParaRPr lang="en-US" sz="2800" dirty="0">
+              <a:ea typeface="ヒラギノ角ゴ ProN W3" charset="0"/>
+              <a:cs typeface="ヒラギノ角ゴ ProN W3" charset="0"/>
+            </a:endParaRPr>
+          </a:p>
+        </p:txBody>
+      </p:sp>
+      <p:sp>
+        <p:nvSpPr>
+          <p:cNvPr id="2" name="Content Placeholder 1"/>
+          <p:cNvSpPr>
+            <a:spLocks noGrp="1"/>
+          </p:cNvSpPr>
+          <p:nvPr>
+            <p:ph sz="half" idx="2"/>
+          </p:nvPr>
+        </p:nvSpPr>
+        <p:spPr/>
+        <p:txBody>
+          <a:bodyPr>
+            <a:normAutofit fontScale="92500" lnSpcReduction="20000"/>
+          </a:bodyPr>
+          <a:lstStyle/>
+          <a:p>
             <a:r>
               <a:rPr lang="en-US" dirty="0" smtClean="0"/>
-              <a:t>Introduction and overview of the week</a:t>
-            </a:r>
-          </a:p>
-          <a:p>
+              <a:t>Deployment, </a:t>
+            </a:r>
+            <a:r>
+              <a:rPr lang="en-US" dirty="0" err="1" smtClean="0"/>
+              <a:t>DevOps</a:t>
+            </a:r>
             <a:r>
               <a:rPr lang="en-US" dirty="0" smtClean="0"/>
-              <a:t>Distributed computing models</a:t>
+              <a:t>, containers and cloud-native applications</a:t>
             </a:r>
           </a:p>
           <a:p>
             <a:r>
               <a:rPr lang="en-US" dirty="0" smtClean="0"/>
-              <a:t>SOA Background and evolution</a:t>
+              <a:t>Integration and ESBs</a:t>
             </a:r>
           </a:p>
           <a:p>
             <a:r>
               <a:rPr lang="en-US" dirty="0" smtClean="0"/>
-              <a:t>HTTP Basics </a:t>
+              <a:t>Security</a:t>
             </a:r>
           </a:p>
           <a:p>
             <a:r>
               <a:rPr lang="en-US" dirty="0" smtClean="0"/>
-              <a:t>SOAP </a:t>
+              <a:t>API and API Management</a:t>
             </a:r>
           </a:p>
           <a:p>
             <a:r>
               <a:rPr lang="en-US" dirty="0" smtClean="0"/>
-              <a:t>REST</a:t>
-            </a:r>
-          </a:p>
-          <a:p>
-            <a:r>
-              <a:rPr lang="en-US" dirty="0" err="1" smtClean="0"/>
-              <a:t>RESTful</a:t>
-            </a:r>
+              <a:t>Orchestration and Choreography</a:t>
+            </a:r>
+          </a:p>
+          <a:p>
             <a:r>
               <a:rPr lang="en-US" dirty="0" smtClean="0"/>
-              <a:t> coding models</a:t>
+              <a:t>Governance</a:t>
+            </a:r>
+          </a:p>
+          <a:p>
+            <a:r>
+              <a:rPr lang="en-US" dirty="0" smtClean="0"/>
+              <a:t>Overview, futures, recap</a:t>
             </a:r>
             <a:endParaRPr lang="en-US" dirty="0"/>
           </a:p>
@@ -6739,135 +6971,6 @@
       </p:grpSpPr>
       <p:sp>
         <p:nvSpPr>
-          <p:cNvPr id="2" name="Title 1"/>
-          <p:cNvSpPr>
-            <a:spLocks noGrp="1"/>
-          </p:cNvSpPr>
-          <p:nvPr>
-            <p:ph type="title"/>
-          </p:nvPr>
-        </p:nvSpPr>
-        <p:spPr/>
-        <p:txBody>
-          <a:bodyPr/>
-          <a:lstStyle/>
-          <a:p>
-            <a:r>
-              <a:rPr lang="en-US" dirty="0" smtClean="0"/>
-              <a:t>Contents Continued</a:t>
-            </a:r>
-            <a:endParaRPr lang="en-US" dirty="0"/>
-          </a:p>
-        </p:txBody>
-      </p:sp>
-      <p:sp>
-        <p:nvSpPr>
-          <p:cNvPr id="3" name="Content Placeholder 2"/>
-          <p:cNvSpPr>
-            <a:spLocks noGrp="1"/>
-          </p:cNvSpPr>
-          <p:nvPr>
-            <p:ph idx="1"/>
-          </p:nvPr>
-        </p:nvSpPr>
-        <p:spPr/>
-        <p:txBody>
-          <a:bodyPr>
-            <a:normAutofit lnSpcReduction="10000"/>
-          </a:bodyPr>
-          <a:lstStyle/>
-          <a:p>
-            <a:r>
-              <a:rPr lang="en-US" dirty="0" smtClean="0"/>
-              <a:t>SOA Case Studies</a:t>
-            </a:r>
-          </a:p>
-          <a:p>
-            <a:r>
-              <a:rPr lang="en-US" dirty="0" err="1" smtClean="0"/>
-              <a:t>Microservices</a:t>
-            </a:r>
-            <a:endParaRPr lang="en-US" dirty="0" smtClean="0"/>
-          </a:p>
-          <a:p>
-            <a:r>
-              <a:rPr lang="en-US" dirty="0" smtClean="0"/>
-              <a:t>Cloud and SOA</a:t>
-            </a:r>
-          </a:p>
-          <a:p>
-            <a:r>
-              <a:rPr lang="en-US" dirty="0" smtClean="0"/>
-              <a:t>Enterprise Service Bus and Mediation</a:t>
-            </a:r>
-          </a:p>
-          <a:p>
-            <a:r>
-              <a:rPr lang="en-US" dirty="0" smtClean="0"/>
-              <a:t>SOA Security</a:t>
-            </a:r>
-          </a:p>
-          <a:p>
-            <a:r>
-              <a:rPr lang="en-US" dirty="0" smtClean="0"/>
-              <a:t>API Management </a:t>
-            </a:r>
-          </a:p>
-          <a:p>
-            <a:r>
-              <a:rPr lang="en-US" dirty="0" smtClean="0"/>
-              <a:t>Composition and Workflow</a:t>
-            </a:r>
-          </a:p>
-          <a:p>
-            <a:r>
-              <a:rPr lang="en-US" dirty="0" smtClean="0"/>
-              <a:t>Governance</a:t>
-            </a:r>
-          </a:p>
-          <a:p>
-            <a:pPr marL="0" indent="0">
-              <a:buNone/>
-            </a:pPr>
-            <a:endParaRPr lang="en-US" dirty="0" smtClean="0"/>
-          </a:p>
-          <a:p>
-            <a:endParaRPr lang="en-US" dirty="0" smtClean="0"/>
-          </a:p>
-        </p:txBody>
-      </p:sp>
-    </p:spTree>
-    <p:extLst>
-      <p:ext uri="{BB962C8B-B14F-4D97-AF65-F5344CB8AC3E}">
-        <p14:creationId xmlns:p14="http://schemas.microsoft.com/office/powerpoint/2010/main" val="2133636433"/>
-      </p:ext>
-    </p:extLst>
-  </p:cSld>
-  <p:clrMapOvr>
-    <a:masterClrMapping/>
-  </p:clrMapOvr>
-</p:sld>
-</file>
-
-<file path=ppt/slides/slide9.xml><?xml version="1.0" encoding="utf-8"?>
-<p:sld xmlns:a="http://schemas.openxmlformats.org/drawingml/2006/main" xmlns:r="http://schemas.openxmlformats.org/officeDocument/2006/relationships" xmlns:p="http://schemas.openxmlformats.org/presentationml/2006/main">
-  <p:cSld>
-    <p:spTree>
-      <p:nvGrpSpPr>
-        <p:cNvPr id="1" name=""/>
-        <p:cNvGrpSpPr/>
-        <p:nvPr/>
-      </p:nvGrpSpPr>
-      <p:grpSpPr>
-        <a:xfrm>
-          <a:off x="0" y="0"/>
-          <a:ext cx="0" cy="0"/>
-          <a:chOff x="0" y="0"/>
-          <a:chExt cx="0" cy="0"/>
-        </a:xfrm>
-      </p:grpSpPr>
-      <p:sp>
-        <p:nvSpPr>
           <p:cNvPr id="8193" name="Title 1"/>
           <p:cNvSpPr>
             <a:spLocks noGrp="1"/>
@@ -6968,89 +7071,117 @@
                 <a:ea typeface="ヒラギノ角ゴ ProN W3" charset="0"/>
                 <a:cs typeface="ヒラギノ角ゴ ProN W3" charset="0"/>
               </a:rPr>
-              <a:t>Basic HTTP server and client </a:t>
-            </a:r>
+              <a:t>A. My aim is to have more </a:t>
+            </a:r>
+            <a:r>
+              <a:rPr lang="en-US" dirty="0" err="1" smtClean="0">
+                <a:ea typeface="ヒラギノ角ゴ ProN W3" charset="0"/>
+                <a:cs typeface="ヒラギノ角ゴ ProN W3" charset="0"/>
+              </a:rPr>
+              <a:t>practicals</a:t>
+            </a:r>
+            <a:r>
+              <a:rPr lang="en-US" dirty="0" smtClean="0">
+                <a:ea typeface="ヒラギノ角ゴ ProN W3" charset="0"/>
+                <a:cs typeface="ヒラギノ角ゴ ProN W3" charset="0"/>
+              </a:rPr>
+              <a:t> than everyone can manage</a:t>
+            </a:r>
+          </a:p>
+          <a:p>
+            <a:pPr lvl="1"/>
+            <a:r>
+              <a:rPr lang="en-US" dirty="0" smtClean="0">
+                <a:ea typeface="ヒラギノ角ゴ ProN W3" charset="0"/>
+                <a:cs typeface="ヒラギノ角ゴ ProN W3" charset="0"/>
+              </a:rPr>
+              <a:t>Some people finish early, so there are extensions and bonus </a:t>
+            </a:r>
+            <a:r>
+              <a:rPr lang="en-US" dirty="0" err="1" smtClean="0">
+                <a:ea typeface="ヒラギノ角ゴ ProN W3" charset="0"/>
+                <a:cs typeface="ヒラギノ角ゴ ProN W3" charset="0"/>
+              </a:rPr>
+              <a:t>practicals</a:t>
+            </a:r>
+            <a:r>
+              <a:rPr lang="en-US" dirty="0" smtClean="0">
+                <a:ea typeface="ヒラギノ角ゴ ProN W3" charset="0"/>
+                <a:cs typeface="ヒラギノ角ゴ ProN W3" charset="0"/>
+              </a:rPr>
+              <a:t> for them</a:t>
+            </a:r>
+          </a:p>
+          <a:p>
+            <a:pPr lvl="1"/>
+            <a:r>
+              <a:rPr lang="en-US" dirty="0" smtClean="0">
+                <a:ea typeface="ヒラギノ角ゴ ProN W3" charset="0"/>
+                <a:cs typeface="ヒラギノ角ゴ ProN W3" charset="0"/>
+              </a:rPr>
+              <a:t>You might wish to do more at home!</a:t>
+            </a:r>
+          </a:p>
+          <a:p>
+            <a:r>
+              <a:rPr lang="en-US" dirty="0" smtClean="0">
+                <a:ea typeface="ヒラギノ角ゴ ProN W3" charset="0"/>
+                <a:cs typeface="ヒラギノ角ゴ ProN W3" charset="0"/>
+              </a:rPr>
+              <a:t>B. The </a:t>
+            </a:r>
+            <a:r>
+              <a:rPr lang="en-US" dirty="0" err="1" smtClean="0">
+                <a:ea typeface="ヒラギノ角ゴ ProN W3" charset="0"/>
+                <a:cs typeface="ヒラギノ角ゴ ProN W3" charset="0"/>
+              </a:rPr>
+              <a:t>practicals</a:t>
+            </a:r>
+            <a:r>
+              <a:rPr lang="en-US" dirty="0" smtClean="0">
+                <a:ea typeface="ヒラギノ角ゴ ProN W3" charset="0"/>
+                <a:cs typeface="ヒラギノ角ゴ ProN W3" charset="0"/>
+              </a:rPr>
+              <a:t> are mainly re-written from the previous run:</a:t>
+            </a:r>
+          </a:p>
+          <a:p>
+            <a:pPr lvl="1"/>
+            <a:r>
+              <a:rPr lang="en-US" dirty="0" smtClean="0">
+                <a:ea typeface="ヒラギノ角ゴ ProN W3" charset="0"/>
+                <a:cs typeface="ヒラギノ角ゴ ProN W3" charset="0"/>
+              </a:rPr>
+              <a:t>1) I don’t know how long they will take you</a:t>
+            </a:r>
+          </a:p>
+          <a:p>
+            <a:pPr lvl="1"/>
+            <a:r>
+              <a:rPr lang="en-US" dirty="0" smtClean="0">
+                <a:ea typeface="ヒラギノ角ゴ ProN W3" charset="0"/>
+                <a:cs typeface="ヒラギノ角ゴ ProN W3" charset="0"/>
+              </a:rPr>
+              <a:t>2) There may be bugs</a:t>
+            </a:r>
+          </a:p>
+          <a:p>
+            <a:pPr lvl="1"/>
+            <a:r>
+              <a:rPr lang="en-US" dirty="0" smtClean="0">
+                <a:ea typeface="ヒラギノ角ゴ ProN W3" charset="0"/>
+                <a:cs typeface="ヒラギノ角ゴ ProN W3" charset="0"/>
+              </a:rPr>
+              <a:t>3) I may be wrong about A!</a:t>
+            </a:r>
+            <a:endParaRPr lang="en-US" dirty="0">
+              <a:ea typeface="ヒラギノ角ゴ ProN W3" charset="0"/>
+              <a:cs typeface="ヒラギノ角ゴ ProN W3" charset="0"/>
+            </a:endParaRPr>
           </a:p>
           <a:p>
             <a:pPr eaLnBrk="1" hangingPunct="1"/>
-            <a:r>
-              <a:rPr lang="en-US" dirty="0" smtClean="0">
-                <a:ea typeface="ヒラギノ角ゴ ProN W3" charset="0"/>
-                <a:cs typeface="ヒラギノ角ゴ ProN W3" charset="0"/>
-              </a:rPr>
-              <a:t>SOAP server and client</a:t>
-            </a:r>
-          </a:p>
-          <a:p>
-            <a:pPr eaLnBrk="1" hangingPunct="1"/>
-            <a:r>
-              <a:rPr lang="en-US" dirty="0" err="1" smtClean="0">
-                <a:ea typeface="ヒラギノ角ゴ ProN W3" charset="0"/>
-                <a:cs typeface="ヒラギノ角ゴ ProN W3" charset="0"/>
-              </a:rPr>
-              <a:t>RESTful</a:t>
-            </a:r>
-            <a:r>
-              <a:rPr lang="en-US" dirty="0" smtClean="0">
-                <a:ea typeface="ヒラギノ角ゴ ProN W3" charset="0"/>
-                <a:cs typeface="ヒラギノ角ゴ ProN W3" charset="0"/>
-              </a:rPr>
-              <a:t> service</a:t>
-            </a:r>
-          </a:p>
-          <a:p>
-            <a:pPr eaLnBrk="1" hangingPunct="1"/>
-            <a:r>
-              <a:rPr lang="en-US" dirty="0" smtClean="0">
-                <a:ea typeface="ヒラギノ角ゴ ProN W3" charset="0"/>
-                <a:cs typeface="ヒラギノ角ゴ ProN W3" charset="0"/>
-              </a:rPr>
-              <a:t>Securing HTTP – encryption, authentication, access control</a:t>
-            </a:r>
-          </a:p>
-          <a:p>
-            <a:pPr eaLnBrk="1" hangingPunct="1"/>
-            <a:r>
-              <a:rPr lang="en-US" dirty="0" smtClean="0">
-                <a:ea typeface="ヒラギノ角ゴ ProN W3" charset="0"/>
-                <a:cs typeface="ヒラギノ角ゴ ProN W3" charset="0"/>
-              </a:rPr>
-              <a:t>Integration and mediation</a:t>
-            </a:r>
-          </a:p>
-          <a:p>
-            <a:pPr eaLnBrk="1" hangingPunct="1"/>
-            <a:r>
-              <a:rPr lang="en-US" dirty="0" smtClean="0">
-                <a:ea typeface="ヒラギノ角ゴ ProN W3" charset="0"/>
-                <a:cs typeface="ヒラギノ角ゴ ProN W3" charset="0"/>
-              </a:rPr>
-              <a:t>Workflow</a:t>
-            </a:r>
-          </a:p>
-          <a:p>
-            <a:pPr eaLnBrk="1" hangingPunct="1"/>
-            <a:r>
-              <a:rPr lang="en-US" dirty="0" smtClean="0">
-                <a:ea typeface="ヒラギノ角ゴ ProN W3" charset="0"/>
-                <a:cs typeface="ヒラギノ角ゴ ProN W3" charset="0"/>
-              </a:rPr>
-              <a:t>API Management </a:t>
-            </a:r>
-          </a:p>
-          <a:p>
-            <a:pPr eaLnBrk="1" hangingPunct="1"/>
-            <a:r>
-              <a:rPr lang="en-US" dirty="0" smtClean="0">
-                <a:ea typeface="ヒラギノ角ゴ ProN W3" charset="0"/>
-                <a:cs typeface="ヒラギノ角ゴ ProN W3" charset="0"/>
-              </a:rPr>
-              <a:t>Governance</a:t>
-            </a:r>
-          </a:p>
-          <a:p>
-            <a:pPr eaLnBrk="1" hangingPunct="1"/>
-            <a:endParaRPr lang="en-US" dirty="0" smtClean="0">
+            <a:endParaRPr lang="en-US" dirty="0">
               <a:ea typeface="ヒラギノ角ゴ ProN W3" charset="0"/>
               <a:cs typeface="ヒラギノ角ゴ ProN W3" charset="0"/>
             </a:endParaRPr>
@@ -7089,6 +7220,60 @@
       </p:par>
     </p:tnLst>
   </p:timing>
+</p:sld>
+</file>
+
+<file path=ppt/slides/slide9.xml><?xml version="1.0" encoding="utf-8"?>
+<p:sld xmlns:a="http://schemas.openxmlformats.org/drawingml/2006/main" xmlns:r="http://schemas.openxmlformats.org/officeDocument/2006/relationships" xmlns:p="http://schemas.openxmlformats.org/presentationml/2006/main">
+  <p:cSld>
+    <p:spTree>
+      <p:nvGrpSpPr>
+        <p:cNvPr id="1" name=""/>
+        <p:cNvGrpSpPr/>
+        <p:nvPr/>
+      </p:nvGrpSpPr>
+      <p:grpSpPr>
+        <a:xfrm>
+          <a:off x="0" y="0"/>
+          <a:ext cx="0" cy="0"/>
+          <a:chOff x="0" y="0"/>
+          <a:chExt cx="0" cy="0"/>
+        </a:xfrm>
+      </p:grpSpPr>
+      <p:pic>
+        <p:nvPicPr>
+          <p:cNvPr id="4" name="Picture 3"/>
+          <p:cNvPicPr>
+            <a:picLocks noChangeAspect="1"/>
+          </p:cNvPicPr>
+          <p:nvPr/>
+        </p:nvPicPr>
+        <p:blipFill>
+          <a:blip r:embed="rId2"/>
+          <a:stretch>
+            <a:fillRect/>
+          </a:stretch>
+        </p:blipFill>
+        <p:spPr>
+          <a:xfrm>
+            <a:off x="1066800" y="0"/>
+            <a:ext cx="7001731" cy="6858000"/>
+          </a:xfrm>
+          <a:prstGeom prst="rect">
+            <a:avLst/>
+          </a:prstGeom>
+        </p:spPr>
+      </p:pic>
+    </p:spTree>
+    <p:extLst>
+      <p:ext uri="{BB962C8B-B14F-4D97-AF65-F5344CB8AC3E}">
+        <p14:creationId xmlns:p14="http://schemas.microsoft.com/office/powerpoint/2010/main" val="2012110215"/>
+      </p:ext>
+    </p:extLst>
+  </p:cSld>
+  <p:clrMapOvr>
+    <a:masterClrMapping/>
+  </p:clrMapOvr>
 </p:sld>
 </file>
 

--- a/presentation-source/00-intro.pptx
+++ b/presentation-source/00-intro.pptx
@@ -171,7 +171,7 @@
           <a:lstStyle>
             <a:lvl1pPr algn="l">
               <a:defRPr sz="1200">
-                <a:latin typeface="Calisto MT"/>
+                <a:latin typeface="Montserrat"/>
               </a:defRPr>
             </a:lvl1pPr>
           </a:lstStyle>
@@ -204,7 +204,7 @@
           <a:lstStyle>
             <a:lvl1pPr algn="r">
               <a:defRPr sz="1200">
-                <a:latin typeface="Calisto MT"/>
+                <a:latin typeface="Montserrat"/>
               </a:defRPr>
             </a:lvl1pPr>
           </a:lstStyle>
@@ -335,7 +335,7 @@
           <a:lstStyle>
             <a:lvl1pPr algn="l">
               <a:defRPr sz="1200">
-                <a:latin typeface="Calisto MT"/>
+                <a:latin typeface="Montserrat"/>
               </a:defRPr>
             </a:lvl1pPr>
           </a:lstStyle>
@@ -368,7 +368,7 @@
           <a:lstStyle>
             <a:lvl1pPr algn="r">
               <a:defRPr sz="1200">
-                <a:latin typeface="Calisto MT"/>
+                <a:latin typeface="Montserrat"/>
               </a:defRPr>
             </a:lvl1pPr>
           </a:lstStyle>
@@ -396,7 +396,7 @@
         <a:solidFill>
           <a:schemeClr val="tx1"/>
         </a:solidFill>
-        <a:latin typeface="Calisto MT"/>
+        <a:latin typeface="Montserrat"/>
         <a:ea typeface="+mn-ea"/>
         <a:cs typeface="+mn-cs"/>
       </a:defRPr>
@@ -406,7 +406,7 @@
         <a:solidFill>
           <a:schemeClr val="tx1"/>
         </a:solidFill>
-        <a:latin typeface="Calisto MT"/>
+        <a:latin typeface="Montserrat"/>
         <a:ea typeface="+mn-ea"/>
         <a:cs typeface="+mn-cs"/>
       </a:defRPr>
@@ -416,7 +416,7 @@
         <a:solidFill>
           <a:schemeClr val="tx1"/>
         </a:solidFill>
-        <a:latin typeface="Calisto MT"/>
+        <a:latin typeface="Montserrat"/>
         <a:ea typeface="+mn-ea"/>
         <a:cs typeface="+mn-cs"/>
       </a:defRPr>
@@ -426,7 +426,7 @@
         <a:solidFill>
           <a:schemeClr val="tx1"/>
         </a:solidFill>
-        <a:latin typeface="Calisto MT"/>
+        <a:latin typeface="Montserrat"/>
         <a:ea typeface="+mn-ea"/>
         <a:cs typeface="+mn-cs"/>
       </a:defRPr>
@@ -436,7 +436,7 @@
         <a:solidFill>
           <a:schemeClr val="tx1"/>
         </a:solidFill>
-        <a:latin typeface="Calisto MT"/>
+        <a:latin typeface="Montserrat"/>
         <a:ea typeface="+mn-ea"/>
         <a:cs typeface="+mn-cs"/>
       </a:defRPr>
@@ -775,13 +775,20 @@
         </p:spPr>
         <p:txBody>
           <a:bodyPr/>
-          <a:lstStyle/>
+          <a:lstStyle>
+            <a:lvl1pPr>
+              <a:defRPr>
+                <a:latin typeface="Montserrat"/>
+              </a:defRPr>
+            </a:lvl1pPr>
+          </a:lstStyle>
           <a:p>
             <a:fld id="{875CF0EB-321F-0749-B37A-89BBA859503C}" type="datetimeFigureOut">
               <a:rPr lang="en-US" smtClean="0"/>
+              <a:pPr/>
               <a:t>10/06/16</a:t>
             </a:fld>
-            <a:endParaRPr lang="en-US"/>
+            <a:endParaRPr lang="en-US" dirty="0"/>
           </a:p>
         </p:txBody>
       </p:sp>
@@ -806,9 +813,15 @@
         </p:spPr>
         <p:txBody>
           <a:bodyPr/>
-          <a:lstStyle/>
-          <a:p>
-            <a:endParaRPr lang="en-US"/>
+          <a:lstStyle>
+            <a:lvl1pPr>
+              <a:defRPr>
+                <a:latin typeface="Montserrat"/>
+              </a:defRPr>
+            </a:lvl1pPr>
+          </a:lstStyle>
+          <a:p>
+            <a:endParaRPr lang="en-US" dirty="0"/>
           </a:p>
         </p:txBody>
       </p:sp>
@@ -833,13 +846,20 @@
         </p:spPr>
         <p:txBody>
           <a:bodyPr/>
-          <a:lstStyle/>
+          <a:lstStyle>
+            <a:lvl1pPr>
+              <a:defRPr>
+                <a:latin typeface="Montserrat"/>
+              </a:defRPr>
+            </a:lvl1pPr>
+          </a:lstStyle>
           <a:p>
             <a:fld id="{D8EC77E0-7A07-2D42-83D7-B97B1315E5F9}" type="slidenum">
               <a:rPr lang="en-US" smtClean="0"/>
+              <a:pPr/>
               <a:t>‹#›</a:t>
             </a:fld>
-            <a:endParaRPr lang="en-US"/>
+            <a:endParaRPr lang="en-US" dirty="0"/>
           </a:p>
         </p:txBody>
       </p:sp>
@@ -979,13 +999,20 @@
         </p:spPr>
         <p:txBody>
           <a:bodyPr/>
-          <a:lstStyle/>
+          <a:lstStyle>
+            <a:lvl1pPr>
+              <a:defRPr>
+                <a:latin typeface="Montserrat"/>
+              </a:defRPr>
+            </a:lvl1pPr>
+          </a:lstStyle>
           <a:p>
             <a:fld id="{875CF0EB-321F-0749-B37A-89BBA859503C}" type="datetimeFigureOut">
               <a:rPr lang="en-US" smtClean="0"/>
+              <a:pPr/>
               <a:t>10/06/16</a:t>
             </a:fld>
-            <a:endParaRPr lang="en-US"/>
+            <a:endParaRPr lang="en-US" dirty="0"/>
           </a:p>
         </p:txBody>
       </p:sp>
@@ -1010,9 +1037,15 @@
         </p:spPr>
         <p:txBody>
           <a:bodyPr/>
-          <a:lstStyle/>
-          <a:p>
-            <a:endParaRPr lang="en-US"/>
+          <a:lstStyle>
+            <a:lvl1pPr>
+              <a:defRPr>
+                <a:latin typeface="Montserrat"/>
+              </a:defRPr>
+            </a:lvl1pPr>
+          </a:lstStyle>
+          <a:p>
+            <a:endParaRPr lang="en-US" dirty="0"/>
           </a:p>
         </p:txBody>
       </p:sp>
@@ -1037,13 +1070,20 @@
         </p:spPr>
         <p:txBody>
           <a:bodyPr/>
-          <a:lstStyle/>
+          <a:lstStyle>
+            <a:lvl1pPr>
+              <a:defRPr>
+                <a:latin typeface="Montserrat"/>
+              </a:defRPr>
+            </a:lvl1pPr>
+          </a:lstStyle>
           <a:p>
             <a:fld id="{D8EC77E0-7A07-2D42-83D7-B97B1315E5F9}" type="slidenum">
               <a:rPr lang="en-US" smtClean="0"/>
+              <a:pPr/>
               <a:t>‹#›</a:t>
             </a:fld>
-            <a:endParaRPr lang="en-US"/>
+            <a:endParaRPr lang="en-US" dirty="0"/>
           </a:p>
         </p:txBody>
       </p:sp>
@@ -1173,13 +1213,20 @@
         </p:spPr>
         <p:txBody>
           <a:bodyPr/>
-          <a:lstStyle/>
+          <a:lstStyle>
+            <a:lvl1pPr>
+              <a:defRPr>
+                <a:latin typeface="Montserrat"/>
+              </a:defRPr>
+            </a:lvl1pPr>
+          </a:lstStyle>
           <a:p>
             <a:fld id="{875CF0EB-321F-0749-B37A-89BBA859503C}" type="datetimeFigureOut">
               <a:rPr lang="en-US" smtClean="0"/>
+              <a:pPr/>
               <a:t>10/06/16</a:t>
             </a:fld>
-            <a:endParaRPr lang="en-US"/>
+            <a:endParaRPr lang="en-US" dirty="0"/>
           </a:p>
         </p:txBody>
       </p:sp>
@@ -1204,9 +1251,15 @@
         </p:spPr>
         <p:txBody>
           <a:bodyPr/>
-          <a:lstStyle/>
-          <a:p>
-            <a:endParaRPr lang="en-US"/>
+          <a:lstStyle>
+            <a:lvl1pPr>
+              <a:defRPr>
+                <a:latin typeface="Montserrat"/>
+              </a:defRPr>
+            </a:lvl1pPr>
+          </a:lstStyle>
+          <a:p>
+            <a:endParaRPr lang="en-US" dirty="0"/>
           </a:p>
         </p:txBody>
       </p:sp>
@@ -1231,13 +1284,20 @@
         </p:spPr>
         <p:txBody>
           <a:bodyPr/>
-          <a:lstStyle/>
+          <a:lstStyle>
+            <a:lvl1pPr>
+              <a:defRPr>
+                <a:latin typeface="Montserrat"/>
+              </a:defRPr>
+            </a:lvl1pPr>
+          </a:lstStyle>
           <a:p>
             <a:fld id="{D8EC77E0-7A07-2D42-83D7-B97B1315E5F9}" type="slidenum">
               <a:rPr lang="en-US" smtClean="0"/>
+              <a:pPr/>
               <a:t>‹#›</a:t>
             </a:fld>
-            <a:endParaRPr lang="en-US"/>
+            <a:endParaRPr lang="en-US" dirty="0"/>
           </a:p>
         </p:txBody>
       </p:sp>
@@ -1443,13 +1503,20 @@
         </p:spPr>
         <p:txBody>
           <a:bodyPr/>
-          <a:lstStyle/>
+          <a:lstStyle>
+            <a:lvl1pPr>
+              <a:defRPr>
+                <a:latin typeface="Montserrat"/>
+              </a:defRPr>
+            </a:lvl1pPr>
+          </a:lstStyle>
           <a:p>
             <a:fld id="{875CF0EB-321F-0749-B37A-89BBA859503C}" type="datetimeFigureOut">
               <a:rPr lang="en-US" smtClean="0"/>
+              <a:pPr/>
               <a:t>10/06/16</a:t>
             </a:fld>
-            <a:endParaRPr lang="en-US"/>
+            <a:endParaRPr lang="en-US" dirty="0"/>
           </a:p>
         </p:txBody>
       </p:sp>
@@ -1474,9 +1541,15 @@
         </p:spPr>
         <p:txBody>
           <a:bodyPr/>
-          <a:lstStyle/>
-          <a:p>
-            <a:endParaRPr lang="en-US"/>
+          <a:lstStyle>
+            <a:lvl1pPr>
+              <a:defRPr>
+                <a:latin typeface="Montserrat"/>
+              </a:defRPr>
+            </a:lvl1pPr>
+          </a:lstStyle>
+          <a:p>
+            <a:endParaRPr lang="en-US" dirty="0"/>
           </a:p>
         </p:txBody>
       </p:sp>
@@ -1501,13 +1574,20 @@
         </p:spPr>
         <p:txBody>
           <a:bodyPr/>
-          <a:lstStyle/>
+          <a:lstStyle>
+            <a:lvl1pPr>
+              <a:defRPr>
+                <a:latin typeface="Montserrat"/>
+              </a:defRPr>
+            </a:lvl1pPr>
+          </a:lstStyle>
           <a:p>
             <a:fld id="{D8EC77E0-7A07-2D42-83D7-B97B1315E5F9}" type="slidenum">
               <a:rPr lang="en-US" smtClean="0"/>
+              <a:pPr/>
               <a:t>‹#›</a:t>
             </a:fld>
-            <a:endParaRPr lang="en-US"/>
+            <a:endParaRPr lang="en-US" dirty="0"/>
           </a:p>
         </p:txBody>
       </p:sp>
@@ -1755,13 +1835,20 @@
         </p:spPr>
         <p:txBody>
           <a:bodyPr/>
-          <a:lstStyle/>
+          <a:lstStyle>
+            <a:lvl1pPr>
+              <a:defRPr>
+                <a:latin typeface="Montserrat"/>
+              </a:defRPr>
+            </a:lvl1pPr>
+          </a:lstStyle>
           <a:p>
             <a:fld id="{875CF0EB-321F-0749-B37A-89BBA859503C}" type="datetimeFigureOut">
               <a:rPr lang="en-US" smtClean="0"/>
+              <a:pPr/>
               <a:t>10/06/16</a:t>
             </a:fld>
-            <a:endParaRPr lang="en-US"/>
+            <a:endParaRPr lang="en-US" dirty="0"/>
           </a:p>
         </p:txBody>
       </p:sp>
@@ -1786,9 +1873,15 @@
         </p:spPr>
         <p:txBody>
           <a:bodyPr/>
-          <a:lstStyle/>
-          <a:p>
-            <a:endParaRPr lang="en-US"/>
+          <a:lstStyle>
+            <a:lvl1pPr>
+              <a:defRPr>
+                <a:latin typeface="Montserrat"/>
+              </a:defRPr>
+            </a:lvl1pPr>
+          </a:lstStyle>
+          <a:p>
+            <a:endParaRPr lang="en-US" dirty="0"/>
           </a:p>
         </p:txBody>
       </p:sp>
@@ -1813,13 +1906,20 @@
         </p:spPr>
         <p:txBody>
           <a:bodyPr/>
-          <a:lstStyle/>
+          <a:lstStyle>
+            <a:lvl1pPr>
+              <a:defRPr>
+                <a:latin typeface="Montserrat"/>
+              </a:defRPr>
+            </a:lvl1pPr>
+          </a:lstStyle>
           <a:p>
             <a:fld id="{D8EC77E0-7A07-2D42-83D7-B97B1315E5F9}" type="slidenum">
               <a:rPr lang="en-US" smtClean="0"/>
+              <a:pPr/>
               <a:t>‹#›</a:t>
             </a:fld>
-            <a:endParaRPr lang="en-US"/>
+            <a:endParaRPr lang="en-US" dirty="0"/>
           </a:p>
         </p:txBody>
       </p:sp>
@@ -2201,13 +2301,20 @@
         </p:spPr>
         <p:txBody>
           <a:bodyPr/>
-          <a:lstStyle/>
+          <a:lstStyle>
+            <a:lvl1pPr>
+              <a:defRPr>
+                <a:latin typeface="Montserrat"/>
+              </a:defRPr>
+            </a:lvl1pPr>
+          </a:lstStyle>
           <a:p>
             <a:fld id="{875CF0EB-321F-0749-B37A-89BBA859503C}" type="datetimeFigureOut">
               <a:rPr lang="en-US" smtClean="0"/>
+              <a:pPr/>
               <a:t>10/06/16</a:t>
             </a:fld>
-            <a:endParaRPr lang="en-US"/>
+            <a:endParaRPr lang="en-US" dirty="0"/>
           </a:p>
         </p:txBody>
       </p:sp>
@@ -2232,9 +2339,15 @@
         </p:spPr>
         <p:txBody>
           <a:bodyPr/>
-          <a:lstStyle/>
-          <a:p>
-            <a:endParaRPr lang="en-US"/>
+          <a:lstStyle>
+            <a:lvl1pPr>
+              <a:defRPr>
+                <a:latin typeface="Montserrat"/>
+              </a:defRPr>
+            </a:lvl1pPr>
+          </a:lstStyle>
+          <a:p>
+            <a:endParaRPr lang="en-US" dirty="0"/>
           </a:p>
         </p:txBody>
       </p:sp>
@@ -2259,13 +2372,20 @@
         </p:spPr>
         <p:txBody>
           <a:bodyPr/>
-          <a:lstStyle/>
+          <a:lstStyle>
+            <a:lvl1pPr>
+              <a:defRPr>
+                <a:latin typeface="Montserrat"/>
+              </a:defRPr>
+            </a:lvl1pPr>
+          </a:lstStyle>
           <a:p>
             <a:fld id="{D8EC77E0-7A07-2D42-83D7-B97B1315E5F9}" type="slidenum">
               <a:rPr lang="en-US" smtClean="0"/>
+              <a:pPr/>
               <a:t>‹#›</a:t>
             </a:fld>
-            <a:endParaRPr lang="en-US"/>
+            <a:endParaRPr lang="en-US" dirty="0"/>
           </a:p>
         </p:txBody>
       </p:sp>
@@ -2343,13 +2463,20 @@
         </p:spPr>
         <p:txBody>
           <a:bodyPr/>
-          <a:lstStyle/>
+          <a:lstStyle>
+            <a:lvl1pPr>
+              <a:defRPr>
+                <a:latin typeface="Montserrat"/>
+              </a:defRPr>
+            </a:lvl1pPr>
+          </a:lstStyle>
           <a:p>
             <a:fld id="{875CF0EB-321F-0749-B37A-89BBA859503C}" type="datetimeFigureOut">
               <a:rPr lang="en-US" smtClean="0"/>
+              <a:pPr/>
               <a:t>10/06/16</a:t>
             </a:fld>
-            <a:endParaRPr lang="en-US"/>
+            <a:endParaRPr lang="en-US" dirty="0"/>
           </a:p>
         </p:txBody>
       </p:sp>
@@ -2374,9 +2501,15 @@
         </p:spPr>
         <p:txBody>
           <a:bodyPr/>
-          <a:lstStyle/>
-          <a:p>
-            <a:endParaRPr lang="en-US"/>
+          <a:lstStyle>
+            <a:lvl1pPr>
+              <a:defRPr>
+                <a:latin typeface="Montserrat"/>
+              </a:defRPr>
+            </a:lvl1pPr>
+          </a:lstStyle>
+          <a:p>
+            <a:endParaRPr lang="en-US" dirty="0"/>
           </a:p>
         </p:txBody>
       </p:sp>
@@ -2401,13 +2534,20 @@
         </p:spPr>
         <p:txBody>
           <a:bodyPr/>
-          <a:lstStyle/>
+          <a:lstStyle>
+            <a:lvl1pPr>
+              <a:defRPr>
+                <a:latin typeface="Montserrat"/>
+              </a:defRPr>
+            </a:lvl1pPr>
+          </a:lstStyle>
           <a:p>
             <a:fld id="{D8EC77E0-7A07-2D42-83D7-B97B1315E5F9}" type="slidenum">
               <a:rPr lang="en-US" smtClean="0"/>
+              <a:pPr/>
               <a:t>‹#›</a:t>
             </a:fld>
-            <a:endParaRPr lang="en-US"/>
+            <a:endParaRPr lang="en-US" dirty="0"/>
           </a:p>
         </p:txBody>
       </p:sp>
@@ -2462,13 +2602,20 @@
         </p:spPr>
         <p:txBody>
           <a:bodyPr/>
-          <a:lstStyle/>
+          <a:lstStyle>
+            <a:lvl1pPr>
+              <a:defRPr>
+                <a:latin typeface="Montserrat"/>
+              </a:defRPr>
+            </a:lvl1pPr>
+          </a:lstStyle>
           <a:p>
             <a:fld id="{875CF0EB-321F-0749-B37A-89BBA859503C}" type="datetimeFigureOut">
               <a:rPr lang="en-US" smtClean="0"/>
+              <a:pPr/>
               <a:t>10/06/16</a:t>
             </a:fld>
-            <a:endParaRPr lang="en-US"/>
+            <a:endParaRPr lang="en-US" dirty="0"/>
           </a:p>
         </p:txBody>
       </p:sp>
@@ -2493,9 +2640,15 @@
         </p:spPr>
         <p:txBody>
           <a:bodyPr/>
-          <a:lstStyle/>
-          <a:p>
-            <a:endParaRPr lang="en-US"/>
+          <a:lstStyle>
+            <a:lvl1pPr>
+              <a:defRPr>
+                <a:latin typeface="Montserrat"/>
+              </a:defRPr>
+            </a:lvl1pPr>
+          </a:lstStyle>
+          <a:p>
+            <a:endParaRPr lang="en-US" dirty="0"/>
           </a:p>
         </p:txBody>
       </p:sp>
@@ -2520,13 +2673,20 @@
         </p:spPr>
         <p:txBody>
           <a:bodyPr/>
-          <a:lstStyle/>
+          <a:lstStyle>
+            <a:lvl1pPr>
+              <a:defRPr>
+                <a:latin typeface="Montserrat"/>
+              </a:defRPr>
+            </a:lvl1pPr>
+          </a:lstStyle>
           <a:p>
             <a:fld id="{D8EC77E0-7A07-2D42-83D7-B97B1315E5F9}" type="slidenum">
               <a:rPr lang="en-US" smtClean="0"/>
+              <a:pPr/>
               <a:t>‹#›</a:t>
             </a:fld>
-            <a:endParaRPr lang="en-US"/>
+            <a:endParaRPr lang="en-US" dirty="0"/>
           </a:p>
         </p:txBody>
       </p:sp>
@@ -2763,13 +2923,20 @@
         </p:spPr>
         <p:txBody>
           <a:bodyPr/>
-          <a:lstStyle/>
+          <a:lstStyle>
+            <a:lvl1pPr>
+              <a:defRPr>
+                <a:latin typeface="Montserrat"/>
+              </a:defRPr>
+            </a:lvl1pPr>
+          </a:lstStyle>
           <a:p>
             <a:fld id="{875CF0EB-321F-0749-B37A-89BBA859503C}" type="datetimeFigureOut">
               <a:rPr lang="en-US" smtClean="0"/>
+              <a:pPr/>
               <a:t>10/06/16</a:t>
             </a:fld>
-            <a:endParaRPr lang="en-US"/>
+            <a:endParaRPr lang="en-US" dirty="0"/>
           </a:p>
         </p:txBody>
       </p:sp>
@@ -2794,9 +2961,15 @@
         </p:spPr>
         <p:txBody>
           <a:bodyPr/>
-          <a:lstStyle/>
-          <a:p>
-            <a:endParaRPr lang="en-US"/>
+          <a:lstStyle>
+            <a:lvl1pPr>
+              <a:defRPr>
+                <a:latin typeface="Montserrat"/>
+              </a:defRPr>
+            </a:lvl1pPr>
+          </a:lstStyle>
+          <a:p>
+            <a:endParaRPr lang="en-US" dirty="0"/>
           </a:p>
         </p:txBody>
       </p:sp>
@@ -2821,13 +2994,20 @@
         </p:spPr>
         <p:txBody>
           <a:bodyPr/>
-          <a:lstStyle/>
+          <a:lstStyle>
+            <a:lvl1pPr>
+              <a:defRPr>
+                <a:latin typeface="Montserrat"/>
+              </a:defRPr>
+            </a:lvl1pPr>
+          </a:lstStyle>
           <a:p>
             <a:fld id="{D8EC77E0-7A07-2D42-83D7-B97B1315E5F9}" type="slidenum">
               <a:rPr lang="en-US" smtClean="0"/>
+              <a:pPr/>
               <a:t>‹#›</a:t>
             </a:fld>
-            <a:endParaRPr lang="en-US"/>
+            <a:endParaRPr lang="en-US" dirty="0"/>
           </a:p>
         </p:txBody>
       </p:sp>
@@ -3040,13 +3220,20 @@
         </p:spPr>
         <p:txBody>
           <a:bodyPr/>
-          <a:lstStyle/>
+          <a:lstStyle>
+            <a:lvl1pPr>
+              <a:defRPr>
+                <a:latin typeface="Montserrat"/>
+              </a:defRPr>
+            </a:lvl1pPr>
+          </a:lstStyle>
           <a:p>
             <a:fld id="{875CF0EB-321F-0749-B37A-89BBA859503C}" type="datetimeFigureOut">
               <a:rPr lang="en-US" smtClean="0"/>
+              <a:pPr/>
               <a:t>10/06/16</a:t>
             </a:fld>
-            <a:endParaRPr lang="en-US"/>
+            <a:endParaRPr lang="en-US" dirty="0"/>
           </a:p>
         </p:txBody>
       </p:sp>
@@ -3071,9 +3258,15 @@
         </p:spPr>
         <p:txBody>
           <a:bodyPr/>
-          <a:lstStyle/>
-          <a:p>
-            <a:endParaRPr lang="en-US"/>
+          <a:lstStyle>
+            <a:lvl1pPr>
+              <a:defRPr>
+                <a:latin typeface="Montserrat"/>
+              </a:defRPr>
+            </a:lvl1pPr>
+          </a:lstStyle>
+          <a:p>
+            <a:endParaRPr lang="en-US" dirty="0"/>
           </a:p>
         </p:txBody>
       </p:sp>
@@ -3098,13 +3291,20 @@
         </p:spPr>
         <p:txBody>
           <a:bodyPr/>
-          <a:lstStyle/>
+          <a:lstStyle>
+            <a:lvl1pPr>
+              <a:defRPr>
+                <a:latin typeface="Montserrat"/>
+              </a:defRPr>
+            </a:lvl1pPr>
+          </a:lstStyle>
           <a:p>
             <a:fld id="{D8EC77E0-7A07-2D42-83D7-B97B1315E5F9}" type="slidenum">
               <a:rPr lang="en-US" smtClean="0"/>
+              <a:pPr/>
               <a:t>‹#›</a:t>
             </a:fld>
-            <a:endParaRPr lang="en-US"/>
+            <a:endParaRPr lang="en-US" dirty="0"/>
           </a:p>
         </p:txBody>
       </p:sp>
@@ -3240,7 +3440,7 @@
       </p:sp>
       <p:sp>
         <p:nvSpPr>
-          <p:cNvPr id="21" name="TextBox 20"/>
+          <p:cNvPr id="6" name="TextBox 5"/>
           <p:cNvSpPr txBox="1">
             <a:spLocks noChangeArrowheads="1"/>
           </p:cNvSpPr>
@@ -3248,8 +3448,8 @@
         </p:nvSpPr>
         <p:spPr bwMode="auto">
           <a:xfrm>
-            <a:off x="1046163" y="6092834"/>
-            <a:ext cx="6595551" cy="707886"/>
+            <a:off x="1168930" y="6344711"/>
+            <a:ext cx="4942379" cy="415498"/>
           </a:xfrm>
           <a:prstGeom prst="rect">
             <a:avLst/>
@@ -3421,10 +3621,22 @@
               <a:defRPr/>
             </a:pPr>
             <a:r>
-              <a:rPr lang="en-US" sz="1000" dirty="0" smtClean="0">
-                <a:latin typeface="Calisto MT"/>
-              </a:rPr>
-              <a:t>© Paul Fremantle 2012.  Portions © Jeremy Gibbons 2010, © WSO2 2005-2012 used with permission of the author(s).</a:t>
+              <a:rPr lang="en-US" sz="700" dirty="0" smtClean="0">
+                <a:latin typeface="Montserrat"/>
+              </a:rPr>
+              <a:t>© Paul Fremantle </a:t>
+            </a:r>
+            <a:r>
+              <a:rPr lang="en-US" sz="700" dirty="0" smtClean="0">
+                <a:latin typeface="Montserrat"/>
+              </a:rPr>
+              <a:t>2016 except where credited elsewhere. </a:t>
+            </a:r>
+            <a:r>
+              <a:rPr lang="en-US" sz="700" dirty="0" smtClean="0">
+                <a:latin typeface="Montserrat"/>
+              </a:rPr>
+              <a:t> This work is licensed under a Creative Commons</a:t>
             </a:r>
           </a:p>
           <a:p>
@@ -3432,110 +3644,84 @@
               <a:defRPr/>
             </a:pPr>
             <a:r>
-              <a:rPr lang="en-US" sz="1000" dirty="0" smtClean="0">
-                <a:latin typeface="Calisto MT"/>
-              </a:rPr>
-              <a:t>Licensed under the Creative Commons 3.0 BY-SA (Attribution-</a:t>
-            </a:r>
-            <a:r>
-              <a:rPr lang="en-US" sz="1000" dirty="0" err="1" smtClean="0">
-                <a:latin typeface="Calisto MT"/>
-              </a:rPr>
-              <a:t>Sharealike</a:t>
-            </a:r>
-            <a:r>
-              <a:rPr lang="en-US" sz="1000" dirty="0" smtClean="0">
-                <a:latin typeface="Calisto MT"/>
-              </a:rPr>
-              <a:t>) license.</a:t>
-            </a:r>
-          </a:p>
-          <a:p>
-            <a:pPr algn="l" eaLnBrk="1" hangingPunct="1">
-              <a:defRPr/>
-            </a:pPr>
-            <a:r>
-              <a:rPr lang="en-US" sz="1000" dirty="0" smtClean="0">
-                <a:latin typeface="Calisto MT"/>
-              </a:rPr>
-              <a:t>See </a:t>
-            </a:r>
-            <a:r>
-              <a:rPr lang="en-US" sz="1000" dirty="0" smtClean="0">
-                <a:latin typeface="Calisto MT"/>
+              <a:rPr lang="en-US" sz="700" dirty="0" smtClean="0">
+                <a:latin typeface="Montserrat"/>
+              </a:rPr>
+              <a:t> Attribution-</a:t>
+            </a:r>
+            <a:r>
+              <a:rPr lang="en-US" sz="700" dirty="0" err="1" smtClean="0">
+                <a:latin typeface="Montserrat"/>
+              </a:rPr>
+              <a:t>NonCommercial</a:t>
+            </a:r>
+            <a:r>
+              <a:rPr lang="en-US" sz="700" dirty="0" smtClean="0">
+                <a:latin typeface="Montserrat"/>
+              </a:rPr>
+              <a:t>-</a:t>
+            </a:r>
+            <a:r>
+              <a:rPr lang="en-US" sz="700" dirty="0" err="1" smtClean="0">
+                <a:latin typeface="Montserrat"/>
+              </a:rPr>
+              <a:t>ShareAlike</a:t>
+            </a:r>
+            <a:r>
+              <a:rPr lang="en-US" sz="700" dirty="0" smtClean="0">
+                <a:latin typeface="Montserrat"/>
+              </a:rPr>
+              <a:t> 4.0 International License</a:t>
+            </a:r>
+            <a:br>
+              <a:rPr lang="en-US" sz="700" dirty="0" smtClean="0">
+                <a:latin typeface="Montserrat"/>
+              </a:rPr>
+            </a:br>
+            <a:r>
+              <a:rPr lang="en-US" sz="700" dirty="0" smtClean="0">
+                <a:latin typeface="Montserrat"/>
+              </a:rPr>
+              <a:t>See  </a:t>
+            </a:r>
+            <a:r>
+              <a:rPr lang="en-US" sz="700" dirty="0" smtClean="0">
+                <a:latin typeface="Montserrat"/>
                 <a:hlinkClick r:id="rId13"/>
               </a:rPr>
-              <a:t>http://creativecommons.org/licenses/by-sa/3.0/</a:t>
-            </a:r>
-            <a:r>
-              <a:rPr lang="en-US" sz="1000" dirty="0" smtClean="0">
-                <a:latin typeface="Calisto MT"/>
+              <a:t>http://creativecommons.org/licenses/by-nc-sa/4.0/</a:t>
+            </a:r>
+            <a:r>
+              <a:rPr lang="en-US" sz="700" dirty="0" smtClean="0">
+                <a:latin typeface="Montserrat"/>
               </a:rPr>
               <a:t> </a:t>
             </a:r>
-          </a:p>
-          <a:p>
-            <a:pPr algn="l" eaLnBrk="1" hangingPunct="1">
-              <a:defRPr/>
-            </a:pPr>
-            <a:endParaRPr lang="en-US" sz="1000" dirty="0" smtClean="0">
-              <a:latin typeface="Calisto MT"/>
-            </a:endParaRPr>
           </a:p>
         </p:txBody>
       </p:sp>
       <p:pic>
         <p:nvPicPr>
-          <p:cNvPr id="24" name="Picture 23"/>
+          <p:cNvPr id="7" name="Picture 6"/>
           <p:cNvPicPr>
-            <a:picLocks noChangeAspect="1" noChangeArrowheads="1"/>
+            <a:picLocks noChangeAspect="1"/>
           </p:cNvPicPr>
           <p:nvPr userDrawn="1"/>
         </p:nvPicPr>
         <p:blipFill>
-          <a:blip r:embed="rId14">
-            <a:extLst>
-              <a:ext uri="{28A0092B-C50C-407E-A947-70E740481C1C}">
-                <a14:useLocalDpi xmlns:a14="http://schemas.microsoft.com/office/drawing/2010/main" val="0"/>
-              </a:ext>
-            </a:extLst>
-          </a:blip>
-          <a:srcRect/>
+          <a:blip r:embed="rId14"/>
           <a:stretch>
             <a:fillRect/>
           </a:stretch>
         </p:blipFill>
-        <p:spPr bwMode="auto">
+        <p:spPr>
           <a:xfrm>
-            <a:off x="320764" y="6254746"/>
-            <a:ext cx="725399" cy="258097"/>
+            <a:off x="375635" y="6428175"/>
+            <a:ext cx="792765" cy="279269"/>
           </a:xfrm>
           <a:prstGeom prst="rect">
             <a:avLst/>
           </a:prstGeom>
-          <a:noFill/>
-          <a:ln>
-            <a:noFill/>
-          </a:ln>
-          <a:extLst>
-            <a:ext uri="{909E8E84-426E-40dd-AFC4-6F175D3DCCD1}">
-              <a14:hiddenFill xmlns:a14="http://schemas.microsoft.com/office/drawing/2010/main">
-                <a:solidFill>
-                  <a:srgbClr val="FFFFFF"/>
-                </a:solidFill>
-              </a14:hiddenFill>
-            </a:ext>
-            <a:ext uri="{91240B29-F687-4f45-9708-019B960494DF}">
-              <a14:hiddenLine xmlns:a14="http://schemas.microsoft.com/office/drawing/2010/main" w="9525">
-                <a:solidFill>
-                  <a:srgbClr val="000000"/>
-                </a:solidFill>
-                <a:miter lim="800000"/>
-                <a:headEnd/>
-                <a:tailEnd/>
-              </a14:hiddenLine>
-            </a:ext>
-          </a:extLst>
         </p:spPr>
       </p:pic>
     </p:spTree>
@@ -3570,7 +3756,7 @@
           <a:solidFill>
             <a:schemeClr val="tx1"/>
           </a:solidFill>
-          <a:latin typeface="Calisto MT"/>
+          <a:latin typeface="Montserrat"/>
           <a:ea typeface="+mj-ea"/>
           <a:cs typeface="+mj-cs"/>
         </a:defRPr>
@@ -3587,7 +3773,7 @@
           <a:solidFill>
             <a:schemeClr val="tx1"/>
           </a:solidFill>
-          <a:latin typeface="Calisto MT"/>
+          <a:latin typeface="Montserrat"/>
           <a:ea typeface="+mn-ea"/>
           <a:cs typeface="+mn-cs"/>
         </a:defRPr>
@@ -3602,7 +3788,7 @@
           <a:solidFill>
             <a:schemeClr val="tx1"/>
           </a:solidFill>
-          <a:latin typeface="Calisto MT"/>
+          <a:latin typeface="Montserrat"/>
           <a:ea typeface="+mn-ea"/>
           <a:cs typeface="+mn-cs"/>
         </a:defRPr>
@@ -3617,7 +3803,7 @@
           <a:solidFill>
             <a:schemeClr val="tx1"/>
           </a:solidFill>
-          <a:latin typeface="Calisto MT"/>
+          <a:latin typeface="Montserrat"/>
           <a:ea typeface="+mn-ea"/>
           <a:cs typeface="+mn-cs"/>
         </a:defRPr>
@@ -3632,7 +3818,7 @@
           <a:solidFill>
             <a:schemeClr val="tx1"/>
           </a:solidFill>
-          <a:latin typeface="Calisto MT"/>
+          <a:latin typeface="Montserrat"/>
           <a:ea typeface="+mn-ea"/>
           <a:cs typeface="+mn-cs"/>
         </a:defRPr>
@@ -3647,7 +3833,7 @@
           <a:solidFill>
             <a:schemeClr val="tx1"/>
           </a:solidFill>
-          <a:latin typeface="Calisto MT"/>
+          <a:latin typeface="Montserrat"/>
           <a:ea typeface="+mn-ea"/>
           <a:cs typeface="+mn-cs"/>
         </a:defRPr>
@@ -3923,7 +4109,7 @@
         </p:nvSpPr>
         <p:spPr bwMode="auto">
           <a:xfrm>
-            <a:off x="1371824" y="4162310"/>
+            <a:off x="1371824" y="4175404"/>
             <a:ext cx="6400354" cy="1752451"/>
           </a:xfrm>
           <a:noFill/>
@@ -3952,6 +4138,7 @@
             <a:prstTxWarp prst="textNoShape">
               <a:avLst/>
             </a:prstTxWarp>
+            <a:normAutofit fontScale="92500" lnSpcReduction="20000"/>
           </a:bodyPr>
           <a:lstStyle/>
           <a:p>
@@ -3985,14 +4172,7 @@
                 <a:ea typeface="ヒラギノ角ゴ ProN W3" charset="0"/>
                 <a:cs typeface="ヒラギノ角ゴ ProN W3" charset="0"/>
               </a:rPr>
-              <a:t>Sep </a:t>
-            </a:r>
-            <a:r>
-              <a:rPr lang="en-US" dirty="0" smtClean="0">
-                <a:ea typeface="ヒラギノ角ゴ ProN W3" charset="0"/>
-                <a:cs typeface="ヒラギノ角ゴ ProN W3" charset="0"/>
-              </a:rPr>
-              <a:t>2016</a:t>
+              <a:t>Sep 2016</a:t>
             </a:r>
             <a:endParaRPr lang="en-US" dirty="0">
               <a:ea typeface="ヒラギノ角ゴ ProN W3" charset="0"/>
@@ -4336,10 +4516,6 @@
               </a:rPr>
               <a:t>)</a:t>
             </a:r>
-            <a:endParaRPr lang="en-US" sz="2400" dirty="0" smtClean="0">
-              <a:ea typeface="ヒラギノ角ゴ ProN W3" charset="0"/>
-              <a:cs typeface="ヒラギノ角ゴ ProN W3" charset="0"/>
-            </a:endParaRPr>
           </a:p>
           <a:p>
             <a:pPr eaLnBrk="1" hangingPunct="1"/>
@@ -4709,21 +4885,7 @@
                 <a:ea typeface="ヒラギノ角ゴ ProN W3" charset="0"/>
                 <a:cs typeface="ヒラギノ角ゴ ProN W3" charset="0"/>
               </a:rPr>
-              <a:t>If you have </a:t>
-            </a:r>
-            <a:r>
-              <a:rPr lang="en-US" sz="2400" dirty="0" smtClean="0">
-                <a:ea typeface="ヒラギノ角ゴ ProN W3" charset="0"/>
-                <a:cs typeface="ヒラギノ角ゴ ProN W3" charset="0"/>
-              </a:rPr>
-              <a:t>improvements or bug reports, </a:t>
-            </a:r>
-            <a:r>
-              <a:rPr lang="en-US" sz="2400" dirty="0" smtClean="0">
-                <a:ea typeface="ヒラギノ角ゴ ProN W3" charset="0"/>
-                <a:cs typeface="ヒラギノ角ゴ ProN W3" charset="0"/>
-              </a:rPr>
-              <a:t>please submit issues or pull requests:</a:t>
+              <a:t>If you have improvements or bug reports, please submit issues or pull requests:</a:t>
             </a:r>
           </a:p>
           <a:p>
@@ -4911,6 +5073,7 @@
             <a:prstTxWarp prst="textNoShape">
               <a:avLst/>
             </a:prstTxWarp>
+            <a:normAutofit lnSpcReduction="10000"/>
           </a:bodyPr>
           <a:lstStyle/>
           <a:p>
@@ -5021,10 +5184,6 @@
               </a:rPr>
               <a:t>Computation</a:t>
             </a:r>
-            <a:endParaRPr lang="en-US" sz="2000" dirty="0" smtClean="0">
-              <a:ea typeface="ヒラギノ角ゴ ProN W3" charset="0"/>
-              <a:cs typeface="ヒラギノ角ゴ ProN W3" charset="0"/>
-            </a:endParaRPr>
           </a:p>
           <a:p>
             <a:pPr eaLnBrk="1" hangingPunct="1"/>
@@ -5293,7 +5452,7 @@
         </p:nvGraphicFramePr>
         <p:xfrm>
           <a:off x="457646" y="1172857"/>
-          <a:ext cx="8063510" cy="4202337"/>
+          <a:ext cx="8063510" cy="4208052"/>
         </p:xfrm>
         <a:graphic>
           <a:graphicData uri="http://schemas.openxmlformats.org/drawingml/2006/table">
@@ -5316,10 +5475,14 @@
                     <a:p>
                       <a:pPr algn="ctr"/>
                       <a:r>
-                        <a:rPr lang="en-US" sz="1700" dirty="0" smtClean="0"/>
+                        <a:rPr lang="en-US" sz="1700" dirty="0" smtClean="0">
+                          <a:latin typeface="Montserrat"/>
+                        </a:rPr>
                         <a:t>Monday</a:t>
                       </a:r>
-                      <a:endParaRPr lang="en-US" sz="1700" dirty="0"/>
+                      <a:endParaRPr lang="en-US" sz="1700" dirty="0">
+                        <a:latin typeface="Montserrat"/>
+                      </a:endParaRPr>
                     </a:p>
                   </a:txBody>
                   <a:tcPr marL="64294" marR="64294" marT="32147" marB="32147"/>
@@ -5331,10 +5494,14 @@
                     <a:p>
                       <a:pPr algn="ctr"/>
                       <a:r>
-                        <a:rPr lang="en-US" sz="1700" dirty="0" smtClean="0"/>
+                        <a:rPr lang="en-US" sz="1700" dirty="0" smtClean="0">
+                          <a:latin typeface="Montserrat"/>
+                        </a:rPr>
                         <a:t>Tuesday</a:t>
                       </a:r>
-                      <a:endParaRPr lang="en-US" sz="1700" dirty="0"/>
+                      <a:endParaRPr lang="en-US" sz="1700" dirty="0">
+                        <a:latin typeface="Montserrat"/>
+                      </a:endParaRPr>
                     </a:p>
                   </a:txBody>
                   <a:tcPr marL="64294" marR="64294" marT="32147" marB="32147"/>
@@ -5346,10 +5513,14 @@
                     <a:p>
                       <a:pPr algn="ctr"/>
                       <a:r>
-                        <a:rPr lang="en-US" sz="1700" dirty="0" smtClean="0"/>
+                        <a:rPr lang="en-US" sz="1700" dirty="0" smtClean="0">
+                          <a:latin typeface="Montserrat"/>
+                        </a:rPr>
                         <a:t>Wednesday</a:t>
                       </a:r>
-                      <a:endParaRPr lang="en-US" sz="1700" dirty="0"/>
+                      <a:endParaRPr lang="en-US" sz="1700" dirty="0">
+                        <a:latin typeface="Montserrat"/>
+                      </a:endParaRPr>
                     </a:p>
                   </a:txBody>
                   <a:tcPr marL="64294" marR="64294" marT="32147" marB="32147"/>
@@ -5361,10 +5532,14 @@
                     <a:p>
                       <a:pPr algn="ctr"/>
                       <a:r>
-                        <a:rPr lang="en-US" sz="1700" dirty="0" smtClean="0"/>
+                        <a:rPr lang="en-US" sz="1700" dirty="0" smtClean="0">
+                          <a:latin typeface="Montserrat"/>
+                        </a:rPr>
                         <a:t>Thursday</a:t>
                       </a:r>
-                      <a:endParaRPr lang="en-US" sz="1700" dirty="0"/>
+                      <a:endParaRPr lang="en-US" sz="1700" dirty="0">
+                        <a:latin typeface="Montserrat"/>
+                      </a:endParaRPr>
                     </a:p>
                   </a:txBody>
                   <a:tcPr marL="64294" marR="64294" marT="32147" marB="32147"/>
@@ -5376,10 +5551,14 @@
                     <a:p>
                       <a:pPr algn="ctr"/>
                       <a:r>
-                        <a:rPr lang="en-US" sz="1700" dirty="0" smtClean="0"/>
+                        <a:rPr lang="en-US" sz="1700" dirty="0" smtClean="0">
+                          <a:latin typeface="Montserrat"/>
+                        </a:rPr>
                         <a:t>Friday</a:t>
                       </a:r>
-                      <a:endParaRPr lang="en-US" sz="1700" dirty="0"/>
+                      <a:endParaRPr lang="en-US" sz="1700" dirty="0">
+                        <a:latin typeface="Montserrat"/>
+                      </a:endParaRPr>
                     </a:p>
                   </a:txBody>
                   <a:tcPr marL="64294" marR="64294" marT="32147" marB="32147"/>
@@ -5392,10 +5571,14 @@
                     <a:lstStyle/>
                     <a:p>
                       <a:r>
-                        <a:rPr lang="en-US" sz="1700" dirty="0" smtClean="0"/>
+                        <a:rPr lang="en-US" sz="1700" dirty="0" smtClean="0">
+                          <a:latin typeface="Montserrat"/>
+                        </a:rPr>
                         <a:t>Introduction</a:t>
                       </a:r>
-                      <a:endParaRPr lang="en-US" sz="1700" dirty="0"/>
+                      <a:endParaRPr lang="en-US" sz="1700" dirty="0">
+                        <a:latin typeface="Montserrat"/>
+                      </a:endParaRPr>
                     </a:p>
                   </a:txBody>
                   <a:tcPr marL="64294" marR="64294" marT="32147" marB="32147"/>
@@ -5406,10 +5589,14 @@
                     <a:lstStyle/>
                     <a:p>
                       <a:r>
-                        <a:rPr lang="en-US" sz="1700" dirty="0" smtClean="0"/>
+                        <a:rPr lang="en-US" sz="1700" dirty="0" smtClean="0">
+                          <a:latin typeface="Montserrat"/>
+                        </a:rPr>
                         <a:t>REST introduction</a:t>
                       </a:r>
-                      <a:endParaRPr lang="en-US" sz="1700" dirty="0"/>
+                      <a:endParaRPr lang="en-US" sz="1700" dirty="0">
+                        <a:latin typeface="Montserrat"/>
+                      </a:endParaRPr>
                     </a:p>
                   </a:txBody>
                   <a:tcPr marL="64294" marR="64294" marT="32147" marB="32147"/>
@@ -5420,10 +5607,14 @@
                     <a:lstStyle/>
                     <a:p>
                       <a:r>
-                        <a:rPr lang="en-US" sz="1700" dirty="0" err="1" smtClean="0"/>
+                        <a:rPr lang="en-US" sz="1700" dirty="0" err="1" smtClean="0">
+                          <a:latin typeface="Montserrat"/>
+                        </a:rPr>
                         <a:t>Microservices</a:t>
                       </a:r>
-                      <a:endParaRPr lang="en-US" sz="1700" dirty="0"/>
+                      <a:endParaRPr lang="en-US" sz="1700" dirty="0">
+                        <a:latin typeface="Montserrat"/>
+                      </a:endParaRPr>
                     </a:p>
                   </a:txBody>
                   <a:tcPr marL="64294" marR="64294" marT="32147" marB="32147"/>
@@ -5434,10 +5625,14 @@
                     <a:lstStyle/>
                     <a:p>
                       <a:r>
-                        <a:rPr lang="en-US" sz="1700" dirty="0" smtClean="0"/>
+                        <a:rPr lang="en-US" sz="1700" dirty="0" smtClean="0">
+                          <a:latin typeface="Montserrat"/>
+                        </a:rPr>
                         <a:t>Security</a:t>
                       </a:r>
-                      <a:endParaRPr lang="en-US" sz="1700" dirty="0"/>
+                      <a:endParaRPr lang="en-US" sz="1700" dirty="0">
+                        <a:latin typeface="Montserrat"/>
+                      </a:endParaRPr>
                     </a:p>
                   </a:txBody>
                   <a:tcPr marL="64294" marR="64294" marT="32147" marB="32147"/>
@@ -5448,10 +5643,14 @@
                     <a:lstStyle/>
                     <a:p>
                       <a:r>
-                        <a:rPr lang="en-US" sz="1700" dirty="0" smtClean="0"/>
+                        <a:rPr lang="en-US" sz="1700" dirty="0" smtClean="0">
+                          <a:latin typeface="Montserrat"/>
+                        </a:rPr>
                         <a:t>Design Exercise</a:t>
                       </a:r>
-                      <a:endParaRPr lang="en-US" sz="1700" dirty="0"/>
+                      <a:endParaRPr lang="en-US" sz="1700" dirty="0">
+                        <a:latin typeface="Montserrat"/>
+                      </a:endParaRPr>
                     </a:p>
                   </a:txBody>
                   <a:tcPr marL="64294" marR="64294" marT="32147" marB="32147"/>
@@ -5464,14 +5663,20 @@
                     <a:lstStyle/>
                     <a:p>
                       <a:r>
-                        <a:rPr lang="en-US" sz="1700" dirty="0" smtClean="0"/>
+                        <a:rPr lang="en-US" sz="1700" dirty="0" smtClean="0">
+                          <a:latin typeface="Montserrat"/>
+                        </a:rPr>
                         <a:t>Case</a:t>
                       </a:r>
                       <a:r>
-                        <a:rPr lang="en-US" sz="1700" baseline="0" dirty="0" smtClean="0"/>
+                        <a:rPr lang="en-US" sz="1700" baseline="0" dirty="0" smtClean="0">
+                          <a:latin typeface="Montserrat"/>
+                        </a:rPr>
                         <a:t> Studies and motivation</a:t>
                       </a:r>
-                      <a:endParaRPr lang="en-US" sz="1700" dirty="0"/>
+                      <a:endParaRPr lang="en-US" sz="1700" dirty="0">
+                        <a:latin typeface="Montserrat"/>
+                      </a:endParaRPr>
                     </a:p>
                   </a:txBody>
                   <a:tcPr marL="64294" marR="64294" marT="32147" marB="32147"/>
@@ -5482,14 +5687,20 @@
                     <a:lstStyle/>
                     <a:p>
                       <a:r>
-                        <a:rPr lang="en-US" sz="1700" dirty="0" smtClean="0"/>
+                        <a:rPr lang="en-US" sz="1700" dirty="0" smtClean="0">
+                          <a:latin typeface="Montserrat"/>
+                        </a:rPr>
                         <a:t>REST example</a:t>
                       </a:r>
                       <a:r>
-                        <a:rPr lang="en-US" sz="1700" baseline="0" dirty="0" smtClean="0"/>
+                        <a:rPr lang="en-US" sz="1700" baseline="0" dirty="0" smtClean="0">
+                          <a:latin typeface="Montserrat"/>
+                        </a:rPr>
                         <a:t> flow</a:t>
                       </a:r>
-                      <a:endParaRPr lang="en-US" sz="1700" dirty="0"/>
+                      <a:endParaRPr lang="en-US" sz="1700" dirty="0">
+                        <a:latin typeface="Montserrat"/>
+                      </a:endParaRPr>
                     </a:p>
                   </a:txBody>
                   <a:tcPr marL="64294" marR="64294" marT="32147" marB="32147"/>
@@ -5500,14 +5711,20 @@
                     <a:lstStyle/>
                     <a:p>
                       <a:r>
-                        <a:rPr lang="en-US" sz="1700" dirty="0" err="1" smtClean="0"/>
+                        <a:rPr lang="en-US" sz="1700" dirty="0" err="1" smtClean="0">
+                          <a:latin typeface="Montserrat"/>
+                        </a:rPr>
                         <a:t>Docker</a:t>
                       </a:r>
                       <a:r>
-                        <a:rPr lang="en-US" sz="1700" dirty="0" smtClean="0"/>
+                        <a:rPr lang="en-US" sz="1700" dirty="0" smtClean="0">
+                          <a:latin typeface="Montserrat"/>
+                        </a:rPr>
                         <a:t> Introduction</a:t>
                       </a:r>
-                      <a:endParaRPr lang="en-US" sz="1700" dirty="0"/>
+                      <a:endParaRPr lang="en-US" sz="1700" dirty="0">
+                        <a:latin typeface="Montserrat"/>
+                      </a:endParaRPr>
                     </a:p>
                   </a:txBody>
                   <a:tcPr marL="64294" marR="64294" marT="32147" marB="32147"/>
@@ -5518,10 +5735,14 @@
                     <a:lstStyle/>
                     <a:p>
                       <a:r>
-                        <a:rPr lang="en-US" sz="1700" dirty="0" smtClean="0"/>
+                        <a:rPr lang="en-US" sz="1700" dirty="0" smtClean="0">
+                          <a:latin typeface="Montserrat"/>
+                        </a:rPr>
                         <a:t>Governance</a:t>
                       </a:r>
-                      <a:endParaRPr lang="en-US" sz="1700" dirty="0"/>
+                      <a:endParaRPr lang="en-US" sz="1700" dirty="0">
+                        <a:latin typeface="Montserrat"/>
+                      </a:endParaRPr>
                     </a:p>
                   </a:txBody>
                   <a:tcPr marL="64294" marR="64294" marT="32147" marB="32147"/>
@@ -5532,20 +5753,27 @@
                     <a:lstStyle/>
                     <a:p>
                       <a:r>
-                        <a:rPr lang="en-US" sz="1700" dirty="0" smtClean="0"/>
+                        <a:rPr lang="en-US" sz="1700" dirty="0" smtClean="0">
+                          <a:latin typeface="Montserrat"/>
+                        </a:rPr>
                         <a:t>History and futures</a:t>
                       </a:r>
-                      <a:endParaRPr lang="en-US" sz="1700" dirty="0" smtClean="0"/>
                     </a:p>
                     <a:p>
-                      <a:endParaRPr lang="en-US" sz="1700" dirty="0" smtClean="0"/>
+                      <a:endParaRPr lang="en-US" sz="1700" dirty="0" smtClean="0">
+                        <a:latin typeface="Montserrat"/>
+                      </a:endParaRPr>
                     </a:p>
                     <a:p>
                       <a:r>
-                        <a:rPr lang="en-US" sz="1700" dirty="0" smtClean="0"/>
+                        <a:rPr lang="en-US" sz="1700" dirty="0" smtClean="0">
+                          <a:latin typeface="Montserrat"/>
+                        </a:rPr>
                         <a:t>Conclusions</a:t>
                       </a:r>
-                      <a:endParaRPr lang="en-US" sz="1700" dirty="0"/>
+                      <a:endParaRPr lang="en-US" sz="1700" dirty="0">
+                        <a:latin typeface="Montserrat"/>
+                      </a:endParaRPr>
                     </a:p>
                   </a:txBody>
                   <a:tcPr marL="64294" marR="64294" marT="32147" marB="32147"/>
@@ -5558,10 +5786,14 @@
                     <a:lstStyle/>
                     <a:p>
                       <a:r>
-                        <a:rPr lang="en-US" sz="1700" dirty="0" smtClean="0"/>
+                        <a:rPr lang="en-US" sz="1700" dirty="0" smtClean="0">
+                          <a:latin typeface="Montserrat"/>
+                        </a:rPr>
                         <a:t>SOAP and WSDL</a:t>
                       </a:r>
-                      <a:endParaRPr lang="en-US" sz="1700" dirty="0"/>
+                      <a:endParaRPr lang="en-US" sz="1700" dirty="0">
+                        <a:latin typeface="Montserrat"/>
+                      </a:endParaRPr>
                     </a:p>
                   </a:txBody>
                   <a:tcPr marL="64294" marR="64294" marT="32147" marB="32147"/>
@@ -5572,20 +5804,28 @@
                     <a:lstStyle/>
                     <a:p>
                       <a:r>
-                        <a:rPr lang="en-US" sz="1700" dirty="0" smtClean="0"/>
+                        <a:rPr lang="en-US" sz="1700" dirty="0" smtClean="0">
+                          <a:latin typeface="Montserrat"/>
+                        </a:rPr>
                         <a:t>Evolving</a:t>
                       </a:r>
                       <a:r>
-                        <a:rPr lang="en-US" sz="1700" baseline="0" dirty="0" smtClean="0"/>
+                        <a:rPr lang="en-US" sz="1700" baseline="0" dirty="0" smtClean="0">
+                          <a:latin typeface="Montserrat"/>
+                        </a:rPr>
                         <a:t> REST</a:t>
                       </a:r>
                     </a:p>
                     <a:p>
                       <a:r>
-                        <a:rPr lang="en-US" sz="1700" baseline="0" dirty="0" err="1" smtClean="0"/>
+                        <a:rPr lang="en-US" sz="1700" baseline="0" dirty="0" err="1" smtClean="0">
+                          <a:latin typeface="Montserrat"/>
+                        </a:rPr>
                         <a:t>practicals</a:t>
                       </a:r>
-                      <a:endParaRPr lang="en-US" sz="1700" dirty="0"/>
+                      <a:endParaRPr lang="en-US" sz="1700" dirty="0">
+                        <a:latin typeface="Montserrat"/>
+                      </a:endParaRPr>
                     </a:p>
                   </a:txBody>
                   <a:tcPr marL="64294" marR="64294" marT="32147" marB="32147"/>
@@ -5596,20 +5836,28 @@
                     <a:lstStyle/>
                     <a:p>
                       <a:r>
-                        <a:rPr lang="en-US" sz="1700" dirty="0" err="1" smtClean="0"/>
+                        <a:rPr lang="en-US" sz="1700" dirty="0" err="1" smtClean="0">
+                          <a:latin typeface="Montserrat"/>
+                        </a:rPr>
                         <a:t>DevOps</a:t>
                       </a:r>
                       <a:r>
-                        <a:rPr lang="en-US" sz="1700" dirty="0" smtClean="0"/>
+                        <a:rPr lang="en-US" sz="1700" dirty="0" smtClean="0">
+                          <a:latin typeface="Montserrat"/>
+                        </a:rPr>
                         <a:t>, deployment,</a:t>
                       </a:r>
                     </a:p>
                     <a:p>
                       <a:r>
-                        <a:rPr lang="en-US" sz="1700" dirty="0" smtClean="0"/>
+                        <a:rPr lang="en-US" sz="1700" dirty="0" smtClean="0">
+                          <a:latin typeface="Montserrat"/>
+                        </a:rPr>
                         <a:t>management</a:t>
                       </a:r>
-                      <a:endParaRPr lang="en-US" sz="1700" dirty="0"/>
+                      <a:endParaRPr lang="en-US" sz="1700" dirty="0">
+                        <a:latin typeface="Montserrat"/>
+                      </a:endParaRPr>
                     </a:p>
                   </a:txBody>
                   <a:tcPr marL="64294" marR="64294" marT="32147" marB="32147"/>
@@ -5620,10 +5868,14 @@
                     <a:lstStyle/>
                     <a:p>
                       <a:r>
-                        <a:rPr lang="en-US" sz="1700" dirty="0" smtClean="0"/>
+                        <a:rPr lang="en-US" sz="1700" dirty="0" smtClean="0">
+                          <a:latin typeface="Montserrat"/>
+                        </a:rPr>
                         <a:t>API Management</a:t>
                       </a:r>
-                      <a:endParaRPr lang="en-US" sz="1700" dirty="0"/>
+                      <a:endParaRPr lang="en-US" sz="1700" dirty="0">
+                        <a:latin typeface="Montserrat"/>
+                      </a:endParaRPr>
                     </a:p>
                   </a:txBody>
                   <a:tcPr marL="64294" marR="64294" marT="32147" marB="32147"/>
@@ -5633,7 +5885,9 @@
                     <a:bodyPr/>
                     <a:lstStyle/>
                     <a:p>
-                      <a:endParaRPr lang="en-US" sz="1700"/>
+                      <a:endParaRPr lang="en-US" sz="1700" dirty="0">
+                        <a:latin typeface="Montserrat"/>
+                      </a:endParaRPr>
                     </a:p>
                   </a:txBody>
                   <a:tcPr marL="64294" marR="64294" marT="32147" marB="32147"/>
@@ -5646,10 +5900,14 @@
                     <a:lstStyle/>
                     <a:p>
                       <a:r>
-                        <a:rPr lang="en-US" sz="1700" dirty="0" smtClean="0"/>
+                        <a:rPr lang="en-US" sz="1700" dirty="0" smtClean="0">
+                          <a:latin typeface="Montserrat"/>
+                        </a:rPr>
                         <a:t>SOAP Implementation </a:t>
                       </a:r>
-                      <a:endParaRPr lang="en-US" sz="1700" dirty="0"/>
+                      <a:endParaRPr lang="en-US" sz="1700" dirty="0">
+                        <a:latin typeface="Montserrat"/>
+                      </a:endParaRPr>
                     </a:p>
                   </a:txBody>
                   <a:tcPr marL="64294" marR="64294" marT="32147" marB="32147"/>
@@ -5660,10 +5918,14 @@
                     <a:lstStyle/>
                     <a:p>
                       <a:r>
-                        <a:rPr lang="en-US" sz="1700" dirty="0" smtClean="0"/>
+                        <a:rPr lang="en-US" sz="1700" dirty="0" smtClean="0">
+                          <a:latin typeface="Montserrat"/>
+                        </a:rPr>
                         <a:t>Advanced REST</a:t>
                       </a:r>
-                      <a:endParaRPr lang="en-US" sz="1700" dirty="0"/>
+                      <a:endParaRPr lang="en-US" sz="1700" dirty="0">
+                        <a:latin typeface="Montserrat"/>
+                      </a:endParaRPr>
                     </a:p>
                   </a:txBody>
                   <a:tcPr marL="64294" marR="64294" marT="32147" marB="32147"/>
@@ -5674,14 +5936,20 @@
                     <a:lstStyle/>
                     <a:p>
                       <a:r>
-                        <a:rPr lang="en-US" sz="1700" dirty="0" smtClean="0"/>
+                        <a:rPr lang="en-US" sz="1700" dirty="0" smtClean="0">
+                          <a:latin typeface="Montserrat"/>
+                        </a:rPr>
                         <a:t>Integration</a:t>
                       </a:r>
                       <a:r>
-                        <a:rPr lang="en-US" sz="1700" baseline="0" dirty="0" smtClean="0"/>
+                        <a:rPr lang="en-US" sz="1700" baseline="0" dirty="0" smtClean="0">
+                          <a:latin typeface="Montserrat"/>
+                        </a:rPr>
                         <a:t> and ESBs</a:t>
                       </a:r>
-                      <a:endParaRPr lang="en-US" sz="1700" dirty="0"/>
+                      <a:endParaRPr lang="en-US" sz="1700" dirty="0">
+                        <a:latin typeface="Montserrat"/>
+                      </a:endParaRPr>
                     </a:p>
                   </a:txBody>
                   <a:tcPr marL="64294" marR="64294" marT="32147" marB="32147"/>
@@ -5692,10 +5960,14 @@
                     <a:lstStyle/>
                     <a:p>
                       <a:r>
-                        <a:rPr lang="en-US" sz="1700" dirty="0" smtClean="0"/>
+                        <a:rPr lang="en-US" sz="1700" dirty="0" smtClean="0">
+                          <a:latin typeface="Montserrat"/>
+                        </a:rPr>
                         <a:t>Composition</a:t>
                       </a:r>
-                      <a:endParaRPr lang="en-US" sz="1700" dirty="0"/>
+                      <a:endParaRPr lang="en-US" sz="1700" dirty="0">
+                        <a:latin typeface="Montserrat"/>
+                      </a:endParaRPr>
                     </a:p>
                   </a:txBody>
                   <a:tcPr marL="64294" marR="64294" marT="32147" marB="32147"/>
@@ -5705,7 +5977,9 @@
                     <a:bodyPr/>
                     <a:lstStyle/>
                     <a:p>
-                      <a:endParaRPr lang="en-US" sz="1700" dirty="0"/>
+                      <a:endParaRPr lang="en-US" sz="1700" dirty="0">
+                        <a:latin typeface="Montserrat"/>
+                      </a:endParaRPr>
                     </a:p>
                   </a:txBody>
                   <a:tcPr marL="64294" marR="64294" marT="32147" marB="32147"/>
@@ -6759,7 +7033,7 @@
             <a:prstTxWarp prst="textNoShape">
               <a:avLst/>
             </a:prstTxWarp>
-            <a:normAutofit fontScale="92500" lnSpcReduction="20000"/>
+            <a:normAutofit fontScale="85000" lnSpcReduction="20000"/>
           </a:bodyPr>
           <a:lstStyle/>
           <a:p>
@@ -6868,7 +7142,7 @@
         <p:spPr/>
         <p:txBody>
           <a:bodyPr>
-            <a:normAutofit fontScale="92500" lnSpcReduction="20000"/>
+            <a:normAutofit fontScale="85000" lnSpcReduction="20000"/>
           </a:bodyPr>
           <a:lstStyle/>
           <a:p>
@@ -7061,17 +7335,27 @@
             <a:prstTxWarp prst="textNoShape">
               <a:avLst/>
             </a:prstTxWarp>
-            <a:normAutofit fontScale="92500" lnSpcReduction="10000"/>
+            <a:normAutofit fontScale="62500" lnSpcReduction="20000"/>
           </a:bodyPr>
           <a:lstStyle/>
           <a:p>
-            <a:pPr eaLnBrk="1" hangingPunct="1"/>
+            <a:pPr marL="514350" indent="-514350" eaLnBrk="1" hangingPunct="1">
+              <a:buFont typeface="+mj-lt"/>
+              <a:buAutoNum type="alphaUcPeriod"/>
+            </a:pPr>
             <a:r>
               <a:rPr lang="en-US" dirty="0" smtClean="0">
                 <a:ea typeface="ヒラギノ角ゴ ProN W3" charset="0"/>
                 <a:cs typeface="ヒラギノ角ゴ ProN W3" charset="0"/>
               </a:rPr>
-              <a:t>A. My aim is to have more </a:t>
+              <a:t>My </a:t>
+            </a:r>
+            <a:r>
+              <a:rPr lang="en-US" dirty="0" smtClean="0">
+                <a:ea typeface="ヒラギノ角ゴ ProN W3" charset="0"/>
+                <a:cs typeface="ヒラギノ角ゴ ProN W3" charset="0"/>
+              </a:rPr>
+              <a:t>aim is to have more </a:t>
             </a:r>
             <a:r>
               <a:rPr lang="en-US" dirty="0" err="1" smtClean="0">
@@ -7085,8 +7369,19 @@
                 <a:ea typeface="ヒラギノ角ゴ ProN W3" charset="0"/>
                 <a:cs typeface="ヒラギノ角ゴ ProN W3" charset="0"/>
               </a:rPr>
-              <a:t> than everyone can manage</a:t>
-            </a:r>
+              <a:t> than everyone can </a:t>
+            </a:r>
+            <a:r>
+              <a:rPr lang="en-US" dirty="0" smtClean="0">
+                <a:ea typeface="ヒラギノ角ゴ ProN W3" charset="0"/>
+                <a:cs typeface="ヒラギノ角ゴ ProN W3" charset="0"/>
+              </a:rPr>
+              <a:t>manage:</a:t>
+            </a:r>
+            <a:endParaRPr lang="en-US" dirty="0" smtClean="0">
+              <a:ea typeface="ヒラギノ角ゴ ProN W3" charset="0"/>
+              <a:cs typeface="ヒラギノ角ゴ ProN W3" charset="0"/>
+            </a:endParaRPr>
           </a:p>
           <a:p>
             <a:pPr lvl="1"/>
@@ -7095,7 +7390,14 @@
                 <a:ea typeface="ヒラギノ角ゴ ProN W3" charset="0"/>
                 <a:cs typeface="ヒラギノ角ゴ ProN W3" charset="0"/>
               </a:rPr>
-              <a:t>Some people finish early, so there are extensions and bonus </a:t>
+              <a:t>Some </a:t>
+            </a:r>
+            <a:r>
+              <a:rPr lang="en-US" dirty="0" smtClean="0">
+                <a:ea typeface="ヒラギノ角ゴ ProN W3" charset="0"/>
+                <a:cs typeface="ヒラギノ角ゴ ProN W3" charset="0"/>
+              </a:rPr>
+              <a:t>people finish early, so there are extensions and bonus </a:t>
             </a:r>
             <a:r>
               <a:rPr lang="en-US" dirty="0" err="1" smtClean="0">
@@ -7109,8 +7411,19 @@
                 <a:ea typeface="ヒラギノ角ゴ ProN W3" charset="0"/>
                 <a:cs typeface="ヒラギノ角ゴ ProN W3" charset="0"/>
               </a:rPr>
-              <a:t> for them</a:t>
-            </a:r>
+              <a:t> for </a:t>
+            </a:r>
+            <a:r>
+              <a:rPr lang="en-US" dirty="0" smtClean="0">
+                <a:ea typeface="ヒラギノ角ゴ ProN W3" charset="0"/>
+                <a:cs typeface="ヒラギノ角ゴ ProN W3" charset="0"/>
+              </a:rPr>
+              <a:t>them.</a:t>
+            </a:r>
+            <a:endParaRPr lang="en-US" dirty="0" smtClean="0">
+              <a:ea typeface="ヒラギノ角ゴ ProN W3" charset="0"/>
+              <a:cs typeface="ヒラギノ角ゴ ProN W3" charset="0"/>
+            </a:endParaRPr>
           </a:p>
           <a:p>
             <a:pPr lvl="1"/>
@@ -7119,16 +7432,44 @@
                 <a:ea typeface="ヒラギノ角ゴ ProN W3" charset="0"/>
                 <a:cs typeface="ヒラギノ角ゴ ProN W3" charset="0"/>
               </a:rPr>
-              <a:t>You might wish to do more at home!</a:t>
-            </a:r>
-          </a:p>
-          <a:p>
+              <a:t>You might wish to do more at </a:t>
+            </a:r>
             <a:r>
               <a:rPr lang="en-US" dirty="0" smtClean="0">
                 <a:ea typeface="ヒラギノ角ゴ ProN W3" charset="0"/>
                 <a:cs typeface="ヒラギノ角ゴ ProN W3" charset="0"/>
               </a:rPr>
-              <a:t>B. The </a:t>
+              <a:t>home?!?</a:t>
+            </a:r>
+            <a:r>
+              <a:rPr lang="en-US" dirty="0">
+                <a:ea typeface="ヒラギノ角ゴ ProN W3" charset="0"/>
+                <a:cs typeface="ヒラギノ角ゴ ProN W3" charset="0"/>
+              </a:rPr>
+              <a:t/>
+            </a:r>
+            <a:br>
+              <a:rPr lang="en-US" dirty="0">
+                <a:ea typeface="ヒラギノ角ゴ ProN W3" charset="0"/>
+                <a:cs typeface="ヒラギノ角ゴ ProN W3" charset="0"/>
+              </a:rPr>
+            </a:br>
+            <a:endParaRPr lang="en-US" dirty="0" smtClean="0">
+              <a:ea typeface="ヒラギノ角ゴ ProN W3" charset="0"/>
+              <a:cs typeface="ヒラギノ角ゴ ProN W3" charset="0"/>
+            </a:endParaRPr>
+          </a:p>
+          <a:p>
+            <a:pPr marL="514350" indent="-514350">
+              <a:buFont typeface="+mj-lt"/>
+              <a:buAutoNum type="alphaUcPeriod"/>
+            </a:pPr>
+            <a:r>
+              <a:rPr lang="en-US" dirty="0" smtClean="0">
+                <a:ea typeface="ヒラギノ角ゴ ProN W3" charset="0"/>
+                <a:cs typeface="ヒラギノ角ゴ ProN W3" charset="0"/>
+              </a:rPr>
+              <a:t>The </a:t>
             </a:r>
             <a:r>
               <a:rPr lang="en-US" dirty="0" err="1" smtClean="0">
@@ -7142,6 +7483,79 @@
                 <a:ea typeface="ヒラギノ角ゴ ProN W3" charset="0"/>
                 <a:cs typeface="ヒラギノ角ゴ ProN W3" charset="0"/>
               </a:rPr>
+              <a:t> are quite directive to start with:</a:t>
+            </a:r>
+          </a:p>
+          <a:p>
+            <a:pPr marL="914400" lvl="1" indent="-514350"/>
+            <a:r>
+              <a:rPr lang="en-US" dirty="0" smtClean="0">
+                <a:ea typeface="ヒラギノ角ゴ ProN W3" charset="0"/>
+                <a:cs typeface="ヒラギノ角ゴ ProN W3" charset="0"/>
+              </a:rPr>
+              <a:t>This is a complex area with a lot to cover.</a:t>
+            </a:r>
+          </a:p>
+          <a:p>
+            <a:pPr marL="914400" lvl="1" indent="-514350"/>
+            <a:r>
+              <a:rPr lang="en-US" dirty="0" smtClean="0">
+                <a:ea typeface="ヒラギノ角ゴ ProN W3" charset="0"/>
+                <a:cs typeface="ヒラギノ角ゴ ProN W3" charset="0"/>
+              </a:rPr>
+              <a:t>Extensions are more freeform.</a:t>
+            </a:r>
+          </a:p>
+          <a:p>
+            <a:pPr marL="914400" lvl="1" indent="-514350"/>
+            <a:r>
+              <a:rPr lang="en-US" dirty="0" smtClean="0">
+                <a:ea typeface="ヒラギノ角ゴ ProN W3" charset="0"/>
+                <a:cs typeface="ヒラギノ角ゴ ProN W3" charset="0"/>
+              </a:rPr>
+              <a:t>You need to think and not just do as I say to get the most out of them.</a:t>
+            </a:r>
+          </a:p>
+          <a:p>
+            <a:pPr marL="400050" lvl="1" indent="0">
+              <a:buNone/>
+            </a:pPr>
+            <a:endParaRPr lang="en-US" dirty="0" smtClean="0">
+              <a:ea typeface="ヒラギノ角ゴ ProN W3" charset="0"/>
+              <a:cs typeface="ヒラギノ角ゴ ProN W3" charset="0"/>
+            </a:endParaRPr>
+          </a:p>
+          <a:p>
+            <a:pPr marL="514350" indent="-514350">
+              <a:buFont typeface="+mj-lt"/>
+              <a:buAutoNum type="alphaUcPeriod"/>
+            </a:pPr>
+            <a:r>
+              <a:rPr lang="en-US" dirty="0" smtClean="0">
+                <a:ea typeface="ヒラギノ角ゴ ProN W3" charset="0"/>
+                <a:cs typeface="ヒラギノ角ゴ ProN W3" charset="0"/>
+              </a:rPr>
+              <a:t> </a:t>
+            </a:r>
+            <a:r>
+              <a:rPr lang="en-US" dirty="0" smtClean="0">
+                <a:ea typeface="ヒラギノ角ゴ ProN W3" charset="0"/>
+                <a:cs typeface="ヒラギノ角ゴ ProN W3" charset="0"/>
+              </a:rPr>
+              <a:t>The </a:t>
+            </a:r>
+            <a:r>
+              <a:rPr lang="en-US" dirty="0" err="1" smtClean="0">
+                <a:ea typeface="ヒラギノ角ゴ ProN W3" charset="0"/>
+                <a:cs typeface="ヒラギノ角ゴ ProN W3" charset="0"/>
+              </a:rPr>
+              <a:t>practicals</a:t>
+            </a:r>
+            <a:r>
+              <a:rPr lang="en-US" dirty="0" smtClean="0">
+                <a:ea typeface="ヒラギノ角ゴ ProN W3" charset="0"/>
+                <a:cs typeface="ヒラギノ角ゴ ProN W3" charset="0"/>
+              </a:rPr>
               <a:t> are mainly re-written from the previous run:</a:t>
             </a:r>
           </a:p>
@@ -7152,7 +7566,14 @@
                 <a:ea typeface="ヒラギノ角ゴ ProN W3" charset="0"/>
                 <a:cs typeface="ヒラギノ角ゴ ProN W3" charset="0"/>
               </a:rPr>
-              <a:t>1) I don’t know how long they will take you</a:t>
+              <a:t>I </a:t>
+            </a:r>
+            <a:r>
+              <a:rPr lang="en-US" dirty="0" smtClean="0">
+                <a:ea typeface="ヒラギノ角ゴ ProN W3" charset="0"/>
+                <a:cs typeface="ヒラギノ角ゴ ProN W3" charset="0"/>
+              </a:rPr>
+              <a:t>don’t know how long they will take you</a:t>
             </a:r>
           </a:p>
           <a:p>
@@ -7162,7 +7583,14 @@
                 <a:ea typeface="ヒラギノ角ゴ ProN W3" charset="0"/>
                 <a:cs typeface="ヒラギノ角ゴ ProN W3" charset="0"/>
               </a:rPr>
-              <a:t>2) There may be bugs</a:t>
+              <a:t>There </a:t>
+            </a:r>
+            <a:r>
+              <a:rPr lang="en-US" dirty="0" smtClean="0">
+                <a:ea typeface="ヒラギノ角ゴ ProN W3" charset="0"/>
+                <a:cs typeface="ヒラギノ角ゴ ProN W3" charset="0"/>
+              </a:rPr>
+              <a:t>may be bugs</a:t>
             </a:r>
           </a:p>
           <a:p>
@@ -7172,7 +7600,28 @@
                 <a:ea typeface="ヒラギノ角ゴ ProN W3" charset="0"/>
                 <a:cs typeface="ヒラギノ角ゴ ProN W3" charset="0"/>
               </a:rPr>
-              <a:t>3) I may be wrong about A!</a:t>
+              <a:t>I </a:t>
+            </a:r>
+            <a:r>
+              <a:rPr lang="en-US" dirty="0" smtClean="0">
+                <a:ea typeface="ヒラギノ角ゴ ProN W3" charset="0"/>
+                <a:cs typeface="ヒラギノ角ゴ ProN W3" charset="0"/>
+              </a:rPr>
+              <a:t>may be wrong about </a:t>
+            </a:r>
+            <a:r>
+              <a:rPr lang="en-US" dirty="0" smtClean="0">
+                <a:ea typeface="ヒラギノ角ゴ ProN W3" charset="0"/>
+                <a:cs typeface="ヒラギノ角ゴ ProN W3" charset="0"/>
+              </a:rPr>
+              <a:t>#A</a:t>
+            </a:r>
+            <a:r>
+              <a:rPr lang="en-US" dirty="0" smtClean="0">
+                <a:ea typeface="ヒラギノ角ゴ ProN W3" charset="0"/>
+                <a:cs typeface="ヒラギノ角ゴ ProN W3" charset="0"/>
+              </a:rPr>
+              <a:t>!</a:t>
             </a:r>
             <a:endParaRPr lang="en-US" dirty="0">
               <a:ea typeface="ヒラギノ角ゴ ProN W3" charset="0"/>

--- a/presentation-source/00-intro.pptx
+++ b/presentation-source/00-intro.pptx
@@ -212,7 +212,7 @@
             <a:fld id="{7307762F-A706-E543-A832-3C298AA3103F}" type="datetimeFigureOut">
               <a:rPr lang="en-US" smtClean="0"/>
               <a:pPr/>
-              <a:t>10/06/16</a:t>
+              <a:t>20/06/16</a:t>
             </a:fld>
             <a:endParaRPr lang="en-US" dirty="0"/>
           </a:p>
@@ -786,7 +786,7 @@
             <a:fld id="{875CF0EB-321F-0749-B37A-89BBA859503C}" type="datetimeFigureOut">
               <a:rPr lang="en-US" smtClean="0"/>
               <a:pPr/>
-              <a:t>10/06/16</a:t>
+              <a:t>20/06/16</a:t>
             </a:fld>
             <a:endParaRPr lang="en-US" dirty="0"/>
           </a:p>
@@ -1010,7 +1010,7 @@
             <a:fld id="{875CF0EB-321F-0749-B37A-89BBA859503C}" type="datetimeFigureOut">
               <a:rPr lang="en-US" smtClean="0"/>
               <a:pPr/>
-              <a:t>10/06/16</a:t>
+              <a:t>20/06/16</a:t>
             </a:fld>
             <a:endParaRPr lang="en-US" dirty="0"/>
           </a:p>
@@ -1224,7 +1224,7 @@
             <a:fld id="{875CF0EB-321F-0749-B37A-89BBA859503C}" type="datetimeFigureOut">
               <a:rPr lang="en-US" smtClean="0"/>
               <a:pPr/>
-              <a:t>10/06/16</a:t>
+              <a:t>20/06/16</a:t>
             </a:fld>
             <a:endParaRPr lang="en-US" dirty="0"/>
           </a:p>
@@ -1514,7 +1514,7 @@
             <a:fld id="{875CF0EB-321F-0749-B37A-89BBA859503C}" type="datetimeFigureOut">
               <a:rPr lang="en-US" smtClean="0"/>
               <a:pPr/>
-              <a:t>10/06/16</a:t>
+              <a:t>20/06/16</a:t>
             </a:fld>
             <a:endParaRPr lang="en-US" dirty="0"/>
           </a:p>
@@ -1846,7 +1846,7 @@
             <a:fld id="{875CF0EB-321F-0749-B37A-89BBA859503C}" type="datetimeFigureOut">
               <a:rPr lang="en-US" smtClean="0"/>
               <a:pPr/>
-              <a:t>10/06/16</a:t>
+              <a:t>20/06/16</a:t>
             </a:fld>
             <a:endParaRPr lang="en-US" dirty="0"/>
           </a:p>
@@ -2312,7 +2312,7 @@
             <a:fld id="{875CF0EB-321F-0749-B37A-89BBA859503C}" type="datetimeFigureOut">
               <a:rPr lang="en-US" smtClean="0"/>
               <a:pPr/>
-              <a:t>10/06/16</a:t>
+              <a:t>20/06/16</a:t>
             </a:fld>
             <a:endParaRPr lang="en-US" dirty="0"/>
           </a:p>
@@ -2474,7 +2474,7 @@
             <a:fld id="{875CF0EB-321F-0749-B37A-89BBA859503C}" type="datetimeFigureOut">
               <a:rPr lang="en-US" smtClean="0"/>
               <a:pPr/>
-              <a:t>10/06/16</a:t>
+              <a:t>20/06/16</a:t>
             </a:fld>
             <a:endParaRPr lang="en-US" dirty="0"/>
           </a:p>
@@ -2613,7 +2613,7 @@
             <a:fld id="{875CF0EB-321F-0749-B37A-89BBA859503C}" type="datetimeFigureOut">
               <a:rPr lang="en-US" smtClean="0"/>
               <a:pPr/>
-              <a:t>10/06/16</a:t>
+              <a:t>20/06/16</a:t>
             </a:fld>
             <a:endParaRPr lang="en-US" dirty="0"/>
           </a:p>
@@ -2934,7 +2934,7 @@
             <a:fld id="{875CF0EB-321F-0749-B37A-89BBA859503C}" type="datetimeFigureOut">
               <a:rPr lang="en-US" smtClean="0"/>
               <a:pPr/>
-              <a:t>10/06/16</a:t>
+              <a:t>20/06/16</a:t>
             </a:fld>
             <a:endParaRPr lang="en-US" dirty="0"/>
           </a:p>
@@ -3231,7 +3231,7 @@
             <a:fld id="{875CF0EB-321F-0749-B37A-89BBA859503C}" type="datetimeFigureOut">
               <a:rPr lang="en-US" smtClean="0"/>
               <a:pPr/>
-              <a:t>10/06/16</a:t>
+              <a:t>20/06/16</a:t>
             </a:fld>
             <a:endParaRPr lang="en-US" dirty="0"/>
           </a:p>
@@ -3624,19 +3624,7 @@
               <a:rPr lang="en-US" sz="700" dirty="0" smtClean="0">
                 <a:latin typeface="Montserrat"/>
               </a:rPr>
-              <a:t>© Paul Fremantle </a:t>
-            </a:r>
-            <a:r>
-              <a:rPr lang="en-US" sz="700" dirty="0" smtClean="0">
-                <a:latin typeface="Montserrat"/>
-              </a:rPr>
-              <a:t>2016 except where credited elsewhere. </a:t>
-            </a:r>
-            <a:r>
-              <a:rPr lang="en-US" sz="700" dirty="0" smtClean="0">
-                <a:latin typeface="Montserrat"/>
-              </a:rPr>
-              <a:t> This work is licensed under a Creative Commons</a:t>
+              <a:t>© Paul Fremantle 2016 except where credited elsewhere.  This work is licensed under a Creative Commons</a:t>
             </a:r>
           </a:p>
           <a:p>
@@ -4168,11 +4156,18 @@
           <a:p>
             <a:pPr eaLnBrk="1" hangingPunct="1"/>
             <a:r>
+              <a:rPr lang="en-US" smtClean="0">
+                <a:ea typeface="ヒラギノ角ゴ ProN W3" charset="0"/>
+                <a:cs typeface="ヒラギノ角ゴ ProN W3" charset="0"/>
+              </a:rPr>
+              <a:t>June </a:t>
+            </a:r>
+            <a:r>
               <a:rPr lang="en-US" dirty="0" smtClean="0">
                 <a:ea typeface="ヒラギノ角ゴ ProN W3" charset="0"/>
                 <a:cs typeface="ヒラギノ角ゴ ProN W3" charset="0"/>
               </a:rPr>
-              <a:t>Sep 2016</a:t>
+              <a:t>2016</a:t>
             </a:r>
             <a:endParaRPr lang="en-US" dirty="0">
               <a:ea typeface="ヒラギノ角ゴ ProN W3" charset="0"/>
@@ -6424,6 +6419,13 @@
   <p:clrMapOvr>
     <a:masterClrMapping/>
   </p:clrMapOvr>
+  <p:timing>
+    <p:tnLst>
+      <p:par>
+        <p:cTn xmlns:p14="http://schemas.microsoft.com/office/powerpoint/2010/main" id="1" dur="indefinite" restart="never" nodeType="tmRoot"/>
+      </p:par>
+    </p:tnLst>
+  </p:timing>
 </p:sld>
 </file>
 
@@ -7348,14 +7350,31 @@
                 <a:ea typeface="ヒラギノ角ゴ ProN W3" charset="0"/>
                 <a:cs typeface="ヒラギノ角ゴ ProN W3" charset="0"/>
               </a:rPr>
-              <a:t>My </a:t>
+              <a:t>My aim is to have more </a:t>
+            </a:r>
+            <a:r>
+              <a:rPr lang="en-US" dirty="0" err="1" smtClean="0">
+                <a:ea typeface="ヒラギノ角ゴ ProN W3" charset="0"/>
+                <a:cs typeface="ヒラギノ角ゴ ProN W3" charset="0"/>
+              </a:rPr>
+              <a:t>practicals</a:t>
             </a:r>
             <a:r>
               <a:rPr lang="en-US" dirty="0" smtClean="0">
                 <a:ea typeface="ヒラギノ角ゴ ProN W3" charset="0"/>
                 <a:cs typeface="ヒラギノ角ゴ ProN W3" charset="0"/>
               </a:rPr>
-              <a:t>aim is to have more </a:t>
+              <a:t> than everyone can manage:</a:t>
+            </a:r>
+          </a:p>
+          <a:p>
+            <a:pPr lvl="1"/>
+            <a:r>
+              <a:rPr lang="en-US" dirty="0" smtClean="0">
+                <a:ea typeface="ヒラギノ角ゴ ProN W3" charset="0"/>
+                <a:cs typeface="ヒラギノ角ゴ ProN W3" charset="0"/>
+              </a:rPr>
+              <a:t>Some people finish early, so there are extensions and bonus </a:t>
             </a:r>
             <a:r>
               <a:rPr lang="en-US" dirty="0" err="1" smtClean="0">
@@ -7369,77 +7388,17 @@
                 <a:ea typeface="ヒラギノ角ゴ ProN W3" charset="0"/>
                 <a:cs typeface="ヒラギノ角ゴ ProN W3" charset="0"/>
               </a:rPr>
-              <a:t> than everyone can </a:t>
-            </a:r>
+              <a:t> for them.</a:t>
+            </a:r>
+          </a:p>
+          <a:p>
+            <a:pPr lvl="1"/>
             <a:r>
               <a:rPr lang="en-US" dirty="0" smtClean="0">
                 <a:ea typeface="ヒラギノ角ゴ ProN W3" charset="0"/>
                 <a:cs typeface="ヒラギノ角ゴ ProN W3" charset="0"/>
               </a:rPr>
-              <a:t>manage:</a:t>
-            </a:r>
-            <a:endParaRPr lang="en-US" dirty="0" smtClean="0">
-              <a:ea typeface="ヒラギノ角ゴ ProN W3" charset="0"/>
-              <a:cs typeface="ヒラギノ角ゴ ProN W3" charset="0"/>
-            </a:endParaRPr>
-          </a:p>
-          <a:p>
-            <a:pPr lvl="1"/>
-            <a:r>
-              <a:rPr lang="en-US" dirty="0" smtClean="0">
-                <a:ea typeface="ヒラギノ角ゴ ProN W3" charset="0"/>
-                <a:cs typeface="ヒラギノ角ゴ ProN W3" charset="0"/>
-              </a:rPr>
-              <a:t>Some </a:t>
-            </a:r>
-            <a:r>
-              <a:rPr lang="en-US" dirty="0" smtClean="0">
-                <a:ea typeface="ヒラギノ角ゴ ProN W3" charset="0"/>
-                <a:cs typeface="ヒラギノ角ゴ ProN W3" charset="0"/>
-              </a:rPr>
-              <a:t>people finish early, so there are extensions and bonus </a:t>
-            </a:r>
-            <a:r>
-              <a:rPr lang="en-US" dirty="0" err="1" smtClean="0">
-                <a:ea typeface="ヒラギノ角ゴ ProN W3" charset="0"/>
-                <a:cs typeface="ヒラギノ角ゴ ProN W3" charset="0"/>
-              </a:rPr>
-              <a:t>practicals</a:t>
-            </a:r>
-            <a:r>
-              <a:rPr lang="en-US" dirty="0" smtClean="0">
-                <a:ea typeface="ヒラギノ角ゴ ProN W3" charset="0"/>
-                <a:cs typeface="ヒラギノ角ゴ ProN W3" charset="0"/>
-              </a:rPr>
-              <a:t> for </a:t>
-            </a:r>
-            <a:r>
-              <a:rPr lang="en-US" dirty="0" smtClean="0">
-                <a:ea typeface="ヒラギノ角ゴ ProN W3" charset="0"/>
-                <a:cs typeface="ヒラギノ角ゴ ProN W3" charset="0"/>
-              </a:rPr>
-              <a:t>them.</a:t>
-            </a:r>
-            <a:endParaRPr lang="en-US" dirty="0" smtClean="0">
-              <a:ea typeface="ヒラギノ角ゴ ProN W3" charset="0"/>
-              <a:cs typeface="ヒラギノ角ゴ ProN W3" charset="0"/>
-            </a:endParaRPr>
-          </a:p>
-          <a:p>
-            <a:pPr lvl="1"/>
-            <a:r>
-              <a:rPr lang="en-US" dirty="0" smtClean="0">
-                <a:ea typeface="ヒラギノ角ゴ ProN W3" charset="0"/>
-                <a:cs typeface="ヒラギノ角ゴ ProN W3" charset="0"/>
-              </a:rPr>
-              <a:t>You might wish to do more at </a:t>
-            </a:r>
-            <a:r>
-              <a:rPr lang="en-US" dirty="0" smtClean="0">
-                <a:ea typeface="ヒラギノ角ゴ ProN W3" charset="0"/>
-                <a:cs typeface="ヒラギノ角ゴ ProN W3" charset="0"/>
-              </a:rPr>
-              <a:t>home?!?</a:t>
+              <a:t>You might wish to do more at home?!?</a:t>
             </a:r>
             <a:r>
               <a:rPr lang="en-US" dirty="0">
@@ -7535,28 +7494,31 @@
                 <a:ea typeface="ヒラギノ角ゴ ProN W3" charset="0"/>
                 <a:cs typeface="ヒラギノ角ゴ ProN W3" charset="0"/>
               </a:rPr>
-              <a:t> </a:t>
+              <a:t> The </a:t>
+            </a:r>
+            <a:r>
+              <a:rPr lang="en-US" dirty="0" err="1" smtClean="0">
+                <a:ea typeface="ヒラギノ角ゴ ProN W3" charset="0"/>
+                <a:cs typeface="ヒラギノ角ゴ ProN W3" charset="0"/>
+              </a:rPr>
+              <a:t>practicals</a:t>
             </a:r>
             <a:r>
               <a:rPr lang="en-US" dirty="0" smtClean="0">
                 <a:ea typeface="ヒラギノ角ゴ ProN W3" charset="0"/>
                 <a:cs typeface="ヒラギノ角ゴ ProN W3" charset="0"/>
               </a:rPr>
-              <a:t>The </a:t>
-            </a:r>
-            <a:r>
-              <a:rPr lang="en-US" dirty="0" err="1" smtClean="0">
-                <a:ea typeface="ヒラギノ角ゴ ProN W3" charset="0"/>
-                <a:cs typeface="ヒラギノ角ゴ ProN W3" charset="0"/>
-              </a:rPr>
-              <a:t>practicals</a:t>
-            </a:r>
+              <a:t> are mainly re-written from the previous run:</a:t>
+            </a:r>
+          </a:p>
+          <a:p>
+            <a:pPr lvl="1"/>
             <a:r>
               <a:rPr lang="en-US" dirty="0" smtClean="0">
                 <a:ea typeface="ヒラギノ角ゴ ProN W3" charset="0"/>
                 <a:cs typeface="ヒラギノ角ゴ ProN W3" charset="0"/>
               </a:rPr>
-              <a:t> are mainly re-written from the previous run:</a:t>
+              <a:t>I don’t know how long they will take you</a:t>
             </a:r>
           </a:p>
           <a:p>
@@ -7566,62 +7528,17 @@
                 <a:ea typeface="ヒラギノ角ゴ ProN W3" charset="0"/>
                 <a:cs typeface="ヒラギノ角ゴ ProN W3" charset="0"/>
               </a:rPr>
-              <a:t>I </a:t>
-            </a:r>
+              <a:t>There may be bugs</a:t>
+            </a:r>
+          </a:p>
+          <a:p>
+            <a:pPr lvl="1"/>
             <a:r>
               <a:rPr lang="en-US" dirty="0" smtClean="0">
                 <a:ea typeface="ヒラギノ角ゴ ProN W3" charset="0"/>
                 <a:cs typeface="ヒラギノ角ゴ ProN W3" charset="0"/>
               </a:rPr>
-              <a:t>don’t know how long they will take you</a:t>
-            </a:r>
-          </a:p>
-          <a:p>
-            <a:pPr lvl="1"/>
-            <a:r>
-              <a:rPr lang="en-US" dirty="0" smtClean="0">
-                <a:ea typeface="ヒラギノ角ゴ ProN W3" charset="0"/>
-                <a:cs typeface="ヒラギノ角ゴ ProN W3" charset="0"/>
-              </a:rPr>
-              <a:t>There </a:t>
-            </a:r>
-            <a:r>
-              <a:rPr lang="en-US" dirty="0" smtClean="0">
-                <a:ea typeface="ヒラギノ角ゴ ProN W3" charset="0"/>
-                <a:cs typeface="ヒラギノ角ゴ ProN W3" charset="0"/>
-              </a:rPr>
-              <a:t>may be bugs</a:t>
-            </a:r>
-          </a:p>
-          <a:p>
-            <a:pPr lvl="1"/>
-            <a:r>
-              <a:rPr lang="en-US" dirty="0" smtClean="0">
-                <a:ea typeface="ヒラギノ角ゴ ProN W3" charset="0"/>
-                <a:cs typeface="ヒラギノ角ゴ ProN W3" charset="0"/>
-              </a:rPr>
-              <a:t>I </a:t>
-            </a:r>
-            <a:r>
-              <a:rPr lang="en-US" dirty="0" smtClean="0">
-                <a:ea typeface="ヒラギノ角ゴ ProN W3" charset="0"/>
-                <a:cs typeface="ヒラギノ角ゴ ProN W3" charset="0"/>
-              </a:rPr>
-              <a:t>may be wrong about </a:t>
-            </a:r>
-            <a:r>
-              <a:rPr lang="en-US" dirty="0" smtClean="0">
-                <a:ea typeface="ヒラギノ角ゴ ProN W3" charset="0"/>
-                <a:cs typeface="ヒラギノ角ゴ ProN W3" charset="0"/>
-              </a:rPr>
-              <a:t>#A</a:t>
-            </a:r>
-            <a:r>
-              <a:rPr lang="en-US" dirty="0" smtClean="0">
-                <a:ea typeface="ヒラギノ角ゴ ProN W3" charset="0"/>
-                <a:cs typeface="ヒラギノ角ゴ ProN W3" charset="0"/>
-              </a:rPr>
-              <a:t>!</a:t>
+              <a:t>I may be wrong about #A!</a:t>
             </a:r>
             <a:endParaRPr lang="en-US" dirty="0">
               <a:ea typeface="ヒラギノ角ゴ ProN W3" charset="0"/>

--- a/presentation-source/00-intro.pptx
+++ b/presentation-source/00-intro.pptx
@@ -212,7 +212,7 @@
             <a:fld id="{7307762F-A706-E543-A832-3C298AA3103F}" type="datetimeFigureOut">
               <a:rPr lang="en-US" smtClean="0"/>
               <a:pPr/>
-              <a:t>20/06/16</a:t>
+              <a:t>07/05/17</a:t>
             </a:fld>
             <a:endParaRPr lang="en-US" dirty="0"/>
           </a:p>
@@ -786,7 +786,7 @@
             <a:fld id="{875CF0EB-321F-0749-B37A-89BBA859503C}" type="datetimeFigureOut">
               <a:rPr lang="en-US" smtClean="0"/>
               <a:pPr/>
-              <a:t>20/06/16</a:t>
+              <a:t>07/05/17</a:t>
             </a:fld>
             <a:endParaRPr lang="en-US" dirty="0"/>
           </a:p>
@@ -1010,7 +1010,7 @@
             <a:fld id="{875CF0EB-321F-0749-B37A-89BBA859503C}" type="datetimeFigureOut">
               <a:rPr lang="en-US" smtClean="0"/>
               <a:pPr/>
-              <a:t>20/06/16</a:t>
+              <a:t>07/05/17</a:t>
             </a:fld>
             <a:endParaRPr lang="en-US" dirty="0"/>
           </a:p>
@@ -1224,7 +1224,7 @@
             <a:fld id="{875CF0EB-321F-0749-B37A-89BBA859503C}" type="datetimeFigureOut">
               <a:rPr lang="en-US" smtClean="0"/>
               <a:pPr/>
-              <a:t>20/06/16</a:t>
+              <a:t>07/05/17</a:t>
             </a:fld>
             <a:endParaRPr lang="en-US" dirty="0"/>
           </a:p>
@@ -1514,7 +1514,7 @@
             <a:fld id="{875CF0EB-321F-0749-B37A-89BBA859503C}" type="datetimeFigureOut">
               <a:rPr lang="en-US" smtClean="0"/>
               <a:pPr/>
-              <a:t>20/06/16</a:t>
+              <a:t>07/05/17</a:t>
             </a:fld>
             <a:endParaRPr lang="en-US" dirty="0"/>
           </a:p>
@@ -1846,7 +1846,7 @@
             <a:fld id="{875CF0EB-321F-0749-B37A-89BBA859503C}" type="datetimeFigureOut">
               <a:rPr lang="en-US" smtClean="0"/>
               <a:pPr/>
-              <a:t>20/06/16</a:t>
+              <a:t>07/05/17</a:t>
             </a:fld>
             <a:endParaRPr lang="en-US" dirty="0"/>
           </a:p>
@@ -2312,7 +2312,7 @@
             <a:fld id="{875CF0EB-321F-0749-B37A-89BBA859503C}" type="datetimeFigureOut">
               <a:rPr lang="en-US" smtClean="0"/>
               <a:pPr/>
-              <a:t>20/06/16</a:t>
+              <a:t>07/05/17</a:t>
             </a:fld>
             <a:endParaRPr lang="en-US" dirty="0"/>
           </a:p>
@@ -2474,7 +2474,7 @@
             <a:fld id="{875CF0EB-321F-0749-B37A-89BBA859503C}" type="datetimeFigureOut">
               <a:rPr lang="en-US" smtClean="0"/>
               <a:pPr/>
-              <a:t>20/06/16</a:t>
+              <a:t>07/05/17</a:t>
             </a:fld>
             <a:endParaRPr lang="en-US" dirty="0"/>
           </a:p>
@@ -2613,7 +2613,7 @@
             <a:fld id="{875CF0EB-321F-0749-B37A-89BBA859503C}" type="datetimeFigureOut">
               <a:rPr lang="en-US" smtClean="0"/>
               <a:pPr/>
-              <a:t>20/06/16</a:t>
+              <a:t>07/05/17</a:t>
             </a:fld>
             <a:endParaRPr lang="en-US" dirty="0"/>
           </a:p>
@@ -2934,7 +2934,7 @@
             <a:fld id="{875CF0EB-321F-0749-B37A-89BBA859503C}" type="datetimeFigureOut">
               <a:rPr lang="en-US" smtClean="0"/>
               <a:pPr/>
-              <a:t>20/06/16</a:t>
+              <a:t>07/05/17</a:t>
             </a:fld>
             <a:endParaRPr lang="en-US" dirty="0"/>
           </a:p>
@@ -3231,7 +3231,7 @@
             <a:fld id="{875CF0EB-321F-0749-B37A-89BBA859503C}" type="datetimeFigureOut">
               <a:rPr lang="en-US" smtClean="0"/>
               <a:pPr/>
-              <a:t>20/06/16</a:t>
+              <a:t>07/05/17</a:t>
             </a:fld>
             <a:endParaRPr lang="en-US" dirty="0"/>
           </a:p>
@@ -4156,18 +4156,11 @@
           <a:p>
             <a:pPr eaLnBrk="1" hangingPunct="1"/>
             <a:r>
-              <a:rPr lang="en-US" smtClean="0">
-                <a:ea typeface="ヒラギノ角ゴ ProN W3" charset="0"/>
-                <a:cs typeface="ヒラギノ角ゴ ProN W3" charset="0"/>
-              </a:rPr>
-              <a:t>June </a:t>
-            </a:r>
-            <a:r>
               <a:rPr lang="en-US" dirty="0" smtClean="0">
                 <a:ea typeface="ヒラギノ角ゴ ProN W3" charset="0"/>
                 <a:cs typeface="ヒラギノ角ゴ ProN W3" charset="0"/>
               </a:rPr>
-              <a:t>2016</a:t>
+              <a:t>May 2017</a:t>
             </a:r>
             <a:endParaRPr lang="en-US" dirty="0">
               <a:ea typeface="ヒラギノ角ゴ ProN W3" charset="0"/>
@@ -7337,7 +7330,7 @@
             <a:prstTxWarp prst="textNoShape">
               <a:avLst/>
             </a:prstTxWarp>
-            <a:normAutofit fontScale="62500" lnSpcReduction="20000"/>
+            <a:normAutofit/>
           </a:bodyPr>
           <a:lstStyle/>
           <a:p>
@@ -7346,21 +7339,35 @@
               <a:buAutoNum type="alphaUcPeriod"/>
             </a:pPr>
             <a:r>
-              <a:rPr lang="en-US" dirty="0" smtClean="0">
-                <a:ea typeface="ヒラギノ角ゴ ProN W3" charset="0"/>
-                <a:cs typeface="ヒラギノ角ゴ ProN W3" charset="0"/>
-              </a:rPr>
-              <a:t>My aim is to have more </a:t>
-            </a:r>
-            <a:r>
-              <a:rPr lang="en-US" dirty="0" err="1" smtClean="0">
+              <a:rPr lang="en-US" sz="2400" dirty="0" smtClean="0">
+                <a:ea typeface="ヒラギノ角ゴ ProN W3" charset="0"/>
+                <a:cs typeface="ヒラギノ角ゴ ProN W3" charset="0"/>
+              </a:rPr>
+              <a:t>My aim is to have </a:t>
+            </a:r>
+            <a:r>
+              <a:rPr lang="en-US" sz="2400" b="1" dirty="0" smtClean="0">
+                <a:ea typeface="ヒラギノ角ゴ ProN W3" charset="0"/>
+                <a:cs typeface="ヒラギノ角ゴ ProN W3" charset="0"/>
+              </a:rPr>
+              <a:t>more</a:t>
+            </a:r>
+            <a:r>
+              <a:rPr lang="en-US" sz="2400" dirty="0" smtClean="0">
+                <a:ea typeface="ヒラギノ角ゴ ProN W3" charset="0"/>
+                <a:cs typeface="ヒラギノ角ゴ ProN W3" charset="0"/>
+              </a:rPr>
+              <a:t> </a:t>
+            </a:r>
+            <a:r>
+              <a:rPr lang="en-US" sz="2400" dirty="0" err="1" smtClean="0">
                 <a:ea typeface="ヒラギノ角ゴ ProN W3" charset="0"/>
                 <a:cs typeface="ヒラギノ角ゴ ProN W3" charset="0"/>
               </a:rPr>
               <a:t>practicals</a:t>
             </a:r>
             <a:r>
-              <a:rPr lang="en-US" dirty="0" smtClean="0">
+              <a:rPr lang="en-US" sz="2400" dirty="0" smtClean="0">
                 <a:ea typeface="ヒラギノ角ゴ ProN W3" charset="0"/>
                 <a:cs typeface="ヒラギノ角ゴ ProN W3" charset="0"/>
               </a:rPr>
@@ -7370,21 +7377,21 @@
           <a:p>
             <a:pPr lvl="1"/>
             <a:r>
-              <a:rPr lang="en-US" dirty="0" smtClean="0">
+              <a:rPr lang="en-US" sz="2000" dirty="0" smtClean="0">
                 <a:ea typeface="ヒラギノ角ゴ ProN W3" charset="0"/>
                 <a:cs typeface="ヒラギノ角ゴ ProN W3" charset="0"/>
               </a:rPr>
               <a:t>Some people finish early, so there are extensions and bonus </a:t>
             </a:r>
             <a:r>
-              <a:rPr lang="en-US" dirty="0" err="1" smtClean="0">
+              <a:rPr lang="en-US" sz="2000" dirty="0" err="1" smtClean="0">
                 <a:ea typeface="ヒラギノ角ゴ ProN W3" charset="0"/>
                 <a:cs typeface="ヒラギノ角ゴ ProN W3" charset="0"/>
               </a:rPr>
               <a:t>practicals</a:t>
             </a:r>
             <a:r>
-              <a:rPr lang="en-US" dirty="0" smtClean="0">
+              <a:rPr lang="en-US" sz="2000" dirty="0" smtClean="0">
                 <a:ea typeface="ヒラギノ角ゴ ProN W3" charset="0"/>
                 <a:cs typeface="ヒラギノ角ゴ ProN W3" charset="0"/>
               </a:rPr>
@@ -7394,26 +7401,40 @@
           <a:p>
             <a:pPr lvl="1"/>
             <a:r>
-              <a:rPr lang="en-US" dirty="0" smtClean="0">
-                <a:ea typeface="ヒラギノ角ゴ ProN W3" charset="0"/>
-                <a:cs typeface="ヒラギノ角ゴ ProN W3" charset="0"/>
-              </a:rPr>
-              <a:t>You might wish to do more at home?!?</a:t>
-            </a:r>
-            <a:r>
-              <a:rPr lang="en-US" dirty="0">
+              <a:rPr lang="en-US" sz="2000" dirty="0" smtClean="0">
+                <a:ea typeface="ヒラギノ角ゴ ProN W3" charset="0"/>
+                <a:cs typeface="ヒラギノ角ゴ ProN W3" charset="0"/>
+              </a:rPr>
+              <a:t>You might </a:t>
+            </a:r>
+            <a:r>
+              <a:rPr lang="en-US" sz="2000" dirty="0" smtClean="0">
+                <a:ea typeface="ヒラギノ角ゴ ProN W3" charset="0"/>
+                <a:cs typeface="ヒラギノ角ゴ ProN W3" charset="0"/>
+              </a:rPr>
+              <a:t>even wish </a:t>
+            </a:r>
+            <a:r>
+              <a:rPr lang="en-US" sz="2000" dirty="0" smtClean="0">
+                <a:ea typeface="ヒラギノ角ゴ ProN W3" charset="0"/>
+                <a:cs typeface="ヒラギノ角ゴ ProN W3" charset="0"/>
+              </a:rPr>
+              <a:t>to do more at home?!?</a:t>
+            </a:r>
+            <a:r>
+              <a:rPr lang="en-US" sz="2000" dirty="0">
                 <a:ea typeface="ヒラギノ角ゴ ProN W3" charset="0"/>
                 <a:cs typeface="ヒラギノ角ゴ ProN W3" charset="0"/>
               </a:rPr>
               <a:t/>
             </a:r>
             <a:br>
-              <a:rPr lang="en-US" dirty="0">
+              <a:rPr lang="en-US" sz="2000" dirty="0">
                 <a:ea typeface="ヒラギノ角ゴ ProN W3" charset="0"/>
                 <a:cs typeface="ヒラギノ角ゴ ProN W3" charset="0"/>
               </a:rPr>
             </a:br>
-            <a:endParaRPr lang="en-US" dirty="0" smtClean="0">
+            <a:endParaRPr lang="en-US" sz="2000" dirty="0" smtClean="0">
               <a:ea typeface="ヒラギノ角ゴ ProN W3" charset="0"/>
               <a:cs typeface="ヒラギノ角ゴ ProN W3" charset="0"/>
             </a:endParaRPr>
@@ -7424,21 +7445,21 @@
               <a:buAutoNum type="alphaUcPeriod"/>
             </a:pPr>
             <a:r>
-              <a:rPr lang="en-US" dirty="0" smtClean="0">
+              <a:rPr lang="en-US" sz="2400" dirty="0" smtClean="0">
                 <a:ea typeface="ヒラギノ角ゴ ProN W3" charset="0"/>
                 <a:cs typeface="ヒラギノ角ゴ ProN W3" charset="0"/>
               </a:rPr>
               <a:t>The </a:t>
             </a:r>
             <a:r>
-              <a:rPr lang="en-US" dirty="0" err="1" smtClean="0">
+              <a:rPr lang="en-US" sz="2400" dirty="0" err="1" smtClean="0">
                 <a:ea typeface="ヒラギノ角ゴ ProN W3" charset="0"/>
                 <a:cs typeface="ヒラギノ角ゴ ProN W3" charset="0"/>
               </a:rPr>
               <a:t>practicals</a:t>
             </a:r>
             <a:r>
-              <a:rPr lang="en-US" dirty="0" smtClean="0">
+              <a:rPr lang="en-US" sz="2400" dirty="0" smtClean="0">
                 <a:ea typeface="ヒラギノ角ゴ ProN W3" charset="0"/>
                 <a:cs typeface="ヒラギノ角ゴ ProN W3" charset="0"/>
               </a:rPr>
@@ -7448,7 +7469,7 @@
           <a:p>
             <a:pPr marL="914400" lvl="1" indent="-514350"/>
             <a:r>
-              <a:rPr lang="en-US" dirty="0" smtClean="0">
+              <a:rPr lang="en-US" sz="2000" dirty="0" smtClean="0">
                 <a:ea typeface="ヒラギノ角ゴ ProN W3" charset="0"/>
                 <a:cs typeface="ヒラギノ角ゴ ProN W3" charset="0"/>
               </a:rPr>
@@ -7458,7 +7479,7 @@
           <a:p>
             <a:pPr marL="914400" lvl="1" indent="-514350"/>
             <a:r>
-              <a:rPr lang="en-US" dirty="0" smtClean="0">
+              <a:rPr lang="en-US" sz="2000" dirty="0" smtClean="0">
                 <a:ea typeface="ヒラギノ角ゴ ProN W3" charset="0"/>
                 <a:cs typeface="ヒラギノ角ゴ ProN W3" charset="0"/>
               </a:rPr>
@@ -7468,93 +7489,59 @@
           <a:p>
             <a:pPr marL="914400" lvl="1" indent="-514350"/>
             <a:r>
-              <a:rPr lang="en-US" dirty="0" smtClean="0">
-                <a:ea typeface="ヒラギノ角ゴ ProN W3" charset="0"/>
-                <a:cs typeface="ヒラギノ角ゴ ProN W3" charset="0"/>
-              </a:rPr>
-              <a:t>You need to think and not just do as I say to get the most out of them.</a:t>
+              <a:rPr lang="en-US" sz="2000" i="1" dirty="0" smtClean="0">
+                <a:ea typeface="ヒラギノ角ゴ ProN W3" charset="0"/>
+                <a:cs typeface="ヒラギノ角ゴ ProN W3" charset="0"/>
+              </a:rPr>
+              <a:t>You need to think and not just do as I say </a:t>
+            </a:r>
+            <a:r>
+              <a:rPr lang="en-US" sz="2000" i="1" dirty="0" smtClean="0">
+                <a:ea typeface="ヒラギノ角ゴ ProN W3" charset="0"/>
+                <a:cs typeface="ヒラギノ角ゴ ProN W3" charset="0"/>
+              </a:rPr>
+              <a:t/>
+            </a:r>
+            <a:br>
+              <a:rPr lang="en-US" sz="2000" i="1" dirty="0" smtClean="0">
+                <a:ea typeface="ヒラギノ角ゴ ProN W3" charset="0"/>
+                <a:cs typeface="ヒラギノ角ゴ ProN W3" charset="0"/>
+              </a:rPr>
+            </a:br>
+            <a:r>
+              <a:rPr lang="en-US" sz="2000" i="1" dirty="0" smtClean="0">
+                <a:ea typeface="ヒラギノ角ゴ ProN W3" charset="0"/>
+                <a:cs typeface="ヒラギノ角ゴ ProN W3" charset="0"/>
+              </a:rPr>
+              <a:t>to </a:t>
+            </a:r>
+            <a:r>
+              <a:rPr lang="en-US" sz="2000" i="1" dirty="0" smtClean="0">
+                <a:ea typeface="ヒラギノ角ゴ ProN W3" charset="0"/>
+                <a:cs typeface="ヒラギノ角ゴ ProN W3" charset="0"/>
+              </a:rPr>
+              <a:t>get the most out of them.</a:t>
             </a:r>
           </a:p>
           <a:p>
             <a:pPr marL="400050" lvl="1" indent="0">
               <a:buNone/>
             </a:pPr>
-            <a:endParaRPr lang="en-US" dirty="0" smtClean="0">
+            <a:endParaRPr lang="en-US" sz="2000" dirty="0" smtClean="0">
               <a:ea typeface="ヒラギノ角ゴ ProN W3" charset="0"/>
               <a:cs typeface="ヒラギノ角ゴ ProN W3" charset="0"/>
             </a:endParaRPr>
           </a:p>
           <a:p>
-            <a:pPr marL="514350" indent="-514350">
-              <a:buFont typeface="+mj-lt"/>
-              <a:buAutoNum type="alphaUcPeriod"/>
-            </a:pPr>
-            <a:r>
-              <a:rPr lang="en-US" dirty="0" smtClean="0">
-                <a:ea typeface="ヒラギノ角ゴ ProN W3" charset="0"/>
-                <a:cs typeface="ヒラギノ角ゴ ProN W3" charset="0"/>
-              </a:rPr>
-              <a:t> The </a:t>
-            </a:r>
-            <a:r>
-              <a:rPr lang="en-US" dirty="0" err="1" smtClean="0">
-                <a:ea typeface="ヒラギノ角ゴ ProN W3" charset="0"/>
-                <a:cs typeface="ヒラギノ角ゴ ProN W3" charset="0"/>
-              </a:rPr>
-              <a:t>practicals</a:t>
-            </a:r>
-            <a:r>
-              <a:rPr lang="en-US" dirty="0" smtClean="0">
-                <a:ea typeface="ヒラギノ角ゴ ProN W3" charset="0"/>
-                <a:cs typeface="ヒラギノ角ゴ ProN W3" charset="0"/>
-              </a:rPr>
-              <a:t> are mainly re-written from the previous run:</a:t>
-            </a:r>
-          </a:p>
-          <a:p>
-            <a:pPr lvl="1"/>
-            <a:r>
-              <a:rPr lang="en-US" dirty="0" smtClean="0">
-                <a:ea typeface="ヒラギノ角ゴ ProN W3" charset="0"/>
-                <a:cs typeface="ヒラギノ角ゴ ProN W3" charset="0"/>
-              </a:rPr>
-              <a:t>I don’t know how long they will take you</a:t>
-            </a:r>
-          </a:p>
-          <a:p>
-            <a:pPr lvl="1"/>
-            <a:r>
-              <a:rPr lang="en-US" dirty="0" smtClean="0">
-                <a:ea typeface="ヒラギノ角ゴ ProN W3" charset="0"/>
-                <a:cs typeface="ヒラギノ角ゴ ProN W3" charset="0"/>
-              </a:rPr>
-              <a:t>There may be bugs</a:t>
-            </a:r>
-          </a:p>
-          <a:p>
-            <a:pPr lvl="1"/>
-            <a:r>
-              <a:rPr lang="en-US" dirty="0" smtClean="0">
-                <a:ea typeface="ヒラギノ角ゴ ProN W3" charset="0"/>
-                <a:cs typeface="ヒラギノ角ゴ ProN W3" charset="0"/>
-              </a:rPr>
-              <a:t>I may be wrong about #A!</a:t>
-            </a:r>
-            <a:endParaRPr lang="en-US" dirty="0">
+            <a:pPr eaLnBrk="1" hangingPunct="1"/>
+            <a:endParaRPr lang="en-US" sz="2400" dirty="0">
               <a:ea typeface="ヒラギノ角ゴ ProN W3" charset="0"/>
               <a:cs typeface="ヒラギノ角ゴ ProN W3" charset="0"/>
             </a:endParaRPr>
           </a:p>
           <a:p>
             <a:pPr eaLnBrk="1" hangingPunct="1"/>
-            <a:endParaRPr lang="en-US" dirty="0">
-              <a:ea typeface="ヒラギノ角ゴ ProN W3" charset="0"/>
-              <a:cs typeface="ヒラギノ角ゴ ProN W3" charset="0"/>
-            </a:endParaRPr>
-          </a:p>
-          <a:p>
-            <a:pPr eaLnBrk="1" hangingPunct="1"/>
-            <a:endParaRPr lang="en-US" dirty="0">
+            <a:endParaRPr lang="en-US" sz="2400" dirty="0">
               <a:ea typeface="ヒラギノ角ゴ ProN W3" charset="0"/>
               <a:cs typeface="ヒラギノ角ゴ ProN W3" charset="0"/>
             </a:endParaRPr>

--- a/presentation-source/00-intro.pptx
+++ b/presentation-source/00-intro.pptx
@@ -212,7 +212,7 @@
             <a:fld id="{7307762F-A706-E543-A832-3C298AA3103F}" type="datetimeFigureOut">
               <a:rPr lang="en-US" smtClean="0"/>
               <a:pPr/>
-              <a:t>07/05/17</a:t>
+              <a:t>18/12/17</a:t>
             </a:fld>
             <a:endParaRPr lang="en-US" dirty="0"/>
           </a:p>
@@ -786,7 +786,7 @@
             <a:fld id="{875CF0EB-321F-0749-B37A-89BBA859503C}" type="datetimeFigureOut">
               <a:rPr lang="en-US" smtClean="0"/>
               <a:pPr/>
-              <a:t>07/05/17</a:t>
+              <a:t>18/12/17</a:t>
             </a:fld>
             <a:endParaRPr lang="en-US" dirty="0"/>
           </a:p>
@@ -1010,7 +1010,7 @@
             <a:fld id="{875CF0EB-321F-0749-B37A-89BBA859503C}" type="datetimeFigureOut">
               <a:rPr lang="en-US" smtClean="0"/>
               <a:pPr/>
-              <a:t>07/05/17</a:t>
+              <a:t>18/12/17</a:t>
             </a:fld>
             <a:endParaRPr lang="en-US" dirty="0"/>
           </a:p>
@@ -1224,7 +1224,7 @@
             <a:fld id="{875CF0EB-321F-0749-B37A-89BBA859503C}" type="datetimeFigureOut">
               <a:rPr lang="en-US" smtClean="0"/>
               <a:pPr/>
-              <a:t>07/05/17</a:t>
+              <a:t>18/12/17</a:t>
             </a:fld>
             <a:endParaRPr lang="en-US" dirty="0"/>
           </a:p>
@@ -1514,7 +1514,7 @@
             <a:fld id="{875CF0EB-321F-0749-B37A-89BBA859503C}" type="datetimeFigureOut">
               <a:rPr lang="en-US" smtClean="0"/>
               <a:pPr/>
-              <a:t>07/05/17</a:t>
+              <a:t>18/12/17</a:t>
             </a:fld>
             <a:endParaRPr lang="en-US" dirty="0"/>
           </a:p>
@@ -1846,7 +1846,7 @@
             <a:fld id="{875CF0EB-321F-0749-B37A-89BBA859503C}" type="datetimeFigureOut">
               <a:rPr lang="en-US" smtClean="0"/>
               <a:pPr/>
-              <a:t>07/05/17</a:t>
+              <a:t>18/12/17</a:t>
             </a:fld>
             <a:endParaRPr lang="en-US" dirty="0"/>
           </a:p>
@@ -2312,7 +2312,7 @@
             <a:fld id="{875CF0EB-321F-0749-B37A-89BBA859503C}" type="datetimeFigureOut">
               <a:rPr lang="en-US" smtClean="0"/>
               <a:pPr/>
-              <a:t>07/05/17</a:t>
+              <a:t>18/12/17</a:t>
             </a:fld>
             <a:endParaRPr lang="en-US" dirty="0"/>
           </a:p>
@@ -2474,7 +2474,7 @@
             <a:fld id="{875CF0EB-321F-0749-B37A-89BBA859503C}" type="datetimeFigureOut">
               <a:rPr lang="en-US" smtClean="0"/>
               <a:pPr/>
-              <a:t>07/05/17</a:t>
+              <a:t>18/12/17</a:t>
             </a:fld>
             <a:endParaRPr lang="en-US" dirty="0"/>
           </a:p>
@@ -2613,7 +2613,7 @@
             <a:fld id="{875CF0EB-321F-0749-B37A-89BBA859503C}" type="datetimeFigureOut">
               <a:rPr lang="en-US" smtClean="0"/>
               <a:pPr/>
-              <a:t>07/05/17</a:t>
+              <a:t>18/12/17</a:t>
             </a:fld>
             <a:endParaRPr lang="en-US" dirty="0"/>
           </a:p>
@@ -2934,7 +2934,7 @@
             <a:fld id="{875CF0EB-321F-0749-B37A-89BBA859503C}" type="datetimeFigureOut">
               <a:rPr lang="en-US" smtClean="0"/>
               <a:pPr/>
-              <a:t>07/05/17</a:t>
+              <a:t>18/12/17</a:t>
             </a:fld>
             <a:endParaRPr lang="en-US" dirty="0"/>
           </a:p>
@@ -3231,7 +3231,7 @@
             <a:fld id="{875CF0EB-321F-0749-B37A-89BBA859503C}" type="datetimeFigureOut">
               <a:rPr lang="en-US" smtClean="0"/>
               <a:pPr/>
-              <a:t>07/05/17</a:t>
+              <a:t>18/12/17</a:t>
             </a:fld>
             <a:endParaRPr lang="en-US" dirty="0"/>
           </a:p>
@@ -4160,7 +4160,7 @@
                 <a:ea typeface="ヒラギノ角ゴ ProN W3" charset="0"/>
                 <a:cs typeface="ヒラギノ角ゴ ProN W3" charset="0"/>
               </a:rPr>
-              <a:t>May 2017</a:t>
+              <a:t>January 2018</a:t>
             </a:r>
             <a:endParaRPr lang="en-US" dirty="0">
               <a:ea typeface="ヒラギノ角ゴ ProN W3" charset="0"/>
@@ -4306,7 +4306,11 @@
           <a:p>
             <a:r>
               <a:rPr lang="en-US" dirty="0" smtClean="0"/>
-              <a:t>ESB flows</a:t>
+              <a:t>Mediation </a:t>
+            </a:r>
+            <a:r>
+              <a:rPr lang="en-US" dirty="0" smtClean="0"/>
+              <a:t>flows</a:t>
             </a:r>
           </a:p>
           <a:p>
@@ -5061,7 +5065,7 @@
             <a:prstTxWarp prst="textNoShape">
               <a:avLst/>
             </a:prstTxWarp>
-            <a:normAutofit lnSpcReduction="10000"/>
+            <a:normAutofit fontScale="92500" lnSpcReduction="10000"/>
           </a:bodyPr>
           <a:lstStyle/>
           <a:p>
@@ -5071,8 +5075,29 @@
                 <a:ea typeface="ヒラギノ角ゴ ProN W3" charset="0"/>
                 <a:cs typeface="ヒラギノ角ゴ ProN W3" charset="0"/>
               </a:rPr>
-              <a:t>CTO and Co-Founder of WSO2</a:t>
-            </a:r>
+              <a:t>CTO and Co-Founder of </a:t>
+            </a:r>
+            <a:r>
+              <a:rPr lang="en-US" sz="2000" dirty="0" smtClean="0">
+                <a:ea typeface="ヒラギノ角ゴ ProN W3" charset="0"/>
+                <a:cs typeface="ヒラギノ角ゴ ProN W3" charset="0"/>
+              </a:rPr>
+              <a:t>WSO2</a:t>
+            </a:r>
+          </a:p>
+          <a:p>
+            <a:pPr lvl="1"/>
+            <a:r>
+              <a:rPr lang="en-US" sz="1600" dirty="0" smtClean="0">
+                <a:ea typeface="ヒラギノ角ゴ ProN W3" charset="0"/>
+                <a:cs typeface="ヒラギノ角ゴ ProN W3" charset="0"/>
+              </a:rPr>
+              <a:t>An Open Source SOA and API focused company</a:t>
+            </a:r>
+            <a:endParaRPr lang="en-US" sz="1600" dirty="0">
+              <a:ea typeface="ヒラギノ角ゴ ProN W3" charset="0"/>
+              <a:cs typeface="ヒラギノ角ゴ ProN W3" charset="0"/>
+            </a:endParaRPr>
           </a:p>
           <a:p>
             <a:pPr eaLnBrk="1" hangingPunct="1"/>
@@ -5180,33 +5205,15 @@
                 <a:ea typeface="ヒラギノ角ゴ ProN W3" charset="0"/>
                 <a:cs typeface="ヒラギノ角ゴ ProN W3" charset="0"/>
               </a:rPr>
-              <a:t>Studying for a PhD:</a:t>
-            </a:r>
-          </a:p>
-          <a:p>
-            <a:pPr lvl="1"/>
-            <a:r>
-              <a:rPr lang="en-US" sz="1600" dirty="0" smtClean="0">
-                <a:ea typeface="ヒラギノ角ゴ ProN W3" charset="0"/>
-                <a:cs typeface="ヒラギノ角ゴ ProN W3" charset="0"/>
-              </a:rPr>
-              <a:t>Security and privacy in </a:t>
-            </a:r>
-            <a:r>
-              <a:rPr lang="en-US" sz="1600" dirty="0" err="1" smtClean="0">
-                <a:ea typeface="ヒラギノ角ゴ ProN W3" charset="0"/>
-                <a:cs typeface="ヒラギノ角ゴ ProN W3" charset="0"/>
-              </a:rPr>
-              <a:t>IoT</a:t>
-            </a:r>
-            <a:r>
-              <a:rPr lang="en-US" sz="1600" dirty="0" smtClean="0">
-                <a:ea typeface="ヒラギノ角ゴ ProN W3" charset="0"/>
-                <a:cs typeface="ヒラギノ角ゴ ProN W3" charset="0"/>
-              </a:rPr>
-              <a:t> middleware</a:t>
-            </a:r>
-            <a:endParaRPr lang="en-US" sz="1600" dirty="0">
+              <a:t>PhD in Computing</a:t>
+            </a:r>
+            <a:br>
+              <a:rPr lang="en-US" sz="2000" dirty="0" smtClean="0">
+                <a:ea typeface="ヒラギノ角ゴ ProN W3" charset="0"/>
+                <a:cs typeface="ヒラギノ角ゴ ProN W3" charset="0"/>
+              </a:rPr>
+            </a:br>
+            <a:endParaRPr lang="en-US" sz="2000" dirty="0" smtClean="0">
               <a:ea typeface="ヒラギノ角ゴ ProN W3" charset="0"/>
               <a:cs typeface="ヒラギノ角ゴ ProN W3" charset="0"/>
             </a:endParaRPr>
@@ -5433,7 +5440,7 @@
             <p:ph idx="1"/>
             <p:extLst>
               <p:ext uri="{D42A27DB-BD31-4B8C-83A1-F6EECF244321}">
-                <p14:modId xmlns:p14="http://schemas.microsoft.com/office/powerpoint/2010/main" val="1204975455"/>
+                <p14:modId xmlns:p14="http://schemas.microsoft.com/office/powerpoint/2010/main" val="1463685235"/>
               </p:ext>
             </p:extLst>
           </p:nvPr>
@@ -5933,7 +5940,13 @@
                         <a:rPr lang="en-US" sz="1700" baseline="0" dirty="0" smtClean="0">
                           <a:latin typeface="Montserrat"/>
                         </a:rPr>
-                        <a:t> and ESBs</a:t>
+                        <a:t> and </a:t>
+                      </a:r>
+                      <a:r>
+                        <a:rPr lang="en-US" sz="1700" baseline="0" dirty="0" smtClean="0">
+                          <a:latin typeface="Montserrat"/>
+                        </a:rPr>
+                        <a:t>Mediation</a:t>
                       </a:r>
                       <a:endParaRPr lang="en-US" sz="1700" dirty="0">
                         <a:latin typeface="Montserrat"/>
@@ -6749,7 +6762,14 @@
                 <a:ea typeface="ヒラギノ角ゴ ProN W3" charset="0"/>
                 <a:cs typeface="ヒラギノ角ゴ ProN W3" charset="0"/>
               </a:rPr>
-              <a:t>ESB and BPMN flows</a:t>
+              <a:t>Mediation </a:t>
+            </a:r>
+            <a:r>
+              <a:rPr lang="en-US" sz="2400" dirty="0" smtClean="0">
+                <a:ea typeface="ヒラギノ角ゴ ProN W3" charset="0"/>
+                <a:cs typeface="ヒラギノ角ゴ ProN W3" charset="0"/>
+              </a:rPr>
+              <a:t>and BPMN flows</a:t>
             </a:r>
           </a:p>
           <a:p>
@@ -7371,8 +7391,19 @@
                 <a:ea typeface="ヒラギノ角ゴ ProN W3" charset="0"/>
                 <a:cs typeface="ヒラギノ角ゴ ProN W3" charset="0"/>
               </a:rPr>
-              <a:t> than everyone can manage:</a:t>
-            </a:r>
+              <a:t> than </a:t>
+            </a:r>
+            <a:r>
+              <a:rPr lang="en-US" sz="2400" dirty="0" smtClean="0">
+                <a:ea typeface="ヒラギノ角ゴ ProN W3" charset="0"/>
+                <a:cs typeface="ヒラギノ角ゴ ProN W3" charset="0"/>
+              </a:rPr>
+              <a:t>is reasonable:</a:t>
+            </a:r>
+            <a:endParaRPr lang="en-US" sz="2400" dirty="0" smtClean="0">
+              <a:ea typeface="ヒラギノ角ゴ ProN W3" charset="0"/>
+              <a:cs typeface="ヒラギノ角ゴ ProN W3" charset="0"/>
+            </a:endParaRPr>
           </a:p>
           <a:p>
             <a:pPr lvl="1"/>
@@ -7405,21 +7436,7 @@
                 <a:ea typeface="ヒラギノ角ゴ ProN W3" charset="0"/>
                 <a:cs typeface="ヒラギノ角ゴ ProN W3" charset="0"/>
               </a:rPr>
-              <a:t>You might </a:t>
-            </a:r>
-            <a:r>
-              <a:rPr lang="en-US" sz="2000" dirty="0" smtClean="0">
-                <a:ea typeface="ヒラギノ角ゴ ProN W3" charset="0"/>
-                <a:cs typeface="ヒラギノ角ゴ ProN W3" charset="0"/>
-              </a:rPr>
-              <a:t>even wish </a:t>
-            </a:r>
-            <a:r>
-              <a:rPr lang="en-US" sz="2000" dirty="0" smtClean="0">
-                <a:ea typeface="ヒラギノ角ゴ ProN W3" charset="0"/>
-                <a:cs typeface="ヒラギノ角ゴ ProN W3" charset="0"/>
-              </a:rPr>
-              <a:t>to do more at home?!?</a:t>
+              <a:t>You might even wish to do more at home?!?</a:t>
             </a:r>
             <a:r>
               <a:rPr lang="en-US" sz="2000" dirty="0">
@@ -7493,14 +7510,21 @@
                 <a:ea typeface="ヒラギノ角ゴ ProN W3" charset="0"/>
                 <a:cs typeface="ヒラギノ角ゴ ProN W3" charset="0"/>
               </a:rPr>
-              <a:t>You need to think and not just do as I say </a:t>
+              <a:t>You need to </a:t>
+            </a:r>
+            <a:r>
+              <a:rPr lang="en-US" sz="2000" b="1" i="1" dirty="0" smtClean="0">
+                <a:ea typeface="ヒラギノ角ゴ ProN W3" charset="0"/>
+                <a:cs typeface="ヒラギノ角ゴ ProN W3" charset="0"/>
+              </a:rPr>
+              <a:t>think</a:t>
             </a:r>
             <a:r>
               <a:rPr lang="en-US" sz="2000" i="1" dirty="0" smtClean="0">
                 <a:ea typeface="ヒラギノ角ゴ ProN W3" charset="0"/>
                 <a:cs typeface="ヒラギノ角ゴ ProN W3" charset="0"/>
               </a:rPr>
-              <a:t/>
+              <a:t> and not just do as I say </a:t>
             </a:r>
             <a:br>
               <a:rPr lang="en-US" sz="2000" i="1" dirty="0" smtClean="0">
@@ -7513,14 +7537,7 @@
                 <a:ea typeface="ヒラギノ角ゴ ProN W3" charset="0"/>
                 <a:cs typeface="ヒラギノ角ゴ ProN W3" charset="0"/>
               </a:rPr>
-              <a:t>to </a:t>
-            </a:r>
-            <a:r>
-              <a:rPr lang="en-US" sz="2000" i="1" dirty="0" smtClean="0">
-                <a:ea typeface="ヒラギノ角ゴ ProN W3" charset="0"/>
-                <a:cs typeface="ヒラギノ角ゴ ProN W3" charset="0"/>
-              </a:rPr>
-              <a:t>get the most out of them.</a:t>
+              <a:t>to get the most out of them.</a:t>
             </a:r>
           </a:p>
           <a:p>

--- a/presentation-source/00-intro.pptx
+++ b/presentation-source/00-intro.pptx
@@ -212,7 +212,7 @@
             <a:fld id="{7307762F-A706-E543-A832-3C298AA3103F}" type="datetimeFigureOut">
               <a:rPr lang="en-US" smtClean="0"/>
               <a:pPr/>
-              <a:t>18/12/17</a:t>
+              <a:t>08/01/18</a:t>
             </a:fld>
             <a:endParaRPr lang="en-US" dirty="0"/>
           </a:p>
@@ -786,7 +786,7 @@
             <a:fld id="{875CF0EB-321F-0749-B37A-89BBA859503C}" type="datetimeFigureOut">
               <a:rPr lang="en-US" smtClean="0"/>
               <a:pPr/>
-              <a:t>18/12/17</a:t>
+              <a:t>08/01/18</a:t>
             </a:fld>
             <a:endParaRPr lang="en-US" dirty="0"/>
           </a:p>
@@ -1010,7 +1010,7 @@
             <a:fld id="{875CF0EB-321F-0749-B37A-89BBA859503C}" type="datetimeFigureOut">
               <a:rPr lang="en-US" smtClean="0"/>
               <a:pPr/>
-              <a:t>18/12/17</a:t>
+              <a:t>08/01/18</a:t>
             </a:fld>
             <a:endParaRPr lang="en-US" dirty="0"/>
           </a:p>
@@ -1224,7 +1224,7 @@
             <a:fld id="{875CF0EB-321F-0749-B37A-89BBA859503C}" type="datetimeFigureOut">
               <a:rPr lang="en-US" smtClean="0"/>
               <a:pPr/>
-              <a:t>18/12/17</a:t>
+              <a:t>08/01/18</a:t>
             </a:fld>
             <a:endParaRPr lang="en-US" dirty="0"/>
           </a:p>
@@ -1514,7 +1514,7 @@
             <a:fld id="{875CF0EB-321F-0749-B37A-89BBA859503C}" type="datetimeFigureOut">
               <a:rPr lang="en-US" smtClean="0"/>
               <a:pPr/>
-              <a:t>18/12/17</a:t>
+              <a:t>08/01/18</a:t>
             </a:fld>
             <a:endParaRPr lang="en-US" dirty="0"/>
           </a:p>
@@ -1846,7 +1846,7 @@
             <a:fld id="{875CF0EB-321F-0749-B37A-89BBA859503C}" type="datetimeFigureOut">
               <a:rPr lang="en-US" smtClean="0"/>
               <a:pPr/>
-              <a:t>18/12/17</a:t>
+              <a:t>08/01/18</a:t>
             </a:fld>
             <a:endParaRPr lang="en-US" dirty="0"/>
           </a:p>
@@ -2312,7 +2312,7 @@
             <a:fld id="{875CF0EB-321F-0749-B37A-89BBA859503C}" type="datetimeFigureOut">
               <a:rPr lang="en-US" smtClean="0"/>
               <a:pPr/>
-              <a:t>18/12/17</a:t>
+              <a:t>08/01/18</a:t>
             </a:fld>
             <a:endParaRPr lang="en-US" dirty="0"/>
           </a:p>
@@ -2474,7 +2474,7 @@
             <a:fld id="{875CF0EB-321F-0749-B37A-89BBA859503C}" type="datetimeFigureOut">
               <a:rPr lang="en-US" smtClean="0"/>
               <a:pPr/>
-              <a:t>18/12/17</a:t>
+              <a:t>08/01/18</a:t>
             </a:fld>
             <a:endParaRPr lang="en-US" dirty="0"/>
           </a:p>
@@ -2613,7 +2613,7 @@
             <a:fld id="{875CF0EB-321F-0749-B37A-89BBA859503C}" type="datetimeFigureOut">
               <a:rPr lang="en-US" smtClean="0"/>
               <a:pPr/>
-              <a:t>18/12/17</a:t>
+              <a:t>08/01/18</a:t>
             </a:fld>
             <a:endParaRPr lang="en-US" dirty="0"/>
           </a:p>
@@ -2934,7 +2934,7 @@
             <a:fld id="{875CF0EB-321F-0749-B37A-89BBA859503C}" type="datetimeFigureOut">
               <a:rPr lang="en-US" smtClean="0"/>
               <a:pPr/>
-              <a:t>18/12/17</a:t>
+              <a:t>08/01/18</a:t>
             </a:fld>
             <a:endParaRPr lang="en-US" dirty="0"/>
           </a:p>
@@ -3231,7 +3231,7 @@
             <a:fld id="{875CF0EB-321F-0749-B37A-89BBA859503C}" type="datetimeFigureOut">
               <a:rPr lang="en-US" smtClean="0"/>
               <a:pPr/>
-              <a:t>18/12/17</a:t>
+              <a:t>08/01/18</a:t>
             </a:fld>
             <a:endParaRPr lang="en-US" dirty="0"/>
           </a:p>
@@ -4306,11 +4306,7 @@
           <a:p>
             <a:r>
               <a:rPr lang="en-US" dirty="0" smtClean="0"/>
-              <a:t>Mediation </a:t>
-            </a:r>
-            <a:r>
-              <a:rPr lang="en-US" dirty="0" smtClean="0"/>
-              <a:t>flows</a:t>
+              <a:t>Mediation flows</a:t>
             </a:r>
           </a:p>
           <a:p>
@@ -4357,6 +4353,13 @@
   <p:clrMapOvr>
     <a:masterClrMapping/>
   </p:clrMapOvr>
+  <p:timing>
+    <p:tnLst>
+      <p:par>
+        <p:cTn xmlns:p14="http://schemas.microsoft.com/office/powerpoint/2010/main" id="1" dur="indefinite" restart="never" nodeType="tmRoot"/>
+      </p:par>
+    </p:tnLst>
+  </p:timing>
 </p:sld>
 </file>
 
@@ -5940,13 +5943,7 @@
                         <a:rPr lang="en-US" sz="1700" baseline="0" dirty="0" smtClean="0">
                           <a:latin typeface="Montserrat"/>
                         </a:rPr>
-                        <a:t> and </a:t>
-                      </a:r>
-                      <a:r>
-                        <a:rPr lang="en-US" sz="1700" baseline="0" dirty="0" smtClean="0">
-                          <a:latin typeface="Montserrat"/>
-                        </a:rPr>
-                        <a:t>Mediation</a:t>
+                        <a:t> and Mediation</a:t>
                       </a:r>
                       <a:endParaRPr lang="en-US" sz="1700" dirty="0">
                         <a:latin typeface="Montserrat"/>
@@ -6539,6 +6536,13 @@
   <p:clrMapOvr>
     <a:masterClrMapping/>
   </p:clrMapOvr>
+  <p:timing>
+    <p:tnLst>
+      <p:par>
+        <p:cTn xmlns:p14="http://schemas.microsoft.com/office/powerpoint/2010/main" id="1" dur="indefinite" restart="never" nodeType="tmRoot"/>
+      </p:par>
+    </p:tnLst>
+  </p:timing>
 </p:sld>
 </file>
 
@@ -6762,14 +6766,7 @@
                 <a:ea typeface="ヒラギノ角ゴ ProN W3" charset="0"/>
                 <a:cs typeface="ヒラギノ角ゴ ProN W3" charset="0"/>
               </a:rPr>
-              <a:t>Mediation </a:t>
-            </a:r>
-            <a:r>
-              <a:rPr lang="en-US" sz="2400" dirty="0" smtClean="0">
-                <a:ea typeface="ヒラギノ角ゴ ProN W3" charset="0"/>
-                <a:cs typeface="ヒラギノ角ゴ ProN W3" charset="0"/>
-              </a:rPr>
-              <a:t>and BPMN flows</a:t>
+              <a:t>Mediation and BPMN flows</a:t>
             </a:r>
           </a:p>
           <a:p>
@@ -7391,19 +7388,8 @@
                 <a:ea typeface="ヒラギノ角ゴ ProN W3" charset="0"/>
                 <a:cs typeface="ヒラギノ角ゴ ProN W3" charset="0"/>
               </a:rPr>
-              <a:t> than </a:t>
-            </a:r>
-            <a:r>
-              <a:rPr lang="en-US" sz="2400" dirty="0" smtClean="0">
-                <a:ea typeface="ヒラギノ角ゴ ProN W3" charset="0"/>
-                <a:cs typeface="ヒラギノ角ゴ ProN W3" charset="0"/>
-              </a:rPr>
-              <a:t>is reasonable:</a:t>
-            </a:r>
-            <a:endParaRPr lang="en-US" sz="2400" dirty="0" smtClean="0">
-              <a:ea typeface="ヒラギノ角ゴ ProN W3" charset="0"/>
-              <a:cs typeface="ヒラギノ角ゴ ProN W3" charset="0"/>
-            </a:endParaRPr>
+              <a:t> than is reasonable:</a:t>
+            </a:r>
           </a:p>
           <a:p>
             <a:pPr lvl="1"/>
@@ -7644,6 +7630,13 @@
   <p:clrMapOvr>
     <a:masterClrMapping/>
   </p:clrMapOvr>
+  <p:timing>
+    <p:tnLst>
+      <p:par>
+        <p:cTn xmlns:p14="http://schemas.microsoft.com/office/powerpoint/2010/main" id="1" dur="indefinite" restart="never" nodeType="tmRoot"/>
+      </p:par>
+    </p:tnLst>
+  </p:timing>
 </p:sld>
 </file>
 

--- a/presentation-source/00-intro.pptx
+++ b/presentation-source/00-intro.pptx
@@ -212,7 +212,7 @@
             <a:fld id="{7307762F-A706-E543-A832-3C298AA3103F}" type="datetimeFigureOut">
               <a:rPr lang="en-US" smtClean="0"/>
               <a:pPr/>
-              <a:t>08/01/18</a:t>
+              <a:t>28/11/18</a:t>
             </a:fld>
             <a:endParaRPr lang="en-US" dirty="0"/>
           </a:p>
@@ -786,7 +786,7 @@
             <a:fld id="{875CF0EB-321F-0749-B37A-89BBA859503C}" type="datetimeFigureOut">
               <a:rPr lang="en-US" smtClean="0"/>
               <a:pPr/>
-              <a:t>08/01/18</a:t>
+              <a:t>28/11/18</a:t>
             </a:fld>
             <a:endParaRPr lang="en-US" dirty="0"/>
           </a:p>
@@ -1010,7 +1010,7 @@
             <a:fld id="{875CF0EB-321F-0749-B37A-89BBA859503C}" type="datetimeFigureOut">
               <a:rPr lang="en-US" smtClean="0"/>
               <a:pPr/>
-              <a:t>08/01/18</a:t>
+              <a:t>28/11/18</a:t>
             </a:fld>
             <a:endParaRPr lang="en-US" dirty="0"/>
           </a:p>
@@ -1224,7 +1224,7 @@
             <a:fld id="{875CF0EB-321F-0749-B37A-89BBA859503C}" type="datetimeFigureOut">
               <a:rPr lang="en-US" smtClean="0"/>
               <a:pPr/>
-              <a:t>08/01/18</a:t>
+              <a:t>28/11/18</a:t>
             </a:fld>
             <a:endParaRPr lang="en-US" dirty="0"/>
           </a:p>
@@ -1514,7 +1514,7 @@
             <a:fld id="{875CF0EB-321F-0749-B37A-89BBA859503C}" type="datetimeFigureOut">
               <a:rPr lang="en-US" smtClean="0"/>
               <a:pPr/>
-              <a:t>08/01/18</a:t>
+              <a:t>28/11/18</a:t>
             </a:fld>
             <a:endParaRPr lang="en-US" dirty="0"/>
           </a:p>
@@ -1846,7 +1846,7 @@
             <a:fld id="{875CF0EB-321F-0749-B37A-89BBA859503C}" type="datetimeFigureOut">
               <a:rPr lang="en-US" smtClean="0"/>
               <a:pPr/>
-              <a:t>08/01/18</a:t>
+              <a:t>28/11/18</a:t>
             </a:fld>
             <a:endParaRPr lang="en-US" dirty="0"/>
           </a:p>
@@ -2312,7 +2312,7 @@
             <a:fld id="{875CF0EB-321F-0749-B37A-89BBA859503C}" type="datetimeFigureOut">
               <a:rPr lang="en-US" smtClean="0"/>
               <a:pPr/>
-              <a:t>08/01/18</a:t>
+              <a:t>28/11/18</a:t>
             </a:fld>
             <a:endParaRPr lang="en-US" dirty="0"/>
           </a:p>
@@ -2474,7 +2474,7 @@
             <a:fld id="{875CF0EB-321F-0749-B37A-89BBA859503C}" type="datetimeFigureOut">
               <a:rPr lang="en-US" smtClean="0"/>
               <a:pPr/>
-              <a:t>08/01/18</a:t>
+              <a:t>28/11/18</a:t>
             </a:fld>
             <a:endParaRPr lang="en-US" dirty="0"/>
           </a:p>
@@ -2613,7 +2613,7 @@
             <a:fld id="{875CF0EB-321F-0749-B37A-89BBA859503C}" type="datetimeFigureOut">
               <a:rPr lang="en-US" smtClean="0"/>
               <a:pPr/>
-              <a:t>08/01/18</a:t>
+              <a:t>28/11/18</a:t>
             </a:fld>
             <a:endParaRPr lang="en-US" dirty="0"/>
           </a:p>
@@ -2934,7 +2934,7 @@
             <a:fld id="{875CF0EB-321F-0749-B37A-89BBA859503C}" type="datetimeFigureOut">
               <a:rPr lang="en-US" smtClean="0"/>
               <a:pPr/>
-              <a:t>08/01/18</a:t>
+              <a:t>28/11/18</a:t>
             </a:fld>
             <a:endParaRPr lang="en-US" dirty="0"/>
           </a:p>
@@ -3231,7 +3231,7 @@
             <a:fld id="{875CF0EB-321F-0749-B37A-89BBA859503C}" type="datetimeFigureOut">
               <a:rPr lang="en-US" smtClean="0"/>
               <a:pPr/>
-              <a:t>08/01/18</a:t>
+              <a:t>28/11/18</a:t>
             </a:fld>
             <a:endParaRPr lang="en-US" dirty="0"/>
           </a:p>
@@ -4160,7 +4160,14 @@
                 <a:ea typeface="ヒラギノ角ゴ ProN W3" charset="0"/>
                 <a:cs typeface="ヒラギノ角ゴ ProN W3" charset="0"/>
               </a:rPr>
-              <a:t>January 2018</a:t>
+              <a:t>December </a:t>
+            </a:r>
+            <a:r>
+              <a:rPr lang="en-US" dirty="0" smtClean="0">
+                <a:ea typeface="ヒラギノ角ゴ ProN W3" charset="0"/>
+                <a:cs typeface="ヒラギノ角ゴ ProN W3" charset="0"/>
+              </a:rPr>
+              <a:t>2018</a:t>
             </a:r>
             <a:endParaRPr lang="en-US" dirty="0">
               <a:ea typeface="ヒラギノ角ゴ ProN W3" charset="0"/>
@@ -4262,13 +4269,11 @@
           <a:p>
             <a:r>
               <a:rPr lang="en-US" dirty="0" smtClean="0"/>
-              <a:t>SOAP server and client</a:t>
-            </a:r>
-          </a:p>
-          <a:p>
+              <a:t>HTTP </a:t>
+            </a:r>
             <a:r>
               <a:rPr lang="en-US" dirty="0" smtClean="0"/>
-              <a:t>HTTP service in Java</a:t>
+              <a:t>service in Java</a:t>
             </a:r>
           </a:p>
           <a:p>
@@ -4292,22 +4297,30 @@
             </a:r>
             <a:r>
               <a:rPr lang="en-US" dirty="0" smtClean="0"/>
-              <a:t> and </a:t>
-            </a:r>
-            <a:r>
-              <a:rPr lang="en-US" dirty="0" err="1" smtClean="0"/>
-              <a:t>Docker</a:t>
+              <a:t> and Docker </a:t>
             </a:r>
             <a:r>
               <a:rPr lang="en-US" dirty="0" smtClean="0"/>
-              <a:t> deployment</a:t>
+              <a:t>deployment</a:t>
             </a:r>
           </a:p>
           <a:p>
             <a:r>
               <a:rPr lang="en-US" dirty="0" smtClean="0"/>
-              <a:t>Mediation flows</a:t>
-            </a:r>
+              <a:t>SOAP interaction</a:t>
+            </a:r>
+            <a:endParaRPr lang="en-US" dirty="0" smtClean="0"/>
+          </a:p>
+          <a:p>
+            <a:r>
+              <a:rPr lang="en-US" dirty="0" smtClean="0"/>
+              <a:t>Mediation </a:t>
+            </a:r>
+            <a:r>
+              <a:rPr lang="en-US" dirty="0" smtClean="0"/>
+              <a:t>flow with SOAP</a:t>
+            </a:r>
+            <a:endParaRPr lang="en-US" dirty="0" smtClean="0"/>
           </a:p>
           <a:p>
             <a:r>
@@ -5198,8 +5211,12 @@
                 <a:ea typeface="ヒラギノ角ゴ ProN W3" charset="0"/>
                 <a:cs typeface="ヒラギノ角ゴ ProN W3" charset="0"/>
               </a:rPr>
-              <a:t>Computation</a:t>
-            </a:r>
+              <a:t>Computation (here)</a:t>
+            </a:r>
+            <a:endParaRPr lang="en-US" sz="2000" dirty="0" smtClean="0">
+              <a:ea typeface="ヒラギノ角ゴ ProN W3" charset="0"/>
+              <a:cs typeface="ヒラギノ角ゴ ProN W3" charset="0"/>
+            </a:endParaRPr>
           </a:p>
           <a:p>
             <a:pPr eaLnBrk="1" hangingPunct="1"/>
@@ -5208,14 +5225,50 @@
                 <a:ea typeface="ヒラギノ角ゴ ProN W3" charset="0"/>
                 <a:cs typeface="ヒラギノ角ゴ ProN W3" charset="0"/>
               </a:rPr>
-              <a:t>PhD in Computing</a:t>
-            </a:r>
-            <a:br>
+              <a:t>PhD in </a:t>
+            </a:r>
+            <a:r>
               <a:rPr lang="en-US" sz="2000" dirty="0" smtClean="0">
                 <a:ea typeface="ヒラギノ角ゴ ProN W3" charset="0"/>
                 <a:cs typeface="ヒラギノ角ゴ ProN W3" charset="0"/>
               </a:rPr>
-            </a:br>
+              <a:t>Computing</a:t>
+            </a:r>
+            <a:r>
+              <a:rPr lang="en-US" sz="2000" dirty="0">
+                <a:ea typeface="ヒラギノ角ゴ ProN W3" charset="0"/>
+                <a:cs typeface="ヒラギノ角ゴ ProN W3" charset="0"/>
+              </a:rPr>
+              <a:t> </a:t>
+            </a:r>
+            <a:r>
+              <a:rPr lang="mr-IN" sz="2000" dirty="0" smtClean="0">
+                <a:ea typeface="ヒラギノ角ゴ ProN W3" charset="0"/>
+                <a:cs typeface="ヒラギノ角ゴ ProN W3" charset="0"/>
+              </a:rPr>
+              <a:t>–</a:t>
+            </a:r>
+            <a:r>
+              <a:rPr lang="en-US" sz="2000" dirty="0" smtClean="0">
+                <a:ea typeface="ヒラギノ角ゴ ProN W3" charset="0"/>
+                <a:cs typeface="ヒラギノ角ゴ ProN W3" charset="0"/>
+              </a:rPr>
+              <a:t> </a:t>
+            </a:r>
+            <a:r>
+              <a:rPr lang="en-US" sz="2000" dirty="0" err="1" smtClean="0">
+                <a:ea typeface="ヒラギノ角ゴ ProN W3" charset="0"/>
+                <a:cs typeface="ヒラギノ角ゴ ProN W3" charset="0"/>
+              </a:rPr>
+              <a:t>IoT</a:t>
+            </a:r>
+            <a:r>
+              <a:rPr lang="en-US" sz="2000" dirty="0" smtClean="0">
+                <a:ea typeface="ヒラギノ角ゴ ProN W3" charset="0"/>
+                <a:cs typeface="ヒラギノ角ゴ ProN W3" charset="0"/>
+              </a:rPr>
+              <a:t> privacy and security</a:t>
+            </a:r>
             <a:endParaRPr lang="en-US" sz="2000" dirty="0" smtClean="0">
               <a:ea typeface="ヒラギノ角ゴ ProN W3" charset="0"/>
               <a:cs typeface="ヒラギノ角ゴ ProN W3" charset="0"/>
@@ -5443,14 +5496,14 @@
             <p:ph idx="1"/>
             <p:extLst>
               <p:ext uri="{D42A27DB-BD31-4B8C-83A1-F6EECF244321}">
-                <p14:modId xmlns:p14="http://schemas.microsoft.com/office/powerpoint/2010/main" val="1463685235"/>
+                <p14:modId xmlns:p14="http://schemas.microsoft.com/office/powerpoint/2010/main" val="3725391896"/>
               </p:ext>
             </p:extLst>
           </p:nvPr>
         </p:nvGraphicFramePr>
         <p:xfrm>
-          <a:off x="457646" y="1172857"/>
-          <a:ext cx="8063510" cy="4208052"/>
+          <a:off x="457646" y="1451677"/>
+          <a:ext cx="8063510" cy="4169895"/>
         </p:xfrm>
         <a:graphic>
           <a:graphicData uri="http://schemas.openxmlformats.org/drawingml/2006/table">
@@ -5460,8 +5513,8 @@
               </a:tblPr>
               <a:tblGrid>
                 <a:gridCol w="1612702"/>
-                <a:gridCol w="1612702"/>
-                <a:gridCol w="1612702"/>
+                <a:gridCol w="1662371"/>
+                <a:gridCol w="1563033"/>
                 <a:gridCol w="1612702"/>
                 <a:gridCol w="1612702"/>
               </a:tblGrid>
@@ -5590,7 +5643,21 @@
                         <a:rPr lang="en-US" sz="1700" dirty="0" smtClean="0">
                           <a:latin typeface="Montserrat"/>
                         </a:rPr>
-                        <a:t>REST introduction</a:t>
+                        <a:t>Evolving</a:t>
+                      </a:r>
+                      <a:r>
+                        <a:rPr lang="en-US" sz="1700" baseline="0" dirty="0" smtClean="0">
+                          <a:latin typeface="Montserrat"/>
+                        </a:rPr>
+                        <a:t> REST</a:t>
+                      </a:r>
+                    </a:p>
+                    <a:p>
+                      <a:r>
+                        <a:rPr lang="en-US" sz="1700" baseline="0" dirty="0" err="1" smtClean="0">
+                          <a:latin typeface="Montserrat"/>
+                        </a:rPr>
+                        <a:t>practicals</a:t>
                       </a:r>
                       <a:endParaRPr lang="en-US" sz="1700" dirty="0">
                         <a:latin typeface="Montserrat"/>
@@ -5604,13 +5671,39 @@
                     <a:bodyPr/>
                     <a:lstStyle/>
                     <a:p>
+                      <a:pPr marL="0" marR="0" indent="0" algn="l" defTabSz="457200" rtl="0" eaLnBrk="1" fontAlgn="auto" latinLnBrk="0" hangingPunct="1">
+                        <a:lnSpc>
+                          <a:spcPct val="100000"/>
+                        </a:lnSpc>
+                        <a:spcBef>
+                          <a:spcPts val="0"/>
+                        </a:spcBef>
+                        <a:spcAft>
+                          <a:spcPts val="0"/>
+                        </a:spcAft>
+                        <a:buClrTx/>
+                        <a:buSzTx/>
+                        <a:buFontTx/>
+                        <a:buNone/>
+                        <a:tabLst/>
+                        <a:defRPr/>
+                      </a:pPr>
                       <a:r>
-                        <a:rPr lang="en-US" sz="1700" dirty="0" err="1" smtClean="0">
+                        <a:rPr lang="en-US" sz="1600" dirty="0" smtClean="0">
                           <a:latin typeface="Montserrat"/>
                         </a:rPr>
-                        <a:t>Microservices</a:t>
+                        <a:t>Docker and </a:t>
                       </a:r>
-                      <a:endParaRPr lang="en-US" sz="1700" dirty="0">
+                      <a:r>
+                        <a:rPr lang="en-US" sz="1600" dirty="0" err="1" smtClean="0">
+                          <a:latin typeface="Montserrat"/>
+                        </a:rPr>
+                        <a:t>DevOps</a:t>
+                      </a:r>
+                      <a:endParaRPr lang="en-US" sz="1600" dirty="0" smtClean="0"/>
+                    </a:p>
+                    <a:p>
+                      <a:endParaRPr lang="en-US" sz="1700" dirty="0" smtClean="0">
                         <a:latin typeface="Montserrat"/>
                       </a:endParaRPr>
                     </a:p>
@@ -5622,13 +5715,41 @@
                     <a:bodyPr/>
                     <a:lstStyle/>
                     <a:p>
+                      <a:pPr marL="0" marR="0" indent="0" algn="l" defTabSz="457200" rtl="0" eaLnBrk="1" fontAlgn="auto" latinLnBrk="0" hangingPunct="1">
+                        <a:lnSpc>
+                          <a:spcPct val="100000"/>
+                        </a:lnSpc>
+                        <a:spcBef>
+                          <a:spcPts val="0"/>
+                        </a:spcBef>
+                        <a:spcAft>
+                          <a:spcPts val="0"/>
+                        </a:spcAft>
+                        <a:buClrTx/>
+                        <a:buSzTx/>
+                        <a:buFontTx/>
+                        <a:buNone/>
+                        <a:tabLst/>
+                        <a:defRPr/>
+                      </a:pPr>
                       <a:r>
                         <a:rPr lang="en-US" sz="1700" dirty="0" smtClean="0">
                           <a:latin typeface="Montserrat"/>
                         </a:rPr>
-                        <a:t>Security</a:t>
+                        <a:t>API Manage-</a:t>
                       </a:r>
-                      <a:endParaRPr lang="en-US" sz="1700" dirty="0">
+                      <a:r>
+                        <a:rPr lang="en-US" sz="1700" dirty="0" err="1" smtClean="0">
+                          <a:latin typeface="Montserrat"/>
+                        </a:rPr>
+                        <a:t>ment</a:t>
+                      </a:r>
+                      <a:endParaRPr lang="en-US" sz="1700" dirty="0" smtClean="0">
+                        <a:latin typeface="Montserrat"/>
+                      </a:endParaRPr>
+                    </a:p>
+                    <a:p>
+                      <a:endParaRPr lang="en-US" sz="1700" dirty="0" smtClean="0">
                         <a:latin typeface="Montserrat"/>
                       </a:endParaRPr>
                     </a:p>
@@ -5670,8 +5791,16 @@
                         <a:rPr lang="en-US" sz="1700" baseline="0" dirty="0" smtClean="0">
                           <a:latin typeface="Montserrat"/>
                         </a:rPr>
-                        <a:t> Studies and motivation</a:t>
+                        <a:t> Studies and </a:t>
                       </a:r>
+                      <a:r>
+                        <a:rPr lang="en-US" sz="1700" baseline="0" dirty="0" smtClean="0">
+                          <a:latin typeface="Montserrat"/>
+                        </a:rPr>
+                        <a:t>motivation</a:t>
+                      </a:r>
+                    </a:p>
+                    <a:p>
                       <a:endParaRPr lang="en-US" sz="1700" dirty="0">
                         <a:latin typeface="Montserrat"/>
                       </a:endParaRPr>
@@ -5688,13 +5817,26 @@
                         <a:rPr lang="en-US" sz="1700" dirty="0" smtClean="0">
                           <a:latin typeface="Montserrat"/>
                         </a:rPr>
-                        <a:t>REST example</a:t>
+                        <a:t>REST Description</a:t>
+                      </a:r>
+                    </a:p>
+                    <a:p>
+                      <a:endParaRPr lang="en-US" sz="1700" dirty="0" smtClean="0">
+                        <a:latin typeface="Montserrat"/>
+                      </a:endParaRPr>
+                    </a:p>
+                    <a:p>
+                      <a:r>
+                        <a:rPr lang="en-US" sz="1700" dirty="0" smtClean="0">
+                          <a:latin typeface="Montserrat"/>
+                        </a:rPr>
+                        <a:t>Advanced </a:t>
                       </a:r>
                       <a:r>
-                        <a:rPr lang="en-US" sz="1700" baseline="0" dirty="0" smtClean="0">
+                        <a:rPr lang="en-US" sz="1700" dirty="0" smtClean="0">
                           <a:latin typeface="Montserrat"/>
                         </a:rPr>
-                        <a:t> flow</a:t>
+                        <a:t>REST</a:t>
                       </a:r>
                       <a:endParaRPr lang="en-US" sz="1700" dirty="0">
                         <a:latin typeface="Montserrat"/>
@@ -5712,15 +5854,49 @@
                         <a:rPr lang="en-US" sz="1700" dirty="0" err="1" smtClean="0">
                           <a:latin typeface="Montserrat"/>
                         </a:rPr>
-                        <a:t>Docker</a:t>
+                        <a:t>Async</a:t>
                       </a:r>
                       <a:r>
                         <a:rPr lang="en-US" sz="1700" dirty="0" smtClean="0">
                           <a:latin typeface="Montserrat"/>
                         </a:rPr>
-                        <a:t> Introduction</a:t>
+                        <a:t> and Events</a:t>
                       </a:r>
-                      <a:endParaRPr lang="en-US" sz="1700" dirty="0">
+                    </a:p>
+                  </a:txBody>
+                  <a:tcPr marL="64294" marR="64294" marT="32147" marB="32147"/>
+                </a:tc>
+                <a:tc>
+                  <a:txBody>
+                    <a:bodyPr/>
+                    <a:lstStyle/>
+                    <a:p>
+                      <a:pPr marL="0" marR="0" indent="0" algn="l" defTabSz="457200" rtl="0" eaLnBrk="1" fontAlgn="auto" latinLnBrk="0" hangingPunct="1">
+                        <a:lnSpc>
+                          <a:spcPct val="100000"/>
+                        </a:lnSpc>
+                        <a:spcBef>
+                          <a:spcPts val="0"/>
+                        </a:spcBef>
+                        <a:spcAft>
+                          <a:spcPts val="0"/>
+                        </a:spcAft>
+                        <a:buClrTx/>
+                        <a:buSzTx/>
+                        <a:buFontTx/>
+                        <a:buNone/>
+                        <a:tabLst/>
+                        <a:defRPr/>
+                      </a:pPr>
+                      <a:r>
+                        <a:rPr lang="en-US" sz="1700" dirty="0" smtClean="0">
+                          <a:latin typeface="Montserrat"/>
+                        </a:rPr>
+                        <a:t>Integration</a:t>
+                      </a:r>
+                    </a:p>
+                    <a:p>
+                      <a:endParaRPr lang="en-US" sz="1700" dirty="0" smtClean="0">
                         <a:latin typeface="Montserrat"/>
                       </a:endParaRPr>
                     </a:p>
@@ -5736,9 +5912,85 @@
                         <a:rPr lang="en-US" sz="1700" dirty="0" smtClean="0">
                           <a:latin typeface="Montserrat"/>
                         </a:rPr>
-                        <a:t>Governance</a:t>
+                        <a:t>Conclusions</a:t>
                       </a:r>
                       <a:endParaRPr lang="en-US" sz="1700" dirty="0">
+                        <a:latin typeface="Montserrat"/>
+                      </a:endParaRPr>
+                    </a:p>
+                  </a:txBody>
+                  <a:tcPr marL="64294" marR="64294" marT="32147" marB="32147"/>
+                </a:tc>
+              </a:tr>
+              <a:tr h="799577">
+                <a:tc>
+                  <a:txBody>
+                    <a:bodyPr/>
+                    <a:lstStyle/>
+                    <a:p>
+                      <a:r>
+                        <a:rPr lang="en-US" sz="1700" dirty="0" smtClean="0">
+                          <a:latin typeface="Montserrat"/>
+                        </a:rPr>
+                        <a:t>REST Introduction</a:t>
+                      </a:r>
+                      <a:endParaRPr lang="en-US" sz="1700" dirty="0">
+                        <a:latin typeface="Montserrat"/>
+                      </a:endParaRPr>
+                    </a:p>
+                  </a:txBody>
+                  <a:tcPr marL="64294" marR="64294" marT="32147" marB="32147"/>
+                </a:tc>
+                <a:tc>
+                  <a:txBody>
+                    <a:bodyPr/>
+                    <a:lstStyle/>
+                    <a:p>
+                      <a:r>
+                        <a:rPr lang="en-US" sz="1800" dirty="0" smtClean="0">
+                          <a:latin typeface="Montserrat"/>
+                        </a:rPr>
+                        <a:t>SOAP and XML</a:t>
+                      </a:r>
+                    </a:p>
+                  </a:txBody>
+                  <a:tcPr marL="64294" marR="64294" marT="32147" marB="32147"/>
+                </a:tc>
+                <a:tc>
+                  <a:txBody>
+                    <a:bodyPr/>
+                    <a:lstStyle/>
+                    <a:p>
+                      <a:pPr marL="0" marR="0" indent="0" algn="l" defTabSz="457200" rtl="0" eaLnBrk="1" fontAlgn="auto" latinLnBrk="0" hangingPunct="1">
+                        <a:lnSpc>
+                          <a:spcPct val="100000"/>
+                        </a:lnSpc>
+                        <a:spcBef>
+                          <a:spcPts val="0"/>
+                        </a:spcBef>
+                        <a:spcAft>
+                          <a:spcPts val="0"/>
+                        </a:spcAft>
+                        <a:buClrTx/>
+                        <a:buSzTx/>
+                        <a:buFontTx/>
+                        <a:buNone/>
+                        <a:tabLst/>
+                        <a:defRPr/>
+                      </a:pPr>
+                      <a:r>
+                        <a:rPr lang="en-US" sz="1700" dirty="0" smtClean="0">
+                          <a:latin typeface="Montserrat"/>
+                        </a:rPr>
+                        <a:t>Binary / </a:t>
+                      </a:r>
+                      <a:r>
+                        <a:rPr lang="en-US" sz="1700" dirty="0" err="1" smtClean="0">
+                          <a:latin typeface="Montserrat"/>
+                        </a:rPr>
+                        <a:t>gRPC</a:t>
+                      </a:r>
+                      <a:endParaRPr lang="en-US" sz="1700" dirty="0" smtClean="0">
                         <a:latin typeface="Montserrat"/>
                       </a:endParaRPr>
                     </a:p>
@@ -5754,122 +6006,7 @@
                         <a:rPr lang="en-US" sz="1700" dirty="0" smtClean="0">
                           <a:latin typeface="Montserrat"/>
                         </a:rPr>
-                        <a:t>History and futures</a:t>
-                      </a:r>
-                    </a:p>
-                    <a:p>
-                      <a:endParaRPr lang="en-US" sz="1700" dirty="0" smtClean="0">
-                        <a:latin typeface="Montserrat"/>
-                      </a:endParaRPr>
-                    </a:p>
-                    <a:p>
-                      <a:r>
-                        <a:rPr lang="en-US" sz="1700" dirty="0" smtClean="0">
-                          <a:latin typeface="Montserrat"/>
-                        </a:rPr>
-                        <a:t>Conclusions</a:t>
-                      </a:r>
-                      <a:endParaRPr lang="en-US" sz="1700" dirty="0">
-                        <a:latin typeface="Montserrat"/>
-                      </a:endParaRPr>
-                    </a:p>
-                  </a:txBody>
-                  <a:tcPr marL="64294" marR="64294" marT="32147" marB="32147"/>
-                </a:tc>
-              </a:tr>
-              <a:tr h="1350179">
-                <a:tc>
-                  <a:txBody>
-                    <a:bodyPr/>
-                    <a:lstStyle/>
-                    <a:p>
-                      <a:r>
-                        <a:rPr lang="en-US" sz="1700" dirty="0" smtClean="0">
-                          <a:latin typeface="Montserrat"/>
-                        </a:rPr>
-                        <a:t>SOAP and WSDL</a:t>
-                      </a:r>
-                      <a:endParaRPr lang="en-US" sz="1700" dirty="0">
-                        <a:latin typeface="Montserrat"/>
-                      </a:endParaRPr>
-                    </a:p>
-                  </a:txBody>
-                  <a:tcPr marL="64294" marR="64294" marT="32147" marB="32147"/>
-                </a:tc>
-                <a:tc>
-                  <a:txBody>
-                    <a:bodyPr/>
-                    <a:lstStyle/>
-                    <a:p>
-                      <a:r>
-                        <a:rPr lang="en-US" sz="1700" dirty="0" smtClean="0">
-                          <a:latin typeface="Montserrat"/>
-                        </a:rPr>
-                        <a:t>Evolving</a:t>
-                      </a:r>
-                      <a:r>
-                        <a:rPr lang="en-US" sz="1700" baseline="0" dirty="0" smtClean="0">
-                          <a:latin typeface="Montserrat"/>
-                        </a:rPr>
-                        <a:t> REST</a:t>
-                      </a:r>
-                    </a:p>
-                    <a:p>
-                      <a:r>
-                        <a:rPr lang="en-US" sz="1700" baseline="0" dirty="0" err="1" smtClean="0">
-                          <a:latin typeface="Montserrat"/>
-                        </a:rPr>
-                        <a:t>practicals</a:t>
-                      </a:r>
-                      <a:endParaRPr lang="en-US" sz="1700" dirty="0">
-                        <a:latin typeface="Montserrat"/>
-                      </a:endParaRPr>
-                    </a:p>
-                  </a:txBody>
-                  <a:tcPr marL="64294" marR="64294" marT="32147" marB="32147"/>
-                </a:tc>
-                <a:tc>
-                  <a:txBody>
-                    <a:bodyPr/>
-                    <a:lstStyle/>
-                    <a:p>
-                      <a:r>
-                        <a:rPr lang="en-US" sz="1700" dirty="0" err="1" smtClean="0">
-                          <a:latin typeface="Montserrat"/>
-                        </a:rPr>
-                        <a:t>DevOps</a:t>
-                      </a:r>
-                      <a:r>
-                        <a:rPr lang="en-US" sz="1700" dirty="0" smtClean="0">
-                          <a:latin typeface="Montserrat"/>
-                        </a:rPr>
-                        <a:t>, deployment,</a:t>
-                      </a:r>
-                    </a:p>
-                    <a:p>
-                      <a:r>
-                        <a:rPr lang="en-US" sz="1700" dirty="0" smtClean="0">
-                          <a:latin typeface="Montserrat"/>
-                        </a:rPr>
-                        <a:t>management</a:t>
-                      </a:r>
-                      <a:endParaRPr lang="en-US" sz="1700" dirty="0">
-                        <a:latin typeface="Montserrat"/>
-                      </a:endParaRPr>
-                    </a:p>
-                  </a:txBody>
-                  <a:tcPr marL="64294" marR="64294" marT="32147" marB="32147"/>
-                </a:tc>
-                <a:tc>
-                  <a:txBody>
-                    <a:bodyPr/>
-                    <a:lstStyle/>
-                    <a:p>
-                      <a:r>
-                        <a:rPr lang="en-US" sz="1700" dirty="0" smtClean="0">
-                          <a:latin typeface="Montserrat"/>
-                        </a:rPr>
-                        <a:t>API Management</a:t>
+                        <a:t>Composition</a:t>
                       </a:r>
                       <a:endParaRPr lang="en-US" sz="1700" dirty="0">
                         <a:latin typeface="Montserrat"/>
@@ -5901,9 +6038,62 @@
                         <a:rPr lang="en-US" sz="1700" dirty="0" smtClean="0">
                           <a:latin typeface="Montserrat"/>
                         </a:rPr>
-                        <a:t>SOAP Implementation </a:t>
+                        <a:t>REST example flow</a:t>
                       </a:r>
                       <a:endParaRPr lang="en-US" sz="1700" dirty="0">
+                        <a:latin typeface="Montserrat"/>
+                      </a:endParaRPr>
+                    </a:p>
+                  </a:txBody>
+                  <a:tcPr marL="64294" marR="64294" marT="32147" marB="32147"/>
+                </a:tc>
+                <a:tc>
+                  <a:txBody>
+                    <a:bodyPr/>
+                    <a:lstStyle/>
+                    <a:p>
+                      <a:r>
+                        <a:rPr lang="en-US" sz="1800" dirty="0" smtClean="0">
+                          <a:latin typeface="Montserrat"/>
+                        </a:rPr>
+                        <a:t>Microservices </a:t>
+                      </a:r>
+                      <a:endParaRPr lang="en-US" dirty="0"/>
+                    </a:p>
+                  </a:txBody>
+                  <a:tcPr marL="64294" marR="64294" marT="32147" marB="32147"/>
+                </a:tc>
+                <a:tc>
+                  <a:txBody>
+                    <a:bodyPr/>
+                    <a:lstStyle/>
+                    <a:p>
+                      <a:pPr marL="0" marR="0" indent="0" algn="l" defTabSz="457200" rtl="0" eaLnBrk="1" fontAlgn="auto" latinLnBrk="0" hangingPunct="1">
+                        <a:lnSpc>
+                          <a:spcPct val="100000"/>
+                        </a:lnSpc>
+                        <a:spcBef>
+                          <a:spcPts val="0"/>
+                        </a:spcBef>
+                        <a:spcAft>
+                          <a:spcPts val="0"/>
+                        </a:spcAft>
+                        <a:buClrTx/>
+                        <a:buSzTx/>
+                        <a:buFontTx/>
+                        <a:buNone/>
+                        <a:tabLst/>
+                        <a:defRPr/>
+                      </a:pPr>
+                      <a:r>
+                        <a:rPr lang="en-US" sz="1700" dirty="0" smtClean="0">
+                          <a:latin typeface="Montserrat"/>
+                        </a:rPr>
+                        <a:t>Security</a:t>
+                      </a:r>
+                    </a:p>
+                    <a:p>
+                      <a:endParaRPr lang="en-US" sz="1700" dirty="0" smtClean="0">
                         <a:latin typeface="Montserrat"/>
                       </a:endParaRPr>
                     </a:p>
@@ -5919,49 +6109,7 @@
                         <a:rPr lang="en-US" sz="1700" dirty="0" smtClean="0">
                           <a:latin typeface="Montserrat"/>
                         </a:rPr>
-                        <a:t>Advanced REST</a:t>
-                      </a:r>
-                      <a:endParaRPr lang="en-US" sz="1700" dirty="0">
-                        <a:latin typeface="Montserrat"/>
-                      </a:endParaRPr>
-                    </a:p>
-                  </a:txBody>
-                  <a:tcPr marL="64294" marR="64294" marT="32147" marB="32147"/>
-                </a:tc>
-                <a:tc>
-                  <a:txBody>
-                    <a:bodyPr/>
-                    <a:lstStyle/>
-                    <a:p>
-                      <a:r>
-                        <a:rPr lang="en-US" sz="1700" dirty="0" smtClean="0">
-                          <a:latin typeface="Montserrat"/>
-                        </a:rPr>
-                        <a:t>Integration</a:t>
-                      </a:r>
-                      <a:r>
-                        <a:rPr lang="en-US" sz="1700" baseline="0" dirty="0" smtClean="0">
-                          <a:latin typeface="Montserrat"/>
-                        </a:rPr>
-                        <a:t> and Mediation</a:t>
-                      </a:r>
-                      <a:endParaRPr lang="en-US" sz="1700" dirty="0">
-                        <a:latin typeface="Montserrat"/>
-                      </a:endParaRPr>
-                    </a:p>
-                  </a:txBody>
-                  <a:tcPr marL="64294" marR="64294" marT="32147" marB="32147"/>
-                </a:tc>
-                <a:tc>
-                  <a:txBody>
-                    <a:bodyPr/>
-                    <a:lstStyle/>
-                    <a:p>
-                      <a:r>
-                        <a:rPr lang="en-US" sz="1700" dirty="0" smtClean="0">
-                          <a:latin typeface="Montserrat"/>
-                        </a:rPr>
-                        <a:t>Composition</a:t>
+                        <a:t>Governance and Org</a:t>
                       </a:r>
                       <a:endParaRPr lang="en-US" sz="1700" dirty="0">
                         <a:latin typeface="Montserrat"/>
@@ -6665,7 +6813,7 @@
           <a:p>
             <a:pPr eaLnBrk="1" hangingPunct="1"/>
             <a:r>
-              <a:rPr lang="en-US" sz="2400" dirty="0" smtClean="0">
+              <a:rPr lang="en-US" sz="2000" dirty="0" smtClean="0">
                 <a:ea typeface="ヒラギノ角ゴ ProN W3" charset="0"/>
                 <a:cs typeface="ヒラギノ角ゴ ProN W3" charset="0"/>
               </a:rPr>
@@ -6675,7 +6823,7 @@
           <a:p>
             <a:pPr lvl="1"/>
             <a:r>
-              <a:rPr lang="en-US" sz="2400" dirty="0" smtClean="0">
+              <a:rPr lang="en-US" sz="2000" dirty="0" smtClean="0">
                 <a:ea typeface="ヒラギノ角ゴ ProN W3" charset="0"/>
                 <a:cs typeface="ヒラギノ角ゴ ProN W3" charset="0"/>
               </a:rPr>
@@ -6685,21 +6833,21 @@
           <a:p>
             <a:pPr lvl="1"/>
             <a:r>
-              <a:rPr lang="en-US" sz="2400" dirty="0" smtClean="0">
+              <a:rPr lang="en-US" sz="2000" dirty="0" smtClean="0">
                 <a:ea typeface="ヒラギノ角ゴ ProN W3" charset="0"/>
                 <a:cs typeface="ヒラギノ角ゴ ProN W3" charset="0"/>
               </a:rPr>
               <a:t>Services, </a:t>
             </a:r>
             <a:r>
-              <a:rPr lang="en-US" sz="2400" dirty="0" err="1" smtClean="0">
+              <a:rPr lang="en-US" sz="2000" dirty="0" err="1" smtClean="0">
                 <a:ea typeface="ヒラギノ角ゴ ProN W3" charset="0"/>
                 <a:cs typeface="ヒラギノ角ゴ ProN W3" charset="0"/>
               </a:rPr>
               <a:t>Microservices</a:t>
             </a:r>
             <a:r>
-              <a:rPr lang="en-US" sz="2400" dirty="0" smtClean="0">
+              <a:rPr lang="en-US" sz="2000" dirty="0" smtClean="0">
                 <a:ea typeface="ヒラギノ角ゴ ProN W3" charset="0"/>
                 <a:cs typeface="ヒラギノ角ゴ ProN W3" charset="0"/>
               </a:rPr>
@@ -6709,7 +6857,7 @@
           <a:p>
             <a:pPr lvl="1"/>
             <a:r>
-              <a:rPr lang="en-US" sz="2400" dirty="0" smtClean="0">
+              <a:rPr lang="en-US" sz="2000" dirty="0" smtClean="0">
                 <a:ea typeface="ヒラギノ角ゴ ProN W3" charset="0"/>
                 <a:cs typeface="ヒラギノ角ゴ ProN W3" charset="0"/>
               </a:rPr>
@@ -6719,7 +6867,7 @@
           <a:p>
             <a:pPr lvl="1"/>
             <a:r>
-              <a:rPr lang="en-US" sz="2400" dirty="0" smtClean="0">
+              <a:rPr lang="en-US" sz="2000" dirty="0" smtClean="0">
                 <a:ea typeface="ヒラギノ角ゴ ProN W3" charset="0"/>
                 <a:cs typeface="ヒラギノ角ゴ ProN W3" charset="0"/>
               </a:rPr>
@@ -6728,7 +6876,7 @@
           </a:p>
           <a:p>
             <a:r>
-              <a:rPr lang="en-US" sz="2400" dirty="0" smtClean="0">
+              <a:rPr lang="en-US" sz="2000" dirty="0" smtClean="0">
                 <a:ea typeface="ヒラギノ角ゴ ProN W3" charset="0"/>
                 <a:cs typeface="ヒラギノ角ゴ ProN W3" charset="0"/>
               </a:rPr>
@@ -6738,23 +6886,54 @@
           <a:p>
             <a:pPr lvl="1"/>
             <a:r>
-              <a:rPr lang="en-US" sz="2400" dirty="0" smtClean="0">
-                <a:ea typeface="ヒラギノ角ゴ ProN W3" charset="0"/>
-                <a:cs typeface="ヒラギノ角ゴ ProN W3" charset="0"/>
-              </a:rPr>
-              <a:t>SOAP and REST based services</a:t>
+              <a:rPr lang="en-US" sz="2000" dirty="0" smtClean="0">
+                <a:ea typeface="ヒラギノ角ゴ ProN W3" charset="0"/>
+                <a:cs typeface="ヒラギノ角ゴ ProN W3" charset="0"/>
+              </a:rPr>
+              <a:t>REST </a:t>
+            </a:r>
+            <a:r>
+              <a:rPr lang="en-US" sz="2000" dirty="0" smtClean="0">
+                <a:ea typeface="ヒラギノ角ゴ ProN W3" charset="0"/>
+                <a:cs typeface="ヒラギノ角ゴ ProN W3" charset="0"/>
+              </a:rPr>
+              <a:t>based </a:t>
+            </a:r>
+            <a:r>
+              <a:rPr lang="en-US" sz="2000" dirty="0" smtClean="0">
+                <a:ea typeface="ヒラギノ角ゴ ProN W3" charset="0"/>
+                <a:cs typeface="ヒラギノ角ゴ ProN W3" charset="0"/>
+              </a:rPr>
+              <a:t>services</a:t>
             </a:r>
           </a:p>
           <a:p>
             <a:pPr lvl="1"/>
             <a:r>
-              <a:rPr lang="en-US" sz="2400" dirty="0" err="1" smtClean="0">
-                <a:ea typeface="ヒラギノ角ゴ ProN W3" charset="0"/>
-                <a:cs typeface="ヒラギノ角ゴ ProN W3" charset="0"/>
-              </a:rPr>
-              <a:t>Microservices</a:t>
-            </a:r>
-            <a:endParaRPr lang="en-US" sz="2400" dirty="0" smtClean="0">
+              <a:rPr lang="en-US" sz="2000" dirty="0" smtClean="0">
+                <a:ea typeface="ヒラギノ角ゴ ProN W3" charset="0"/>
+                <a:cs typeface="ヒラギノ角ゴ ProN W3" charset="0"/>
+              </a:rPr>
+              <a:t>Event based architectures</a:t>
+            </a:r>
+          </a:p>
+          <a:p>
+            <a:pPr lvl="1"/>
+            <a:r>
+              <a:rPr lang="en-US" sz="2000" dirty="0" err="1" smtClean="0">
+                <a:ea typeface="ヒラギノ角ゴ ProN W3" charset="0"/>
+                <a:cs typeface="ヒラギノ角ゴ ProN W3" charset="0"/>
+              </a:rPr>
+              <a:t>gRPC</a:t>
+            </a:r>
+            <a:r>
+              <a:rPr lang="en-US" sz="2000" dirty="0" smtClean="0">
+                <a:ea typeface="ヒラギノ角ゴ ProN W3" charset="0"/>
+                <a:cs typeface="ヒラギノ角ゴ ProN W3" charset="0"/>
+              </a:rPr>
+              <a:t> and binary protocol based services</a:t>
+            </a:r>
+            <a:endParaRPr lang="en-US" sz="2000" dirty="0" smtClean="0">
               <a:ea typeface="ヒラギノ角ゴ ProN W3" charset="0"/>
               <a:cs typeface="ヒラギノ角ゴ ProN W3" charset="0"/>
             </a:endParaRPr>
@@ -6762,7 +6941,21 @@
           <a:p>
             <a:pPr lvl="1"/>
             <a:r>
-              <a:rPr lang="en-US" sz="2400" dirty="0" smtClean="0">
+              <a:rPr lang="en-US" sz="2000" dirty="0" err="1" smtClean="0">
+                <a:ea typeface="ヒラギノ角ゴ ProN W3" charset="0"/>
+                <a:cs typeface="ヒラギノ角ゴ ProN W3" charset="0"/>
+              </a:rPr>
+              <a:t>Microservices</a:t>
+            </a:r>
+            <a:endParaRPr lang="en-US" sz="2000" dirty="0" smtClean="0">
+              <a:ea typeface="ヒラギノ角ゴ ProN W3" charset="0"/>
+              <a:cs typeface="ヒラギノ角ゴ ProN W3" charset="0"/>
+            </a:endParaRPr>
+          </a:p>
+          <a:p>
+            <a:pPr lvl="1"/>
+            <a:r>
+              <a:rPr lang="en-US" sz="2000" dirty="0" smtClean="0">
                 <a:ea typeface="ヒラギノ角ゴ ProN W3" charset="0"/>
                 <a:cs typeface="ヒラギノ角ゴ ProN W3" charset="0"/>
               </a:rPr>
@@ -6772,7 +6965,7 @@
           <a:p>
             <a:pPr lvl="1"/>
             <a:r>
-              <a:rPr lang="en-US" sz="2400" dirty="0" smtClean="0">
+              <a:rPr lang="en-US" sz="2000" dirty="0" smtClean="0">
                 <a:ea typeface="ヒラギノ角ゴ ProN W3" charset="0"/>
                 <a:cs typeface="ヒラギノ角ゴ ProN W3" charset="0"/>
               </a:rPr>
@@ -6782,7 +6975,7 @@
           <a:p>
             <a:pPr lvl="1"/>
             <a:r>
-              <a:rPr lang="en-US" sz="2400" dirty="0" smtClean="0">
+              <a:rPr lang="en-US" sz="2000" dirty="0" smtClean="0">
                 <a:ea typeface="ヒラギノ角ゴ ProN W3" charset="0"/>
                 <a:cs typeface="ヒラギノ角ゴ ProN W3" charset="0"/>
               </a:rPr>
@@ -6791,7 +6984,7 @@
           </a:p>
           <a:p>
             <a:pPr lvl="1"/>
-            <a:endParaRPr lang="en-US" sz="2400" dirty="0">
+            <a:endParaRPr lang="en-US" sz="2000" dirty="0">
               <a:ea typeface="ヒラギノ角ゴ ProN W3" charset="0"/>
               <a:cs typeface="ヒラギノ角ゴ ProN W3" charset="0"/>
             </a:endParaRPr>
@@ -7075,7 +7268,14 @@
                 <a:ea typeface="ヒラギノ角ゴ ProN W3" charset="0"/>
                 <a:cs typeface="ヒラギノ角ゴ ProN W3" charset="0"/>
               </a:rPr>
-              <a:t>SOAP and WSDL</a:t>
+              <a:t>REST </a:t>
+            </a:r>
+            <a:r>
+              <a:rPr lang="en-US" sz="2800" dirty="0" smtClean="0">
+                <a:ea typeface="ヒラギノ角ゴ ProN W3" charset="0"/>
+                <a:cs typeface="ヒラギノ角ゴ ProN W3" charset="0"/>
+              </a:rPr>
+              <a:t>introduction</a:t>
             </a:r>
           </a:p>
           <a:p>
@@ -7085,7 +7285,7 @@
                 <a:ea typeface="ヒラギノ角ゴ ProN W3" charset="0"/>
                 <a:cs typeface="ヒラギノ角ゴ ProN W3" charset="0"/>
               </a:rPr>
-              <a:t>SOAP Implementation technologies</a:t>
+              <a:t>REST example flows</a:t>
             </a:r>
           </a:p>
           <a:p>
@@ -7095,8 +7295,28 @@
                 <a:ea typeface="ヒラギノ角ゴ ProN W3" charset="0"/>
                 <a:cs typeface="ヒラギノ角ゴ ProN W3" charset="0"/>
               </a:rPr>
-              <a:t>REST introduction</a:t>
-            </a:r>
+              <a:t>Advanced REST</a:t>
+            </a:r>
+          </a:p>
+          <a:p>
+            <a:r>
+              <a:rPr lang="en-US" dirty="0">
+                <a:ea typeface="ヒラギノ角ゴ ProN W3" charset="0"/>
+                <a:cs typeface="ヒラギノ角ゴ ProN W3" charset="0"/>
+              </a:rPr>
+              <a:t>SOAP and </a:t>
+            </a:r>
+            <a:r>
+              <a:rPr lang="en-US" dirty="0" smtClean="0">
+                <a:ea typeface="ヒラギノ角ゴ ProN W3" charset="0"/>
+                <a:cs typeface="ヒラギノ角ゴ ProN W3" charset="0"/>
+              </a:rPr>
+              <a:t>WSDL</a:t>
+            </a:r>
+            <a:endParaRPr lang="en-US" sz="2800" dirty="0" smtClean="0">
+              <a:ea typeface="ヒラギノ角ゴ ProN W3" charset="0"/>
+              <a:cs typeface="ヒラギノ角ゴ ProN W3" charset="0"/>
+            </a:endParaRPr>
           </a:p>
           <a:p>
             <a:pPr eaLnBrk="1" hangingPunct="1"/>
@@ -7105,34 +7325,34 @@
                 <a:ea typeface="ヒラギノ角ゴ ProN W3" charset="0"/>
                 <a:cs typeface="ヒラギノ角ゴ ProN W3" charset="0"/>
               </a:rPr>
-              <a:t>REST example flows</a:t>
+              <a:t>Microservices architecture</a:t>
             </a:r>
           </a:p>
           <a:p>
             <a:pPr eaLnBrk="1" hangingPunct="1"/>
             <a:r>
+              <a:rPr lang="en-US" dirty="0" smtClean="0">
+                <a:ea typeface="ヒラギノ角ゴ ProN W3" charset="0"/>
+                <a:cs typeface="ヒラギノ角ゴ ProN W3" charset="0"/>
+              </a:rPr>
+              <a:t>Event Architectures</a:t>
+            </a:r>
+          </a:p>
+          <a:p>
+            <a:pPr eaLnBrk="1" hangingPunct="1"/>
+            <a:r>
+              <a:rPr lang="en-US" sz="2800" dirty="0" err="1" smtClean="0">
+                <a:ea typeface="ヒラギノ角ゴ ProN W3" charset="0"/>
+                <a:cs typeface="ヒラギノ角ゴ ProN W3" charset="0"/>
+              </a:rPr>
+              <a:t>gRPC</a:t>
+            </a:r>
+            <a:r>
               <a:rPr lang="en-US" sz="2800" dirty="0" smtClean="0">
                 <a:ea typeface="ヒラギノ角ゴ ProN W3" charset="0"/>
                 <a:cs typeface="ヒラギノ角ゴ ProN W3" charset="0"/>
               </a:rPr>
-              <a:t>Advanced REST</a:t>
-            </a:r>
-          </a:p>
-          <a:p>
-            <a:pPr eaLnBrk="1" hangingPunct="1"/>
-            <a:r>
-              <a:rPr lang="en-US" sz="2800" dirty="0" err="1" smtClean="0">
-                <a:ea typeface="ヒラギノ角ゴ ProN W3" charset="0"/>
-                <a:cs typeface="ヒラギノ角ゴ ProN W3" charset="0"/>
-              </a:rPr>
-              <a:t>Microservices</a:t>
-            </a:r>
-            <a:r>
-              <a:rPr lang="en-US" sz="2800" dirty="0" smtClean="0">
-                <a:ea typeface="ヒラギノ角ゴ ProN W3" charset="0"/>
-                <a:cs typeface="ヒラギノ角ゴ ProN W3" charset="0"/>
-              </a:rPr>
-              <a:t> architecture</a:t>
+              <a:t> and binary protocols</a:t>
             </a:r>
             <a:endParaRPr lang="en-US" sz="2800" dirty="0">
               <a:ea typeface="ヒラギノ角ゴ ProN W3" charset="0"/>

--- a/presentation-source/00-intro.pptx
+++ b/presentation-source/00-intro.pptx
@@ -122,6 +122,22 @@
       </a:defRPr>
     </a:lvl9pPr>
   </p:defaultTextStyle>
+  <p:extLst>
+    <p:ext uri="{EFAFB233-063F-42B5-8137-9DF3F51BA10A}">
+      <p15:sldGuideLst xmlns:p15="http://schemas.microsoft.com/office/powerpoint/2012/main">
+        <p15:guide id="1" orient="horz" pos="2160">
+          <p15:clr>
+            <a:srgbClr val="A4A3A4"/>
+          </p15:clr>
+        </p15:guide>
+        <p15:guide id="2" pos="2880">
+          <p15:clr>
+            <a:srgbClr val="A4A3A4"/>
+          </p15:clr>
+        </p15:guide>
+      </p15:sldGuideLst>
+    </p:ext>
+  </p:extLst>
 </p:presentation>
 </file>
 
@@ -212,7 +228,7 @@
             <a:fld id="{7307762F-A706-E543-A832-3C298AA3103F}" type="datetimeFigureOut">
               <a:rPr lang="en-US" smtClean="0"/>
               <a:pPr/>
-              <a:t>28/11/18</a:t>
+              <a:t>11/17/19</a:t>
             </a:fld>
             <a:endParaRPr lang="en-US" dirty="0"/>
           </a:p>
@@ -276,38 +292,37 @@
           <a:p>
             <a:pPr lvl="0"/>
             <a:r>
-              <a:rPr lang="en-US" dirty="0" smtClean="0"/>
+              <a:rPr lang="en-US" dirty="0"/>
               <a:t>Click to edit Master text styles</a:t>
             </a:r>
           </a:p>
           <a:p>
             <a:pPr lvl="1"/>
             <a:r>
-              <a:rPr lang="en-US" dirty="0" smtClean="0"/>
+              <a:rPr lang="en-US" dirty="0"/>
               <a:t>Second level</a:t>
             </a:r>
           </a:p>
           <a:p>
             <a:pPr lvl="2"/>
             <a:r>
-              <a:rPr lang="en-US" dirty="0" smtClean="0"/>
+              <a:rPr lang="en-US" dirty="0"/>
               <a:t>Third level</a:t>
             </a:r>
           </a:p>
           <a:p>
             <a:pPr lvl="3"/>
             <a:r>
-              <a:rPr lang="en-US" dirty="0" smtClean="0"/>
+              <a:rPr lang="en-US" dirty="0"/>
               <a:t>Fourth level</a:t>
             </a:r>
           </a:p>
           <a:p>
             <a:pPr lvl="4"/>
             <a:r>
-              <a:rPr lang="en-US" dirty="0" smtClean="0"/>
+              <a:rPr lang="en-US" dirty="0"/>
               <a:t>Fifth level</a:t>
             </a:r>
-            <a:endParaRPr lang="en-US" dirty="0"/>
           </a:p>
         </p:txBody>
       </p:sp>
@@ -523,10 +538,9 @@
           <a:lstStyle/>
           <a:p>
             <a:r>
-              <a:rPr lang="en-US" smtClean="0"/>
+              <a:rPr lang="en-US"/>
               <a:t>Click to edit Master title style</a:t>
             </a:r>
-            <a:endParaRPr lang="en-US"/>
           </a:p>
         </p:txBody>
       </p:sp>
@@ -642,10 +656,9 @@
           </a:lstStyle>
           <a:p>
             <a:r>
-              <a:rPr lang="en-US" smtClean="0"/>
+              <a:rPr lang="en-US"/>
               <a:t>Click to edit Master subtitle style</a:t>
             </a:r>
-            <a:endParaRPr lang="en-US"/>
           </a:p>
         </p:txBody>
       </p:sp>
@@ -695,10 +708,9 @@
           <a:lstStyle/>
           <a:p>
             <a:r>
-              <a:rPr lang="en-US" smtClean="0"/>
+              <a:rPr lang="en-US"/>
               <a:t>Click to edit Master title style</a:t>
             </a:r>
-            <a:endParaRPr lang="en-US"/>
           </a:p>
         </p:txBody>
       </p:sp>
@@ -719,38 +731,37 @@
           <a:p>
             <a:pPr lvl="0"/>
             <a:r>
-              <a:rPr lang="en-US" smtClean="0"/>
+              <a:rPr lang="en-US"/>
               <a:t>Click to edit Master text styles</a:t>
             </a:r>
           </a:p>
           <a:p>
             <a:pPr lvl="1"/>
             <a:r>
-              <a:rPr lang="en-US" smtClean="0"/>
+              <a:rPr lang="en-US"/>
               <a:t>Second level</a:t>
             </a:r>
           </a:p>
           <a:p>
             <a:pPr lvl="2"/>
             <a:r>
-              <a:rPr lang="en-US" smtClean="0"/>
+              <a:rPr lang="en-US"/>
               <a:t>Third level</a:t>
             </a:r>
           </a:p>
           <a:p>
             <a:pPr lvl="3"/>
             <a:r>
-              <a:rPr lang="en-US" smtClean="0"/>
+              <a:rPr lang="en-US"/>
               <a:t>Fourth level</a:t>
             </a:r>
           </a:p>
           <a:p>
             <a:pPr lvl="4"/>
             <a:r>
-              <a:rPr lang="en-US" smtClean="0"/>
+              <a:rPr lang="en-US"/>
               <a:t>Fifth level</a:t>
             </a:r>
-            <a:endParaRPr lang="en-US"/>
           </a:p>
         </p:txBody>
       </p:sp>
@@ -786,7 +797,7 @@
             <a:fld id="{875CF0EB-321F-0749-B37A-89BBA859503C}" type="datetimeFigureOut">
               <a:rPr lang="en-US" smtClean="0"/>
               <a:pPr/>
-              <a:t>28/11/18</a:t>
+              <a:t>11/17/19</a:t>
             </a:fld>
             <a:endParaRPr lang="en-US" dirty="0"/>
           </a:p>
@@ -914,10 +925,9 @@
           <a:lstStyle/>
           <a:p>
             <a:r>
-              <a:rPr lang="en-US" smtClean="0"/>
+              <a:rPr lang="en-US"/>
               <a:t>Click to edit Master title style</a:t>
             </a:r>
-            <a:endParaRPr lang="en-US"/>
           </a:p>
         </p:txBody>
       </p:sp>
@@ -943,38 +953,37 @@
           <a:p>
             <a:pPr lvl="0"/>
             <a:r>
-              <a:rPr lang="en-US" smtClean="0"/>
+              <a:rPr lang="en-US"/>
               <a:t>Click to edit Master text styles</a:t>
             </a:r>
           </a:p>
           <a:p>
             <a:pPr lvl="1"/>
             <a:r>
-              <a:rPr lang="en-US" smtClean="0"/>
+              <a:rPr lang="en-US"/>
               <a:t>Second level</a:t>
             </a:r>
           </a:p>
           <a:p>
             <a:pPr lvl="2"/>
             <a:r>
-              <a:rPr lang="en-US" smtClean="0"/>
+              <a:rPr lang="en-US"/>
               <a:t>Third level</a:t>
             </a:r>
           </a:p>
           <a:p>
             <a:pPr lvl="3"/>
             <a:r>
-              <a:rPr lang="en-US" smtClean="0"/>
+              <a:rPr lang="en-US"/>
               <a:t>Fourth level</a:t>
             </a:r>
           </a:p>
           <a:p>
             <a:pPr lvl="4"/>
             <a:r>
-              <a:rPr lang="en-US" smtClean="0"/>
+              <a:rPr lang="en-US"/>
               <a:t>Fifth level</a:t>
             </a:r>
-            <a:endParaRPr lang="en-US"/>
           </a:p>
         </p:txBody>
       </p:sp>
@@ -1010,7 +1019,7 @@
             <a:fld id="{875CF0EB-321F-0749-B37A-89BBA859503C}" type="datetimeFigureOut">
               <a:rPr lang="en-US" smtClean="0"/>
               <a:pPr/>
-              <a:t>28/11/18</a:t>
+              <a:t>11/17/19</a:t>
             </a:fld>
             <a:endParaRPr lang="en-US" dirty="0"/>
           </a:p>
@@ -1133,10 +1142,9 @@
           <a:lstStyle/>
           <a:p>
             <a:r>
-              <a:rPr lang="en-US" smtClean="0"/>
+              <a:rPr lang="en-US"/>
               <a:t>Click to edit Master title style</a:t>
             </a:r>
-            <a:endParaRPr lang="en-US"/>
           </a:p>
         </p:txBody>
       </p:sp>
@@ -1157,38 +1165,37 @@
           <a:p>
             <a:pPr lvl="0"/>
             <a:r>
-              <a:rPr lang="en-US" smtClean="0"/>
+              <a:rPr lang="en-US"/>
               <a:t>Click to edit Master text styles</a:t>
             </a:r>
           </a:p>
           <a:p>
             <a:pPr lvl="1"/>
             <a:r>
-              <a:rPr lang="en-US" smtClean="0"/>
+              <a:rPr lang="en-US"/>
               <a:t>Second level</a:t>
             </a:r>
           </a:p>
           <a:p>
             <a:pPr lvl="2"/>
             <a:r>
-              <a:rPr lang="en-US" smtClean="0"/>
+              <a:rPr lang="en-US"/>
               <a:t>Third level</a:t>
             </a:r>
           </a:p>
           <a:p>
             <a:pPr lvl="3"/>
             <a:r>
-              <a:rPr lang="en-US" smtClean="0"/>
+              <a:rPr lang="en-US"/>
               <a:t>Fourth level</a:t>
             </a:r>
           </a:p>
           <a:p>
             <a:pPr lvl="4"/>
             <a:r>
-              <a:rPr lang="en-US" smtClean="0"/>
+              <a:rPr lang="en-US"/>
               <a:t>Fifth level</a:t>
             </a:r>
-            <a:endParaRPr lang="en-US"/>
           </a:p>
         </p:txBody>
       </p:sp>
@@ -1224,7 +1231,7 @@
             <a:fld id="{875CF0EB-321F-0749-B37A-89BBA859503C}" type="datetimeFigureOut">
               <a:rPr lang="en-US" smtClean="0"/>
               <a:pPr/>
-              <a:t>28/11/18</a:t>
+              <a:t>11/17/19</a:t>
             </a:fld>
             <a:endParaRPr lang="en-US" dirty="0"/>
           </a:p>
@@ -1356,10 +1363,9 @@
           </a:lstStyle>
           <a:p>
             <a:r>
-              <a:rPr lang="en-US" smtClean="0"/>
+              <a:rPr lang="en-US"/>
               <a:t>Click to edit Master title style</a:t>
             </a:r>
-            <a:endParaRPr lang="en-US"/>
           </a:p>
         </p:txBody>
       </p:sp>
@@ -1476,7 +1482,7 @@
           <a:p>
             <a:pPr lvl="0"/>
             <a:r>
-              <a:rPr lang="en-US" smtClean="0"/>
+              <a:rPr lang="en-US"/>
               <a:t>Click to edit Master text styles</a:t>
             </a:r>
           </a:p>
@@ -1514,7 +1520,7 @@
             <a:fld id="{875CF0EB-321F-0749-B37A-89BBA859503C}" type="datetimeFigureOut">
               <a:rPr lang="en-US" smtClean="0"/>
               <a:pPr/>
-              <a:t>28/11/18</a:t>
+              <a:t>11/17/19</a:t>
             </a:fld>
             <a:endParaRPr lang="en-US" dirty="0"/>
           </a:p>
@@ -1637,10 +1643,9 @@
           <a:lstStyle/>
           <a:p>
             <a:r>
-              <a:rPr lang="en-US" smtClean="0"/>
+              <a:rPr lang="en-US"/>
               <a:t>Click to edit Master title style</a:t>
             </a:r>
-            <a:endParaRPr lang="en-US"/>
           </a:p>
         </p:txBody>
       </p:sp>
@@ -1694,38 +1699,37 @@
           <a:p>
             <a:pPr lvl="0"/>
             <a:r>
-              <a:rPr lang="en-US" smtClean="0"/>
+              <a:rPr lang="en-US"/>
               <a:t>Click to edit Master text styles</a:t>
             </a:r>
           </a:p>
           <a:p>
             <a:pPr lvl="1"/>
             <a:r>
-              <a:rPr lang="en-US" smtClean="0"/>
+              <a:rPr lang="en-US"/>
               <a:t>Second level</a:t>
             </a:r>
           </a:p>
           <a:p>
             <a:pPr lvl="2"/>
             <a:r>
-              <a:rPr lang="en-US" smtClean="0"/>
+              <a:rPr lang="en-US"/>
               <a:t>Third level</a:t>
             </a:r>
           </a:p>
           <a:p>
             <a:pPr lvl="3"/>
             <a:r>
-              <a:rPr lang="en-US" smtClean="0"/>
+              <a:rPr lang="en-US"/>
               <a:t>Fourth level</a:t>
             </a:r>
           </a:p>
           <a:p>
             <a:pPr lvl="4"/>
             <a:r>
-              <a:rPr lang="en-US" smtClean="0"/>
+              <a:rPr lang="en-US"/>
               <a:t>Fifth level</a:t>
             </a:r>
-            <a:endParaRPr lang="en-US"/>
           </a:p>
         </p:txBody>
       </p:sp>
@@ -1779,38 +1783,37 @@
           <a:p>
             <a:pPr lvl="0"/>
             <a:r>
-              <a:rPr lang="en-US" smtClean="0"/>
+              <a:rPr lang="en-US"/>
               <a:t>Click to edit Master text styles</a:t>
             </a:r>
           </a:p>
           <a:p>
             <a:pPr lvl="1"/>
             <a:r>
-              <a:rPr lang="en-US" smtClean="0"/>
+              <a:rPr lang="en-US"/>
               <a:t>Second level</a:t>
             </a:r>
           </a:p>
           <a:p>
             <a:pPr lvl="2"/>
             <a:r>
-              <a:rPr lang="en-US" smtClean="0"/>
+              <a:rPr lang="en-US"/>
               <a:t>Third level</a:t>
             </a:r>
           </a:p>
           <a:p>
             <a:pPr lvl="3"/>
             <a:r>
-              <a:rPr lang="en-US" smtClean="0"/>
+              <a:rPr lang="en-US"/>
               <a:t>Fourth level</a:t>
             </a:r>
           </a:p>
           <a:p>
             <a:pPr lvl="4"/>
             <a:r>
-              <a:rPr lang="en-US" smtClean="0"/>
+              <a:rPr lang="en-US"/>
               <a:t>Fifth level</a:t>
             </a:r>
-            <a:endParaRPr lang="en-US"/>
           </a:p>
         </p:txBody>
       </p:sp>
@@ -1846,7 +1849,7 @@
             <a:fld id="{875CF0EB-321F-0749-B37A-89BBA859503C}" type="datetimeFigureOut">
               <a:rPr lang="en-US" smtClean="0"/>
               <a:pPr/>
-              <a:t>28/11/18</a:t>
+              <a:t>11/17/19</a:t>
             </a:fld>
             <a:endParaRPr lang="en-US" dirty="0"/>
           </a:p>
@@ -1973,10 +1976,9 @@
           </a:lstStyle>
           <a:p>
             <a:r>
-              <a:rPr lang="en-US" smtClean="0"/>
+              <a:rPr lang="en-US"/>
               <a:t>Click to edit Master title style</a:t>
             </a:r>
-            <a:endParaRPr lang="en-US"/>
           </a:p>
         </p:txBody>
       </p:sp>
@@ -2039,7 +2041,7 @@
           <a:p>
             <a:pPr lvl="0"/>
             <a:r>
-              <a:rPr lang="en-US" smtClean="0"/>
+              <a:rPr lang="en-US"/>
               <a:t>Click to edit Master text styles</a:t>
             </a:r>
           </a:p>
@@ -2095,38 +2097,37 @@
           <a:p>
             <a:pPr lvl="0"/>
             <a:r>
-              <a:rPr lang="en-US" smtClean="0"/>
+              <a:rPr lang="en-US"/>
               <a:t>Click to edit Master text styles</a:t>
             </a:r>
           </a:p>
           <a:p>
             <a:pPr lvl="1"/>
             <a:r>
-              <a:rPr lang="en-US" smtClean="0"/>
+              <a:rPr lang="en-US"/>
               <a:t>Second level</a:t>
             </a:r>
           </a:p>
           <a:p>
             <a:pPr lvl="2"/>
             <a:r>
-              <a:rPr lang="en-US" smtClean="0"/>
+              <a:rPr lang="en-US"/>
               <a:t>Third level</a:t>
             </a:r>
           </a:p>
           <a:p>
             <a:pPr lvl="3"/>
             <a:r>
-              <a:rPr lang="en-US" smtClean="0"/>
+              <a:rPr lang="en-US"/>
               <a:t>Fourth level</a:t>
             </a:r>
           </a:p>
           <a:p>
             <a:pPr lvl="4"/>
             <a:r>
-              <a:rPr lang="en-US" smtClean="0"/>
+              <a:rPr lang="en-US"/>
               <a:t>Fifth level</a:t>
             </a:r>
-            <a:endParaRPr lang="en-US"/>
           </a:p>
         </p:txBody>
       </p:sp>
@@ -2189,7 +2190,7 @@
           <a:p>
             <a:pPr lvl="0"/>
             <a:r>
-              <a:rPr lang="en-US" smtClean="0"/>
+              <a:rPr lang="en-US"/>
               <a:t>Click to edit Master text styles</a:t>
             </a:r>
           </a:p>
@@ -2245,38 +2246,37 @@
           <a:p>
             <a:pPr lvl="0"/>
             <a:r>
-              <a:rPr lang="en-US" smtClean="0"/>
+              <a:rPr lang="en-US"/>
               <a:t>Click to edit Master text styles</a:t>
             </a:r>
           </a:p>
           <a:p>
             <a:pPr lvl="1"/>
             <a:r>
-              <a:rPr lang="en-US" smtClean="0"/>
+              <a:rPr lang="en-US"/>
               <a:t>Second level</a:t>
             </a:r>
           </a:p>
           <a:p>
             <a:pPr lvl="2"/>
             <a:r>
-              <a:rPr lang="en-US" smtClean="0"/>
+              <a:rPr lang="en-US"/>
               <a:t>Third level</a:t>
             </a:r>
           </a:p>
           <a:p>
             <a:pPr lvl="3"/>
             <a:r>
-              <a:rPr lang="en-US" smtClean="0"/>
+              <a:rPr lang="en-US"/>
               <a:t>Fourth level</a:t>
             </a:r>
           </a:p>
           <a:p>
             <a:pPr lvl="4"/>
             <a:r>
-              <a:rPr lang="en-US" smtClean="0"/>
+              <a:rPr lang="en-US"/>
               <a:t>Fifth level</a:t>
             </a:r>
-            <a:endParaRPr lang="en-US"/>
           </a:p>
         </p:txBody>
       </p:sp>
@@ -2312,7 +2312,7 @@
             <a:fld id="{875CF0EB-321F-0749-B37A-89BBA859503C}" type="datetimeFigureOut">
               <a:rPr lang="en-US" smtClean="0"/>
               <a:pPr/>
-              <a:t>28/11/18</a:t>
+              <a:t>11/17/19</a:t>
             </a:fld>
             <a:endParaRPr lang="en-US" dirty="0"/>
           </a:p>
@@ -2435,10 +2435,9 @@
           <a:lstStyle/>
           <a:p>
             <a:r>
-              <a:rPr lang="en-US" smtClean="0"/>
+              <a:rPr lang="en-US"/>
               <a:t>Click to edit Master title style</a:t>
             </a:r>
-            <a:endParaRPr lang="en-US"/>
           </a:p>
         </p:txBody>
       </p:sp>
@@ -2474,7 +2473,7 @@
             <a:fld id="{875CF0EB-321F-0749-B37A-89BBA859503C}" type="datetimeFigureOut">
               <a:rPr lang="en-US" smtClean="0"/>
               <a:pPr/>
-              <a:t>28/11/18</a:t>
+              <a:t>11/17/19</a:t>
             </a:fld>
             <a:endParaRPr lang="en-US" dirty="0"/>
           </a:p>
@@ -2613,7 +2612,7 @@
             <a:fld id="{875CF0EB-321F-0749-B37A-89BBA859503C}" type="datetimeFigureOut">
               <a:rPr lang="en-US" smtClean="0"/>
               <a:pPr/>
-              <a:t>28/11/18</a:t>
+              <a:t>11/17/19</a:t>
             </a:fld>
             <a:endParaRPr lang="en-US" dirty="0"/>
           </a:p>
@@ -2745,10 +2744,9 @@
           </a:lstStyle>
           <a:p>
             <a:r>
-              <a:rPr lang="en-US" smtClean="0"/>
+              <a:rPr lang="en-US"/>
               <a:t>Click to edit Master title style</a:t>
             </a:r>
-            <a:endParaRPr lang="en-US"/>
           </a:p>
         </p:txBody>
       </p:sp>
@@ -2802,38 +2800,37 @@
           <a:p>
             <a:pPr lvl="0"/>
             <a:r>
-              <a:rPr lang="en-US" smtClean="0"/>
+              <a:rPr lang="en-US"/>
               <a:t>Click to edit Master text styles</a:t>
             </a:r>
           </a:p>
           <a:p>
             <a:pPr lvl="1"/>
             <a:r>
-              <a:rPr lang="en-US" smtClean="0"/>
+              <a:rPr lang="en-US"/>
               <a:t>Second level</a:t>
             </a:r>
           </a:p>
           <a:p>
             <a:pPr lvl="2"/>
             <a:r>
-              <a:rPr lang="en-US" smtClean="0"/>
+              <a:rPr lang="en-US"/>
               <a:t>Third level</a:t>
             </a:r>
           </a:p>
           <a:p>
             <a:pPr lvl="3"/>
             <a:r>
-              <a:rPr lang="en-US" smtClean="0"/>
+              <a:rPr lang="en-US"/>
               <a:t>Fourth level</a:t>
             </a:r>
           </a:p>
           <a:p>
             <a:pPr lvl="4"/>
             <a:r>
-              <a:rPr lang="en-US" smtClean="0"/>
+              <a:rPr lang="en-US"/>
               <a:t>Fifth level</a:t>
             </a:r>
-            <a:endParaRPr lang="en-US"/>
           </a:p>
         </p:txBody>
       </p:sp>
@@ -2896,7 +2893,7 @@
           <a:p>
             <a:pPr lvl="0"/>
             <a:r>
-              <a:rPr lang="en-US" smtClean="0"/>
+              <a:rPr lang="en-US"/>
               <a:t>Click to edit Master text styles</a:t>
             </a:r>
           </a:p>
@@ -2934,7 +2931,7 @@
             <a:fld id="{875CF0EB-321F-0749-B37A-89BBA859503C}" type="datetimeFigureOut">
               <a:rPr lang="en-US" smtClean="0"/>
               <a:pPr/>
-              <a:t>28/11/18</a:t>
+              <a:t>11/17/19</a:t>
             </a:fld>
             <a:endParaRPr lang="en-US" dirty="0"/>
           </a:p>
@@ -3066,10 +3063,9 @@
           </a:lstStyle>
           <a:p>
             <a:r>
-              <a:rPr lang="en-US" smtClean="0"/>
+              <a:rPr lang="en-US"/>
               <a:t>Click to edit Master title style</a:t>
             </a:r>
-            <a:endParaRPr lang="en-US"/>
           </a:p>
         </p:txBody>
       </p:sp>
@@ -3193,7 +3189,7 @@
           <a:p>
             <a:pPr lvl="0"/>
             <a:r>
-              <a:rPr lang="en-US" smtClean="0"/>
+              <a:rPr lang="en-US"/>
               <a:t>Click to edit Master text styles</a:t>
             </a:r>
           </a:p>
@@ -3231,7 +3227,7 @@
             <a:fld id="{875CF0EB-321F-0749-B37A-89BBA859503C}" type="datetimeFigureOut">
               <a:rPr lang="en-US" smtClean="0"/>
               <a:pPr/>
-              <a:t>28/11/18</a:t>
+              <a:t>11/17/19</a:t>
             </a:fld>
             <a:endParaRPr lang="en-US" dirty="0"/>
           </a:p>
@@ -3369,10 +3365,9 @@
           <a:lstStyle/>
           <a:p>
             <a:r>
-              <a:rPr lang="en-US" dirty="0" smtClean="0"/>
+              <a:rPr lang="en-US" dirty="0"/>
               <a:t>Click to edit Master title style</a:t>
             </a:r>
-            <a:endParaRPr lang="en-US" dirty="0"/>
           </a:p>
         </p:txBody>
       </p:sp>
@@ -3403,38 +3398,37 @@
           <a:p>
             <a:pPr lvl="0"/>
             <a:r>
-              <a:rPr lang="en-US" dirty="0" smtClean="0"/>
+              <a:rPr lang="en-US" dirty="0"/>
               <a:t>Click to edit Master text styles</a:t>
             </a:r>
           </a:p>
           <a:p>
             <a:pPr lvl="1"/>
             <a:r>
-              <a:rPr lang="en-US" dirty="0" smtClean="0"/>
+              <a:rPr lang="en-US" dirty="0"/>
               <a:t>Second level</a:t>
             </a:r>
           </a:p>
           <a:p>
             <a:pPr lvl="2"/>
             <a:r>
-              <a:rPr lang="en-US" dirty="0" smtClean="0"/>
+              <a:rPr lang="en-US" dirty="0"/>
               <a:t>Third level</a:t>
             </a:r>
           </a:p>
           <a:p>
             <a:pPr lvl="3"/>
             <a:r>
-              <a:rPr lang="en-US" dirty="0" smtClean="0"/>
+              <a:rPr lang="en-US" dirty="0"/>
               <a:t>Fourth level</a:t>
             </a:r>
           </a:p>
           <a:p>
             <a:pPr lvl="4"/>
             <a:r>
-              <a:rPr lang="en-US" dirty="0" smtClean="0"/>
+              <a:rPr lang="en-US" dirty="0"/>
               <a:t>Fifth level</a:t>
             </a:r>
-            <a:endParaRPr lang="en-US" dirty="0"/>
           </a:p>
         </p:txBody>
       </p:sp>
@@ -3460,14 +3454,14 @@
           </a:ln>
           <a:extLst>
             <a:ext uri="{909E8E84-426E-40dd-AFC4-6F175D3DCCD1}">
-              <a14:hiddenFill xmlns:a14="http://schemas.microsoft.com/office/drawing/2010/main">
+              <a14:hiddenFill xmlns:a14="http://schemas.microsoft.com/office/drawing/2010/main" xmlns="">
                 <a:solidFill>
                   <a:srgbClr val="FFFFFF"/>
                 </a:solidFill>
               </a14:hiddenFill>
             </a:ext>
             <a:ext uri="{91240B29-F687-4f45-9708-019B960494DF}">
-              <a14:hiddenLine xmlns:a14="http://schemas.microsoft.com/office/drawing/2010/main" w="9525">
+              <a14:hiddenLine xmlns:a14="http://schemas.microsoft.com/office/drawing/2010/main" xmlns="" w="9525">
                 <a:solidFill>
                   <a:srgbClr val="000000"/>
                 </a:solidFill>
@@ -3621,7 +3615,7 @@
               <a:defRPr/>
             </a:pPr>
             <a:r>
-              <a:rPr lang="en-US" sz="700" dirty="0" smtClean="0">
+              <a:rPr lang="en-US" sz="700" dirty="0">
                 <a:latin typeface="Montserrat"/>
               </a:rPr>
               <a:t>© Paul Fremantle 2016 except where credited elsewhere.  This work is licensed under a Creative Commons</a:t>
@@ -3632,55 +3626,55 @@
               <a:defRPr/>
             </a:pPr>
             <a:r>
-              <a:rPr lang="en-US" sz="700" dirty="0" smtClean="0">
+              <a:rPr lang="en-US" sz="700" dirty="0">
                 <a:latin typeface="Montserrat"/>
               </a:rPr>
               <a:t> Attribution-</a:t>
             </a:r>
             <a:r>
-              <a:rPr lang="en-US" sz="700" dirty="0" err="1" smtClean="0">
+              <a:rPr lang="en-US" sz="700" dirty="0" err="1">
                 <a:latin typeface="Montserrat"/>
               </a:rPr>
               <a:t>NonCommercial</a:t>
             </a:r>
             <a:r>
-              <a:rPr lang="en-US" sz="700" dirty="0" smtClean="0">
+              <a:rPr lang="en-US" sz="700" dirty="0">
                 <a:latin typeface="Montserrat"/>
               </a:rPr>
               <a:t>-</a:t>
             </a:r>
             <a:r>
-              <a:rPr lang="en-US" sz="700" dirty="0" err="1" smtClean="0">
+              <a:rPr lang="en-US" sz="700" dirty="0" err="1">
                 <a:latin typeface="Montserrat"/>
               </a:rPr>
               <a:t>ShareAlike</a:t>
             </a:r>
             <a:r>
-              <a:rPr lang="en-US" sz="700" dirty="0" smtClean="0">
+              <a:rPr lang="en-US" sz="700" dirty="0">
                 <a:latin typeface="Montserrat"/>
               </a:rPr>
               <a:t> 4.0 International License</a:t>
             </a:r>
             <a:br>
-              <a:rPr lang="en-US" sz="700" dirty="0" smtClean="0">
+              <a:rPr lang="en-US" sz="700" dirty="0">
                 <a:latin typeface="Montserrat"/>
               </a:rPr>
             </a:br>
             <a:r>
-              <a:rPr lang="en-US" sz="700" dirty="0" smtClean="0">
+              <a:rPr lang="en-US" sz="700" dirty="0">
                 <a:latin typeface="Montserrat"/>
               </a:rPr>
               <a:t>See  </a:t>
             </a:r>
             <a:r>
-              <a:rPr lang="en-US" sz="700" dirty="0" smtClean="0">
+              <a:rPr lang="en-US" sz="700" dirty="0">
                 <a:latin typeface="Montserrat"/>
                 <a:hlinkClick r:id="rId13"/>
               </a:rPr>
               <a:t>http://creativecommons.org/licenses/by-nc-sa/4.0/</a:t>
             </a:r>
             <a:r>
-              <a:rPr lang="en-US" sz="700" dirty="0" smtClean="0">
+              <a:rPr lang="en-US" sz="700" dirty="0">
                 <a:latin typeface="Montserrat"/>
               </a:rPr>
               <a:t> </a:t>
@@ -4017,14 +4011,14 @@
           <a:noFill/>
           <a:extLst>
             <a:ext uri="{909E8E84-426E-40dd-AFC4-6F175D3DCCD1}">
-              <a14:hiddenFill xmlns:a14="http://schemas.microsoft.com/office/drawing/2010/main">
+              <a14:hiddenFill xmlns:a14="http://schemas.microsoft.com/office/drawing/2010/main" xmlns="">
                 <a:solidFill>
                   <a:srgbClr val="FFFFFF"/>
                 </a:solidFill>
               </a14:hiddenFill>
             </a:ext>
             <a:ext uri="{91240B29-F687-4f45-9708-019B960494DF}">
-              <a14:hiddenLine xmlns:a14="http://schemas.microsoft.com/office/drawing/2010/main" w="9525">
+              <a14:hiddenLine xmlns:a14="http://schemas.microsoft.com/office/drawing/2010/main" xmlns="" w="9525">
                 <a:solidFill>
                   <a:srgbClr val="000000"/>
                 </a:solidFill>
@@ -4059,18 +4053,11 @@
               </a:rPr>
             </a:br>
             <a:r>
-              <a:rPr lang="en-US" dirty="0" smtClean="0">
-                <a:ea typeface="ヒラギノ角ゴ ProN W3" charset="0"/>
-                <a:cs typeface="ヒラギノ角ゴ ProN W3" charset="0"/>
-              </a:rPr>
-              <a:t>Service </a:t>
-            </a:r>
-            <a:r>
               <a:rPr lang="en-US" dirty="0">
                 <a:ea typeface="ヒラギノ角ゴ ProN W3" charset="0"/>
                 <a:cs typeface="ヒラギノ角ゴ ProN W3" charset="0"/>
               </a:rPr>
-              <a:t>Oriented Architecture</a:t>
+              <a:t>Service Oriented Architecture</a:t>
             </a:r>
             <a:br>
               <a:rPr lang="en-US" dirty="0">
@@ -4103,14 +4090,14 @@
           <a:noFill/>
           <a:extLst>
             <a:ext uri="{909E8E84-426E-40dd-AFC4-6F175D3DCCD1}">
-              <a14:hiddenFill xmlns:a14="http://schemas.microsoft.com/office/drawing/2010/main">
+              <a14:hiddenFill xmlns:a14="http://schemas.microsoft.com/office/drawing/2010/main" xmlns="">
                 <a:solidFill>
                   <a:srgbClr val="FFFFFF"/>
                 </a:solidFill>
               </a14:hiddenFill>
             </a:ext>
             <a:ext uri="{91240B29-F687-4f45-9708-019B960494DF}">
-              <a14:hiddenLine xmlns:a14="http://schemas.microsoft.com/office/drawing/2010/main" w="9525">
+              <a14:hiddenLine xmlns:a14="http://schemas.microsoft.com/office/drawing/2010/main" xmlns="" w="9525">
                 <a:solidFill>
                   <a:srgbClr val="000000"/>
                 </a:solidFill>
@@ -4142,37 +4129,22 @@
           <a:p>
             <a:pPr eaLnBrk="1" hangingPunct="1"/>
             <a:r>
-              <a:rPr lang="en-US" dirty="0" smtClean="0">
+              <a:rPr lang="en-US" dirty="0">
                 <a:ea typeface="ヒラギノ角ゴ ProN W3" charset="0"/>
                 <a:cs typeface="ヒラギノ角ゴ ProN W3" charset="0"/>
               </a:rPr>
               <a:t>Software Engineering Programme</a:t>
             </a:r>
-            <a:endParaRPr lang="en-US" dirty="0">
-              <a:ea typeface="ヒラギノ角ゴ ProN W3" charset="0"/>
-              <a:cs typeface="ヒラギノ角ゴ ProN W3" charset="0"/>
-            </a:endParaRPr>
           </a:p>
           <a:p>
             <a:pPr eaLnBrk="1" hangingPunct="1"/>
             <a:r>
-              <a:rPr lang="en-US" dirty="0" smtClean="0">
-                <a:ea typeface="ヒラギノ角ゴ ProN W3" charset="0"/>
-                <a:cs typeface="ヒラギノ角ゴ ProN W3" charset="0"/>
-              </a:rPr>
-              <a:t>December </a:t>
-            </a:r>
-            <a:r>
-              <a:rPr lang="en-US" dirty="0" smtClean="0">
-                <a:ea typeface="ヒラギノ角ゴ ProN W3" charset="0"/>
-                <a:cs typeface="ヒラギノ角ゴ ProN W3" charset="0"/>
-              </a:rPr>
-              <a:t>2018</a:t>
-            </a:r>
-            <a:endParaRPr lang="en-US" dirty="0">
-              <a:ea typeface="ヒラギノ角ゴ ProN W3" charset="0"/>
-              <a:cs typeface="ヒラギノ角ゴ ProN W3" charset="0"/>
-            </a:endParaRPr>
+              <a:rPr lang="en-US" dirty="0">
+                <a:ea typeface="ヒラギノ角ゴ ProN W3" charset="0"/>
+                <a:cs typeface="ヒラギノ角ゴ ProN W3" charset="0"/>
+              </a:rPr>
+              <a:t>December 2019</a:t>
+            </a:r>
           </a:p>
         </p:txBody>
       </p:sp>
@@ -4186,21 +4158,6 @@
   <p:clrMapOvr>
     <a:masterClrMapping/>
   </p:clrMapOvr>
-  <mc:AlternateContent xmlns:mc="http://schemas.openxmlformats.org/markup-compatibility/2006" xmlns:p14="http://schemas.microsoft.com/office/powerpoint/2010/main">
-    <mc:Choice Requires="p14">
-      <p:transition spd="slow" p14:dur="2000"/>
-    </mc:Choice>
-    <mc:Fallback xmlns="">
-      <p:transition xmlns:p14="http://schemas.microsoft.com/office/powerpoint/2010/main" spd="slow"/>
-    </mc:Fallback>
-  </mc:AlternateContent>
-  <p:timing>
-    <p:tnLst>
-      <p:par>
-        <p:cTn xmlns:p14="http://schemas.microsoft.com/office/powerpoint/2010/main" id="1" dur="indefinite" restart="never" nodeType="tmRoot"/>
-      </p:par>
-    </p:tnLst>
-  </p:timing>
 </p:sld>
 </file>
 
@@ -4237,7 +4194,7 @@
           <a:lstStyle/>
           <a:p>
             <a:r>
-              <a:rPr lang="en-US" dirty="0" err="1" smtClean="0"/>
+              <a:rPr lang="en-US" dirty="0" err="1"/>
               <a:t>Practicals</a:t>
             </a:r>
             <a:endParaRPr lang="en-US" dirty="0"/>
@@ -4257,86 +4214,70 @@
         <p:spPr/>
         <p:txBody>
           <a:bodyPr>
-            <a:normAutofit fontScale="85000" lnSpcReduction="20000"/>
+            <a:normAutofit fontScale="92500" lnSpcReduction="20000"/>
           </a:bodyPr>
           <a:lstStyle/>
           <a:p>
             <a:r>
-              <a:rPr lang="en-US" dirty="0" smtClean="0"/>
+              <a:rPr lang="en-US" dirty="0"/>
               <a:t>Basic HTTP server and client</a:t>
             </a:r>
           </a:p>
           <a:p>
             <a:r>
-              <a:rPr lang="en-US" dirty="0" smtClean="0"/>
-              <a:t>HTTP </a:t>
-            </a:r>
-            <a:r>
-              <a:rPr lang="en-US" dirty="0" smtClean="0"/>
-              <a:t>service in Java</a:t>
-            </a:r>
-          </a:p>
-          <a:p>
-            <a:r>
-              <a:rPr lang="en-US" dirty="0" smtClean="0"/>
+              <a:rPr lang="en-US" dirty="0"/>
+              <a:t>HTTP service in Java</a:t>
+            </a:r>
+          </a:p>
+          <a:p>
+            <a:r>
+              <a:rPr lang="en-US" dirty="0"/>
               <a:t>Evolving the Richardson Maturity Model towards a </a:t>
             </a:r>
             <a:r>
-              <a:rPr lang="en-US" dirty="0" err="1" smtClean="0"/>
+              <a:rPr lang="en-US" dirty="0" err="1"/>
               <a:t>RESTful</a:t>
             </a:r>
             <a:r>
-              <a:rPr lang="en-US" dirty="0" smtClean="0"/>
+              <a:rPr lang="en-US" dirty="0"/>
               <a:t> service</a:t>
             </a:r>
           </a:p>
           <a:p>
             <a:r>
-              <a:rPr lang="en-US" dirty="0" err="1" smtClean="0"/>
+              <a:rPr lang="en-US" dirty="0" err="1"/>
               <a:t>Microservice</a:t>
             </a:r>
             <a:r>
-              <a:rPr lang="en-US" dirty="0" smtClean="0"/>
-              <a:t> and Docker </a:t>
-            </a:r>
-            <a:r>
-              <a:rPr lang="en-US" dirty="0" smtClean="0"/>
-              <a:t>deployment</a:t>
-            </a:r>
-          </a:p>
-          <a:p>
-            <a:r>
-              <a:rPr lang="en-US" dirty="0" smtClean="0"/>
-              <a:t>SOAP interaction</a:t>
-            </a:r>
-            <a:endParaRPr lang="en-US" dirty="0" smtClean="0"/>
-          </a:p>
-          <a:p>
-            <a:r>
-              <a:rPr lang="en-US" dirty="0" smtClean="0"/>
-              <a:t>Mediation </a:t>
-            </a:r>
-            <a:r>
-              <a:rPr lang="en-US" dirty="0" smtClean="0"/>
-              <a:t>flow with SOAP</a:t>
-            </a:r>
-            <a:endParaRPr lang="en-US" dirty="0" smtClean="0"/>
-          </a:p>
-          <a:p>
-            <a:r>
-              <a:rPr lang="en-US" dirty="0" smtClean="0"/>
+              <a:rPr lang="en-US" dirty="0"/>
+              <a:t> and Docker deployment</a:t>
+            </a:r>
+          </a:p>
+          <a:p>
+            <a:r>
+              <a:rPr lang="en-US" dirty="0" err="1"/>
+              <a:t>gRPC</a:t>
+            </a:r>
+            <a:r>
+              <a:rPr lang="en-US" dirty="0"/>
+              <a:t> and Async</a:t>
+            </a:r>
+          </a:p>
+          <a:p>
+            <a:r>
+              <a:rPr lang="en-US" dirty="0"/>
               <a:t>SSL and OAuth2 security </a:t>
             </a:r>
           </a:p>
           <a:p>
             <a:r>
-              <a:rPr lang="en-US" dirty="0" smtClean="0"/>
+              <a:rPr lang="en-US" dirty="0"/>
               <a:t>API Management and Analytics</a:t>
             </a:r>
           </a:p>
           <a:p>
             <a:r>
-              <a:rPr lang="en-US" dirty="0" smtClean="0"/>
+              <a:rPr lang="en-US" dirty="0"/>
               <a:t>BPMN workflows</a:t>
             </a:r>
           </a:p>
@@ -4344,11 +4285,7 @@
             <a:pPr lvl="1"/>
             <a:r>
               <a:rPr lang="en-US" dirty="0"/>
-              <a:t>P</a:t>
-            </a:r>
-            <a:r>
-              <a:rPr lang="en-US" dirty="0" smtClean="0"/>
-              <a:t>lus some bonus exercises</a:t>
+              <a:t>Plus some bonus exercises</a:t>
             </a:r>
           </a:p>
           <a:p>
@@ -4366,13 +4303,6 @@
   <p:clrMapOvr>
     <a:masterClrMapping/>
   </p:clrMapOvr>
-  <p:timing>
-    <p:tnLst>
-      <p:par>
-        <p:cTn xmlns:p14="http://schemas.microsoft.com/office/powerpoint/2010/main" id="1" dur="indefinite" restart="never" nodeType="tmRoot"/>
-      </p:par>
-    </p:tnLst>
-  </p:timing>
 </p:sld>
 </file>
 
@@ -4407,14 +4337,14 @@
           <a:noFill/>
           <a:extLst>
             <a:ext uri="{909E8E84-426E-40dd-AFC4-6F175D3DCCD1}">
-              <a14:hiddenFill xmlns:a14="http://schemas.microsoft.com/office/drawing/2010/main">
+              <a14:hiddenFill xmlns:a14="http://schemas.microsoft.com/office/drawing/2010/main" xmlns="">
                 <a:solidFill>
                   <a:srgbClr val="FFFFFF"/>
                 </a:solidFill>
               </a14:hiddenFill>
             </a:ext>
             <a:ext uri="{91240B29-F687-4f45-9708-019B960494DF}">
-              <a14:hiddenLine xmlns:a14="http://schemas.microsoft.com/office/drawing/2010/main" w="9525">
+              <a14:hiddenLine xmlns:a14="http://schemas.microsoft.com/office/drawing/2010/main" xmlns="" w="9525">
                 <a:solidFill>
                   <a:srgbClr val="000000"/>
                 </a:solidFill>
@@ -4462,14 +4392,14 @@
           <a:noFill/>
           <a:extLst>
             <a:ext uri="{909E8E84-426E-40dd-AFC4-6F175D3DCCD1}">
-              <a14:hiddenFill xmlns:a14="http://schemas.microsoft.com/office/drawing/2010/main">
+              <a14:hiddenFill xmlns:a14="http://schemas.microsoft.com/office/drawing/2010/main" xmlns="">
                 <a:solidFill>
                   <a:srgbClr val="FFFFFF"/>
                 </a:solidFill>
               </a14:hiddenFill>
             </a:ext>
             <a:ext uri="{91240B29-F687-4f45-9708-019B960494DF}">
-              <a14:hiddenLine xmlns:a14="http://schemas.microsoft.com/office/drawing/2010/main" w="9525">
+              <a14:hiddenLine xmlns:a14="http://schemas.microsoft.com/office/drawing/2010/main" xmlns="" w="9525">
                 <a:solidFill>
                   <a:srgbClr val="000000"/>
                 </a:solidFill>
@@ -4515,20 +4445,13 @@
                 <a:ea typeface="ヒラギノ角ゴ ProN W3" charset="0"/>
                 <a:cs typeface="ヒラギノ角ゴ ProN W3" charset="0"/>
               </a:rPr>
-              <a:t>(Pearson, 2005</a:t>
-            </a:r>
-            <a:r>
-              <a:rPr lang="en-US" sz="2400" dirty="0" smtClean="0">
-                <a:ea typeface="ヒラギノ角ゴ ProN W3" charset="0"/>
-                <a:cs typeface="ヒラギノ角ゴ ProN W3" charset="0"/>
-              </a:rPr>
-              <a:t>)</a:t>
+              <a:t>(Pearson, 2005)</a:t>
             </a:r>
           </a:p>
           <a:p>
             <a:pPr eaLnBrk="1" hangingPunct="1"/>
             <a:r>
-              <a:rPr lang="en-US" sz="2400" dirty="0" err="1" smtClean="0">
+              <a:rPr lang="en-US" sz="2400" dirty="0" err="1">
                 <a:ea typeface="ヒラギノ角ゴ ProN W3" charset="0"/>
                 <a:cs typeface="ヒラギノ角ゴ ProN W3" charset="0"/>
               </a:rPr>
@@ -4553,31 +4476,17 @@
                 <a:ea typeface="ヒラギノ角ゴ ProN W3" charset="0"/>
                 <a:cs typeface="ヒラギノ角ゴ ProN W3" charset="0"/>
               </a:rPr>
-              <a:t> (Prentice-Hall, 2005</a:t>
-            </a:r>
-            <a:r>
-              <a:rPr lang="en-US" sz="2400" dirty="0" smtClean="0">
-                <a:ea typeface="ヒラギノ角ゴ ProN W3" charset="0"/>
-                <a:cs typeface="ヒラギノ角ゴ ProN W3" charset="0"/>
-              </a:rPr>
-              <a:t>)</a:t>
+              <a:t> (Prentice-Hall, 2005)</a:t>
             </a:r>
           </a:p>
           <a:p>
             <a:pPr eaLnBrk="1" hangingPunct="1"/>
             <a:r>
-              <a:rPr lang="en-US" sz="2400" dirty="0" smtClean="0">
-                <a:ea typeface="ヒラギノ角ゴ ProN W3" charset="0"/>
-                <a:cs typeface="ヒラギノ角ゴ ProN W3" charset="0"/>
-              </a:rPr>
-              <a:t>Richardson </a:t>
-            </a:r>
-            <a:r>
               <a:rPr lang="en-US" sz="2400" dirty="0">
                 <a:ea typeface="ヒラギノ角ゴ ProN W3" charset="0"/>
                 <a:cs typeface="ヒラギノ角ゴ ProN W3" charset="0"/>
               </a:rPr>
-              <a:t>and Ruby, </a:t>
+              <a:t>Richardson and Ruby, </a:t>
             </a:r>
             <a:r>
               <a:rPr lang="en-US" sz="2400" i="1" dirty="0" err="1">
@@ -4598,80 +4507,48 @@
                 <a:ea typeface="ヒラギノ角ゴ ProN W3" charset="0"/>
                 <a:cs typeface="ヒラギノ角ゴ ProN W3" charset="0"/>
               </a:rPr>
-              <a:t>(O’Reilly, 2007</a:t>
-            </a:r>
-            <a:r>
-              <a:rPr lang="en-US" sz="2400" dirty="0" smtClean="0">
-                <a:ea typeface="ヒラギノ角ゴ ProN W3" charset="0"/>
-                <a:cs typeface="ヒラギノ角ゴ ProN W3" charset="0"/>
-              </a:rPr>
-              <a:t>)</a:t>
+              <a:t>(O’Reilly, 2007)</a:t>
             </a:r>
           </a:p>
           <a:p>
             <a:pPr eaLnBrk="1" hangingPunct="1"/>
             <a:r>
-              <a:rPr lang="en-US" sz="2400" dirty="0" smtClean="0">
+              <a:rPr lang="en-US" sz="2400" dirty="0">
                 <a:ea typeface="ヒラギノ角ゴ ProN W3" charset="0"/>
                 <a:cs typeface="ヒラギノ角ゴ ProN W3" charset="0"/>
               </a:rPr>
               <a:t>Webber et al, </a:t>
             </a:r>
             <a:r>
-              <a:rPr lang="en-US" sz="2400" i="1" dirty="0" smtClean="0">
+              <a:rPr lang="en-US" sz="2400" i="1" dirty="0">
                 <a:ea typeface="ヒラギノ角ゴ ProN W3" charset="0"/>
                 <a:cs typeface="ヒラギノ角ゴ ProN W3" charset="0"/>
               </a:rPr>
               <a:t>REST in Practice </a:t>
             </a:r>
             <a:r>
-              <a:rPr lang="en-US" sz="2400" dirty="0" smtClean="0">
+              <a:rPr lang="en-US" sz="2400" dirty="0">
                 <a:ea typeface="ヒラギノ角ゴ ProN W3" charset="0"/>
                 <a:cs typeface="ヒラギノ角ゴ ProN W3" charset="0"/>
               </a:rPr>
               <a:t>(O’Reilly, 2010)</a:t>
             </a:r>
-            <a:endParaRPr lang="en-US" sz="2400" dirty="0">
-              <a:ea typeface="ヒラギノ角ゴ ProN W3" charset="0"/>
-              <a:cs typeface="ヒラギノ角ゴ ProN W3" charset="0"/>
-            </a:endParaRPr>
           </a:p>
           <a:p>
             <a:pPr eaLnBrk="1" hangingPunct="1"/>
             <a:r>
-              <a:rPr lang="en-US" sz="2400" dirty="0" smtClean="0">
-                <a:ea typeface="ヒラギノ角ゴ ProN W3" charset="0"/>
-                <a:cs typeface="ヒラギノ角ゴ ProN W3" charset="0"/>
-              </a:rPr>
-              <a:t>Fielding</a:t>
-            </a:r>
-            <a:r>
               <a:rPr lang="en-US" sz="2400" dirty="0">
                 <a:ea typeface="ヒラギノ角ゴ ProN W3" charset="0"/>
                 <a:cs typeface="ヒラギノ角ゴ ProN W3" charset="0"/>
               </a:rPr>
-              <a:t>, </a:t>
+              <a:t>Fielding, </a:t>
             </a:r>
             <a:r>
               <a:rPr lang="en-US" sz="2400" i="1" dirty="0">
                 <a:ea typeface="ヒラギノ角ゴ ProN W3" charset="0"/>
                 <a:cs typeface="ヒラギノ角ゴ ProN W3" charset="0"/>
               </a:rPr>
-              <a:t>Architectural Styles </a:t>
-            </a:r>
-            <a:r>
-              <a:rPr lang="en-US" sz="2400" i="1" dirty="0" smtClean="0">
-                <a:ea typeface="ヒラギノ角ゴ ProN W3" charset="0"/>
-                <a:cs typeface="ヒラギノ角ゴ ProN W3" charset="0"/>
-              </a:rPr>
-              <a:t>and the </a:t>
-            </a:r>
-            <a:r>
-              <a:rPr lang="en-US" sz="2400" i="1" dirty="0">
-                <a:ea typeface="ヒラギノ角ゴ ProN W3" charset="0"/>
-                <a:cs typeface="ヒラギノ角ゴ ProN W3" charset="0"/>
-              </a:rPr>
-              <a:t>Design of Network-based Software Architectures, </a:t>
+              <a:t>Architectural Styles and the Design of Network-based Software Architectures, </a:t>
             </a:r>
             <a:r>
               <a:rPr lang="en-US" sz="2400" dirty="0">
@@ -4703,21 +4580,6 @@
   <p:clrMapOvr>
     <a:masterClrMapping/>
   </p:clrMapOvr>
-  <mc:AlternateContent xmlns:mc="http://schemas.openxmlformats.org/markup-compatibility/2006" xmlns:p14="http://schemas.microsoft.com/office/powerpoint/2010/main">
-    <mc:Choice Requires="p14">
-      <p:transition spd="slow" p14:dur="2000"/>
-    </mc:Choice>
-    <mc:Fallback xmlns="">
-      <p:transition xmlns:p14="http://schemas.microsoft.com/office/powerpoint/2010/main" spd="slow"/>
-    </mc:Fallback>
-  </mc:AlternateContent>
-  <p:timing>
-    <p:tnLst>
-      <p:par>
-        <p:cTn xmlns:p14="http://schemas.microsoft.com/office/powerpoint/2010/main" id="1" dur="indefinite" restart="never" nodeType="tmRoot"/>
-      </p:par>
-    </p:tnLst>
-  </p:timing>
 </p:sld>
 </file>
 
@@ -4752,14 +4614,14 @@
           <a:noFill/>
           <a:extLst>
             <a:ext uri="{909E8E84-426E-40dd-AFC4-6F175D3DCCD1}">
-              <a14:hiddenFill xmlns:a14="http://schemas.microsoft.com/office/drawing/2010/main">
+              <a14:hiddenFill xmlns:a14="http://schemas.microsoft.com/office/drawing/2010/main" xmlns="">
                 <a:solidFill>
                   <a:srgbClr val="FFFFFF"/>
                 </a:solidFill>
               </a14:hiddenFill>
             </a:ext>
             <a:ext uri="{91240B29-F687-4f45-9708-019B960494DF}">
-              <a14:hiddenLine xmlns:a14="http://schemas.microsoft.com/office/drawing/2010/main" w="9525">
+              <a14:hiddenLine xmlns:a14="http://schemas.microsoft.com/office/drawing/2010/main" xmlns="" w="9525">
                 <a:solidFill>
                   <a:srgbClr val="000000"/>
                 </a:solidFill>
@@ -4803,14 +4665,14 @@
           <a:noFill/>
           <a:extLst>
             <a:ext uri="{909E8E84-426E-40dd-AFC4-6F175D3DCCD1}">
-              <a14:hiddenFill xmlns:a14="http://schemas.microsoft.com/office/drawing/2010/main">
+              <a14:hiddenFill xmlns:a14="http://schemas.microsoft.com/office/drawing/2010/main" xmlns="">
                 <a:solidFill>
                   <a:srgbClr val="FFFFFF"/>
                 </a:solidFill>
               </a14:hiddenFill>
             </a:ext>
             <a:ext uri="{91240B29-F687-4f45-9708-019B960494DF}">
-              <a14:hiddenLine xmlns:a14="http://schemas.microsoft.com/office/drawing/2010/main" w="9525">
+              <a14:hiddenLine xmlns:a14="http://schemas.microsoft.com/office/drawing/2010/main" xmlns="" w="9525">
                 <a:solidFill>
                   <a:srgbClr val="000000"/>
                 </a:solidFill>
@@ -4876,20 +4738,13 @@
                 <a:ea typeface="ヒラギノ角ゴ ProN W3" charset="0"/>
                 <a:cs typeface="ヒラギノ角ゴ ProN W3" charset="0"/>
               </a:rPr>
-              <a:t>Please keep mobile phones silent or better still turned </a:t>
-            </a:r>
-            <a:r>
-              <a:rPr lang="en-US" sz="2400" dirty="0" smtClean="0">
-                <a:ea typeface="ヒラギノ角ゴ ProN W3" charset="0"/>
-                <a:cs typeface="ヒラギノ角ゴ ProN W3" charset="0"/>
-              </a:rPr>
-              <a:t>off</a:t>
+              <a:t>Please keep mobile phones silent or better still turned off</a:t>
             </a:r>
           </a:p>
           <a:p>
             <a:pPr eaLnBrk="1" hangingPunct="1"/>
             <a:r>
-              <a:rPr lang="en-US" sz="2400" dirty="0" smtClean="0">
+              <a:rPr lang="en-US" sz="2400" dirty="0">
                 <a:ea typeface="ヒラギノ角ゴ ProN W3" charset="0"/>
                 <a:cs typeface="ヒラギノ角ゴ ProN W3" charset="0"/>
               </a:rPr>
@@ -4904,43 +4759,15 @@
                 <a:cs typeface="ヒラギノ角ゴ ProN W3" charset="0"/>
                 <a:hlinkClick r:id="rId2"/>
               </a:rPr>
-              <a:t>https://github.com/pzfreo/ox-</a:t>
-            </a:r>
-            <a:r>
-              <a:rPr lang="en-US" sz="2400" dirty="0" smtClean="0">
-                <a:ea typeface="ヒラギノ角ゴ ProN W3" charset="0"/>
-                <a:cs typeface="ヒラギノ角ゴ ProN W3" charset="0"/>
-                <a:hlinkClick r:id="rId2"/>
-              </a:rPr>
-              <a:t>soa2/</a:t>
+              <a:t>https://github.com/pzfreo/ox-soa2/issues/new</a:t>
             </a:r>
             <a:r>
               <a:rPr lang="en-US" sz="2400" dirty="0">
                 <a:ea typeface="ヒラギノ角ゴ ProN W3" charset="0"/>
                 <a:cs typeface="ヒラギノ角ゴ ProN W3" charset="0"/>
-                <a:hlinkClick r:id="rId2"/>
-              </a:rPr>
-              <a:t>issues/</a:t>
-            </a:r>
-            <a:r>
-              <a:rPr lang="en-US" sz="2400" dirty="0" smtClean="0">
-                <a:ea typeface="ヒラギノ角ゴ ProN W3" charset="0"/>
-                <a:cs typeface="ヒラギノ角ゴ ProN W3" charset="0"/>
-                <a:hlinkClick r:id="rId2"/>
-              </a:rPr>
-              <a:t>new</a:t>
-            </a:r>
-            <a:r>
-              <a:rPr lang="en-US" sz="2400" dirty="0" smtClean="0">
-                <a:ea typeface="ヒラギノ角ゴ ProN W3" charset="0"/>
-                <a:cs typeface="ヒラギノ角ゴ ProN W3" charset="0"/>
               </a:rPr>
               <a:t> </a:t>
             </a:r>
-            <a:endParaRPr lang="en-US" sz="2400" dirty="0">
-              <a:ea typeface="ヒラギノ角ゴ ProN W3" charset="0"/>
-              <a:cs typeface="ヒラギノ角ゴ ProN W3" charset="0"/>
-            </a:endParaRPr>
           </a:p>
         </p:txBody>
       </p:sp>
@@ -4954,21 +4781,6 @@
   <p:clrMapOvr>
     <a:masterClrMapping/>
   </p:clrMapOvr>
-  <mc:AlternateContent xmlns:mc="http://schemas.openxmlformats.org/markup-compatibility/2006" xmlns:p14="http://schemas.microsoft.com/office/powerpoint/2010/main">
-    <mc:Choice Requires="p14">
-      <p:transition spd="slow" p14:dur="2000"/>
-    </mc:Choice>
-    <mc:Fallback xmlns="">
-      <p:transition xmlns:p14="http://schemas.microsoft.com/office/powerpoint/2010/main" spd="slow"/>
-    </mc:Fallback>
-  </mc:AlternateContent>
-  <p:timing>
-    <p:tnLst>
-      <p:par>
-        <p:cTn xmlns:p14="http://schemas.microsoft.com/office/powerpoint/2010/main" id="1" dur="indefinite" restart="never" nodeType="tmRoot"/>
-      </p:par>
-    </p:tnLst>
-  </p:timing>
 </p:sld>
 </file>
 
@@ -5003,14 +4815,14 @@
           <a:noFill/>
           <a:extLst>
             <a:ext uri="{909E8E84-426E-40dd-AFC4-6F175D3DCCD1}">
-              <a14:hiddenFill xmlns:a14="http://schemas.microsoft.com/office/drawing/2010/main">
+              <a14:hiddenFill xmlns:a14="http://schemas.microsoft.com/office/drawing/2010/main" xmlns="">
                 <a:solidFill>
                   <a:srgbClr val="FFFFFF"/>
                 </a:solidFill>
               </a14:hiddenFill>
             </a:ext>
             <a:ext uri="{91240B29-F687-4f45-9708-019B960494DF}">
-              <a14:hiddenLine xmlns:a14="http://schemas.microsoft.com/office/drawing/2010/main" w="9525">
+              <a14:hiddenLine xmlns:a14="http://schemas.microsoft.com/office/drawing/2010/main" xmlns="" w="9525">
                 <a:solidFill>
                   <a:srgbClr val="000000"/>
                 </a:solidFill>
@@ -5058,14 +4870,14 @@
           <a:noFill/>
           <a:extLst>
             <a:ext uri="{909E8E84-426E-40dd-AFC4-6F175D3DCCD1}">
-              <a14:hiddenFill xmlns:a14="http://schemas.microsoft.com/office/drawing/2010/main">
+              <a14:hiddenFill xmlns:a14="http://schemas.microsoft.com/office/drawing/2010/main" xmlns="">
                 <a:solidFill>
                   <a:srgbClr val="FFFFFF"/>
                 </a:solidFill>
               </a14:hiddenFill>
             </a:ext>
             <a:ext uri="{91240B29-F687-4f45-9708-019B960494DF}">
-              <a14:hiddenLine xmlns:a14="http://schemas.microsoft.com/office/drawing/2010/main" w="9525">
+              <a14:hiddenLine xmlns:a14="http://schemas.microsoft.com/office/drawing/2010/main" xmlns="" w="9525">
                 <a:solidFill>
                   <a:srgbClr val="000000"/>
                 </a:solidFill>
@@ -5091,29 +4903,18 @@
                 <a:ea typeface="ヒラギノ角ゴ ProN W3" charset="0"/>
                 <a:cs typeface="ヒラギノ角ゴ ProN W3" charset="0"/>
               </a:rPr>
-              <a:t>CTO and Co-Founder of </a:t>
-            </a:r>
-            <a:r>
-              <a:rPr lang="en-US" sz="2000" dirty="0" smtClean="0">
-                <a:ea typeface="ヒラギノ角ゴ ProN W3" charset="0"/>
-                <a:cs typeface="ヒラギノ角ゴ ProN W3" charset="0"/>
-              </a:rPr>
-              <a:t>WSO2</a:t>
+              <a:t>CTO and Co-Founder of WSO2</a:t>
             </a:r>
           </a:p>
           <a:p>
             <a:pPr lvl="1"/>
             <a:r>
-              <a:rPr lang="en-US" sz="1600" dirty="0" smtClean="0">
+              <a:rPr lang="en-US" sz="1600" dirty="0">
                 <a:ea typeface="ヒラギノ角ゴ ProN W3" charset="0"/>
                 <a:cs typeface="ヒラギノ角ゴ ProN W3" charset="0"/>
               </a:rPr>
               <a:t>An Open Source SOA and API focused company</a:t>
             </a:r>
-            <a:endParaRPr lang="en-US" sz="1600" dirty="0">
-              <a:ea typeface="ヒラギノ角ゴ ProN W3" charset="0"/>
-              <a:cs typeface="ヒラギノ角ゴ ProN W3" charset="0"/>
-            </a:endParaRPr>
           </a:p>
           <a:p>
             <a:pPr eaLnBrk="1" hangingPunct="1"/>
@@ -5204,75 +5005,46 @@
                 <a:ea typeface="ヒラギノ角ゴ ProN W3" charset="0"/>
                 <a:cs typeface="ヒラギノ角ゴ ProN W3" charset="0"/>
               </a:rPr>
-              <a:t>MSc in </a:t>
-            </a:r>
-            <a:r>
-              <a:rPr lang="en-US" sz="2000" dirty="0" smtClean="0">
-                <a:ea typeface="ヒラギノ角ゴ ProN W3" charset="0"/>
-                <a:cs typeface="ヒラギノ角ゴ ProN W3" charset="0"/>
-              </a:rPr>
-              <a:t>Computation (here)</a:t>
-            </a:r>
-            <a:endParaRPr lang="en-US" sz="2000" dirty="0" smtClean="0">
-              <a:ea typeface="ヒラギノ角ゴ ProN W3" charset="0"/>
-              <a:cs typeface="ヒラギノ角ゴ ProN W3" charset="0"/>
-            </a:endParaRPr>
+              <a:t>MSc in Computation (here)</a:t>
+            </a:r>
           </a:p>
           <a:p>
             <a:pPr eaLnBrk="1" hangingPunct="1"/>
             <a:r>
-              <a:rPr lang="en-US" sz="2000" dirty="0" smtClean="0">
-                <a:ea typeface="ヒラギノ角ゴ ProN W3" charset="0"/>
-                <a:cs typeface="ヒラギノ角ゴ ProN W3" charset="0"/>
-              </a:rPr>
-              <a:t>PhD in </a:t>
-            </a:r>
-            <a:r>
-              <a:rPr lang="en-US" sz="2000" dirty="0" smtClean="0">
-                <a:ea typeface="ヒラギノ角ゴ ProN W3" charset="0"/>
-                <a:cs typeface="ヒラギノ角ゴ ProN W3" charset="0"/>
-              </a:rPr>
-              <a:t>Computing</a:t>
-            </a:r>
-            <a:r>
               <a:rPr lang="en-US" sz="2000" dirty="0">
                 <a:ea typeface="ヒラギノ角ゴ ProN W3" charset="0"/>
                 <a:cs typeface="ヒラギノ角ゴ ProN W3" charset="0"/>
               </a:rPr>
+              <a:t>PhD in Computing </a:t>
+            </a:r>
+            <a:r>
+              <a:rPr lang="mr-IN" sz="2000" dirty="0">
+                <a:ea typeface="ヒラギノ角ゴ ProN W3" charset="0"/>
+                <a:cs typeface="ヒラギノ角ゴ ProN W3" charset="0"/>
+              </a:rPr>
+              <a:t>–</a:t>
+            </a:r>
+            <a:r>
+              <a:rPr lang="en-US" sz="2000" dirty="0">
+                <a:ea typeface="ヒラギノ角ゴ ProN W3" charset="0"/>
+                <a:cs typeface="ヒラギノ角ゴ ProN W3" charset="0"/>
+              </a:rPr>
               <a:t> </a:t>
             </a:r>
             <a:r>
-              <a:rPr lang="mr-IN" sz="2000" dirty="0" smtClean="0">
-                <a:ea typeface="ヒラギノ角ゴ ProN W3" charset="0"/>
-                <a:cs typeface="ヒラギノ角ゴ ProN W3" charset="0"/>
-              </a:rPr>
-              <a:t>–</a:t>
-            </a:r>
-            <a:r>
-              <a:rPr lang="en-US" sz="2000" dirty="0" smtClean="0">
-                <a:ea typeface="ヒラギノ角ゴ ProN W3" charset="0"/>
-                <a:cs typeface="ヒラギノ角ゴ ProN W3" charset="0"/>
-              </a:rPr>
-              <a:t> </a:t>
-            </a:r>
-            <a:r>
-              <a:rPr lang="en-US" sz="2000" dirty="0" err="1" smtClean="0">
+              <a:rPr lang="en-US" sz="2000" dirty="0" err="1">
                 <a:ea typeface="ヒラギノ角ゴ ProN W3" charset="0"/>
                 <a:cs typeface="ヒラギノ角ゴ ProN W3" charset="0"/>
               </a:rPr>
               <a:t>IoT</a:t>
             </a:r>
             <a:r>
-              <a:rPr lang="en-US" sz="2000" dirty="0" smtClean="0">
+              <a:rPr lang="en-US" sz="2000" dirty="0">
                 <a:ea typeface="ヒラギノ角ゴ ProN W3" charset="0"/>
                 <a:cs typeface="ヒラギノ角ゴ ProN W3" charset="0"/>
               </a:rPr>
               <a:t> privacy and security</a:t>
             </a:r>
-            <a:endParaRPr lang="en-US" sz="2000" dirty="0" smtClean="0">
-              <a:ea typeface="ヒラギノ角ゴ ProN W3" charset="0"/>
-              <a:cs typeface="ヒラギノ角ゴ ProN W3" charset="0"/>
-            </a:endParaRPr>
           </a:p>
         </p:txBody>
       </p:sp>
@@ -5311,14 +5083,14 @@
           </a:ln>
           <a:extLst>
             <a:ext uri="{909E8E84-426E-40dd-AFC4-6F175D3DCCD1}">
-              <a14:hiddenFill xmlns:a14="http://schemas.microsoft.com/office/drawing/2010/main">
+              <a14:hiddenFill xmlns:a14="http://schemas.microsoft.com/office/drawing/2010/main" xmlns="">
                 <a:solidFill>
                   <a:srgbClr val="FFFFFF"/>
                 </a:solidFill>
               </a14:hiddenFill>
             </a:ext>
             <a:ext uri="{91240B29-F687-4f45-9708-019B960494DF}">
-              <a14:hiddenLine xmlns:a14="http://schemas.microsoft.com/office/drawing/2010/main" w="9525">
+              <a14:hiddenLine xmlns:a14="http://schemas.microsoft.com/office/drawing/2010/main" xmlns="" w="9525">
                 <a:solidFill>
                   <a:srgbClr val="000000"/>
                 </a:solidFill>
@@ -5340,21 +5112,6 @@
   <p:clrMapOvr>
     <a:masterClrMapping/>
   </p:clrMapOvr>
-  <mc:AlternateContent xmlns:mc="http://schemas.openxmlformats.org/markup-compatibility/2006" xmlns:p14="http://schemas.microsoft.com/office/powerpoint/2010/main">
-    <mc:Choice Requires="p14">
-      <p:transition spd="slow" p14:dur="2000"/>
-    </mc:Choice>
-    <mc:Fallback xmlns="">
-      <p:transition xmlns:p14="http://schemas.microsoft.com/office/powerpoint/2010/main" spd="slow"/>
-    </mc:Fallback>
-  </mc:AlternateContent>
-  <p:timing>
-    <p:tnLst>
-      <p:par>
-        <p:cTn xmlns:p14="http://schemas.microsoft.com/office/powerpoint/2010/main" id="1" dur="indefinite" restart="never" nodeType="tmRoot"/>
-      </p:par>
-    </p:tnLst>
-  </p:timing>
 </p:sld>
 </file>
 
@@ -5391,10 +5148,9 @@
           <a:lstStyle/>
           <a:p>
             <a:r>
-              <a:rPr lang="en-US" dirty="0" smtClean="0"/>
+              <a:rPr lang="en-US" dirty="0"/>
               <a:t>You?</a:t>
             </a:r>
-            <a:endParaRPr lang="en-US" dirty="0"/>
           </a:p>
         </p:txBody>
       </p:sp>
@@ -5408,13 +5164,6 @@
   <p:clrMapOvr>
     <a:masterClrMapping/>
   </p:clrMapOvr>
-  <p:timing>
-    <p:tnLst>
-      <p:par>
-        <p:cTn xmlns:p14="http://schemas.microsoft.com/office/powerpoint/2010/main" id="1" dur="indefinite" restart="never" nodeType="tmRoot"/>
-      </p:par>
-    </p:tnLst>
-  </p:timing>
 </p:sld>
 </file>
 
@@ -5449,14 +5198,14 @@
           <a:noFill/>
           <a:extLst>
             <a:ext uri="{909E8E84-426E-40dd-AFC4-6F175D3DCCD1}">
-              <a14:hiddenFill xmlns:a14="http://schemas.microsoft.com/office/drawing/2010/main">
+              <a14:hiddenFill xmlns:a14="http://schemas.microsoft.com/office/drawing/2010/main" xmlns="">
                 <a:solidFill>
                   <a:srgbClr val="FFFFFF"/>
                 </a:solidFill>
               </a14:hiddenFill>
             </a:ext>
             <a:ext uri="{91240B29-F687-4f45-9708-019B960494DF}">
-              <a14:hiddenLine xmlns:a14="http://schemas.microsoft.com/office/drawing/2010/main" w="9525">
+              <a14:hiddenLine xmlns:a14="http://schemas.microsoft.com/office/drawing/2010/main" xmlns="" w="9525">
                 <a:solidFill>
                   <a:srgbClr val="000000"/>
                 </a:solidFill>
@@ -5512,11 +5261,41 @@
                 <a:tableStyleId>{5C22544A-7EE6-4342-B048-85BDC9FD1C3A}</a:tableStyleId>
               </a:tblPr>
               <a:tblGrid>
-                <a:gridCol w="1612702"/>
-                <a:gridCol w="1662371"/>
-                <a:gridCol w="1563033"/>
-                <a:gridCol w="1612702"/>
-                <a:gridCol w="1612702"/>
+                <a:gridCol w="1612702">
+                  <a:extLst>
+                    <a:ext uri="{9D8B030D-6E8A-4147-A177-3AD203B41FA5}">
+                      <a16:colId xmlns:a16="http://schemas.microsoft.com/office/drawing/2014/main" val="20000"/>
+                    </a:ext>
+                  </a:extLst>
+                </a:gridCol>
+                <a:gridCol w="1662371">
+                  <a:extLst>
+                    <a:ext uri="{9D8B030D-6E8A-4147-A177-3AD203B41FA5}">
+                      <a16:colId xmlns:a16="http://schemas.microsoft.com/office/drawing/2014/main" val="20001"/>
+                    </a:ext>
+                  </a:extLst>
+                </a:gridCol>
+                <a:gridCol w="1563033">
+                  <a:extLst>
+                    <a:ext uri="{9D8B030D-6E8A-4147-A177-3AD203B41FA5}">
+                      <a16:colId xmlns:a16="http://schemas.microsoft.com/office/drawing/2014/main" val="20002"/>
+                    </a:ext>
+                  </a:extLst>
+                </a:gridCol>
+                <a:gridCol w="1612702">
+                  <a:extLst>
+                    <a:ext uri="{9D8B030D-6E8A-4147-A177-3AD203B41FA5}">
+                      <a16:colId xmlns:a16="http://schemas.microsoft.com/office/drawing/2014/main" val="20003"/>
+                    </a:ext>
+                  </a:extLst>
+                </a:gridCol>
+                <a:gridCol w="1612702">
+                  <a:extLst>
+                    <a:ext uri="{9D8B030D-6E8A-4147-A177-3AD203B41FA5}">
+                      <a16:colId xmlns:a16="http://schemas.microsoft.com/office/drawing/2014/main" val="20004"/>
+                    </a:ext>
+                  </a:extLst>
+                </a:gridCol>
               </a:tblGrid>
               <a:tr h="333271">
                 <a:tc>
@@ -5526,14 +5305,11 @@
                     <a:p>
                       <a:pPr algn="ctr"/>
                       <a:r>
-                        <a:rPr lang="en-US" sz="1700" dirty="0" smtClean="0">
+                        <a:rPr lang="en-US" sz="1700" dirty="0">
                           <a:latin typeface="Montserrat"/>
                         </a:rPr>
                         <a:t>Monday</a:t>
                       </a:r>
-                      <a:endParaRPr lang="en-US" sz="1700" dirty="0">
-                        <a:latin typeface="Montserrat"/>
-                      </a:endParaRPr>
                     </a:p>
                   </a:txBody>
                   <a:tcPr marL="64294" marR="64294" marT="32147" marB="32147"/>
@@ -5545,14 +5321,11 @@
                     <a:p>
                       <a:pPr algn="ctr"/>
                       <a:r>
-                        <a:rPr lang="en-US" sz="1700" dirty="0" smtClean="0">
+                        <a:rPr lang="en-US" sz="1700" dirty="0">
                           <a:latin typeface="Montserrat"/>
                         </a:rPr>
                         <a:t>Tuesday</a:t>
                       </a:r>
-                      <a:endParaRPr lang="en-US" sz="1700" dirty="0">
-                        <a:latin typeface="Montserrat"/>
-                      </a:endParaRPr>
                     </a:p>
                   </a:txBody>
                   <a:tcPr marL="64294" marR="64294" marT="32147" marB="32147"/>
@@ -5564,14 +5337,11 @@
                     <a:p>
                       <a:pPr algn="ctr"/>
                       <a:r>
-                        <a:rPr lang="en-US" sz="1700" dirty="0" smtClean="0">
+                        <a:rPr lang="en-US" sz="1700" dirty="0">
                           <a:latin typeface="Montserrat"/>
                         </a:rPr>
                         <a:t>Wednesday</a:t>
                       </a:r>
-                      <a:endParaRPr lang="en-US" sz="1700" dirty="0">
-                        <a:latin typeface="Montserrat"/>
-                      </a:endParaRPr>
                     </a:p>
                   </a:txBody>
                   <a:tcPr marL="64294" marR="64294" marT="32147" marB="32147"/>
@@ -5583,14 +5353,11 @@
                     <a:p>
                       <a:pPr algn="ctr"/>
                       <a:r>
-                        <a:rPr lang="en-US" sz="1700" dirty="0" smtClean="0">
+                        <a:rPr lang="en-US" sz="1700" dirty="0">
                           <a:latin typeface="Montserrat"/>
                         </a:rPr>
                         <a:t>Thursday</a:t>
                       </a:r>
-                      <a:endParaRPr lang="en-US" sz="1700" dirty="0">
-                        <a:latin typeface="Montserrat"/>
-                      </a:endParaRPr>
                     </a:p>
                   </a:txBody>
                   <a:tcPr marL="64294" marR="64294" marT="32147" marB="32147"/>
@@ -5602,18 +5369,20 @@
                     <a:p>
                       <a:pPr algn="ctr"/>
                       <a:r>
-                        <a:rPr lang="en-US" sz="1700" dirty="0" smtClean="0">
+                        <a:rPr lang="en-US" sz="1700" dirty="0">
                           <a:latin typeface="Montserrat"/>
                         </a:rPr>
                         <a:t>Friday</a:t>
                       </a:r>
-                      <a:endParaRPr lang="en-US" sz="1700" dirty="0">
-                        <a:latin typeface="Montserrat"/>
-                      </a:endParaRPr>
                     </a:p>
                   </a:txBody>
                   <a:tcPr marL="64294" marR="64294" marT="32147" marB="32147"/>
                 </a:tc>
+                <a:extLst>
+                  <a:ext uri="{0D108BD9-81ED-4DB2-BD59-A6C34878D82A}">
+                    <a16:rowId xmlns:a16="http://schemas.microsoft.com/office/drawing/2014/main" val="10000"/>
+                  </a:ext>
+                </a:extLst>
               </a:tr>
               <a:tr h="365451">
                 <a:tc>
@@ -5622,14 +5391,11 @@
                     <a:lstStyle/>
                     <a:p>
                       <a:r>
-                        <a:rPr lang="en-US" sz="1700" dirty="0" smtClean="0">
+                        <a:rPr lang="en-US" sz="1700" dirty="0">
                           <a:latin typeface="Montserrat"/>
                         </a:rPr>
                         <a:t>Introduction</a:t>
                       </a:r>
-                      <a:endParaRPr lang="en-US" sz="1700" dirty="0">
-                        <a:latin typeface="Montserrat"/>
-                      </a:endParaRPr>
                     </a:p>
                   </a:txBody>
                   <a:tcPr marL="64294" marR="64294" marT="32147" marB="32147"/>
@@ -5640,13 +5406,13 @@
                     <a:lstStyle/>
                     <a:p>
                       <a:r>
-                        <a:rPr lang="en-US" sz="1700" dirty="0" smtClean="0">
+                        <a:rPr lang="en-US" sz="1700" dirty="0">
                           <a:latin typeface="Montserrat"/>
                         </a:rPr>
                         <a:t>Evolving</a:t>
                       </a:r>
                       <a:r>
-                        <a:rPr lang="en-US" sz="1700" baseline="0" dirty="0" smtClean="0">
+                        <a:rPr lang="en-US" sz="1700" baseline="0" dirty="0">
                           <a:latin typeface="Montserrat"/>
                         </a:rPr>
                         <a:t> REST</a:t>
@@ -5654,7 +5420,7 @@
                     </a:p>
                     <a:p>
                       <a:r>
-                        <a:rPr lang="en-US" sz="1700" baseline="0" dirty="0" err="1" smtClean="0">
+                        <a:rPr lang="en-US" sz="1700" baseline="0" dirty="0" err="1">
                           <a:latin typeface="Montserrat"/>
                         </a:rPr>
                         <a:t>practicals</a:t>
@@ -5689,21 +5455,21 @@
                         <a:defRPr/>
                       </a:pPr>
                       <a:r>
-                        <a:rPr lang="en-US" sz="1600" dirty="0" smtClean="0">
+                        <a:rPr lang="en-US" sz="1600" dirty="0">
                           <a:latin typeface="Montserrat"/>
                         </a:rPr>
                         <a:t>Docker and </a:t>
                       </a:r>
                       <a:r>
-                        <a:rPr lang="en-US" sz="1600" dirty="0" err="1" smtClean="0">
+                        <a:rPr lang="en-US" sz="1600" dirty="0" err="1">
                           <a:latin typeface="Montserrat"/>
                         </a:rPr>
                         <a:t>DevOps</a:t>
                       </a:r>
-                      <a:endParaRPr lang="en-US" sz="1600" dirty="0" smtClean="0"/>
+                      <a:endParaRPr lang="en-US" sz="1600" dirty="0"/>
                     </a:p>
                     <a:p>
-                      <a:endParaRPr lang="en-US" sz="1700" dirty="0" smtClean="0">
+                      <a:endParaRPr lang="en-US" sz="1700" dirty="0">
                         <a:latin typeface="Montserrat"/>
                       </a:endParaRPr>
                     </a:p>
@@ -5733,23 +5499,23 @@
                         <a:defRPr/>
                       </a:pPr>
                       <a:r>
-                        <a:rPr lang="en-US" sz="1700" dirty="0" smtClean="0">
+                        <a:rPr lang="en-US" sz="1700" dirty="0">
                           <a:latin typeface="Montserrat"/>
                         </a:rPr>
                         <a:t>API Manage-</a:t>
                       </a:r>
                       <a:r>
-                        <a:rPr lang="en-US" sz="1700" dirty="0" err="1" smtClean="0">
+                        <a:rPr lang="en-US" sz="1700" dirty="0" err="1">
                           <a:latin typeface="Montserrat"/>
                         </a:rPr>
                         <a:t>ment</a:t>
                       </a:r>
-                      <a:endParaRPr lang="en-US" sz="1700" dirty="0" smtClean="0">
+                      <a:endParaRPr lang="en-US" sz="1700" dirty="0">
                         <a:latin typeface="Montserrat"/>
                       </a:endParaRPr>
                     </a:p>
                     <a:p>
-                      <a:endParaRPr lang="en-US" sz="1700" dirty="0" smtClean="0">
+                      <a:endParaRPr lang="en-US" sz="1700" dirty="0">
                         <a:latin typeface="Montserrat"/>
                       </a:endParaRPr>
                     </a:p>
@@ -5762,18 +5528,20 @@
                     <a:lstStyle/>
                     <a:p>
                       <a:r>
-                        <a:rPr lang="en-US" sz="1700" dirty="0" smtClean="0">
+                        <a:rPr lang="en-US" sz="1700" dirty="0">
                           <a:latin typeface="Montserrat"/>
                         </a:rPr>
                         <a:t>Design Exercise</a:t>
                       </a:r>
-                      <a:endParaRPr lang="en-US" sz="1700" dirty="0">
-                        <a:latin typeface="Montserrat"/>
-                      </a:endParaRPr>
                     </a:p>
                   </a:txBody>
                   <a:tcPr marL="64294" marR="64294" marT="32147" marB="32147"/>
                 </a:tc>
+                <a:extLst>
+                  <a:ext uri="{0D108BD9-81ED-4DB2-BD59-A6C34878D82A}">
+                    <a16:rowId xmlns:a16="http://schemas.microsoft.com/office/drawing/2014/main" val="10001"/>
+                  </a:ext>
+                </a:extLst>
               </a:tr>
               <a:tr h="835825">
                 <a:tc>
@@ -5782,22 +5550,16 @@
                     <a:lstStyle/>
                     <a:p>
                       <a:r>
-                        <a:rPr lang="en-US" sz="1700" dirty="0" smtClean="0">
+                        <a:rPr lang="en-US" sz="1700" dirty="0">
                           <a:latin typeface="Montserrat"/>
                         </a:rPr>
                         <a:t>Case</a:t>
                       </a:r>
                       <a:r>
-                        <a:rPr lang="en-US" sz="1700" baseline="0" dirty="0" smtClean="0">
+                        <a:rPr lang="en-US" sz="1700" baseline="0" dirty="0">
                           <a:latin typeface="Montserrat"/>
                         </a:rPr>
-                        <a:t> Studies and </a:t>
-                      </a:r>
-                      <a:r>
-                        <a:rPr lang="en-US" sz="1700" baseline="0" dirty="0" smtClean="0">
-                          <a:latin typeface="Montserrat"/>
-                        </a:rPr>
-                        <a:t>motivation</a:t>
+                        <a:t> Studies and motivation</a:t>
                       </a:r>
                     </a:p>
                     <a:p>
@@ -5814,33 +5576,24 @@
                     <a:lstStyle/>
                     <a:p>
                       <a:r>
-                        <a:rPr lang="en-US" sz="1700" dirty="0" smtClean="0">
+                        <a:rPr lang="en-US" sz="1700" dirty="0">
                           <a:latin typeface="Montserrat"/>
                         </a:rPr>
                         <a:t>REST Description</a:t>
                       </a:r>
                     </a:p>
                     <a:p>
-                      <a:endParaRPr lang="en-US" sz="1700" dirty="0" smtClean="0">
+                      <a:endParaRPr lang="en-US" sz="1700" dirty="0">
                         <a:latin typeface="Montserrat"/>
                       </a:endParaRPr>
                     </a:p>
                     <a:p>
                       <a:r>
-                        <a:rPr lang="en-US" sz="1700" dirty="0" smtClean="0">
+                        <a:rPr lang="en-US" sz="1700" dirty="0">
                           <a:latin typeface="Montserrat"/>
                         </a:rPr>
-                        <a:t>Advanced </a:t>
+                        <a:t>Advanced REST</a:t>
                       </a:r>
-                      <a:r>
-                        <a:rPr lang="en-US" sz="1700" dirty="0" smtClean="0">
-                          <a:latin typeface="Montserrat"/>
-                        </a:rPr>
-                        <a:t>REST</a:t>
-                      </a:r>
-                      <a:endParaRPr lang="en-US" sz="1700" dirty="0">
-                        <a:latin typeface="Montserrat"/>
-                      </a:endParaRPr>
                     </a:p>
                   </a:txBody>
                   <a:tcPr marL="64294" marR="64294" marT="32147" marB="32147"/>
@@ -5851,13 +5604,13 @@
                     <a:lstStyle/>
                     <a:p>
                       <a:r>
-                        <a:rPr lang="en-US" sz="1700" dirty="0" err="1" smtClean="0">
+                        <a:rPr lang="en-US" sz="1700" dirty="0" err="1">
                           <a:latin typeface="Montserrat"/>
                         </a:rPr>
                         <a:t>Async</a:t>
                       </a:r>
                       <a:r>
-                        <a:rPr lang="en-US" sz="1700" dirty="0" smtClean="0">
+                        <a:rPr lang="en-US" sz="1700" dirty="0">
                           <a:latin typeface="Montserrat"/>
                         </a:rPr>
                         <a:t> and Events</a:t>
@@ -5889,51 +5642,13 @@
                         <a:defRPr/>
                       </a:pPr>
                       <a:r>
-                        <a:rPr lang="en-US" sz="1700" dirty="0" smtClean="0">
+                        <a:rPr lang="en-US" sz="1700" dirty="0">
                           <a:latin typeface="Montserrat"/>
                         </a:rPr>
                         <a:t>Integration</a:t>
                       </a:r>
                     </a:p>
                     <a:p>
-                      <a:endParaRPr lang="en-US" sz="1700" dirty="0" smtClean="0">
-                        <a:latin typeface="Montserrat"/>
-                      </a:endParaRPr>
-                    </a:p>
-                  </a:txBody>
-                  <a:tcPr marL="64294" marR="64294" marT="32147" marB="32147"/>
-                </a:tc>
-                <a:tc>
-                  <a:txBody>
-                    <a:bodyPr/>
-                    <a:lstStyle/>
-                    <a:p>
-                      <a:r>
-                        <a:rPr lang="en-US" sz="1700" dirty="0" smtClean="0">
-                          <a:latin typeface="Montserrat"/>
-                        </a:rPr>
-                        <a:t>Conclusions</a:t>
-                      </a:r>
-                      <a:endParaRPr lang="en-US" sz="1700" dirty="0">
-                        <a:latin typeface="Montserrat"/>
-                      </a:endParaRPr>
-                    </a:p>
-                  </a:txBody>
-                  <a:tcPr marL="64294" marR="64294" marT="32147" marB="32147"/>
-                </a:tc>
-              </a:tr>
-              <a:tr h="799577">
-                <a:tc>
-                  <a:txBody>
-                    <a:bodyPr/>
-                    <a:lstStyle/>
-                    <a:p>
-                      <a:r>
-                        <a:rPr lang="en-US" sz="1700" dirty="0" smtClean="0">
-                          <a:latin typeface="Montserrat"/>
-                        </a:rPr>
-                        <a:t>REST Introduction</a:t>
-                      </a:r>
                       <a:endParaRPr lang="en-US" sz="1700" dirty="0">
                         <a:latin typeface="Montserrat"/>
                       </a:endParaRPr>
@@ -5947,7 +5662,44 @@
                     <a:lstStyle/>
                     <a:p>
                       <a:r>
-                        <a:rPr lang="en-US" sz="1800" dirty="0" smtClean="0">
+                        <a:rPr lang="en-US" sz="1700" dirty="0">
+                          <a:latin typeface="Montserrat"/>
+                        </a:rPr>
+                        <a:t>Conclusions</a:t>
+                      </a:r>
+                    </a:p>
+                  </a:txBody>
+                  <a:tcPr marL="64294" marR="64294" marT="32147" marB="32147"/>
+                </a:tc>
+                <a:extLst>
+                  <a:ext uri="{0D108BD9-81ED-4DB2-BD59-A6C34878D82A}">
+                    <a16:rowId xmlns:a16="http://schemas.microsoft.com/office/drawing/2014/main" val="10002"/>
+                  </a:ext>
+                </a:extLst>
+              </a:tr>
+              <a:tr h="799577">
+                <a:tc>
+                  <a:txBody>
+                    <a:bodyPr/>
+                    <a:lstStyle/>
+                    <a:p>
+                      <a:r>
+                        <a:rPr lang="en-US" sz="1700" dirty="0">
+                          <a:latin typeface="Montserrat"/>
+                        </a:rPr>
+                        <a:t>REST Introduction</a:t>
+                      </a:r>
+                    </a:p>
+                  </a:txBody>
+                  <a:tcPr marL="64294" marR="64294" marT="32147" marB="32147"/>
+                </a:tc>
+                <a:tc>
+                  <a:txBody>
+                    <a:bodyPr/>
+                    <a:lstStyle/>
+                    <a:p>
+                      <a:r>
+                        <a:rPr lang="en-US" sz="1800" dirty="0">
                           <a:latin typeface="Montserrat"/>
                         </a:rPr>
                         <a:t>SOAP and XML</a:t>
@@ -5979,18 +5731,18 @@
                         <a:defRPr/>
                       </a:pPr>
                       <a:r>
-                        <a:rPr lang="en-US" sz="1700" dirty="0" smtClean="0">
+                        <a:rPr lang="en-US" sz="1700" dirty="0">
                           <a:latin typeface="Montserrat"/>
                         </a:rPr>
                         <a:t>Binary / </a:t>
                       </a:r>
                       <a:r>
-                        <a:rPr lang="en-US" sz="1700" dirty="0" err="1" smtClean="0">
+                        <a:rPr lang="en-US" sz="1700" dirty="0" err="1">
                           <a:latin typeface="Montserrat"/>
                         </a:rPr>
                         <a:t>gRPC</a:t>
                       </a:r>
-                      <a:endParaRPr lang="en-US" sz="1700" dirty="0" smtClean="0">
+                      <a:endParaRPr lang="en-US" sz="1700" dirty="0">
                         <a:latin typeface="Montserrat"/>
                       </a:endParaRPr>
                     </a:p>
@@ -6003,14 +5755,11 @@
                     <a:lstStyle/>
                     <a:p>
                       <a:r>
-                        <a:rPr lang="en-US" sz="1700" dirty="0" smtClean="0">
+                        <a:rPr lang="en-US" sz="1700" dirty="0">
                           <a:latin typeface="Montserrat"/>
                         </a:rPr>
                         <a:t>Composition</a:t>
                       </a:r>
-                      <a:endParaRPr lang="en-US" sz="1700" dirty="0">
-                        <a:latin typeface="Montserrat"/>
-                      </a:endParaRPr>
                     </a:p>
                   </a:txBody>
                   <a:tcPr marL="64294" marR="64294" marT="32147" marB="32147"/>
@@ -6027,6 +5776,11 @@
                   </a:txBody>
                   <a:tcPr marL="64294" marR="64294" marT="32147" marB="32147"/>
                 </a:tc>
+                <a:extLst>
+                  <a:ext uri="{0D108BD9-81ED-4DB2-BD59-A6C34878D82A}">
+                    <a16:rowId xmlns:a16="http://schemas.microsoft.com/office/drawing/2014/main" val="10003"/>
+                  </a:ext>
+                </a:extLst>
               </a:tr>
               <a:tr h="835819">
                 <a:tc>
@@ -6035,14 +5789,11 @@
                     <a:lstStyle/>
                     <a:p>
                       <a:r>
-                        <a:rPr lang="en-US" sz="1700" dirty="0" smtClean="0">
+                        <a:rPr lang="en-US" sz="1700" dirty="0">
                           <a:latin typeface="Montserrat"/>
                         </a:rPr>
                         <a:t>REST example flow</a:t>
                       </a:r>
-                      <a:endParaRPr lang="en-US" sz="1700" dirty="0">
-                        <a:latin typeface="Montserrat"/>
-                      </a:endParaRPr>
                     </a:p>
                   </a:txBody>
                   <a:tcPr marL="64294" marR="64294" marT="32147" marB="32147"/>
@@ -6053,7 +5804,7 @@
                     <a:lstStyle/>
                     <a:p>
                       <a:r>
-                        <a:rPr lang="en-US" sz="1800" dirty="0" smtClean="0">
+                        <a:rPr lang="en-US" sz="1800" dirty="0">
                           <a:latin typeface="Montserrat"/>
                         </a:rPr>
                         <a:t>Microservices </a:t>
@@ -6086,14 +5837,14 @@
                         <a:defRPr/>
                       </a:pPr>
                       <a:r>
-                        <a:rPr lang="en-US" sz="1700" dirty="0" smtClean="0">
+                        <a:rPr lang="en-US" sz="1700" dirty="0">
                           <a:latin typeface="Montserrat"/>
                         </a:rPr>
                         <a:t>Security</a:t>
                       </a:r>
                     </a:p>
                     <a:p>
-                      <a:endParaRPr lang="en-US" sz="1700" dirty="0" smtClean="0">
+                      <a:endParaRPr lang="en-US" sz="1700" dirty="0">
                         <a:latin typeface="Montserrat"/>
                       </a:endParaRPr>
                     </a:p>
@@ -6106,14 +5857,11 @@
                     <a:lstStyle/>
                     <a:p>
                       <a:r>
-                        <a:rPr lang="en-US" sz="1700" dirty="0" smtClean="0">
+                        <a:rPr lang="en-US" sz="1700" dirty="0">
                           <a:latin typeface="Montserrat"/>
                         </a:rPr>
                         <a:t>Governance and Org</a:t>
                       </a:r>
-                      <a:endParaRPr lang="en-US" sz="1700" dirty="0">
-                        <a:latin typeface="Montserrat"/>
-                      </a:endParaRPr>
                     </a:p>
                   </a:txBody>
                   <a:tcPr marL="64294" marR="64294" marT="32147" marB="32147"/>
@@ -6130,6 +5878,11 @@
                   </a:txBody>
                   <a:tcPr marL="64294" marR="64294" marT="32147" marB="32147"/>
                 </a:tc>
+                <a:extLst>
+                  <a:ext uri="{0D108BD9-81ED-4DB2-BD59-A6C34878D82A}">
+                    <a16:rowId xmlns:a16="http://schemas.microsoft.com/office/drawing/2014/main" val="10004"/>
+                  </a:ext>
+                </a:extLst>
               </a:tr>
             </a:tbl>
           </a:graphicData>
@@ -6145,21 +5898,6 @@
   <p:clrMapOvr>
     <a:masterClrMapping/>
   </p:clrMapOvr>
-  <mc:AlternateContent xmlns:mc="http://schemas.openxmlformats.org/markup-compatibility/2006" xmlns:p14="http://schemas.microsoft.com/office/powerpoint/2010/main">
-    <mc:Choice Requires="p14">
-      <p:transition spd="slow" p14:dur="2000"/>
-    </mc:Choice>
-    <mc:Fallback xmlns="">
-      <p:transition xmlns:p14="http://schemas.microsoft.com/office/powerpoint/2010/main" spd="slow"/>
-    </mc:Fallback>
-  </mc:AlternateContent>
-  <p:timing>
-    <p:tnLst>
-      <p:par>
-        <p:cTn xmlns:p14="http://schemas.microsoft.com/office/powerpoint/2010/main" id="1" dur="indefinite" restart="never" nodeType="tmRoot"/>
-      </p:par>
-    </p:tnLst>
-  </p:timing>
 </p:sld>
 </file>
 
@@ -6194,14 +5932,14 @@
           <a:noFill/>
           <a:extLst>
             <a:ext uri="{909E8E84-426E-40dd-AFC4-6F175D3DCCD1}">
-              <a14:hiddenFill xmlns:a14="http://schemas.microsoft.com/office/drawing/2010/main">
+              <a14:hiddenFill xmlns:a14="http://schemas.microsoft.com/office/drawing/2010/main" xmlns="">
                 <a:solidFill>
                   <a:srgbClr val="FFFFFF"/>
                 </a:solidFill>
               </a14:hiddenFill>
             </a:ext>
             <a:ext uri="{91240B29-F687-4f45-9708-019B960494DF}">
-              <a14:hiddenLine xmlns:a14="http://schemas.microsoft.com/office/drawing/2010/main" w="9525">
+              <a14:hiddenLine xmlns:a14="http://schemas.microsoft.com/office/drawing/2010/main" xmlns="" w="9525">
                 <a:solidFill>
                   <a:srgbClr val="000000"/>
                 </a:solidFill>
@@ -6265,14 +6003,14 @@
           </a:ln>
           <a:extLst>
             <a:ext uri="{909E8E84-426E-40dd-AFC4-6F175D3DCCD1}">
-              <a14:hiddenFill xmlns:a14="http://schemas.microsoft.com/office/drawing/2010/main">
+              <a14:hiddenFill xmlns:a14="http://schemas.microsoft.com/office/drawing/2010/main" xmlns="">
                 <a:solidFill>
                   <a:srgbClr val="FFFFFF"/>
                 </a:solidFill>
               </a14:hiddenFill>
             </a:ext>
             <a:ext uri="{91240B29-F687-4f45-9708-019B960494DF}">
-              <a14:hiddenLine xmlns:a14="http://schemas.microsoft.com/office/drawing/2010/main" w="9525">
+              <a14:hiddenLine xmlns:a14="http://schemas.microsoft.com/office/drawing/2010/main" xmlns="" w="9525">
                 <a:solidFill>
                   <a:srgbClr val="000000"/>
                 </a:solidFill>
@@ -6294,21 +6032,6 @@
   <p:clrMapOvr>
     <a:masterClrMapping/>
   </p:clrMapOvr>
-  <mc:AlternateContent xmlns:mc="http://schemas.openxmlformats.org/markup-compatibility/2006" xmlns:p14="http://schemas.microsoft.com/office/powerpoint/2010/main">
-    <mc:Choice Requires="p14">
-      <p:transition spd="slow" p14:dur="2000"/>
-    </mc:Choice>
-    <mc:Fallback xmlns="">
-      <p:transition xmlns:p14="http://schemas.microsoft.com/office/powerpoint/2010/main" spd="slow"/>
-    </mc:Fallback>
-  </mc:AlternateContent>
-  <p:timing>
-    <p:tnLst>
-      <p:par>
-        <p:cTn xmlns:p14="http://schemas.microsoft.com/office/powerpoint/2010/main" id="1" dur="indefinite" restart="never" nodeType="tmRoot"/>
-      </p:par>
-    </p:tnLst>
-  </p:timing>
 </p:sld>
 </file>
 
@@ -6343,14 +6066,14 @@
           <a:noFill/>
           <a:extLst>
             <a:ext uri="{909E8E84-426E-40dd-AFC4-6F175D3DCCD1}">
-              <a14:hiddenFill xmlns:a14="http://schemas.microsoft.com/office/drawing/2010/main">
+              <a14:hiddenFill xmlns:a14="http://schemas.microsoft.com/office/drawing/2010/main" xmlns="">
                 <a:solidFill>
                   <a:srgbClr val="FFFFFF"/>
                 </a:solidFill>
               </a14:hiddenFill>
             </a:ext>
             <a:ext uri="{91240B29-F687-4f45-9708-019B960494DF}">
-              <a14:hiddenLine xmlns:a14="http://schemas.microsoft.com/office/drawing/2010/main" w="9525">
+              <a14:hiddenLine xmlns:a14="http://schemas.microsoft.com/office/drawing/2010/main" xmlns="" w="9525">
                 <a:solidFill>
                   <a:srgbClr val="000000"/>
                 </a:solidFill>
@@ -6394,14 +6117,14 @@
           <a:noFill/>
           <a:extLst>
             <a:ext uri="{909E8E84-426E-40dd-AFC4-6F175D3DCCD1}">
-              <a14:hiddenFill xmlns:a14="http://schemas.microsoft.com/office/drawing/2010/main">
+              <a14:hiddenFill xmlns:a14="http://schemas.microsoft.com/office/drawing/2010/main" xmlns="">
                 <a:solidFill>
                   <a:srgbClr val="FFFFFF"/>
                 </a:solidFill>
               </a14:hiddenFill>
             </a:ext>
             <a:ext uri="{91240B29-F687-4f45-9708-019B960494DF}">
-              <a14:hiddenLine xmlns:a14="http://schemas.microsoft.com/office/drawing/2010/main" w="9525">
+              <a14:hiddenLine xmlns:a14="http://schemas.microsoft.com/office/drawing/2010/main" xmlns="" w="9525">
                 <a:solidFill>
                   <a:srgbClr val="000000"/>
                 </a:solidFill>
@@ -6501,21 +6224,6 @@
   <p:clrMapOvr>
     <a:masterClrMapping/>
   </p:clrMapOvr>
-  <mc:AlternateContent xmlns:mc="http://schemas.openxmlformats.org/markup-compatibility/2006" xmlns:p14="http://schemas.microsoft.com/office/powerpoint/2010/main">
-    <mc:Choice Requires="p14">
-      <p:transition spd="slow" p14:dur="2000"/>
-    </mc:Choice>
-    <mc:Fallback xmlns="">
-      <p:transition xmlns:p14="http://schemas.microsoft.com/office/powerpoint/2010/main" spd="slow"/>
-    </mc:Fallback>
-  </mc:AlternateContent>
-  <p:timing>
-    <p:tnLst>
-      <p:par>
-        <p:cTn xmlns:p14="http://schemas.microsoft.com/office/powerpoint/2010/main" id="1" dur="indefinite" restart="never" nodeType="tmRoot"/>
-      </p:par>
-    </p:tnLst>
-  </p:timing>
 </p:sld>
 </file>
 
@@ -6570,13 +6278,6 @@
   <p:clrMapOvr>
     <a:masterClrMapping/>
   </p:clrMapOvr>
-  <p:timing>
-    <p:tnLst>
-      <p:par>
-        <p:cTn xmlns:p14="http://schemas.microsoft.com/office/powerpoint/2010/main" id="1" dur="indefinite" restart="never" nodeType="tmRoot"/>
-      </p:par>
-    </p:tnLst>
-  </p:timing>
 </p:sld>
 </file>
 
@@ -6613,10 +6314,9 @@
           <a:lstStyle/>
           <a:p>
             <a:r>
-              <a:rPr lang="en-US" dirty="0" smtClean="0"/>
+              <a:rPr lang="en-US" dirty="0"/>
               <a:t>Apologies for the Jargon</a:t>
             </a:r>
-            <a:endParaRPr lang="en-US" dirty="0"/>
           </a:p>
         </p:txBody>
       </p:sp>
@@ -6636,41 +6336,28 @@
           <a:lstStyle/>
           <a:p>
             <a:r>
-              <a:rPr lang="en-US" dirty="0" smtClean="0"/>
+              <a:rPr lang="en-US" dirty="0"/>
               <a:t>There is a lot!</a:t>
             </a:r>
           </a:p>
           <a:p>
             <a:pPr lvl="1"/>
             <a:r>
-              <a:rPr lang="en-US" dirty="0" err="1" smtClean="0"/>
-              <a:t>Microservices</a:t>
-            </a:r>
-            <a:r>
-              <a:rPr lang="en-US" dirty="0" smtClean="0"/>
-              <a:t>, SOA, </a:t>
-            </a:r>
-            <a:r>
-              <a:rPr lang="en-US" dirty="0" err="1" smtClean="0"/>
-              <a:t>DevOps</a:t>
-            </a:r>
-            <a:r>
-              <a:rPr lang="en-US" dirty="0" smtClean="0"/>
-              <a:t>, REST, SOAP, WSDL, Swagger, JSON, XML, OAuth2, TLS, </a:t>
-            </a:r>
-            <a:r>
-              <a:rPr lang="en-US" dirty="0" err="1" smtClean="0"/>
+              <a:rPr lang="en-US" dirty="0"/>
+              <a:t>Microservices, SOA, DevOps, REST, SOAP, WSDL, Swagger, JSON, XML, OAuth2, TLS, Service Mesh, </a:t>
+            </a:r>
+            <a:r>
+              <a:rPr lang="en-US" dirty="0" err="1"/>
               <a:t>etc</a:t>
             </a:r>
-            <a:endParaRPr lang="en-US" dirty="0" smtClean="0"/>
+            <a:endParaRPr lang="en-US" dirty="0"/>
           </a:p>
           <a:p>
             <a:pPr lvl="1"/>
             <a:r>
-              <a:rPr lang="en-US" dirty="0" smtClean="0"/>
+              <a:rPr lang="en-US" dirty="0"/>
               <a:t>Please ask if I fail to explain an acronym</a:t>
             </a:r>
-            <a:endParaRPr lang="en-US" dirty="0"/>
           </a:p>
         </p:txBody>
       </p:sp>
@@ -6684,13 +6371,6 @@
   <p:clrMapOvr>
     <a:masterClrMapping/>
   </p:clrMapOvr>
-  <p:timing>
-    <p:tnLst>
-      <p:par>
-        <p:cTn xmlns:p14="http://schemas.microsoft.com/office/powerpoint/2010/main" id="1" dur="indefinite" restart="never" nodeType="tmRoot"/>
-      </p:par>
-    </p:tnLst>
-  </p:timing>
 </p:sld>
 </file>
 
@@ -6729,14 +6409,14 @@
           <a:noFill/>
           <a:extLst>
             <a:ext uri="{909E8E84-426E-40dd-AFC4-6F175D3DCCD1}">
-              <a14:hiddenFill xmlns:a14="http://schemas.microsoft.com/office/drawing/2010/main">
+              <a14:hiddenFill xmlns:a14="http://schemas.microsoft.com/office/drawing/2010/main" xmlns="">
                 <a:solidFill>
                   <a:srgbClr val="FFFFFF"/>
                 </a:solidFill>
               </a14:hiddenFill>
             </a:ext>
             <a:ext uri="{91240B29-F687-4f45-9708-019B960494DF}">
-              <a14:hiddenLine xmlns:a14="http://schemas.microsoft.com/office/drawing/2010/main" w="9525">
+              <a14:hiddenLine xmlns:a14="http://schemas.microsoft.com/office/drawing/2010/main" xmlns="" w="9525">
                 <a:solidFill>
                   <a:srgbClr val="000000"/>
                 </a:solidFill>
@@ -6784,14 +6464,14 @@
           <a:noFill/>
           <a:extLst>
             <a:ext uri="{909E8E84-426E-40dd-AFC4-6F175D3DCCD1}">
-              <a14:hiddenFill xmlns:a14="http://schemas.microsoft.com/office/drawing/2010/main">
+              <a14:hiddenFill xmlns:a14="http://schemas.microsoft.com/office/drawing/2010/main" xmlns="">
                 <a:solidFill>
                   <a:srgbClr val="FFFFFF"/>
                 </a:solidFill>
               </a14:hiddenFill>
             </a:ext>
             <a:ext uri="{91240B29-F687-4f45-9708-019B960494DF}">
-              <a14:hiddenLine xmlns:a14="http://schemas.microsoft.com/office/drawing/2010/main" w="9525">
+              <a14:hiddenLine xmlns:a14="http://schemas.microsoft.com/office/drawing/2010/main" xmlns="" w="9525">
                 <a:solidFill>
                   <a:srgbClr val="000000"/>
                 </a:solidFill>
@@ -6813,7 +6493,7 @@
           <a:p>
             <a:pPr eaLnBrk="1" hangingPunct="1"/>
             <a:r>
-              <a:rPr lang="en-US" sz="2000" dirty="0" smtClean="0">
+              <a:rPr lang="en-US" sz="2000" dirty="0">
                 <a:ea typeface="ヒラギノ角ゴ ProN W3" charset="0"/>
                 <a:cs typeface="ヒラギノ角ゴ ProN W3" charset="0"/>
               </a:rPr>
@@ -6823,7 +6503,7 @@
           <a:p>
             <a:pPr lvl="1"/>
             <a:r>
-              <a:rPr lang="en-US" sz="2000" dirty="0" smtClean="0">
+              <a:rPr lang="en-US" sz="2000" dirty="0">
                 <a:ea typeface="ヒラギノ角ゴ ProN W3" charset="0"/>
                 <a:cs typeface="ヒラギノ角ゴ ProN W3" charset="0"/>
               </a:rPr>
@@ -6833,21 +6513,21 @@
           <a:p>
             <a:pPr lvl="1"/>
             <a:r>
-              <a:rPr lang="en-US" sz="2000" dirty="0" smtClean="0">
+              <a:rPr lang="en-US" sz="2000" dirty="0">
                 <a:ea typeface="ヒラギノ角ゴ ProN W3" charset="0"/>
                 <a:cs typeface="ヒラギノ角ゴ ProN W3" charset="0"/>
               </a:rPr>
               <a:t>Services, </a:t>
             </a:r>
             <a:r>
-              <a:rPr lang="en-US" sz="2000" dirty="0" err="1" smtClean="0">
+              <a:rPr lang="en-US" sz="2000" dirty="0" err="1">
                 <a:ea typeface="ヒラギノ角ゴ ProN W3" charset="0"/>
                 <a:cs typeface="ヒラギノ角ゴ ProN W3" charset="0"/>
               </a:rPr>
               <a:t>Microservices</a:t>
             </a:r>
             <a:r>
-              <a:rPr lang="en-US" sz="2000" dirty="0" smtClean="0">
+              <a:rPr lang="en-US" sz="2000" dirty="0">
                 <a:ea typeface="ヒラギノ角ゴ ProN W3" charset="0"/>
                 <a:cs typeface="ヒラギノ角ゴ ProN W3" charset="0"/>
               </a:rPr>
@@ -6857,7 +6537,7 @@
           <a:p>
             <a:pPr lvl="1"/>
             <a:r>
-              <a:rPr lang="en-US" sz="2000" dirty="0" smtClean="0">
+              <a:rPr lang="en-US" sz="2000" dirty="0">
                 <a:ea typeface="ヒラギノ角ゴ ProN W3" charset="0"/>
                 <a:cs typeface="ヒラギノ角ゴ ProN W3" charset="0"/>
               </a:rPr>
@@ -6867,7 +6547,7 @@
           <a:p>
             <a:pPr lvl="1"/>
             <a:r>
-              <a:rPr lang="en-US" sz="2000" dirty="0" smtClean="0">
+              <a:rPr lang="en-US" sz="2000" dirty="0">
                 <a:ea typeface="ヒラギノ角ゴ ProN W3" charset="0"/>
                 <a:cs typeface="ヒラギノ角ゴ ProN W3" charset="0"/>
               </a:rPr>
@@ -6876,7 +6556,7 @@
           </a:p>
           <a:p>
             <a:r>
-              <a:rPr lang="en-US" sz="2000" dirty="0" smtClean="0">
+              <a:rPr lang="en-US" sz="2000" dirty="0">
                 <a:ea typeface="ヒラギノ角ゴ ProN W3" charset="0"/>
                 <a:cs typeface="ヒラギノ角ゴ ProN W3" charset="0"/>
               </a:rPr>
@@ -6886,31 +6566,17 @@
           <a:p>
             <a:pPr lvl="1"/>
             <a:r>
-              <a:rPr lang="en-US" sz="2000" dirty="0" smtClean="0">
-                <a:ea typeface="ヒラギノ角ゴ ProN W3" charset="0"/>
-                <a:cs typeface="ヒラギノ角ゴ ProN W3" charset="0"/>
-              </a:rPr>
-              <a:t>REST </a:t>
-            </a:r>
-            <a:r>
-              <a:rPr lang="en-US" sz="2000" dirty="0" smtClean="0">
-                <a:ea typeface="ヒラギノ角ゴ ProN W3" charset="0"/>
-                <a:cs typeface="ヒラギノ角ゴ ProN W3" charset="0"/>
-              </a:rPr>
-              <a:t>based </a:t>
-            </a:r>
-            <a:r>
-              <a:rPr lang="en-US" sz="2000" dirty="0" smtClean="0">
-                <a:ea typeface="ヒラギノ角ゴ ProN W3" charset="0"/>
-                <a:cs typeface="ヒラギノ角ゴ ProN W3" charset="0"/>
-              </a:rPr>
-              <a:t>services</a:t>
+              <a:rPr lang="en-US" sz="2000" dirty="0">
+                <a:ea typeface="ヒラギノ角ゴ ProN W3" charset="0"/>
+                <a:cs typeface="ヒラギノ角ゴ ProN W3" charset="0"/>
+              </a:rPr>
+              <a:t>REST based services</a:t>
             </a:r>
           </a:p>
           <a:p>
             <a:pPr lvl="1"/>
             <a:r>
-              <a:rPr lang="en-US" sz="2000" dirty="0" smtClean="0">
+              <a:rPr lang="en-US" sz="2000" dirty="0">
                 <a:ea typeface="ヒラギノ角ゴ ProN W3" charset="0"/>
                 <a:cs typeface="ヒラギノ角ゴ ProN W3" charset="0"/>
               </a:rPr>
@@ -6920,20 +6586,30 @@
           <a:p>
             <a:pPr lvl="1"/>
             <a:r>
-              <a:rPr lang="en-US" sz="2000" dirty="0" err="1" smtClean="0">
+              <a:rPr lang="en-US" sz="2000" dirty="0" err="1">
                 <a:ea typeface="ヒラギノ角ゴ ProN W3" charset="0"/>
                 <a:cs typeface="ヒラギノ角ゴ ProN W3" charset="0"/>
               </a:rPr>
               <a:t>gRPC</a:t>
             </a:r>
             <a:r>
-              <a:rPr lang="en-US" sz="2000" dirty="0" smtClean="0">
+              <a:rPr lang="en-US" sz="2000" dirty="0">
                 <a:ea typeface="ヒラギノ角ゴ ProN W3" charset="0"/>
                 <a:cs typeface="ヒラギノ角ゴ ProN W3" charset="0"/>
               </a:rPr>
               <a:t> and binary protocol based services</a:t>
             </a:r>
-            <a:endParaRPr lang="en-US" sz="2000" dirty="0" smtClean="0">
+          </a:p>
+          <a:p>
+            <a:pPr lvl="1"/>
+            <a:r>
+              <a:rPr lang="en-US" sz="2000" dirty="0" err="1">
+                <a:ea typeface="ヒラギノ角ゴ ProN W3" charset="0"/>
+                <a:cs typeface="ヒラギノ角ゴ ProN W3" charset="0"/>
+              </a:rPr>
+              <a:t>Microservices</a:t>
+            </a:r>
+            <a:endParaRPr lang="en-US" sz="2000" dirty="0">
               <a:ea typeface="ヒラギノ角ゴ ProN W3" charset="0"/>
               <a:cs typeface="ヒラギノ角ゴ ProN W3" charset="0"/>
             </a:endParaRPr>
@@ -6941,41 +6617,27 @@
           <a:p>
             <a:pPr lvl="1"/>
             <a:r>
-              <a:rPr lang="en-US" sz="2000" dirty="0" err="1" smtClean="0">
-                <a:ea typeface="ヒラギノ角ゴ ProN W3" charset="0"/>
-                <a:cs typeface="ヒラギノ角ゴ ProN W3" charset="0"/>
-              </a:rPr>
-              <a:t>Microservices</a:t>
-            </a:r>
-            <a:endParaRPr lang="en-US" sz="2000" dirty="0" smtClean="0">
-              <a:ea typeface="ヒラギノ角ゴ ProN W3" charset="0"/>
-              <a:cs typeface="ヒラギノ角ゴ ProN W3" charset="0"/>
-            </a:endParaRPr>
+              <a:rPr lang="en-US" sz="2000" dirty="0">
+                <a:ea typeface="ヒラギノ角ゴ ProN W3" charset="0"/>
+                <a:cs typeface="ヒラギノ角ゴ ProN W3" charset="0"/>
+              </a:rPr>
+              <a:t>Mediation and BPMN flows</a:t>
+            </a:r>
           </a:p>
           <a:p>
             <a:pPr lvl="1"/>
             <a:r>
-              <a:rPr lang="en-US" sz="2000" dirty="0" smtClean="0">
-                <a:ea typeface="ヒラギノ角ゴ ProN W3" charset="0"/>
-                <a:cs typeface="ヒラギノ角ゴ ProN W3" charset="0"/>
-              </a:rPr>
-              <a:t>Mediation and BPMN flows</a:t>
+              <a:rPr lang="en-US" sz="2000" dirty="0">
+                <a:ea typeface="ヒラギノ角ゴ ProN W3" charset="0"/>
+                <a:cs typeface="ヒラギノ角ゴ ProN W3" charset="0"/>
+              </a:rPr>
+              <a:t>OAuth2 and SSL secured services</a:t>
             </a:r>
           </a:p>
           <a:p>
             <a:pPr lvl="1"/>
             <a:r>
-              <a:rPr lang="en-US" sz="2000" dirty="0" smtClean="0">
-                <a:ea typeface="ヒラギノ角ゴ ProN W3" charset="0"/>
-                <a:cs typeface="ヒラギノ角ゴ ProN W3" charset="0"/>
-              </a:rPr>
-              <a:t>OAuth2 and SSL secured services</a:t>
-            </a:r>
-          </a:p>
-          <a:p>
-            <a:pPr lvl="1"/>
-            <a:r>
-              <a:rPr lang="en-US" sz="2000" dirty="0" smtClean="0">
+              <a:rPr lang="en-US" sz="2000" dirty="0">
                 <a:ea typeface="ヒラギノ角ゴ ProN W3" charset="0"/>
                 <a:cs typeface="ヒラギノ角ゴ ProN W3" charset="0"/>
               </a:rPr>
@@ -7001,21 +6663,6 @@
   <p:clrMapOvr>
     <a:masterClrMapping/>
   </p:clrMapOvr>
-  <mc:AlternateContent xmlns:mc="http://schemas.openxmlformats.org/markup-compatibility/2006" xmlns:p14="http://schemas.microsoft.com/office/powerpoint/2010/main">
-    <mc:Choice Requires="p14">
-      <p:transition spd="slow" p14:dur="2000"/>
-    </mc:Choice>
-    <mc:Fallback xmlns="">
-      <p:transition xmlns:p14="http://schemas.microsoft.com/office/powerpoint/2010/main" spd="slow"/>
-    </mc:Fallback>
-  </mc:AlternateContent>
-  <p:timing>
-    <p:tnLst>
-      <p:par>
-        <p:cTn xmlns:p14="http://schemas.microsoft.com/office/powerpoint/2010/main" id="1" dur="indefinite" restart="never" nodeType="tmRoot"/>
-      </p:par>
-    </p:tnLst>
-  </p:timing>
 </p:sld>
 </file>
 
@@ -7054,14 +6701,14 @@
           <a:lstStyle/>
           <a:p>
             <a:r>
-              <a:rPr lang="en-US" dirty="0" smtClean="0"/>
+              <a:rPr lang="en-US" dirty="0"/>
               <a:t>Pre-requisites</a:t>
             </a:r>
             <a:br>
-              <a:rPr lang="en-US" dirty="0" smtClean="0"/>
+              <a:rPr lang="en-US" dirty="0"/>
             </a:br>
             <a:r>
-              <a:rPr lang="en-US" sz="3100" dirty="0" smtClean="0"/>
+              <a:rPr lang="en-US" sz="3100" dirty="0"/>
               <a:t>(Some familiarity required)</a:t>
             </a:r>
             <a:endParaRPr lang="en-US" dirty="0"/>
@@ -7084,19 +6731,19 @@
           <a:lstStyle/>
           <a:p>
             <a:r>
-              <a:rPr lang="en-US" dirty="0" smtClean="0"/>
+              <a:rPr lang="en-US" dirty="0"/>
               <a:t>Languages: Java, Node, Python</a:t>
             </a:r>
           </a:p>
           <a:p>
             <a:r>
-              <a:rPr lang="en-US" dirty="0" smtClean="0"/>
+              <a:rPr lang="en-US" dirty="0"/>
               <a:t>Data formats: JSON and XML</a:t>
             </a:r>
           </a:p>
           <a:p>
             <a:r>
-              <a:rPr lang="en-US" dirty="0" smtClean="0"/>
+              <a:rPr lang="en-US" dirty="0"/>
               <a:t>Tools: Unix shell, Eclipse, Text editors</a:t>
             </a:r>
           </a:p>
@@ -7115,21 +6762,6 @@
   <p:clrMapOvr>
     <a:masterClrMapping/>
   </p:clrMapOvr>
-  <mc:AlternateContent xmlns:mc="http://schemas.openxmlformats.org/markup-compatibility/2006" xmlns:p14="http://schemas.microsoft.com/office/powerpoint/2010/main">
-    <mc:Choice Requires="p14">
-      <p:transition spd="slow" p14:dur="2000"/>
-    </mc:Choice>
-    <mc:Fallback xmlns="">
-      <p:transition xmlns:p14="http://schemas.microsoft.com/office/powerpoint/2010/main" spd="slow"/>
-    </mc:Fallback>
-  </mc:AlternateContent>
-  <p:timing>
-    <p:tnLst>
-      <p:par>
-        <p:cTn xmlns:p14="http://schemas.microsoft.com/office/powerpoint/2010/main" id="1" dur="indefinite" restart="never" nodeType="tmRoot"/>
-      </p:par>
-    </p:tnLst>
-  </p:timing>
 </p:sld>
 </file>
 
@@ -7164,14 +6796,14 @@
           <a:noFill/>
           <a:extLst>
             <a:ext uri="{909E8E84-426E-40dd-AFC4-6F175D3DCCD1}">
-              <a14:hiddenFill xmlns:a14="http://schemas.microsoft.com/office/drawing/2010/main">
+              <a14:hiddenFill xmlns:a14="http://schemas.microsoft.com/office/drawing/2010/main" xmlns="">
                 <a:solidFill>
                   <a:srgbClr val="FFFFFF"/>
                 </a:solidFill>
               </a14:hiddenFill>
             </a:ext>
             <a:ext uri="{91240B29-F687-4f45-9708-019B960494DF}">
-              <a14:hiddenLine xmlns:a14="http://schemas.microsoft.com/office/drawing/2010/main" w="9525">
+              <a14:hiddenLine xmlns:a14="http://schemas.microsoft.com/office/drawing/2010/main" xmlns="" w="9525">
                 <a:solidFill>
                   <a:srgbClr val="000000"/>
                 </a:solidFill>
@@ -7215,14 +6847,14 @@
           <a:noFill/>
           <a:extLst>
             <a:ext uri="{909E8E84-426E-40dd-AFC4-6F175D3DCCD1}">
-              <a14:hiddenFill xmlns:a14="http://schemas.microsoft.com/office/drawing/2010/main">
+              <a14:hiddenFill xmlns:a14="http://schemas.microsoft.com/office/drawing/2010/main" xmlns="">
                 <a:solidFill>
                   <a:srgbClr val="FFFFFF"/>
                 </a:solidFill>
               </a14:hiddenFill>
             </a:ext>
             <a:ext uri="{91240B29-F687-4f45-9708-019B960494DF}">
-              <a14:hiddenLine xmlns:a14="http://schemas.microsoft.com/office/drawing/2010/main" w="9525">
+              <a14:hiddenLine xmlns:a14="http://schemas.microsoft.com/office/drawing/2010/main" xmlns="" w="9525">
                 <a:solidFill>
                   <a:srgbClr val="000000"/>
                 </a:solidFill>
@@ -7244,7 +6876,7 @@
           <a:p>
             <a:pPr eaLnBrk="1" hangingPunct="1"/>
             <a:r>
-              <a:rPr lang="en-US" sz="2800" dirty="0" smtClean="0">
+              <a:rPr lang="en-US" sz="2800" dirty="0">
                 <a:ea typeface="ヒラギノ角ゴ ProN W3" charset="0"/>
                 <a:cs typeface="ヒラギノ角ゴ ProN W3" charset="0"/>
               </a:rPr>
@@ -7254,7 +6886,7 @@
           <a:p>
             <a:pPr eaLnBrk="1" hangingPunct="1"/>
             <a:r>
-              <a:rPr lang="en-US" sz="2800" dirty="0" smtClean="0">
+              <a:rPr lang="en-US" sz="2800" dirty="0">
                 <a:ea typeface="ヒラギノ角ゴ ProN W3" charset="0"/>
                 <a:cs typeface="ヒラギノ角ゴ ProN W3" charset="0"/>
               </a:rPr>
@@ -7264,24 +6896,17 @@
           <a:p>
             <a:pPr eaLnBrk="1" hangingPunct="1"/>
             <a:r>
-              <a:rPr lang="en-US" sz="2800" dirty="0" smtClean="0">
-                <a:ea typeface="ヒラギノ角ゴ ProN W3" charset="0"/>
-                <a:cs typeface="ヒラギノ角ゴ ProN W3" charset="0"/>
-              </a:rPr>
-              <a:t>REST </a:t>
-            </a:r>
-            <a:r>
-              <a:rPr lang="en-US" sz="2800" dirty="0" smtClean="0">
-                <a:ea typeface="ヒラギノ角ゴ ProN W3" charset="0"/>
-                <a:cs typeface="ヒラギノ角ゴ ProN W3" charset="0"/>
-              </a:rPr>
-              <a:t>introduction</a:t>
+              <a:rPr lang="en-US" sz="2800" dirty="0">
+                <a:ea typeface="ヒラギノ角ゴ ProN W3" charset="0"/>
+                <a:cs typeface="ヒラギノ角ゴ ProN W3" charset="0"/>
+              </a:rPr>
+              <a:t>REST introduction</a:t>
             </a:r>
           </a:p>
           <a:p>
             <a:pPr eaLnBrk="1" hangingPunct="1"/>
             <a:r>
-              <a:rPr lang="en-US" sz="2800" dirty="0" smtClean="0">
+              <a:rPr lang="en-US" sz="2800" dirty="0">
                 <a:ea typeface="ヒラギノ角ゴ ProN W3" charset="0"/>
                 <a:cs typeface="ヒラギノ角ゴ ProN W3" charset="0"/>
               </a:rPr>
@@ -7291,7 +6916,7 @@
           <a:p>
             <a:pPr eaLnBrk="1" hangingPunct="1"/>
             <a:r>
-              <a:rPr lang="en-US" sz="2800" dirty="0" smtClean="0">
+              <a:rPr lang="en-US" sz="2800" dirty="0">
                 <a:ea typeface="ヒラギノ角ゴ ProN W3" charset="0"/>
                 <a:cs typeface="ヒラギノ角ゴ ProN W3" charset="0"/>
               </a:rPr>
@@ -7304,61 +6929,50 @@
                 <a:ea typeface="ヒラギノ角ゴ ProN W3" charset="0"/>
                 <a:cs typeface="ヒラギノ角ゴ ProN W3" charset="0"/>
               </a:rPr>
-              <a:t>SOAP and </a:t>
-            </a:r>
-            <a:r>
-              <a:rPr lang="en-US" dirty="0" smtClean="0">
-                <a:ea typeface="ヒラギノ角ゴ ProN W3" charset="0"/>
-                <a:cs typeface="ヒラギノ角ゴ ProN W3" charset="0"/>
-              </a:rPr>
-              <a:t>WSDL</a:t>
-            </a:r>
-            <a:endParaRPr lang="en-US" sz="2800" dirty="0" smtClean="0">
-              <a:ea typeface="ヒラギノ角ゴ ProN W3" charset="0"/>
-              <a:cs typeface="ヒラギノ角ゴ ProN W3" charset="0"/>
-            </a:endParaRPr>
-          </a:p>
-          <a:p>
-            <a:pPr eaLnBrk="1" hangingPunct="1"/>
-            <a:r>
-              <a:rPr lang="en-US" sz="2800" dirty="0" smtClean="0">
-                <a:ea typeface="ヒラギノ角ゴ ProN W3" charset="0"/>
-                <a:cs typeface="ヒラギノ角ゴ ProN W3" charset="0"/>
-              </a:rPr>
-              <a:t>Microservices architecture</a:t>
-            </a:r>
-          </a:p>
-          <a:p>
-            <a:pPr eaLnBrk="1" hangingPunct="1"/>
-            <a:r>
-              <a:rPr lang="en-US" dirty="0" smtClean="0">
-                <a:ea typeface="ヒラギノ角ゴ ProN W3" charset="0"/>
-                <a:cs typeface="ヒラギノ角ゴ ProN W3" charset="0"/>
-              </a:rPr>
-              <a:t>Event Architectures</a:t>
-            </a:r>
-          </a:p>
-          <a:p>
-            <a:pPr eaLnBrk="1" hangingPunct="1"/>
-            <a:r>
-              <a:rPr lang="en-US" sz="2800" dirty="0" err="1" smtClean="0">
-                <a:ea typeface="ヒラギノ角ゴ ProN W3" charset="0"/>
-                <a:cs typeface="ヒラギノ角ゴ ProN W3" charset="0"/>
-              </a:rPr>
-              <a:t>gRPC</a:t>
-            </a:r>
-            <a:r>
-              <a:rPr lang="en-US" sz="2800" dirty="0" smtClean="0">
-                <a:ea typeface="ヒラギノ角ゴ ProN W3" charset="0"/>
-                <a:cs typeface="ヒラギノ角ゴ ProN W3" charset="0"/>
-              </a:rPr>
-              <a:t> and binary protocols</a:t>
+              <a:t>SOAP and WSDL</a:t>
             </a:r>
             <a:endParaRPr lang="en-US" sz="2800" dirty="0">
               <a:ea typeface="ヒラギノ角ゴ ProN W3" charset="0"/>
               <a:cs typeface="ヒラギノ角ゴ ProN W3" charset="0"/>
             </a:endParaRPr>
           </a:p>
+          <a:p>
+            <a:pPr eaLnBrk="1" hangingPunct="1"/>
+            <a:r>
+              <a:rPr lang="en-US" sz="2800" dirty="0">
+                <a:ea typeface="ヒラギノ角ゴ ProN W3" charset="0"/>
+                <a:cs typeface="ヒラギノ角ゴ ProN W3" charset="0"/>
+              </a:rPr>
+              <a:t>Microservices architecture</a:t>
+            </a:r>
+          </a:p>
+          <a:p>
+            <a:pPr eaLnBrk="1" hangingPunct="1"/>
+            <a:r>
+              <a:rPr lang="en-US" dirty="0">
+                <a:ea typeface="ヒラギノ角ゴ ProN W3" charset="0"/>
+                <a:cs typeface="ヒラギノ角ゴ ProN W3" charset="0"/>
+              </a:rPr>
+              <a:t>Event Architectures</a:t>
+            </a:r>
+          </a:p>
+          <a:p>
+            <a:pPr eaLnBrk="1" hangingPunct="1"/>
+            <a:r>
+              <a:rPr lang="en-US" sz="2800" dirty="0" err="1">
+                <a:ea typeface="ヒラギノ角ゴ ProN W3" charset="0"/>
+                <a:cs typeface="ヒラギノ角ゴ ProN W3" charset="0"/>
+              </a:rPr>
+              <a:t>gRPC</a:t>
+            </a:r>
+            <a:r>
+              <a:rPr lang="en-US" sz="2800" dirty="0">
+                <a:ea typeface="ヒラギノ角ゴ ProN W3" charset="0"/>
+                <a:cs typeface="ヒラギノ角ゴ ProN W3" charset="0"/>
+              </a:rPr>
+              <a:t> and binary protocols</a:t>
+            </a:r>
+          </a:p>
         </p:txBody>
       </p:sp>
       <p:sp>
@@ -7379,54 +6993,53 @@
           <a:lstStyle/>
           <a:p>
             <a:r>
-              <a:rPr lang="en-US" dirty="0" smtClean="0"/>
+              <a:rPr lang="en-US" dirty="0"/>
               <a:t>Deployment, </a:t>
             </a:r>
             <a:r>
-              <a:rPr lang="en-US" dirty="0" err="1" smtClean="0"/>
+              <a:rPr lang="en-US" dirty="0" err="1"/>
               <a:t>DevOps</a:t>
             </a:r>
             <a:r>
-              <a:rPr lang="en-US" dirty="0" smtClean="0"/>
+              <a:rPr lang="en-US" dirty="0"/>
               <a:t>, containers and cloud-native applications</a:t>
             </a:r>
           </a:p>
           <a:p>
             <a:r>
-              <a:rPr lang="en-US" dirty="0" smtClean="0"/>
+              <a:rPr lang="en-US" dirty="0"/>
               <a:t>Integration and ESBs</a:t>
             </a:r>
           </a:p>
           <a:p>
             <a:r>
-              <a:rPr lang="en-US" dirty="0" smtClean="0"/>
+              <a:rPr lang="en-US" dirty="0"/>
               <a:t>Security</a:t>
             </a:r>
           </a:p>
           <a:p>
             <a:r>
-              <a:rPr lang="en-US" dirty="0" smtClean="0"/>
+              <a:rPr lang="en-US" dirty="0"/>
               <a:t>API and API Management</a:t>
             </a:r>
           </a:p>
           <a:p>
             <a:r>
-              <a:rPr lang="en-US" dirty="0" smtClean="0"/>
+              <a:rPr lang="en-US" dirty="0"/>
               <a:t>Orchestration and Choreography</a:t>
             </a:r>
           </a:p>
           <a:p>
             <a:r>
-              <a:rPr lang="en-US" dirty="0" smtClean="0"/>
+              <a:rPr lang="en-US" dirty="0"/>
               <a:t>Governance</a:t>
             </a:r>
           </a:p>
           <a:p>
             <a:r>
-              <a:rPr lang="en-US" dirty="0" smtClean="0"/>
+              <a:rPr lang="en-US" dirty="0"/>
               <a:t>Overview, futures, recap</a:t>
             </a:r>
-            <a:endParaRPr lang="en-US" dirty="0"/>
           </a:p>
         </p:txBody>
       </p:sp>
@@ -7440,21 +7053,6 @@
   <p:clrMapOvr>
     <a:masterClrMapping/>
   </p:clrMapOvr>
-  <mc:AlternateContent xmlns:mc="http://schemas.openxmlformats.org/markup-compatibility/2006" xmlns:p14="http://schemas.microsoft.com/office/powerpoint/2010/main">
-    <mc:Choice Requires="p14">
-      <p:transition spd="slow" p14:dur="2000"/>
-    </mc:Choice>
-    <mc:Fallback xmlns="">
-      <p:transition xmlns:p14="http://schemas.microsoft.com/office/powerpoint/2010/main" spd="slow"/>
-    </mc:Fallback>
-  </mc:AlternateContent>
-  <p:timing>
-    <p:tnLst>
-      <p:par>
-        <p:cTn xmlns:p14="http://schemas.microsoft.com/office/powerpoint/2010/main" id="1" dur="indefinite" restart="never" nodeType="tmRoot"/>
-      </p:par>
-    </p:tnLst>
-  </p:timing>
 </p:sld>
 </file>
 
@@ -7489,14 +7087,14 @@
           <a:noFill/>
           <a:extLst>
             <a:ext uri="{909E8E84-426E-40dd-AFC4-6F175D3DCCD1}">
-              <a14:hiddenFill xmlns:a14="http://schemas.microsoft.com/office/drawing/2010/main">
+              <a14:hiddenFill xmlns:a14="http://schemas.microsoft.com/office/drawing/2010/main" xmlns="">
                 <a:solidFill>
                   <a:srgbClr val="FFFFFF"/>
                 </a:solidFill>
               </a14:hiddenFill>
             </a:ext>
             <a:ext uri="{91240B29-F687-4f45-9708-019B960494DF}">
-              <a14:hiddenLine xmlns:a14="http://schemas.microsoft.com/office/drawing/2010/main" w="9525">
+              <a14:hiddenLine xmlns:a14="http://schemas.microsoft.com/office/drawing/2010/main" xmlns="" w="9525">
                 <a:solidFill>
                   <a:srgbClr val="000000"/>
                 </a:solidFill>
@@ -7544,14 +7142,14 @@
           <a:noFill/>
           <a:extLst>
             <a:ext uri="{909E8E84-426E-40dd-AFC4-6F175D3DCCD1}">
-              <a14:hiddenFill xmlns:a14="http://schemas.microsoft.com/office/drawing/2010/main">
+              <a14:hiddenFill xmlns:a14="http://schemas.microsoft.com/office/drawing/2010/main" xmlns="">
                 <a:solidFill>
                   <a:srgbClr val="FFFFFF"/>
                 </a:solidFill>
               </a14:hiddenFill>
             </a:ext>
             <a:ext uri="{91240B29-F687-4f45-9708-019B960494DF}">
-              <a14:hiddenLine xmlns:a14="http://schemas.microsoft.com/office/drawing/2010/main" w="9525">
+              <a14:hiddenLine xmlns:a14="http://schemas.microsoft.com/office/drawing/2010/main" xmlns="" w="9525">
                 <a:solidFill>
                   <a:srgbClr val="000000"/>
                 </a:solidFill>
@@ -7576,35 +7174,35 @@
               <a:buAutoNum type="alphaUcPeriod"/>
             </a:pPr>
             <a:r>
-              <a:rPr lang="en-US" sz="2400" dirty="0" smtClean="0">
+              <a:rPr lang="en-US" sz="2400" dirty="0">
                 <a:ea typeface="ヒラギノ角ゴ ProN W3" charset="0"/>
                 <a:cs typeface="ヒラギノ角ゴ ProN W3" charset="0"/>
               </a:rPr>
               <a:t>My aim is to have </a:t>
             </a:r>
             <a:r>
-              <a:rPr lang="en-US" sz="2400" b="1" dirty="0" smtClean="0">
+              <a:rPr lang="en-US" sz="2400" b="1" dirty="0">
                 <a:ea typeface="ヒラギノ角ゴ ProN W3" charset="0"/>
                 <a:cs typeface="ヒラギノ角ゴ ProN W3" charset="0"/>
               </a:rPr>
               <a:t>more</a:t>
             </a:r>
             <a:r>
-              <a:rPr lang="en-US" sz="2400" dirty="0" smtClean="0">
+              <a:rPr lang="en-US" sz="2400" dirty="0">
                 <a:ea typeface="ヒラギノ角ゴ ProN W3" charset="0"/>
                 <a:cs typeface="ヒラギノ角ゴ ProN W3" charset="0"/>
               </a:rPr>
               <a:t> </a:t>
             </a:r>
             <a:r>
-              <a:rPr lang="en-US" sz="2400" dirty="0" err="1" smtClean="0">
+              <a:rPr lang="en-US" sz="2400" dirty="0" err="1">
                 <a:ea typeface="ヒラギノ角ゴ ProN W3" charset="0"/>
                 <a:cs typeface="ヒラギノ角ゴ ProN W3" charset="0"/>
               </a:rPr>
               <a:t>practicals</a:t>
             </a:r>
             <a:r>
-              <a:rPr lang="en-US" sz="2400" dirty="0" smtClean="0">
+              <a:rPr lang="en-US" sz="2400" dirty="0">
                 <a:ea typeface="ヒラギノ角ゴ ProN W3" charset="0"/>
                 <a:cs typeface="ヒラギノ角ゴ ProN W3" charset="0"/>
               </a:rPr>
@@ -7614,21 +7212,21 @@
           <a:p>
             <a:pPr lvl="1"/>
             <a:r>
-              <a:rPr lang="en-US" sz="2000" dirty="0" smtClean="0">
+              <a:rPr lang="en-US" sz="2000" dirty="0">
                 <a:ea typeface="ヒラギノ角ゴ ProN W3" charset="0"/>
                 <a:cs typeface="ヒラギノ角ゴ ProN W3" charset="0"/>
               </a:rPr>
               <a:t>Some people finish early, so there are extensions and bonus </a:t>
             </a:r>
             <a:r>
-              <a:rPr lang="en-US" sz="2000" dirty="0" err="1" smtClean="0">
+              <a:rPr lang="en-US" sz="2000" dirty="0" err="1">
                 <a:ea typeface="ヒラギノ角ゴ ProN W3" charset="0"/>
                 <a:cs typeface="ヒラギノ角ゴ ProN W3" charset="0"/>
               </a:rPr>
               <a:t>practicals</a:t>
             </a:r>
             <a:r>
-              <a:rPr lang="en-US" sz="2000" dirty="0" smtClean="0">
+              <a:rPr lang="en-US" sz="2000" dirty="0">
                 <a:ea typeface="ヒラギノ角ゴ ProN W3" charset="0"/>
                 <a:cs typeface="ヒラギノ角ゴ ProN W3" charset="0"/>
               </a:rPr>
@@ -7638,18 +7236,11 @@
           <a:p>
             <a:pPr lvl="1"/>
             <a:r>
-              <a:rPr lang="en-US" sz="2000" dirty="0" smtClean="0">
+              <a:rPr lang="en-US" sz="2000" dirty="0">
                 <a:ea typeface="ヒラギノ角ゴ ProN W3" charset="0"/>
                 <a:cs typeface="ヒラギノ角ゴ ProN W3" charset="0"/>
               </a:rPr>
               <a:t>You might even wish to do more at home?!?</a:t>
-            </a:r>
-            <a:r>
-              <a:rPr lang="en-US" sz="2000" dirty="0">
-                <a:ea typeface="ヒラギノ角ゴ ProN W3" charset="0"/>
-                <a:cs typeface="ヒラギノ角ゴ ProN W3" charset="0"/>
-              </a:rPr>
-              <a:t/>
             </a:r>
             <a:br>
               <a:rPr lang="en-US" sz="2000" dirty="0">
@@ -7657,7 +7248,7 @@
                 <a:cs typeface="ヒラギノ角ゴ ProN W3" charset="0"/>
               </a:rPr>
             </a:br>
-            <a:endParaRPr lang="en-US" sz="2000" dirty="0" smtClean="0">
+            <a:endParaRPr lang="en-US" sz="2000" dirty="0">
               <a:ea typeface="ヒラギノ角ゴ ProN W3" charset="0"/>
               <a:cs typeface="ヒラギノ角ゴ ProN W3" charset="0"/>
             </a:endParaRPr>
@@ -7668,21 +7259,21 @@
               <a:buAutoNum type="alphaUcPeriod"/>
             </a:pPr>
             <a:r>
-              <a:rPr lang="en-US" sz="2400" dirty="0" smtClean="0">
+              <a:rPr lang="en-US" sz="2400" dirty="0">
                 <a:ea typeface="ヒラギノ角ゴ ProN W3" charset="0"/>
                 <a:cs typeface="ヒラギノ角ゴ ProN W3" charset="0"/>
               </a:rPr>
               <a:t>The </a:t>
             </a:r>
             <a:r>
-              <a:rPr lang="en-US" sz="2400" dirty="0" err="1" smtClean="0">
+              <a:rPr lang="en-US" sz="2400" dirty="0" err="1">
                 <a:ea typeface="ヒラギノ角ゴ ProN W3" charset="0"/>
                 <a:cs typeface="ヒラギノ角ゴ ProN W3" charset="0"/>
               </a:rPr>
               <a:t>practicals</a:t>
             </a:r>
             <a:r>
-              <a:rPr lang="en-US" sz="2400" dirty="0" smtClean="0">
+              <a:rPr lang="en-US" sz="2400" dirty="0">
                 <a:ea typeface="ヒラギノ角ゴ ProN W3" charset="0"/>
                 <a:cs typeface="ヒラギノ角ゴ ProN W3" charset="0"/>
               </a:rPr>
@@ -7692,7 +7283,7 @@
           <a:p>
             <a:pPr marL="914400" lvl="1" indent="-514350"/>
             <a:r>
-              <a:rPr lang="en-US" sz="2000" dirty="0" smtClean="0">
+              <a:rPr lang="en-US" sz="2000" dirty="0">
                 <a:ea typeface="ヒラギノ角ゴ ProN W3" charset="0"/>
                 <a:cs typeface="ヒラギノ角ゴ ProN W3" charset="0"/>
               </a:rPr>
@@ -7702,7 +7293,7 @@
           <a:p>
             <a:pPr marL="914400" lvl="1" indent="-514350"/>
             <a:r>
-              <a:rPr lang="en-US" sz="2000" dirty="0" smtClean="0">
+              <a:rPr lang="en-US" sz="2000" dirty="0">
                 <a:ea typeface="ヒラギノ角ゴ ProN W3" charset="0"/>
                 <a:cs typeface="ヒラギノ角ゴ ProN W3" charset="0"/>
               </a:rPr>
@@ -7712,34 +7303,34 @@
           <a:p>
             <a:pPr marL="914400" lvl="1" indent="-514350"/>
             <a:r>
-              <a:rPr lang="en-US" sz="2000" i="1" dirty="0" smtClean="0">
+              <a:rPr lang="en-US" sz="2000" i="1" dirty="0">
                 <a:ea typeface="ヒラギノ角ゴ ProN W3" charset="0"/>
                 <a:cs typeface="ヒラギノ角ゴ ProN W3" charset="0"/>
               </a:rPr>
               <a:t>You need to </a:t>
             </a:r>
             <a:r>
-              <a:rPr lang="en-US" sz="2000" b="1" i="1" dirty="0" smtClean="0">
+              <a:rPr lang="en-US" sz="2000" b="1" i="1" dirty="0">
                 <a:ea typeface="ヒラギノ角ゴ ProN W3" charset="0"/>
                 <a:cs typeface="ヒラギノ角ゴ ProN W3" charset="0"/>
               </a:rPr>
               <a:t>think</a:t>
             </a:r>
             <a:r>
-              <a:rPr lang="en-US" sz="2000" i="1" dirty="0" smtClean="0">
+              <a:rPr lang="en-US" sz="2000" i="1" dirty="0">
                 <a:ea typeface="ヒラギノ角ゴ ProN W3" charset="0"/>
                 <a:cs typeface="ヒラギノ角ゴ ProN W3" charset="0"/>
               </a:rPr>
               <a:t> and not just do as I say </a:t>
             </a:r>
             <a:br>
-              <a:rPr lang="en-US" sz="2000" i="1" dirty="0" smtClean="0">
+              <a:rPr lang="en-US" sz="2000" i="1" dirty="0">
                 <a:ea typeface="ヒラギノ角ゴ ProN W3" charset="0"/>
                 <a:cs typeface="ヒラギノ角ゴ ProN W3" charset="0"/>
               </a:rPr>
             </a:br>
             <a:r>
-              <a:rPr lang="en-US" sz="2000" i="1" dirty="0" smtClean="0">
+              <a:rPr lang="en-US" sz="2000" i="1" dirty="0">
                 <a:ea typeface="ヒラギノ角ゴ ProN W3" charset="0"/>
                 <a:cs typeface="ヒラギノ角ゴ ProN W3" charset="0"/>
               </a:rPr>
@@ -7750,7 +7341,7 @@
             <a:pPr marL="400050" lvl="1" indent="0">
               <a:buNone/>
             </a:pPr>
-            <a:endParaRPr lang="en-US" sz="2000" dirty="0" smtClean="0">
+            <a:endParaRPr lang="en-US" sz="2000" dirty="0">
               <a:ea typeface="ヒラギノ角ゴ ProN W3" charset="0"/>
               <a:cs typeface="ヒラギノ角ゴ ProN W3" charset="0"/>
             </a:endParaRPr>
@@ -7781,21 +7372,6 @@
   <p:clrMapOvr>
     <a:masterClrMapping/>
   </p:clrMapOvr>
-  <mc:AlternateContent xmlns:mc="http://schemas.openxmlformats.org/markup-compatibility/2006" xmlns:p14="http://schemas.microsoft.com/office/powerpoint/2010/main">
-    <mc:Choice Requires="p14">
-      <p:transition spd="slow" p14:dur="2000"/>
-    </mc:Choice>
-    <mc:Fallback xmlns="">
-      <p:transition xmlns:p14="http://schemas.microsoft.com/office/powerpoint/2010/main" spd="slow"/>
-    </mc:Fallback>
-  </mc:AlternateContent>
-  <p:timing>
-    <p:tnLst>
-      <p:par>
-        <p:cTn xmlns:p14="http://schemas.microsoft.com/office/powerpoint/2010/main" id="1" dur="indefinite" restart="never" nodeType="tmRoot"/>
-      </p:par>
-    </p:tnLst>
-  </p:timing>
 </p:sld>
 </file>
 
@@ -7850,13 +7426,6 @@
   <p:clrMapOvr>
     <a:masterClrMapping/>
   </p:clrMapOvr>
-  <p:timing>
-    <p:tnLst>
-      <p:par>
-        <p:cTn xmlns:p14="http://schemas.microsoft.com/office/powerpoint/2010/main" id="1" dur="indefinite" restart="never" nodeType="tmRoot"/>
-      </p:par>
-    </p:tnLst>
-  </p:timing>
 </p:sld>
 </file>
 
